--- a/docs/ARTEFATOS(15-23)/Arquitetura_Negócio/15) Arquitetura de Negócio para cada Cenário.pptx
+++ b/docs/ARTEFATOS(15-23)/Arquitetura_Negócio/15) Arquitetura de Negócio para cada Cenário.pptx
@@ -13,7 +13,6 @@
     <p:sldId id="257" r:id="rId7"/>
     <p:sldId id="258" r:id="rId8"/>
     <p:sldId id="259" r:id="rId9"/>
-    <p:sldId id="260" r:id="rId10"/>
   </p:sldIdLst>
   <p:sldSz cy="5670550" cx="10080625"/>
   <p:notesSz cx="7559675" cy="10691800"/>
@@ -248,7 +247,7 @@
   </p:defaultTextStyle>
   <p:extLst>
     <p:ext uri="http://customooxmlschemas.google.com/">
-      <go:slidesCustomData xmlns:go="http://customooxmlschemas.google.com/" r:id="rId11" roundtripDataSignature="AMtx7mg0ZIjIdazHG1AIw+IODFgNM+gHZw=="/>
+      <go:slidesCustomData xmlns:go="http://customooxmlschemas.google.com/" r:id="rId10" roundtripDataSignature="AMtx7mjyz/8X9rLjUWDyqFRyHmSy61o36A=="/>
     </p:ext>
   </p:extLst>
 </p:presentation>
@@ -883,7 +882,7 @@
   <p:cSld>
     <p:spTree>
       <p:nvGrpSpPr>
-        <p:cNvPr id="168" name="Shape 168"/>
+        <p:cNvPr id="172" name="Shape 172"/>
         <p:cNvGrpSpPr/>
         <p:nvPr/>
       </p:nvGrpSpPr>
@@ -897,7 +896,7 @@
       </p:grpSpPr>
       <p:sp>
         <p:nvSpPr>
-          <p:cNvPr id="169" name="Google Shape;169;p3:notes"/>
+          <p:cNvPr id="173" name="Google Shape;173;p3:notes"/>
           <p:cNvSpPr txBox="1"/>
           <p:nvPr>
             <p:ph idx="1" type="body"/>
@@ -936,7 +935,7 @@
       </p:sp>
       <p:sp>
         <p:nvSpPr>
-          <p:cNvPr id="170" name="Google Shape;170;p3:notes"/>
+          <p:cNvPr id="174" name="Google Shape;174;p3:notes"/>
           <p:cNvSpPr/>
           <p:nvPr>
             <p:ph idx="2" type="sldImg"/>
@@ -982,7 +981,7 @@
   <p:cSld>
     <p:spTree>
       <p:nvGrpSpPr>
-        <p:cNvPr id="188" name="Shape 188"/>
+        <p:cNvPr id="192" name="Shape 192"/>
         <p:cNvGrpSpPr/>
         <p:nvPr/>
       </p:nvGrpSpPr>
@@ -996,7 +995,7 @@
       </p:grpSpPr>
       <p:sp>
         <p:nvSpPr>
-          <p:cNvPr id="189" name="Google Shape;189;g7fec8e4825_0_0:notes"/>
+          <p:cNvPr id="193" name="Google Shape;193;g7fec8e4825_0_44:notes"/>
           <p:cNvSpPr txBox="1"/>
           <p:nvPr>
             <p:ph idx="1" type="body"/>
@@ -1035,106 +1034,7 @@
       </p:sp>
       <p:sp>
         <p:nvSpPr>
-          <p:cNvPr id="190" name="Google Shape;190;g7fec8e4825_0_0:notes"/>
-          <p:cNvSpPr/>
-          <p:nvPr>
-            <p:ph idx="2" type="sldImg"/>
-          </p:nvPr>
-        </p:nvSpPr>
-        <p:spPr>
-          <a:xfrm>
-            <a:off x="1260175" y="801875"/>
-            <a:ext cx="5040000" cy="4009500"/>
-          </a:xfrm>
-          <a:custGeom>
-            <a:rect b="b" l="l" r="r" t="t"/>
-            <a:pathLst>
-              <a:path extrusionOk="0" h="120000" w="120000">
-                <a:moveTo>
-                  <a:pt x="0" y="0"/>
-                </a:moveTo>
-                <a:lnTo>
-                  <a:pt x="120000" y="0"/>
-                </a:lnTo>
-                <a:lnTo>
-                  <a:pt x="120000" y="120000"/>
-                </a:lnTo>
-                <a:lnTo>
-                  <a:pt x="0" y="120000"/>
-                </a:lnTo>
-                <a:close/>
-              </a:path>
-            </a:pathLst>
-          </a:custGeom>
-        </p:spPr>
-      </p:sp>
-    </p:spTree>
-  </p:cSld>
-  <p:clrMapOvr>
-    <a:masterClrMapping/>
-  </p:clrMapOvr>
-</p:notes>
-</file>
-
-<file path=ppt/notesSlides/notesSlide5.xml><?xml version="1.0" encoding="utf-8"?>
-<p:notes xmlns:a="http://schemas.openxmlformats.org/drawingml/2006/main" xmlns:r="http://schemas.openxmlformats.org/officeDocument/2006/relationships" xmlns:mc="http://schemas.openxmlformats.org/markup-compatibility/2006" xmlns:mv="urn:schemas-microsoft-com:mac:vml" xmlns:p="http://schemas.openxmlformats.org/presentationml/2006/main" xmlns:c="http://schemas.openxmlformats.org/drawingml/2006/chart" xmlns:dgm="http://schemas.openxmlformats.org/drawingml/2006/diagram" xmlns:o="urn:schemas-microsoft-com:office:office" xmlns:v="urn:schemas-microsoft-com:vml" xmlns:pvml="urn:schemas-microsoft-com:office:powerpoint" xmlns:com="http://schemas.openxmlformats.org/drawingml/2006/compatibility" xmlns:p14="http://schemas.microsoft.com/office/powerpoint/2010/main" xmlns:p15="http://schemas.microsoft.com/office/powerpoint/2012/main" showMasterPhAnim="0" showMasterSp="0">
-  <p:cSld>
-    <p:spTree>
-      <p:nvGrpSpPr>
-        <p:cNvPr id="208" name="Shape 208"/>
-        <p:cNvGrpSpPr/>
-        <p:nvPr/>
-      </p:nvGrpSpPr>
-      <p:grpSpPr>
-        <a:xfrm>
-          <a:off x="0" y="0"/>
-          <a:ext cx="0" cy="0"/>
-          <a:chOff x="0" y="0"/>
-          <a:chExt cx="0" cy="0"/>
-        </a:xfrm>
-      </p:grpSpPr>
-      <p:sp>
-        <p:nvSpPr>
-          <p:cNvPr id="209" name="Google Shape;209;g7fec8e4825_0_44:notes"/>
-          <p:cNvSpPr txBox="1"/>
-          <p:nvPr>
-            <p:ph idx="1" type="body"/>
-          </p:nvPr>
-        </p:nvSpPr>
-        <p:spPr>
-          <a:xfrm>
-            <a:off x="755950" y="5078600"/>
-            <a:ext cx="6047700" cy="4811400"/>
-          </a:xfrm>
-          <a:prstGeom prst="rect">
-            <a:avLst/>
-          </a:prstGeom>
-        </p:spPr>
-        <p:txBody>
-          <a:bodyPr anchorCtr="0" anchor="t" bIns="91425" lIns="91425" spcFirstLastPara="1" rIns="91425" wrap="square" tIns="91425">
-            <a:noAutofit/>
-          </a:bodyPr>
-          <a:lstStyle/>
-          <a:p>
-            <a:pPr indent="0" lvl="0" marL="0" rtl="0" algn="l">
-              <a:spcBef>
-                <a:spcPts val="0"/>
-              </a:spcBef>
-              <a:spcAft>
-                <a:spcPts val="0"/>
-              </a:spcAft>
-              <a:buNone/>
-            </a:pPr>
-            <a:r>
-              <a:t/>
-            </a:r>
-            <a:endParaRPr/>
-          </a:p>
-        </p:txBody>
-      </p:sp>
-      <p:sp>
-        <p:nvSpPr>
-          <p:cNvPr id="210" name="Google Shape;210;g7fec8e4825_0_44:notes"/>
+          <p:cNvPr id="194" name="Google Shape;194;g7fec8e4825_0_44:notes"/>
           <p:cNvSpPr/>
           <p:nvPr>
             <p:ph idx="2" type="sldImg"/>
@@ -13659,7 +13559,7 @@
             </a:endParaRPr>
           </a:p>
           <a:p>
-            <a:pPr indent="-295200" lvl="0" marL="457200" marR="0" rtl="0" algn="l">
+            <a:pPr indent="0" lvl="0" marL="457200" marR="0" rtl="0" algn="l">
               <a:lnSpc>
                 <a:spcPct val="100000"/>
               </a:lnSpc>
@@ -13669,12 +13569,10 @@
               <a:spcAft>
                 <a:spcPts val="0"/>
               </a:spcAft>
-              <a:buSzPts val="1100"/>
-              <a:buChar char="❖"/>
+              <a:buNone/>
             </a:pPr>
             <a:r>
-              <a:rPr lang="pt-BR" sz="1100"/>
-              <a:t>Realizar pagamento.</a:t>
+              <a:t/>
             </a:r>
             <a:endParaRPr sz="1100"/>
           </a:p>
@@ -14087,8 +13985,8 @@
         </p:nvSpPr>
         <p:spPr>
           <a:xfrm>
-            <a:off x="936000" y="2614320"/>
-            <a:ext cx="3341520" cy="912240"/>
+            <a:off x="675350" y="2722832"/>
+            <a:ext cx="3341400" cy="912300"/>
           </a:xfrm>
           <a:prstGeom prst="rect">
             <a:avLst/>
@@ -15010,8 +14908,8 @@
         </p:nvSpPr>
         <p:spPr>
           <a:xfrm>
-            <a:off x="143280" y="3100680"/>
-            <a:ext cx="9413640" cy="1504080"/>
+            <a:off x="143280" y="3097455"/>
+            <a:ext cx="9413700" cy="1504200"/>
           </a:xfrm>
           <a:prstGeom prst="rect">
             <a:avLst/>
@@ -15502,6 +15400,211 @@
           </a:ln>
         </p:spPr>
       </p:sp>
+      <p:sp>
+        <p:nvSpPr>
+          <p:cNvPr id="168" name="Google Shape;168;p2"/>
+          <p:cNvSpPr/>
+          <p:nvPr/>
+        </p:nvSpPr>
+        <p:spPr>
+          <a:xfrm>
+            <a:off x="7344000" y="3744725"/>
+            <a:ext cx="1499700" cy="582900"/>
+          </a:xfrm>
+          <a:prstGeom prst="bracketPair">
+            <a:avLst/>
+          </a:prstGeom>
+          <a:noFill/>
+          <a:ln cap="flat" cmpd="sng" w="9525">
+            <a:solidFill>
+              <a:srgbClr val="595959"/>
+            </a:solidFill>
+            <a:prstDash val="solid"/>
+            <a:round/>
+            <a:headEnd len="sm" w="sm" type="none"/>
+            <a:tailEnd len="sm" w="sm" type="none"/>
+          </a:ln>
+        </p:spPr>
+        <p:txBody>
+          <a:bodyPr anchorCtr="0" anchor="ctr" bIns="91425" lIns="90000" spcFirstLastPara="1" rIns="90000" wrap="square" tIns="91425">
+            <a:noAutofit/>
+          </a:bodyPr>
+          <a:lstStyle/>
+          <a:p>
+            <a:pPr indent="-292100" lvl="0" marL="457200" rtl="0" algn="l">
+              <a:spcBef>
+                <a:spcPts val="0"/>
+              </a:spcBef>
+              <a:spcAft>
+                <a:spcPts val="0"/>
+              </a:spcAft>
+              <a:buSzPts val="1000"/>
+              <a:buChar char="●"/>
+            </a:pPr>
+            <a:r>
+              <a:rPr lang="pt-BR" sz="1000">
+                <a:solidFill>
+                  <a:schemeClr val="dk1"/>
+                </a:solidFill>
+              </a:rPr>
+              <a:t>Gerir caixa</a:t>
+            </a:r>
+            <a:endParaRPr sz="1000">
+              <a:solidFill>
+                <a:schemeClr val="dk1"/>
+              </a:solidFill>
+            </a:endParaRPr>
+          </a:p>
+          <a:p>
+            <a:pPr indent="-292100" lvl="0" marL="457200" rtl="0" algn="l">
+              <a:spcBef>
+                <a:spcPts val="0"/>
+              </a:spcBef>
+              <a:spcAft>
+                <a:spcPts val="0"/>
+              </a:spcAft>
+              <a:buSzPts val="1000"/>
+              <a:buChar char="●"/>
+            </a:pPr>
+            <a:r>
+              <a:rPr lang="pt-BR" sz="1000">
+                <a:solidFill>
+                  <a:schemeClr val="dk1"/>
+                </a:solidFill>
+              </a:rPr>
+              <a:t>Receber pagamento</a:t>
+            </a:r>
+            <a:endParaRPr sz="1000">
+              <a:solidFill>
+                <a:schemeClr val="dk1"/>
+              </a:solidFill>
+            </a:endParaRPr>
+          </a:p>
+        </p:txBody>
+      </p:sp>
+      <p:sp>
+        <p:nvSpPr>
+          <p:cNvPr id="169" name="Google Shape;169;p2"/>
+          <p:cNvSpPr/>
+          <p:nvPr/>
+        </p:nvSpPr>
+        <p:spPr>
+          <a:xfrm>
+            <a:off x="6982555" y="2053955"/>
+            <a:ext cx="1101900" cy="582900"/>
+          </a:xfrm>
+          <a:prstGeom prst="roundRect">
+            <a:avLst>
+              <a:gd fmla="val 0" name="adj"/>
+            </a:avLst>
+          </a:prstGeom>
+          <a:gradFill>
+            <a:gsLst>
+              <a:gs pos="0">
+                <a:srgbClr val="D4E5F5"/>
+              </a:gs>
+              <a:gs pos="100000">
+                <a:srgbClr val="70A4D5"/>
+              </a:gs>
+            </a:gsLst>
+            <a:path path="circle">
+              <a:fillToRect b="50%" l="50%" r="50%" t="50%"/>
+            </a:path>
+            <a:tileRect/>
+          </a:gradFill>
+          <a:ln cap="flat" cmpd="sng" w="9525">
+            <a:solidFill>
+              <a:srgbClr val="F3F3F3"/>
+            </a:solidFill>
+            <a:prstDash val="solid"/>
+            <a:round/>
+            <a:headEnd len="sm" w="sm" type="none"/>
+            <a:tailEnd len="sm" w="sm" type="none"/>
+          </a:ln>
+        </p:spPr>
+        <p:txBody>
+          <a:bodyPr anchorCtr="0" anchor="ctr" bIns="91425" lIns="90000" spcFirstLastPara="1" rIns="90000" wrap="square" tIns="91425">
+            <a:noAutofit/>
+          </a:bodyPr>
+          <a:lstStyle/>
+          <a:p>
+            <a:pPr indent="0" lvl="0" marL="0" marR="0" rtl="0" algn="ctr">
+              <a:lnSpc>
+                <a:spcPct val="100000"/>
+              </a:lnSpc>
+              <a:spcBef>
+                <a:spcPts val="0"/>
+              </a:spcBef>
+              <a:spcAft>
+                <a:spcPts val="0"/>
+              </a:spcAft>
+              <a:buNone/>
+            </a:pPr>
+            <a:r>
+              <a:rPr lang="pt-BR" sz="1000"/>
+              <a:t>Caixa</a:t>
+            </a:r>
+            <a:endParaRPr b="0" i="0" sz="1000" u="none" cap="none" strike="noStrike">
+              <a:latin typeface="Arial"/>
+              <a:ea typeface="Arial"/>
+              <a:cs typeface="Arial"/>
+              <a:sym typeface="Arial"/>
+            </a:endParaRPr>
+          </a:p>
+        </p:txBody>
+      </p:sp>
+      <p:cxnSp>
+        <p:nvCxnSpPr>
+          <p:cNvPr id="170" name="Google Shape;170;p2"/>
+          <p:cNvCxnSpPr/>
+          <p:nvPr/>
+        </p:nvCxnSpPr>
+        <p:spPr>
+          <a:xfrm>
+            <a:off x="5999050" y="1058825"/>
+            <a:ext cx="1499700" cy="969000"/>
+          </a:xfrm>
+          <a:prstGeom prst="straightConnector1">
+            <a:avLst/>
+          </a:prstGeom>
+          <a:noFill/>
+          <a:ln cap="flat" cmpd="sng" w="9525">
+            <a:solidFill>
+              <a:srgbClr val="3465A4"/>
+            </a:solidFill>
+            <a:prstDash val="solid"/>
+            <a:round/>
+            <a:headEnd len="sm" w="sm" type="none"/>
+            <a:tailEnd len="sm" w="sm" type="none"/>
+          </a:ln>
+        </p:spPr>
+      </p:cxnSp>
+      <p:cxnSp>
+        <p:nvCxnSpPr>
+          <p:cNvPr id="171" name="Google Shape;171;p2"/>
+          <p:cNvCxnSpPr/>
+          <p:nvPr/>
+        </p:nvCxnSpPr>
+        <p:spPr>
+          <a:xfrm>
+            <a:off x="7680250" y="2612135"/>
+            <a:ext cx="360000" cy="1275900"/>
+          </a:xfrm>
+          <a:prstGeom prst="straightConnector1">
+            <a:avLst/>
+          </a:prstGeom>
+          <a:noFill/>
+          <a:ln cap="flat" cmpd="sng" w="9525">
+            <a:solidFill>
+              <a:srgbClr val="3465A4"/>
+            </a:solidFill>
+            <a:prstDash val="solid"/>
+            <a:round/>
+            <a:headEnd len="sm" w="sm" type="none"/>
+            <a:tailEnd len="sm" w="sm" type="none"/>
+          </a:ln>
+        </p:spPr>
+      </p:cxnSp>
     </p:spTree>
   </p:cSld>
   <p:clrMapOvr>
@@ -15515,7 +15618,7 @@
   <p:cSld>
     <p:spTree>
       <p:nvGrpSpPr>
-        <p:cNvPr id="171" name="Shape 171"/>
+        <p:cNvPr id="175" name="Shape 175"/>
         <p:cNvGrpSpPr/>
         <p:nvPr/>
       </p:nvGrpSpPr>
@@ -15529,7 +15632,7 @@
       </p:grpSpPr>
       <p:sp>
         <p:nvSpPr>
-          <p:cNvPr id="172" name="Google Shape;172;p3"/>
+          <p:cNvPr id="176" name="Google Shape;176;p3"/>
           <p:cNvSpPr/>
           <p:nvPr/>
         </p:nvSpPr>
@@ -15593,7 +15696,7 @@
       </p:sp>
       <p:sp>
         <p:nvSpPr>
-          <p:cNvPr id="173" name="Google Shape;173;p3"/>
+          <p:cNvPr id="177" name="Google Shape;177;p3"/>
           <p:cNvSpPr/>
           <p:nvPr/>
         </p:nvSpPr>
@@ -15667,7 +15770,7 @@
       </p:sp>
       <p:grpSp>
         <p:nvGrpSpPr>
-          <p:cNvPr id="174" name="Google Shape;174;p3"/>
+          <p:cNvPr id="178" name="Google Shape;178;p3"/>
           <p:cNvGrpSpPr/>
           <p:nvPr/>
         </p:nvGrpSpPr>
@@ -15681,7 +15784,7 @@
         </p:grpSpPr>
         <p:grpSp>
           <p:nvGrpSpPr>
-            <p:cNvPr id="175" name="Google Shape;175;p3"/>
+            <p:cNvPr id="179" name="Google Shape;179;p3"/>
             <p:cNvGrpSpPr/>
             <p:nvPr/>
           </p:nvGrpSpPr>
@@ -15695,7 +15798,7 @@
           </p:grpSpPr>
           <p:sp>
             <p:nvSpPr>
-              <p:cNvPr id="176" name="Google Shape;176;p3"/>
+              <p:cNvPr id="180" name="Google Shape;180;p3"/>
               <p:cNvSpPr/>
               <p:nvPr/>
             </p:nvSpPr>
@@ -15744,7 +15847,7 @@
           </p:sp>
           <p:sp>
             <p:nvSpPr>
-              <p:cNvPr id="177" name="Google Shape;177;p3"/>
+              <p:cNvPr id="181" name="Google Shape;181;p3"/>
               <p:cNvSpPr/>
               <p:nvPr/>
             </p:nvSpPr>
@@ -15780,7 +15883,7 @@
           </p:sp>
           <p:sp>
             <p:nvSpPr>
-              <p:cNvPr id="178" name="Google Shape;178;p3"/>
+              <p:cNvPr id="182" name="Google Shape;182;p3"/>
               <p:cNvSpPr/>
               <p:nvPr/>
             </p:nvSpPr>
@@ -15816,7 +15919,7 @@
           </p:sp>
           <p:sp>
             <p:nvSpPr>
-              <p:cNvPr id="179" name="Google Shape;179;p3"/>
+              <p:cNvPr id="183" name="Google Shape;183;p3"/>
               <p:cNvSpPr/>
               <p:nvPr/>
             </p:nvSpPr>
@@ -15852,7 +15955,7 @@
           </p:sp>
           <p:sp>
             <p:nvSpPr>
-              <p:cNvPr id="180" name="Google Shape;180;p3"/>
+              <p:cNvPr id="184" name="Google Shape;184;p3"/>
               <p:cNvSpPr/>
               <p:nvPr/>
             </p:nvSpPr>
@@ -15889,7 +15992,7 @@
         </p:grpSp>
         <p:sp>
           <p:nvSpPr>
-            <p:cNvPr id="181" name="Google Shape;181;p3"/>
+            <p:cNvPr id="185" name="Google Shape;185;p3"/>
             <p:cNvSpPr/>
             <p:nvPr/>
           </p:nvSpPr>
@@ -15948,7 +16051,7 @@
       </p:grpSp>
       <p:sp>
         <p:nvSpPr>
-          <p:cNvPr id="182" name="Google Shape;182;p3"/>
+          <p:cNvPr id="186" name="Google Shape;186;p3"/>
           <p:cNvSpPr/>
           <p:nvPr/>
         </p:nvSpPr>
@@ -16012,7 +16115,7 @@
       </p:sp>
       <p:sp>
         <p:nvSpPr>
-          <p:cNvPr id="183" name="Google Shape;183;p3"/>
+          <p:cNvPr id="187" name="Google Shape;187;p3"/>
           <p:cNvSpPr/>
           <p:nvPr/>
         </p:nvSpPr>
@@ -16091,7 +16194,7 @@
       </p:sp>
       <p:cxnSp>
         <p:nvCxnSpPr>
-          <p:cNvPr id="184" name="Google Shape;184;p3"/>
+          <p:cNvPr id="188" name="Google Shape;188;p3"/>
           <p:cNvCxnSpPr/>
           <p:nvPr/>
         </p:nvCxnSpPr>
@@ -16117,7 +16220,7 @@
       </p:cxnSp>
       <p:sp>
         <p:nvSpPr>
-          <p:cNvPr id="185" name="Google Shape;185;p3"/>
+          <p:cNvPr id="189" name="Google Shape;189;p3"/>
           <p:cNvSpPr/>
           <p:nvPr/>
         </p:nvSpPr>
@@ -16186,7 +16289,7 @@
       </p:sp>
       <p:cxnSp>
         <p:nvCxnSpPr>
-          <p:cNvPr id="186" name="Google Shape;186;p3"/>
+          <p:cNvPr id="190" name="Google Shape;190;p3"/>
           <p:cNvCxnSpPr/>
           <p:nvPr/>
         </p:nvCxnSpPr>
@@ -16212,7 +16315,7 @@
       </p:cxnSp>
       <p:cxnSp>
         <p:nvCxnSpPr>
-          <p:cNvPr id="187" name="Google Shape;187;p3"/>
+          <p:cNvPr id="191" name="Google Shape;191;p3"/>
           <p:cNvCxnSpPr/>
           <p:nvPr/>
         </p:nvCxnSpPr>
@@ -16249,7 +16352,7 @@
   <p:cSld>
     <p:spTree>
       <p:nvGrpSpPr>
-        <p:cNvPr id="191" name="Shape 191"/>
+        <p:cNvPr id="195" name="Shape 195"/>
         <p:cNvGrpSpPr/>
         <p:nvPr/>
       </p:nvGrpSpPr>
@@ -16263,7 +16366,7 @@
       </p:grpSpPr>
       <p:sp>
         <p:nvSpPr>
-          <p:cNvPr id="192" name="Google Shape;192;g7fec8e4825_0_0"/>
+          <p:cNvPr id="196" name="Google Shape;196;g7fec8e4825_0_44"/>
           <p:cNvSpPr/>
           <p:nvPr/>
         </p:nvSpPr>
@@ -16327,7 +16430,7 @@
       </p:sp>
       <p:sp>
         <p:nvSpPr>
-          <p:cNvPr id="193" name="Google Shape;193;g7fec8e4825_0_0"/>
+          <p:cNvPr id="197" name="Google Shape;197;g7fec8e4825_0_44"/>
           <p:cNvSpPr/>
           <p:nvPr/>
         </p:nvSpPr>
@@ -16380,7 +16483,7 @@
             </a:pPr>
             <a:r>
               <a:rPr lang="pt-BR" sz="1000"/>
-              <a:t>Realizar pagamento</a:t>
+              <a:t>Realizar contabilidade </a:t>
             </a:r>
             <a:endParaRPr b="0" i="0" sz="1000" u="none" cap="none" strike="noStrike">
               <a:latin typeface="Arial"/>
@@ -16393,7 +16496,7 @@
       </p:sp>
       <p:grpSp>
         <p:nvGrpSpPr>
-          <p:cNvPr id="194" name="Google Shape;194;g7fec8e4825_0_0"/>
+          <p:cNvPr id="198" name="Google Shape;198;g7fec8e4825_0_44"/>
           <p:cNvGrpSpPr/>
           <p:nvPr/>
         </p:nvGrpSpPr>
@@ -16407,7 +16510,7 @@
         </p:grpSpPr>
         <p:grpSp>
           <p:nvGrpSpPr>
-            <p:cNvPr id="195" name="Google Shape;195;g7fec8e4825_0_0"/>
+            <p:cNvPr id="199" name="Google Shape;199;g7fec8e4825_0_44"/>
             <p:cNvGrpSpPr/>
             <p:nvPr/>
           </p:nvGrpSpPr>
@@ -16421,7 +16524,7 @@
           </p:grpSpPr>
           <p:sp>
             <p:nvSpPr>
-              <p:cNvPr id="196" name="Google Shape;196;g7fec8e4825_0_0"/>
+              <p:cNvPr id="200" name="Google Shape;200;g7fec8e4825_0_44"/>
               <p:cNvSpPr/>
               <p:nvPr/>
             </p:nvSpPr>
@@ -16470,7 +16573,7 @@
           </p:sp>
           <p:sp>
             <p:nvSpPr>
-              <p:cNvPr id="197" name="Google Shape;197;g7fec8e4825_0_0"/>
+              <p:cNvPr id="201" name="Google Shape;201;g7fec8e4825_0_44"/>
               <p:cNvSpPr/>
               <p:nvPr/>
             </p:nvSpPr>
@@ -16506,7 +16609,7 @@
           </p:sp>
           <p:sp>
             <p:nvSpPr>
-              <p:cNvPr id="198" name="Google Shape;198;g7fec8e4825_0_0"/>
+              <p:cNvPr id="202" name="Google Shape;202;g7fec8e4825_0_44"/>
               <p:cNvSpPr/>
               <p:nvPr/>
             </p:nvSpPr>
@@ -16542,7 +16645,7 @@
           </p:sp>
           <p:sp>
             <p:nvSpPr>
-              <p:cNvPr id="199" name="Google Shape;199;g7fec8e4825_0_0"/>
+              <p:cNvPr id="203" name="Google Shape;203;g7fec8e4825_0_44"/>
               <p:cNvSpPr/>
               <p:nvPr/>
             </p:nvSpPr>
@@ -16578,7 +16681,7 @@
           </p:sp>
           <p:sp>
             <p:nvSpPr>
-              <p:cNvPr id="200" name="Google Shape;200;g7fec8e4825_0_0"/>
+              <p:cNvPr id="204" name="Google Shape;204;g7fec8e4825_0_44"/>
               <p:cNvSpPr/>
               <p:nvPr/>
             </p:nvSpPr>
@@ -16615,783 +16718,7 @@
         </p:grpSp>
         <p:sp>
           <p:nvSpPr>
-            <p:cNvPr id="201" name="Google Shape;201;g7fec8e4825_0_0"/>
-            <p:cNvSpPr/>
-            <p:nvPr/>
-          </p:nvSpPr>
-          <p:spPr>
-            <a:xfrm>
-              <a:off x="1637280" y="2619360"/>
-              <a:ext cx="1122600" cy="374700"/>
-            </a:xfrm>
-            <a:prstGeom prst="rect">
-              <a:avLst/>
-            </a:prstGeom>
-            <a:noFill/>
-            <a:ln>
-              <a:noFill/>
-            </a:ln>
-          </p:spPr>
-          <p:txBody>
-            <a:bodyPr anchorCtr="0" anchor="t" bIns="91425" lIns="90000" spcFirstLastPara="1" rIns="90000" wrap="square" tIns="91425">
-              <a:noAutofit/>
-            </a:bodyPr>
-            <a:lstStyle/>
-            <a:p>
-              <a:pPr indent="0" lvl="0" marL="0" marR="0" rtl="0" algn="ctr">
-                <a:lnSpc>
-                  <a:spcPct val="100000"/>
-                </a:lnSpc>
-                <a:spcBef>
-                  <a:spcPts val="0"/>
-                </a:spcBef>
-                <a:spcAft>
-                  <a:spcPts val="0"/>
-                </a:spcAft>
-                <a:buNone/>
-              </a:pPr>
-              <a:r>
-                <a:rPr b="1" lang="pt-BR" sz="1200"/>
-                <a:t>Cliente</a:t>
-              </a:r>
-              <a:endParaRPr b="0" i="0" sz="1200" u="none" cap="none" strike="noStrike">
-                <a:latin typeface="Arial"/>
-                <a:ea typeface="Arial"/>
-                <a:cs typeface="Arial"/>
-                <a:sym typeface="Arial"/>
-              </a:endParaRPr>
-            </a:p>
-          </p:txBody>
-        </p:sp>
-      </p:grpSp>
-      <p:sp>
-        <p:nvSpPr>
-          <p:cNvPr id="202" name="Google Shape;202;g7fec8e4825_0_0"/>
-          <p:cNvSpPr/>
-          <p:nvPr/>
-        </p:nvSpPr>
-        <p:spPr>
-          <a:xfrm>
-            <a:off x="143280" y="3100680"/>
-            <a:ext cx="9413700" cy="1504200"/>
-          </a:xfrm>
-          <a:prstGeom prst="rect">
-            <a:avLst/>
-          </a:prstGeom>
-          <a:noFill/>
-          <a:ln cap="flat" cmpd="sng" w="9525">
-            <a:solidFill>
-              <a:srgbClr val="FF9900"/>
-            </a:solidFill>
-            <a:prstDash val="solid"/>
-            <a:round/>
-            <a:headEnd len="sm" w="sm" type="none"/>
-            <a:tailEnd len="sm" w="sm" type="none"/>
-          </a:ln>
-        </p:spPr>
-        <p:txBody>
-          <a:bodyPr anchorCtr="0" anchor="t" bIns="91425" lIns="90000" spcFirstLastPara="1" rIns="90000" wrap="square" tIns="91425">
-            <a:noAutofit/>
-          </a:bodyPr>
-          <a:lstStyle/>
-          <a:p>
-            <a:pPr indent="0" lvl="0" marL="0" marR="0" rtl="0" algn="l">
-              <a:lnSpc>
-                <a:spcPct val="100000"/>
-              </a:lnSpc>
-              <a:spcBef>
-                <a:spcPts val="0"/>
-              </a:spcBef>
-              <a:spcAft>
-                <a:spcPts val="0"/>
-              </a:spcAft>
-              <a:buNone/>
-            </a:pPr>
-            <a:r>
-              <a:rPr b="0" i="0" lang="pt-BR" sz="1400" u="none" cap="none" strike="noStrike">
-                <a:solidFill>
-                  <a:srgbClr val="000000"/>
-                </a:solidFill>
-                <a:latin typeface="Arial"/>
-                <a:ea typeface="Arial"/>
-                <a:cs typeface="Arial"/>
-                <a:sym typeface="Arial"/>
-              </a:rPr>
-              <a:t>Capacidades Operacionais</a:t>
-            </a:r>
-            <a:endParaRPr b="0" i="0" sz="1400" u="none" cap="none" strike="noStrike">
-              <a:latin typeface="Arial"/>
-              <a:ea typeface="Arial"/>
-              <a:cs typeface="Arial"/>
-              <a:sym typeface="Arial"/>
-            </a:endParaRPr>
-          </a:p>
-        </p:txBody>
-      </p:sp>
-      <p:sp>
-        <p:nvSpPr>
-          <p:cNvPr id="203" name="Google Shape;203;g7fec8e4825_0_0"/>
-          <p:cNvSpPr/>
-          <p:nvPr/>
-        </p:nvSpPr>
-        <p:spPr>
-          <a:xfrm>
-            <a:off x="3826800" y="3456000"/>
-            <a:ext cx="2581200" cy="847800"/>
-          </a:xfrm>
-          <a:prstGeom prst="bracketPair">
-            <a:avLst/>
-          </a:prstGeom>
-          <a:noFill/>
-          <a:ln cap="flat" cmpd="sng" w="9525">
-            <a:solidFill>
-              <a:srgbClr val="595959"/>
-            </a:solidFill>
-            <a:prstDash val="solid"/>
-            <a:round/>
-            <a:headEnd len="sm" w="sm" type="none"/>
-            <a:tailEnd len="sm" w="sm" type="none"/>
-          </a:ln>
-        </p:spPr>
-        <p:txBody>
-          <a:bodyPr anchorCtr="0" anchor="ctr" bIns="91425" lIns="90000" spcFirstLastPara="1" rIns="90000" wrap="square" tIns="91425">
-            <a:noAutofit/>
-          </a:bodyPr>
-          <a:lstStyle/>
-          <a:p>
-            <a:pPr indent="-292100" lvl="0" marL="457200" rtl="0" algn="l">
-              <a:spcBef>
-                <a:spcPts val="0"/>
-              </a:spcBef>
-              <a:spcAft>
-                <a:spcPts val="0"/>
-              </a:spcAft>
-              <a:buSzPts val="1000"/>
-              <a:buChar char="●"/>
-            </a:pPr>
-            <a:r>
-              <a:rPr lang="pt-BR" sz="1000">
-                <a:solidFill>
-                  <a:schemeClr val="dk1"/>
-                </a:solidFill>
-              </a:rPr>
-              <a:t>Receber pagamento</a:t>
-            </a:r>
-            <a:endParaRPr sz="1000">
-              <a:solidFill>
-                <a:schemeClr val="dk1"/>
-              </a:solidFill>
-            </a:endParaRPr>
-          </a:p>
-          <a:p>
-            <a:pPr indent="-292100" lvl="0" marL="457200" rtl="0" algn="l">
-              <a:spcBef>
-                <a:spcPts val="0"/>
-              </a:spcBef>
-              <a:spcAft>
-                <a:spcPts val="0"/>
-              </a:spcAft>
-              <a:buClr>
-                <a:schemeClr val="dk1"/>
-              </a:buClr>
-              <a:buSzPts val="1000"/>
-              <a:buChar char="●"/>
-            </a:pPr>
-            <a:r>
-              <a:rPr lang="pt-BR" sz="1000">
-                <a:solidFill>
-                  <a:schemeClr val="dk1"/>
-                </a:solidFill>
-              </a:rPr>
-              <a:t>Controlar fluxo de caixa</a:t>
-            </a:r>
-            <a:endParaRPr sz="1000">
-              <a:solidFill>
-                <a:schemeClr val="dk1"/>
-              </a:solidFill>
-            </a:endParaRPr>
-          </a:p>
-          <a:p>
-            <a:pPr indent="-292100" lvl="0" marL="457200" rtl="0" algn="l">
-              <a:spcBef>
-                <a:spcPts val="0"/>
-              </a:spcBef>
-              <a:spcAft>
-                <a:spcPts val="0"/>
-              </a:spcAft>
-              <a:buClr>
-                <a:schemeClr val="dk1"/>
-              </a:buClr>
-              <a:buSzPts val="1000"/>
-              <a:buChar char="●"/>
-            </a:pPr>
-            <a:r>
-              <a:rPr lang="pt-BR" sz="1000">
-                <a:solidFill>
-                  <a:schemeClr val="dk1"/>
-                </a:solidFill>
-              </a:rPr>
-              <a:t>Gerir caixa</a:t>
-            </a:r>
-            <a:endParaRPr sz="1000">
-              <a:solidFill>
-                <a:schemeClr val="dk1"/>
-              </a:solidFill>
-            </a:endParaRPr>
-          </a:p>
-        </p:txBody>
-      </p:sp>
-      <p:sp>
-        <p:nvSpPr>
-          <p:cNvPr id="204" name="Google Shape;204;g7fec8e4825_0_0"/>
-          <p:cNvSpPr/>
-          <p:nvPr/>
-        </p:nvSpPr>
-        <p:spPr>
-          <a:xfrm>
-            <a:off x="4442040" y="2009160"/>
-            <a:ext cx="1101900" cy="582900"/>
-          </a:xfrm>
-          <a:prstGeom prst="roundRect">
-            <a:avLst>
-              <a:gd fmla="val 16667" name="adj"/>
-            </a:avLst>
-          </a:prstGeom>
-          <a:gradFill>
-            <a:gsLst>
-              <a:gs pos="0">
-                <a:srgbClr val="D4E5F5"/>
-              </a:gs>
-              <a:gs pos="100000">
-                <a:srgbClr val="70A4D5"/>
-              </a:gs>
-            </a:gsLst>
-            <a:path path="circle">
-              <a:fillToRect b="50%" l="50%" r="50%" t="50%"/>
-            </a:path>
-            <a:tileRect/>
-          </a:gradFill>
-          <a:ln cap="flat" cmpd="sng" w="9525">
-            <a:solidFill>
-              <a:srgbClr val="F3F3F3"/>
-            </a:solidFill>
-            <a:prstDash val="solid"/>
-            <a:round/>
-            <a:headEnd len="sm" w="sm" type="none"/>
-            <a:tailEnd len="sm" w="sm" type="none"/>
-          </a:ln>
-        </p:spPr>
-        <p:txBody>
-          <a:bodyPr anchorCtr="0" anchor="ctr" bIns="91425" lIns="90000" spcFirstLastPara="1" rIns="90000" wrap="square" tIns="91425">
-            <a:noAutofit/>
-          </a:bodyPr>
-          <a:lstStyle/>
-          <a:p>
-            <a:pPr indent="0" lvl="0" marL="0" marR="0" rtl="0" algn="ctr">
-              <a:lnSpc>
-                <a:spcPct val="100000"/>
-              </a:lnSpc>
-              <a:spcBef>
-                <a:spcPts val="0"/>
-              </a:spcBef>
-              <a:spcAft>
-                <a:spcPts val="0"/>
-              </a:spcAft>
-              <a:buNone/>
-            </a:pPr>
-            <a:r>
-              <a:rPr lang="pt-BR" sz="1000"/>
-              <a:t>Caixa</a:t>
-            </a:r>
-            <a:endParaRPr b="0" i="0" sz="1000" u="none" cap="none" strike="noStrike">
-              <a:latin typeface="Arial"/>
-              <a:ea typeface="Arial"/>
-              <a:cs typeface="Arial"/>
-              <a:sym typeface="Arial"/>
-            </a:endParaRPr>
-          </a:p>
-        </p:txBody>
-      </p:sp>
-      <p:cxnSp>
-        <p:nvCxnSpPr>
-          <p:cNvPr id="205" name="Google Shape;205;g7fec8e4825_0_0"/>
-          <p:cNvCxnSpPr>
-            <a:endCxn id="193" idx="1"/>
-          </p:cNvCxnSpPr>
-          <p:nvPr/>
-        </p:nvCxnSpPr>
-        <p:spPr>
-          <a:xfrm rot="-5400000">
-            <a:off x="2369550" y="779040"/>
-            <a:ext cx="1814700" cy="1513800"/>
-          </a:xfrm>
-          <a:prstGeom prst="curvedConnector2">
-            <a:avLst/>
-          </a:prstGeom>
-          <a:noFill/>
-          <a:ln cap="flat" cmpd="sng" w="9525">
-            <a:solidFill>
-              <a:srgbClr val="3465A4"/>
-            </a:solidFill>
-            <a:prstDash val="solid"/>
-            <a:round/>
-            <a:headEnd len="sm" w="sm" type="none"/>
-            <a:tailEnd len="sm" w="sm" type="none"/>
-          </a:ln>
-        </p:spPr>
-      </p:cxnSp>
-      <p:sp>
-        <p:nvSpPr>
-          <p:cNvPr id="206" name="Google Shape;206;g7fec8e4825_0_0"/>
-          <p:cNvSpPr/>
-          <p:nvPr/>
-        </p:nvSpPr>
-        <p:spPr>
-          <a:xfrm rot="10800000">
-            <a:off x="5031018" y="1008000"/>
-            <a:ext cx="8262" cy="1013040"/>
-          </a:xfrm>
-          <a:custGeom>
-            <a:rect b="b" l="l" r="r" t="t"/>
-            <a:pathLst>
-              <a:path extrusionOk="0" h="21600" w="21600">
-                <a:moveTo>
-                  <a:pt x="0" y="0"/>
-                </a:moveTo>
-                <a:lnTo>
-                  <a:pt x="21600" y="21600"/>
-                </a:lnTo>
-              </a:path>
-            </a:pathLst>
-          </a:custGeom>
-          <a:noFill/>
-          <a:ln cap="flat" cmpd="sng" w="9525">
-            <a:solidFill>
-              <a:srgbClr val="3465A4"/>
-            </a:solidFill>
-            <a:prstDash val="solid"/>
-            <a:round/>
-            <a:headEnd len="sm" w="sm" type="none"/>
-            <a:tailEnd len="sm" w="sm" type="none"/>
-          </a:ln>
-        </p:spPr>
-      </p:sp>
-      <p:sp>
-        <p:nvSpPr>
-          <p:cNvPr id="207" name="Google Shape;207;g7fec8e4825_0_0"/>
-          <p:cNvSpPr/>
-          <p:nvPr/>
-        </p:nvSpPr>
-        <p:spPr>
-          <a:xfrm flipH="1" rot="10800000">
-            <a:off x="5040000" y="2591982"/>
-            <a:ext cx="378" cy="792018"/>
-          </a:xfrm>
-          <a:custGeom>
-            <a:rect b="b" l="l" r="r" t="t"/>
-            <a:pathLst>
-              <a:path extrusionOk="0" h="21600" w="21600">
-                <a:moveTo>
-                  <a:pt x="0" y="0"/>
-                </a:moveTo>
-                <a:lnTo>
-                  <a:pt x="21600" y="21600"/>
-                </a:lnTo>
-              </a:path>
-            </a:pathLst>
-          </a:custGeom>
-          <a:noFill/>
-          <a:ln cap="flat" cmpd="sng" w="9525">
-            <a:solidFill>
-              <a:srgbClr val="3465A4"/>
-            </a:solidFill>
-            <a:prstDash val="solid"/>
-            <a:round/>
-            <a:headEnd len="sm" w="sm" type="none"/>
-            <a:tailEnd len="sm" w="sm" type="none"/>
-          </a:ln>
-        </p:spPr>
-      </p:sp>
-    </p:spTree>
-  </p:cSld>
-  <p:clrMapOvr>
-    <a:masterClrMapping/>
-  </p:clrMapOvr>
-</p:sld>
-</file>
-
-<file path=ppt/slides/slide5.xml><?xml version="1.0" encoding="utf-8"?>
-<p:sld xmlns:a="http://schemas.openxmlformats.org/drawingml/2006/main" xmlns:r="http://schemas.openxmlformats.org/officeDocument/2006/relationships" xmlns:mc="http://schemas.openxmlformats.org/markup-compatibility/2006" xmlns:mv="urn:schemas-microsoft-com:mac:vml" xmlns:p="http://schemas.openxmlformats.org/presentationml/2006/main" xmlns:c="http://schemas.openxmlformats.org/drawingml/2006/chart" xmlns:dgm="http://schemas.openxmlformats.org/drawingml/2006/diagram" xmlns:o="urn:schemas-microsoft-com:office:office" xmlns:v="urn:schemas-microsoft-com:vml" xmlns:pvml="urn:schemas-microsoft-com:office:powerpoint" xmlns:com="http://schemas.openxmlformats.org/drawingml/2006/compatibility" xmlns:p14="http://schemas.microsoft.com/office/powerpoint/2010/main" xmlns:p15="http://schemas.microsoft.com/office/powerpoint/2012/main">
-  <p:cSld>
-    <p:spTree>
-      <p:nvGrpSpPr>
-        <p:cNvPr id="211" name="Shape 211"/>
-        <p:cNvGrpSpPr/>
-        <p:nvPr/>
-      </p:nvGrpSpPr>
-      <p:grpSpPr>
-        <a:xfrm>
-          <a:off x="0" y="0"/>
-          <a:ext cx="0" cy="0"/>
-          <a:chOff x="0" y="0"/>
-          <a:chExt cx="0" cy="0"/>
-        </a:xfrm>
-      </p:grpSpPr>
-      <p:sp>
-        <p:nvSpPr>
-          <p:cNvPr id="212" name="Google Shape;212;g7fec8e4825_0_44"/>
-          <p:cNvSpPr/>
-          <p:nvPr/>
-        </p:nvSpPr>
-        <p:spPr>
-          <a:xfrm>
-            <a:off x="143280" y="1593360"/>
-            <a:ext cx="9413700" cy="1504200"/>
-          </a:xfrm>
-          <a:prstGeom prst="rect">
-            <a:avLst/>
-          </a:prstGeom>
-          <a:noFill/>
-          <a:ln cap="flat" cmpd="sng" w="9525">
-            <a:solidFill>
-              <a:srgbClr val="FF9900"/>
-            </a:solidFill>
-            <a:prstDash val="solid"/>
-            <a:round/>
-            <a:headEnd len="sm" w="sm" type="none"/>
-            <a:tailEnd len="sm" w="sm" type="none"/>
-          </a:ln>
-        </p:spPr>
-        <p:txBody>
-          <a:bodyPr anchorCtr="0" anchor="t" bIns="91425" lIns="90000" spcFirstLastPara="1" rIns="90000" wrap="square" tIns="91425">
-            <a:noAutofit/>
-          </a:bodyPr>
-          <a:lstStyle/>
-          <a:p>
-            <a:pPr indent="0" lvl="0" marL="0" marR="0" rtl="0" algn="l">
-              <a:lnSpc>
-                <a:spcPct val="100000"/>
-              </a:lnSpc>
-              <a:spcBef>
-                <a:spcPts val="0"/>
-              </a:spcBef>
-              <a:spcAft>
-                <a:spcPts val="0"/>
-              </a:spcAft>
-              <a:buNone/>
-            </a:pPr>
-            <a:r>
-              <a:rPr b="0" i="0" lang="pt-BR" sz="1400" u="none" cap="none" strike="noStrike">
-                <a:solidFill>
-                  <a:srgbClr val="000000"/>
-                </a:solidFill>
-                <a:latin typeface="Arial"/>
-                <a:ea typeface="Arial"/>
-                <a:cs typeface="Arial"/>
-                <a:sym typeface="Arial"/>
-              </a:rPr>
-              <a:t>Nós Operacionais</a:t>
-            </a:r>
-            <a:endParaRPr b="0" i="0" sz="1400" u="none" cap="none" strike="noStrike">
-              <a:latin typeface="Arial"/>
-              <a:ea typeface="Arial"/>
-              <a:cs typeface="Arial"/>
-              <a:sym typeface="Arial"/>
-            </a:endParaRPr>
-          </a:p>
-        </p:txBody>
-      </p:sp>
-      <p:sp>
-        <p:nvSpPr>
-          <p:cNvPr id="213" name="Google Shape;213;g7fec8e4825_0_44"/>
-          <p:cNvSpPr/>
-          <p:nvPr/>
-        </p:nvSpPr>
-        <p:spPr>
-          <a:xfrm>
-            <a:off x="4033800" y="204840"/>
-            <a:ext cx="1997700" cy="847500"/>
-          </a:xfrm>
-          <a:prstGeom prst="wave">
-            <a:avLst>
-              <a:gd fmla="val 6999" name="adj1"/>
-              <a:gd fmla="val 0" name="adj2"/>
-            </a:avLst>
-          </a:prstGeom>
-          <a:solidFill>
-            <a:srgbClr val="F4CCCC"/>
-          </a:solidFill>
-          <a:ln cap="flat" cmpd="sng" w="9525">
-            <a:solidFill>
-              <a:srgbClr val="FFFFFF"/>
-            </a:solidFill>
-            <a:prstDash val="solid"/>
-            <a:round/>
-            <a:headEnd len="sm" w="sm" type="none"/>
-            <a:tailEnd len="sm" w="sm" type="none"/>
-          </a:ln>
-        </p:spPr>
-        <p:txBody>
-          <a:bodyPr anchorCtr="0" anchor="ctr" bIns="91425" lIns="90000" spcFirstLastPara="1" rIns="90000" wrap="square" tIns="91425">
-            <a:noAutofit/>
-          </a:bodyPr>
-          <a:lstStyle/>
-          <a:p>
-            <a:pPr indent="-288720" lvl="0" marL="457200" marR="0" rtl="0" algn="l">
-              <a:lnSpc>
-                <a:spcPct val="100000"/>
-              </a:lnSpc>
-              <a:spcBef>
-                <a:spcPts val="0"/>
-              </a:spcBef>
-              <a:spcAft>
-                <a:spcPts val="0"/>
-              </a:spcAft>
-              <a:buClr>
-                <a:srgbClr val="000000"/>
-              </a:buClr>
-              <a:buSzPts val="1000"/>
-              <a:buFont typeface="Arial"/>
-              <a:buChar char="❖"/>
-            </a:pPr>
-            <a:r>
-              <a:rPr lang="pt-BR" sz="1000"/>
-              <a:t>Realizar contabilidade do local</a:t>
-            </a:r>
-            <a:endParaRPr b="0" i="0" sz="1000" u="none" cap="none" strike="noStrike">
-              <a:latin typeface="Arial"/>
-              <a:ea typeface="Arial"/>
-              <a:cs typeface="Arial"/>
-              <a:sym typeface="Arial"/>
-            </a:endParaRPr>
-          </a:p>
-        </p:txBody>
-      </p:sp>
-      <p:grpSp>
-        <p:nvGrpSpPr>
-          <p:cNvPr id="214" name="Google Shape;214;g7fec8e4825_0_44"/>
-          <p:cNvGrpSpPr/>
-          <p:nvPr/>
-        </p:nvGrpSpPr>
-        <p:grpSpPr>
-          <a:xfrm>
-            <a:off x="1637280" y="2081520"/>
-            <a:ext cx="1122600" cy="912540"/>
-            <a:chOff x="1637280" y="2081520"/>
-            <a:chExt cx="1122600" cy="912540"/>
-          </a:xfrm>
-        </p:grpSpPr>
-        <p:grpSp>
-          <p:nvGrpSpPr>
-            <p:cNvPr id="215" name="Google Shape;215;g7fec8e4825_0_44"/>
-            <p:cNvGrpSpPr/>
-            <p:nvPr/>
-          </p:nvGrpSpPr>
-          <p:grpSpPr>
-            <a:xfrm>
-              <a:off x="2023902" y="2081520"/>
-              <a:ext cx="344538" cy="648000"/>
-              <a:chOff x="2023902" y="2081520"/>
-              <a:chExt cx="344538" cy="648000"/>
-            </a:xfrm>
-          </p:grpSpPr>
-          <p:sp>
-            <p:nvSpPr>
-              <p:cNvPr id="216" name="Google Shape;216;g7fec8e4825_0_44"/>
-              <p:cNvSpPr/>
-              <p:nvPr/>
-            </p:nvSpPr>
-            <p:spPr>
-              <a:xfrm>
-                <a:off x="2094840" y="2081520"/>
-                <a:ext cx="210900" cy="213000"/>
-              </a:xfrm>
-              <a:prstGeom prst="flowChartConnector">
-                <a:avLst/>
-              </a:prstGeom>
-              <a:solidFill>
-                <a:srgbClr val="EEEEEE"/>
-              </a:solidFill>
-              <a:ln cap="flat" cmpd="sng" w="9525">
-                <a:solidFill>
-                  <a:srgbClr val="595959"/>
-                </a:solidFill>
-                <a:prstDash val="solid"/>
-                <a:round/>
-                <a:headEnd len="sm" w="sm" type="none"/>
-                <a:tailEnd len="sm" w="sm" type="none"/>
-              </a:ln>
-            </p:spPr>
-            <p:txBody>
-              <a:bodyPr anchorCtr="0" anchor="ctr" bIns="91425" lIns="91425" spcFirstLastPara="1" rIns="91425" wrap="square" tIns="91425">
-                <a:noAutofit/>
-              </a:bodyPr>
-              <a:lstStyle/>
-              <a:p>
-                <a:pPr indent="0" lvl="0" marL="0" rtl="0" algn="l">
-                  <a:spcBef>
-                    <a:spcPts val="0"/>
-                  </a:spcBef>
-                  <a:spcAft>
-                    <a:spcPts val="0"/>
-                  </a:spcAft>
-                  <a:buNone/>
-                </a:pPr>
-                <a:r>
-                  <a:t/>
-                </a:r>
-                <a:endParaRPr/>
-              </a:p>
-            </p:txBody>
-          </p:sp>
-          <p:sp>
-            <p:nvSpPr>
-              <p:cNvPr id="217" name="Google Shape;217;g7fec8e4825_0_44"/>
-              <p:cNvSpPr/>
-              <p:nvPr/>
-            </p:nvSpPr>
-            <p:spPr>
-              <a:xfrm flipH="1">
-                <a:off x="2194938" y="2297880"/>
-                <a:ext cx="702" cy="221778"/>
-              </a:xfrm>
-              <a:custGeom>
-                <a:rect b="b" l="l" r="r" t="t"/>
-                <a:pathLst>
-                  <a:path extrusionOk="0" h="21600" w="21600">
-                    <a:moveTo>
-                      <a:pt x="0" y="0"/>
-                    </a:moveTo>
-                    <a:lnTo>
-                      <a:pt x="21600" y="21600"/>
-                    </a:lnTo>
-                  </a:path>
-                </a:pathLst>
-              </a:custGeom>
-              <a:noFill/>
-              <a:ln cap="flat" cmpd="sng" w="9525">
-                <a:solidFill>
-                  <a:srgbClr val="595959"/>
-                </a:solidFill>
-                <a:prstDash val="solid"/>
-                <a:round/>
-                <a:headEnd len="sm" w="sm" type="none"/>
-                <a:tailEnd len="sm" w="sm" type="none"/>
-              </a:ln>
-            </p:spPr>
-          </p:sp>
-          <p:sp>
-            <p:nvSpPr>
-              <p:cNvPr id="218" name="Google Shape;218;g7fec8e4825_0_44"/>
-              <p:cNvSpPr/>
-              <p:nvPr/>
-            </p:nvSpPr>
-            <p:spPr>
-              <a:xfrm>
-                <a:off x="2046960" y="2395080"/>
-                <a:ext cx="307098" cy="378"/>
-              </a:xfrm>
-              <a:custGeom>
-                <a:rect b="b" l="l" r="r" t="t"/>
-                <a:pathLst>
-                  <a:path extrusionOk="0" h="21600" w="21600">
-                    <a:moveTo>
-                      <a:pt x="0" y="0"/>
-                    </a:moveTo>
-                    <a:lnTo>
-                      <a:pt x="21600" y="21600"/>
-                    </a:lnTo>
-                  </a:path>
-                </a:pathLst>
-              </a:custGeom>
-              <a:noFill/>
-              <a:ln cap="flat" cmpd="sng" w="9525">
-                <a:solidFill>
-                  <a:srgbClr val="595959"/>
-                </a:solidFill>
-                <a:prstDash val="solid"/>
-                <a:round/>
-                <a:headEnd len="sm" w="sm" type="none"/>
-                <a:tailEnd len="sm" w="sm" type="none"/>
-              </a:ln>
-            </p:spPr>
-          </p:sp>
-          <p:sp>
-            <p:nvSpPr>
-              <p:cNvPr id="219" name="Google Shape;219;g7fec8e4825_0_44"/>
-              <p:cNvSpPr/>
-              <p:nvPr/>
-            </p:nvSpPr>
-            <p:spPr>
-              <a:xfrm flipH="1">
-                <a:off x="2023902" y="2521440"/>
-                <a:ext cx="166698" cy="204822"/>
-              </a:xfrm>
-              <a:custGeom>
-                <a:rect b="b" l="l" r="r" t="t"/>
-                <a:pathLst>
-                  <a:path extrusionOk="0" h="21600" w="21600">
-                    <a:moveTo>
-                      <a:pt x="0" y="0"/>
-                    </a:moveTo>
-                    <a:lnTo>
-                      <a:pt x="21600" y="21600"/>
-                    </a:lnTo>
-                  </a:path>
-                </a:pathLst>
-              </a:custGeom>
-              <a:noFill/>
-              <a:ln cap="flat" cmpd="sng" w="9525">
-                <a:solidFill>
-                  <a:srgbClr val="595959"/>
-                </a:solidFill>
-                <a:prstDash val="solid"/>
-                <a:round/>
-                <a:headEnd len="sm" w="sm" type="none"/>
-                <a:tailEnd len="sm" w="sm" type="none"/>
-              </a:ln>
-            </p:spPr>
-          </p:sp>
-          <p:sp>
-            <p:nvSpPr>
-              <p:cNvPr id="220" name="Google Shape;220;g7fec8e4825_0_44"/>
-              <p:cNvSpPr/>
-              <p:nvPr/>
-            </p:nvSpPr>
-            <p:spPr>
-              <a:xfrm rot="10800000">
-                <a:off x="2201418" y="2524698"/>
-                <a:ext cx="167022" cy="204822"/>
-              </a:xfrm>
-              <a:custGeom>
-                <a:rect b="b" l="l" r="r" t="t"/>
-                <a:pathLst>
-                  <a:path extrusionOk="0" h="21600" w="21600">
-                    <a:moveTo>
-                      <a:pt x="0" y="0"/>
-                    </a:moveTo>
-                    <a:lnTo>
-                      <a:pt x="21600" y="21600"/>
-                    </a:lnTo>
-                  </a:path>
-                </a:pathLst>
-              </a:custGeom>
-              <a:noFill/>
-              <a:ln cap="flat" cmpd="sng" w="9525">
-                <a:solidFill>
-                  <a:srgbClr val="595959"/>
-                </a:solidFill>
-                <a:prstDash val="solid"/>
-                <a:round/>
-                <a:headEnd len="sm" w="sm" type="none"/>
-                <a:tailEnd len="sm" w="sm" type="none"/>
-              </a:ln>
-            </p:spPr>
-          </p:sp>
-        </p:grpSp>
-        <p:sp>
-          <p:nvSpPr>
-            <p:cNvPr id="221" name="Google Shape;221;g7fec8e4825_0_44"/>
+            <p:cNvPr id="205" name="Google Shape;205;g7fec8e4825_0_44"/>
             <p:cNvSpPr/>
             <p:nvPr/>
           </p:nvSpPr>
@@ -17442,7 +16769,7 @@
       </p:grpSp>
       <p:sp>
         <p:nvSpPr>
-          <p:cNvPr id="222" name="Google Shape;222;g7fec8e4825_0_44"/>
+          <p:cNvPr id="206" name="Google Shape;206;g7fec8e4825_0_44"/>
           <p:cNvSpPr/>
           <p:nvPr/>
         </p:nvSpPr>
@@ -17506,7 +16833,7 @@
       </p:sp>
       <p:sp>
         <p:nvSpPr>
-          <p:cNvPr id="223" name="Google Shape;223;g7fec8e4825_0_44"/>
+          <p:cNvPr id="207" name="Google Shape;207;g7fec8e4825_0_44"/>
           <p:cNvSpPr/>
           <p:nvPr/>
         </p:nvSpPr>
@@ -17535,6 +16862,30 @@
           </a:bodyPr>
           <a:lstStyle/>
           <a:p>
+            <a:pPr indent="-292100" lvl="0" marL="457200" rtl="0" algn="l">
+              <a:spcBef>
+                <a:spcPts val="0"/>
+              </a:spcBef>
+              <a:spcAft>
+                <a:spcPts val="0"/>
+              </a:spcAft>
+              <a:buClr>
+                <a:schemeClr val="dk1"/>
+              </a:buClr>
+              <a:buSzPts val="1000"/>
+              <a:buChar char="●"/>
+            </a:pPr>
+            <a:r>
+              <a:rPr lang="pt-BR" sz="1000">
+                <a:solidFill>
+                  <a:schemeClr val="dk1"/>
+                </a:solidFill>
+              </a:rPr>
+              <a:t>Controlar fluxo de caixa</a:t>
+            </a:r>
+            <a:endParaRPr sz="1000"/>
+          </a:p>
+          <a:p>
             <a:pPr indent="-288720" lvl="0" marL="457200" marR="0" rtl="0" algn="l">
               <a:lnSpc>
                 <a:spcPct val="100000"/>
@@ -17567,7 +16918,7 @@
       </p:sp>
       <p:sp>
         <p:nvSpPr>
-          <p:cNvPr id="224" name="Google Shape;224;g7fec8e4825_0_44"/>
+          <p:cNvPr id="208" name="Google Shape;208;g7fec8e4825_0_44"/>
           <p:cNvSpPr/>
           <p:nvPr/>
         </p:nvSpPr>
@@ -17646,9 +16997,9 @@
       </p:sp>
       <p:cxnSp>
         <p:nvCxnSpPr>
-          <p:cNvPr id="225" name="Google Shape;225;g7fec8e4825_0_44"/>
+          <p:cNvPr id="209" name="Google Shape;209;g7fec8e4825_0_44"/>
           <p:cNvCxnSpPr>
-            <a:endCxn id="213" idx="1"/>
+            <a:endCxn id="197" idx="1"/>
           </p:cNvCxnSpPr>
           <p:nvPr/>
         </p:nvCxnSpPr>
@@ -17674,7 +17025,7 @@
       </p:cxnSp>
       <p:sp>
         <p:nvSpPr>
-          <p:cNvPr id="226" name="Google Shape;226;g7fec8e4825_0_44"/>
+          <p:cNvPr id="210" name="Google Shape;210;g7fec8e4825_0_44"/>
           <p:cNvSpPr/>
           <p:nvPr/>
         </p:nvSpPr>
@@ -17710,7 +17061,7 @@
       </p:sp>
       <p:sp>
         <p:nvSpPr>
-          <p:cNvPr id="227" name="Google Shape;227;g7fec8e4825_0_44"/>
+          <p:cNvPr id="211" name="Google Shape;211;g7fec8e4825_0_44"/>
           <p:cNvSpPr/>
           <p:nvPr/>
         </p:nvSpPr>
@@ -17753,9 +17104,9 @@
 </file>
 
 <file path=ppt/theme/theme1.xml><?xml version="1.0" encoding="utf-8"?>
-<a:theme xmlns:a="http://schemas.openxmlformats.org/drawingml/2006/main" xmlns:r="http://schemas.openxmlformats.org/officeDocument/2006/relationships">
+<a:theme xmlns:a="http://schemas.openxmlformats.org/drawingml/2006/main" xmlns:r="http://schemas.openxmlformats.org/officeDocument/2006/relationships" name="Office Theme">
   <a:themeElements>
-    <a:clrScheme name="Default">
+    <a:clrScheme name="Office">
       <a:dk1>
         <a:srgbClr val="000000"/>
       </a:dk1>
@@ -17763,34 +17114,34 @@
         <a:srgbClr val="FFFFFF"/>
       </a:lt1>
       <a:dk2>
-        <a:srgbClr val="158158"/>
+        <a:srgbClr val="1F497D"/>
       </a:dk2>
       <a:lt2>
-        <a:srgbClr val="F3F3F3"/>
+        <a:srgbClr val="EEECE1"/>
       </a:lt2>
       <a:accent1>
-        <a:srgbClr val="058DC7"/>
+        <a:srgbClr val="4F81BD"/>
       </a:accent1>
       <a:accent2>
-        <a:srgbClr val="50B432"/>
+        <a:srgbClr val="C0504D"/>
       </a:accent2>
       <a:accent3>
-        <a:srgbClr val="ED561B"/>
+        <a:srgbClr val="9BBB59"/>
       </a:accent3>
       <a:accent4>
-        <a:srgbClr val="EDEF00"/>
+        <a:srgbClr val="8064A2"/>
       </a:accent4>
       <a:accent5>
-        <a:srgbClr val="24CBE5"/>
+        <a:srgbClr val="4BACC6"/>
       </a:accent5>
       <a:accent6>
-        <a:srgbClr val="64E572"/>
+        <a:srgbClr val="F79646"/>
       </a:accent6>
       <a:hlink>
-        <a:srgbClr val="2200CC"/>
+        <a:srgbClr val="0000FF"/>
       </a:hlink>
       <a:folHlink>
-        <a:srgbClr val="551A8B"/>
+        <a:srgbClr val="800080"/>
       </a:folHlink>
     </a:clrScheme>
     <a:fontScheme name="Office">
@@ -18311,9 +17662,9 @@
 </file>
 
 <file path=ppt/theme/theme3.xml><?xml version="1.0" encoding="utf-8"?>
-<a:theme xmlns:a="http://schemas.openxmlformats.org/drawingml/2006/main" xmlns:r="http://schemas.openxmlformats.org/officeDocument/2006/relationships" name="Office Theme">
+<a:theme xmlns:a="http://schemas.openxmlformats.org/drawingml/2006/main" xmlns:r="http://schemas.openxmlformats.org/officeDocument/2006/relationships">
   <a:themeElements>
-    <a:clrScheme name="Office">
+    <a:clrScheme name="Default">
       <a:dk1>
         <a:srgbClr val="000000"/>
       </a:dk1>
@@ -18321,34 +17672,34 @@
         <a:srgbClr val="FFFFFF"/>
       </a:lt1>
       <a:dk2>
-        <a:srgbClr val="1F497D"/>
+        <a:srgbClr val="158158"/>
       </a:dk2>
       <a:lt2>
-        <a:srgbClr val="EEECE1"/>
+        <a:srgbClr val="F3F3F3"/>
       </a:lt2>
       <a:accent1>
-        <a:srgbClr val="4F81BD"/>
+        <a:srgbClr val="058DC7"/>
       </a:accent1>
       <a:accent2>
-        <a:srgbClr val="C0504D"/>
+        <a:srgbClr val="50B432"/>
       </a:accent2>
       <a:accent3>
-        <a:srgbClr val="9BBB59"/>
+        <a:srgbClr val="ED561B"/>
       </a:accent3>
       <a:accent4>
-        <a:srgbClr val="8064A2"/>
+        <a:srgbClr val="EDEF00"/>
       </a:accent4>
       <a:accent5>
-        <a:srgbClr val="4BACC6"/>
+        <a:srgbClr val="24CBE5"/>
       </a:accent5>
       <a:accent6>
-        <a:srgbClr val="F79646"/>
+        <a:srgbClr val="64E572"/>
       </a:accent6>
       <a:hlink>
-        <a:srgbClr val="0000FF"/>
+        <a:srgbClr val="2200CC"/>
       </a:hlink>
       <a:folHlink>
-        <a:srgbClr val="800080"/>
+        <a:srgbClr val="551A8B"/>
       </a:folHlink>
     </a:clrScheme>
     <a:fontScheme name="Office">

--- a/docs/ARTEFATOS(15-23)/Arquitetura_Negócio/15) Arquitetura de Negócio para cada Cenário.pptx
+++ b/docs/ARTEFATOS(15-23)/Arquitetura_Negócio/15) Arquitetura de Negócio para cada Cenário.pptx
@@ -10,6 +10,7 @@
     <p:sldId id="257" r:id="rId5"/>
     <p:sldId id="258" r:id="rId6"/>
     <p:sldId id="259" r:id="rId7"/>
+    <p:sldId id="260" r:id="rId8"/>
   </p:sldIdLst>
   <p:sldSz cx="10080625" cy="5670550"/>
   <p:notesSz cx="7559675" cy="10691812"/>
@@ -79,10 +80,8 @@
             <a:noAutofit/>
           </a:bodyPr>
           <a:p>
-            <a:endParaRPr b="0" lang="pt-BR" sz="1400" spc="-1" strike="noStrike">
-              <a:solidFill>
-                <a:srgbClr val="000000"/>
-              </a:solidFill>
+            <a:pPr algn="ctr"/>
+            <a:endParaRPr b="0" lang="pt-BR" sz="4400" spc="-1" strike="noStrike">
               <a:latin typeface="Arial"/>
             </a:endParaRPr>
           </a:p>
@@ -112,10 +111,7 @@
             <a:normAutofit/>
           </a:bodyPr>
           <a:p>
-            <a:endParaRPr b="0" lang="pt-BR" sz="1400" spc="-1" strike="noStrike">
-              <a:solidFill>
-                <a:srgbClr val="000000"/>
-              </a:solidFill>
+            <a:endParaRPr b="0" lang="pt-BR" sz="3200" spc="-1" strike="noStrike">
               <a:latin typeface="Arial"/>
             </a:endParaRPr>
           </a:p>
@@ -145,10 +141,7 @@
             <a:normAutofit/>
           </a:bodyPr>
           <a:p>
-            <a:endParaRPr b="0" lang="pt-BR" sz="1400" spc="-1" strike="noStrike">
-              <a:solidFill>
-                <a:srgbClr val="000000"/>
-              </a:solidFill>
+            <a:endParaRPr b="0" lang="pt-BR" sz="3200" spc="-1" strike="noStrike">
               <a:latin typeface="Arial"/>
             </a:endParaRPr>
           </a:p>
@@ -200,10 +193,8 @@
             <a:noAutofit/>
           </a:bodyPr>
           <a:p>
-            <a:endParaRPr b="0" lang="pt-BR" sz="1400" spc="-1" strike="noStrike">
-              <a:solidFill>
-                <a:srgbClr val="000000"/>
-              </a:solidFill>
+            <a:pPr algn="ctr"/>
+            <a:endParaRPr b="0" lang="pt-BR" sz="4400" spc="-1" strike="noStrike">
               <a:latin typeface="Arial"/>
             </a:endParaRPr>
           </a:p>
@@ -233,10 +224,7 @@
             <a:normAutofit/>
           </a:bodyPr>
           <a:p>
-            <a:endParaRPr b="0" lang="pt-BR" sz="1400" spc="-1" strike="noStrike">
-              <a:solidFill>
-                <a:srgbClr val="000000"/>
-              </a:solidFill>
+            <a:endParaRPr b="0" lang="pt-BR" sz="3200" spc="-1" strike="noStrike">
               <a:latin typeface="Arial"/>
             </a:endParaRPr>
           </a:p>
@@ -266,10 +254,7 @@
             <a:normAutofit/>
           </a:bodyPr>
           <a:p>
-            <a:endParaRPr b="0" lang="pt-BR" sz="1400" spc="-1" strike="noStrike">
-              <a:solidFill>
-                <a:srgbClr val="000000"/>
-              </a:solidFill>
+            <a:endParaRPr b="0" lang="pt-BR" sz="3200" spc="-1" strike="noStrike">
               <a:latin typeface="Arial"/>
             </a:endParaRPr>
           </a:p>
@@ -299,10 +284,7 @@
             <a:normAutofit/>
           </a:bodyPr>
           <a:p>
-            <a:endParaRPr b="0" lang="pt-BR" sz="1400" spc="-1" strike="noStrike">
-              <a:solidFill>
-                <a:srgbClr val="000000"/>
-              </a:solidFill>
+            <a:endParaRPr b="0" lang="pt-BR" sz="3200" spc="-1" strike="noStrike">
               <a:latin typeface="Arial"/>
             </a:endParaRPr>
           </a:p>
@@ -332,10 +314,7 @@
             <a:normAutofit/>
           </a:bodyPr>
           <a:p>
-            <a:endParaRPr b="0" lang="pt-BR" sz="1400" spc="-1" strike="noStrike">
-              <a:solidFill>
-                <a:srgbClr val="000000"/>
-              </a:solidFill>
+            <a:endParaRPr b="0" lang="pt-BR" sz="3200" spc="-1" strike="noStrike">
               <a:latin typeface="Arial"/>
             </a:endParaRPr>
           </a:p>
@@ -387,10 +366,8 @@
             <a:noAutofit/>
           </a:bodyPr>
           <a:p>
-            <a:endParaRPr b="0" lang="pt-BR" sz="1400" spc="-1" strike="noStrike">
-              <a:solidFill>
-                <a:srgbClr val="000000"/>
-              </a:solidFill>
+            <a:pPr algn="ctr"/>
+            <a:endParaRPr b="0" lang="pt-BR" sz="4400" spc="-1" strike="noStrike">
               <a:latin typeface="Arial"/>
             </a:endParaRPr>
           </a:p>
@@ -420,10 +397,7 @@
             <a:normAutofit/>
           </a:bodyPr>
           <a:p>
-            <a:endParaRPr b="0" lang="pt-BR" sz="1400" spc="-1" strike="noStrike">
-              <a:solidFill>
-                <a:srgbClr val="000000"/>
-              </a:solidFill>
+            <a:endParaRPr b="0" lang="pt-BR" sz="3200" spc="-1" strike="noStrike">
               <a:latin typeface="Arial"/>
             </a:endParaRPr>
           </a:p>
@@ -453,10 +427,7 @@
             <a:normAutofit/>
           </a:bodyPr>
           <a:p>
-            <a:endParaRPr b="0" lang="pt-BR" sz="1400" spc="-1" strike="noStrike">
-              <a:solidFill>
-                <a:srgbClr val="000000"/>
-              </a:solidFill>
+            <a:endParaRPr b="0" lang="pt-BR" sz="3200" spc="-1" strike="noStrike">
               <a:latin typeface="Arial"/>
             </a:endParaRPr>
           </a:p>
@@ -486,10 +457,7 @@
             <a:normAutofit/>
           </a:bodyPr>
           <a:p>
-            <a:endParaRPr b="0" lang="pt-BR" sz="1400" spc="-1" strike="noStrike">
-              <a:solidFill>
-                <a:srgbClr val="000000"/>
-              </a:solidFill>
+            <a:endParaRPr b="0" lang="pt-BR" sz="3200" spc="-1" strike="noStrike">
               <a:latin typeface="Arial"/>
             </a:endParaRPr>
           </a:p>
@@ -519,10 +487,7 @@
             <a:normAutofit/>
           </a:bodyPr>
           <a:p>
-            <a:endParaRPr b="0" lang="pt-BR" sz="1400" spc="-1" strike="noStrike">
-              <a:solidFill>
-                <a:srgbClr val="000000"/>
-              </a:solidFill>
+            <a:endParaRPr b="0" lang="pt-BR" sz="3200" spc="-1" strike="noStrike">
               <a:latin typeface="Arial"/>
             </a:endParaRPr>
           </a:p>
@@ -552,10 +517,7 @@
             <a:normAutofit/>
           </a:bodyPr>
           <a:p>
-            <a:endParaRPr b="0" lang="pt-BR" sz="1400" spc="-1" strike="noStrike">
-              <a:solidFill>
-                <a:srgbClr val="000000"/>
-              </a:solidFill>
+            <a:endParaRPr b="0" lang="pt-BR" sz="3200" spc="-1" strike="noStrike">
               <a:latin typeface="Arial"/>
             </a:endParaRPr>
           </a:p>
@@ -585,10 +547,7 @@
             <a:normAutofit/>
           </a:bodyPr>
           <a:p>
-            <a:endParaRPr b="0" lang="pt-BR" sz="1400" spc="-1" strike="noStrike">
-              <a:solidFill>
-                <a:srgbClr val="000000"/>
-              </a:solidFill>
+            <a:endParaRPr b="0" lang="pt-BR" sz="3200" spc="-1" strike="noStrike">
               <a:latin typeface="Arial"/>
             </a:endParaRPr>
           </a:p>
@@ -662,10 +621,8 @@
             <a:noAutofit/>
           </a:bodyPr>
           <a:p>
-            <a:endParaRPr b="0" lang="pt-BR" sz="1400" spc="-1" strike="noStrike">
-              <a:solidFill>
-                <a:srgbClr val="000000"/>
-              </a:solidFill>
+            <a:pPr algn="ctr"/>
+            <a:endParaRPr b="0" lang="pt-BR" sz="4400" spc="-1" strike="noStrike">
               <a:latin typeface="Arial"/>
             </a:endParaRPr>
           </a:p>
@@ -748,10 +705,8 @@
             <a:noAutofit/>
           </a:bodyPr>
           <a:p>
-            <a:endParaRPr b="0" lang="pt-BR" sz="1400" spc="-1" strike="noStrike">
-              <a:solidFill>
-                <a:srgbClr val="000000"/>
-              </a:solidFill>
+            <a:pPr algn="ctr"/>
+            <a:endParaRPr b="0" lang="pt-BR" sz="4400" spc="-1" strike="noStrike">
               <a:latin typeface="Arial"/>
             </a:endParaRPr>
           </a:p>
@@ -781,10 +736,7 @@
             <a:normAutofit/>
           </a:bodyPr>
           <a:p>
-            <a:endParaRPr b="0" lang="pt-BR" sz="1400" spc="-1" strike="noStrike">
-              <a:solidFill>
-                <a:srgbClr val="000000"/>
-              </a:solidFill>
+            <a:endParaRPr b="0" lang="pt-BR" sz="3200" spc="-1" strike="noStrike">
               <a:latin typeface="Arial"/>
             </a:endParaRPr>
           </a:p>
@@ -836,10 +788,8 @@
             <a:noAutofit/>
           </a:bodyPr>
           <a:p>
-            <a:endParaRPr b="0" lang="pt-BR" sz="1400" spc="-1" strike="noStrike">
-              <a:solidFill>
-                <a:srgbClr val="000000"/>
-              </a:solidFill>
+            <a:pPr algn="ctr"/>
+            <a:endParaRPr b="0" lang="pt-BR" sz="4400" spc="-1" strike="noStrike">
               <a:latin typeface="Arial"/>
             </a:endParaRPr>
           </a:p>
@@ -869,10 +819,7 @@
             <a:normAutofit/>
           </a:bodyPr>
           <a:p>
-            <a:endParaRPr b="0" lang="pt-BR" sz="1400" spc="-1" strike="noStrike">
-              <a:solidFill>
-                <a:srgbClr val="000000"/>
-              </a:solidFill>
+            <a:endParaRPr b="0" lang="pt-BR" sz="3200" spc="-1" strike="noStrike">
               <a:latin typeface="Arial"/>
             </a:endParaRPr>
           </a:p>
@@ -902,10 +849,7 @@
             <a:normAutofit/>
           </a:bodyPr>
           <a:p>
-            <a:endParaRPr b="0" lang="pt-BR" sz="1400" spc="-1" strike="noStrike">
-              <a:solidFill>
-                <a:srgbClr val="000000"/>
-              </a:solidFill>
+            <a:endParaRPr b="0" lang="pt-BR" sz="3200" spc="-1" strike="noStrike">
               <a:latin typeface="Arial"/>
             </a:endParaRPr>
           </a:p>
@@ -957,10 +901,8 @@
             <a:noAutofit/>
           </a:bodyPr>
           <a:p>
-            <a:endParaRPr b="0" lang="pt-BR" sz="1400" spc="-1" strike="noStrike">
-              <a:solidFill>
-                <a:srgbClr val="000000"/>
-              </a:solidFill>
+            <a:pPr algn="ctr"/>
+            <a:endParaRPr b="0" lang="pt-BR" sz="4400" spc="-1" strike="noStrike">
               <a:latin typeface="Arial"/>
             </a:endParaRPr>
           </a:p>
@@ -1065,10 +1007,8 @@
             <a:noAutofit/>
           </a:bodyPr>
           <a:p>
-            <a:endParaRPr b="0" lang="pt-BR" sz="1400" spc="-1" strike="noStrike">
-              <a:solidFill>
-                <a:srgbClr val="000000"/>
-              </a:solidFill>
+            <a:pPr algn="ctr"/>
+            <a:endParaRPr b="0" lang="pt-BR" sz="4400" spc="-1" strike="noStrike">
               <a:latin typeface="Arial"/>
             </a:endParaRPr>
           </a:p>
@@ -1098,10 +1038,7 @@
             <a:normAutofit/>
           </a:bodyPr>
           <a:p>
-            <a:endParaRPr b="0" lang="pt-BR" sz="1400" spc="-1" strike="noStrike">
-              <a:solidFill>
-                <a:srgbClr val="000000"/>
-              </a:solidFill>
+            <a:endParaRPr b="0" lang="pt-BR" sz="3200" spc="-1" strike="noStrike">
               <a:latin typeface="Arial"/>
             </a:endParaRPr>
           </a:p>
@@ -1131,10 +1068,7 @@
             <a:normAutofit/>
           </a:bodyPr>
           <a:p>
-            <a:endParaRPr b="0" lang="pt-BR" sz="1400" spc="-1" strike="noStrike">
-              <a:solidFill>
-                <a:srgbClr val="000000"/>
-              </a:solidFill>
+            <a:endParaRPr b="0" lang="pt-BR" sz="3200" spc="-1" strike="noStrike">
               <a:latin typeface="Arial"/>
             </a:endParaRPr>
           </a:p>
@@ -1164,10 +1098,7 @@
             <a:normAutofit/>
           </a:bodyPr>
           <a:p>
-            <a:endParaRPr b="0" lang="pt-BR" sz="1400" spc="-1" strike="noStrike">
-              <a:solidFill>
-                <a:srgbClr val="000000"/>
-              </a:solidFill>
+            <a:endParaRPr b="0" lang="pt-BR" sz="3200" spc="-1" strike="noStrike">
               <a:latin typeface="Arial"/>
             </a:endParaRPr>
           </a:p>
@@ -1219,10 +1150,8 @@
             <a:noAutofit/>
           </a:bodyPr>
           <a:p>
-            <a:endParaRPr b="0" lang="pt-BR" sz="1400" spc="-1" strike="noStrike">
-              <a:solidFill>
-                <a:srgbClr val="000000"/>
-              </a:solidFill>
+            <a:pPr algn="ctr"/>
+            <a:endParaRPr b="0" lang="pt-BR" sz="4400" spc="-1" strike="noStrike">
               <a:latin typeface="Arial"/>
             </a:endParaRPr>
           </a:p>
@@ -1305,10 +1234,8 @@
             <a:noAutofit/>
           </a:bodyPr>
           <a:p>
-            <a:endParaRPr b="0" lang="pt-BR" sz="1400" spc="-1" strike="noStrike">
-              <a:solidFill>
-                <a:srgbClr val="000000"/>
-              </a:solidFill>
+            <a:pPr algn="ctr"/>
+            <a:endParaRPr b="0" lang="pt-BR" sz="4400" spc="-1" strike="noStrike">
               <a:latin typeface="Arial"/>
             </a:endParaRPr>
           </a:p>
@@ -1338,10 +1265,7 @@
             <a:normAutofit/>
           </a:bodyPr>
           <a:p>
-            <a:endParaRPr b="0" lang="pt-BR" sz="1400" spc="-1" strike="noStrike">
-              <a:solidFill>
-                <a:srgbClr val="000000"/>
-              </a:solidFill>
+            <a:endParaRPr b="0" lang="pt-BR" sz="3200" spc="-1" strike="noStrike">
               <a:latin typeface="Arial"/>
             </a:endParaRPr>
           </a:p>
@@ -1371,10 +1295,7 @@
             <a:normAutofit/>
           </a:bodyPr>
           <a:p>
-            <a:endParaRPr b="0" lang="pt-BR" sz="1400" spc="-1" strike="noStrike">
-              <a:solidFill>
-                <a:srgbClr val="000000"/>
-              </a:solidFill>
+            <a:endParaRPr b="0" lang="pt-BR" sz="3200" spc="-1" strike="noStrike">
               <a:latin typeface="Arial"/>
             </a:endParaRPr>
           </a:p>
@@ -1404,10 +1325,7 @@
             <a:normAutofit/>
           </a:bodyPr>
           <a:p>
-            <a:endParaRPr b="0" lang="pt-BR" sz="1400" spc="-1" strike="noStrike">
-              <a:solidFill>
-                <a:srgbClr val="000000"/>
-              </a:solidFill>
+            <a:endParaRPr b="0" lang="pt-BR" sz="3200" spc="-1" strike="noStrike">
               <a:latin typeface="Arial"/>
             </a:endParaRPr>
           </a:p>
@@ -1459,10 +1377,8 @@
             <a:noAutofit/>
           </a:bodyPr>
           <a:p>
-            <a:endParaRPr b="0" lang="pt-BR" sz="1400" spc="-1" strike="noStrike">
-              <a:solidFill>
-                <a:srgbClr val="000000"/>
-              </a:solidFill>
+            <a:pPr algn="ctr"/>
+            <a:endParaRPr b="0" lang="pt-BR" sz="4400" spc="-1" strike="noStrike">
               <a:latin typeface="Arial"/>
             </a:endParaRPr>
           </a:p>
@@ -1492,10 +1408,7 @@
             <a:normAutofit/>
           </a:bodyPr>
           <a:p>
-            <a:endParaRPr b="0" lang="pt-BR" sz="1400" spc="-1" strike="noStrike">
-              <a:solidFill>
-                <a:srgbClr val="000000"/>
-              </a:solidFill>
+            <a:endParaRPr b="0" lang="pt-BR" sz="3200" spc="-1" strike="noStrike">
               <a:latin typeface="Arial"/>
             </a:endParaRPr>
           </a:p>
@@ -1525,10 +1438,7 @@
             <a:normAutofit/>
           </a:bodyPr>
           <a:p>
-            <a:endParaRPr b="0" lang="pt-BR" sz="1400" spc="-1" strike="noStrike">
-              <a:solidFill>
-                <a:srgbClr val="000000"/>
-              </a:solidFill>
+            <a:endParaRPr b="0" lang="pt-BR" sz="3200" spc="-1" strike="noStrike">
               <a:latin typeface="Arial"/>
             </a:endParaRPr>
           </a:p>
@@ -1558,10 +1468,7 @@
             <a:normAutofit/>
           </a:bodyPr>
           <a:p>
-            <a:endParaRPr b="0" lang="pt-BR" sz="1400" spc="-1" strike="noStrike">
-              <a:solidFill>
-                <a:srgbClr val="000000"/>
-              </a:solidFill>
+            <a:endParaRPr b="0" lang="pt-BR" sz="3200" spc="-1" strike="noStrike">
               <a:latin typeface="Arial"/>
             </a:endParaRPr>
           </a:p>
@@ -1613,10 +1520,8 @@
             <a:noAutofit/>
           </a:bodyPr>
           <a:p>
-            <a:endParaRPr b="0" lang="pt-BR" sz="1400" spc="-1" strike="noStrike">
-              <a:solidFill>
-                <a:srgbClr val="000000"/>
-              </a:solidFill>
+            <a:pPr algn="ctr"/>
+            <a:endParaRPr b="0" lang="pt-BR" sz="4400" spc="-1" strike="noStrike">
               <a:latin typeface="Arial"/>
             </a:endParaRPr>
           </a:p>
@@ -1646,10 +1551,7 @@
             <a:normAutofit/>
           </a:bodyPr>
           <a:p>
-            <a:endParaRPr b="0" lang="pt-BR" sz="1400" spc="-1" strike="noStrike">
-              <a:solidFill>
-                <a:srgbClr val="000000"/>
-              </a:solidFill>
+            <a:endParaRPr b="0" lang="pt-BR" sz="3200" spc="-1" strike="noStrike">
               <a:latin typeface="Arial"/>
             </a:endParaRPr>
           </a:p>
@@ -1679,10 +1581,7 @@
             <a:normAutofit/>
           </a:bodyPr>
           <a:p>
-            <a:endParaRPr b="0" lang="pt-BR" sz="1400" spc="-1" strike="noStrike">
-              <a:solidFill>
-                <a:srgbClr val="000000"/>
-              </a:solidFill>
+            <a:endParaRPr b="0" lang="pt-BR" sz="3200" spc="-1" strike="noStrike">
               <a:latin typeface="Arial"/>
             </a:endParaRPr>
           </a:p>
@@ -1734,10 +1633,8 @@
             <a:noAutofit/>
           </a:bodyPr>
           <a:p>
-            <a:endParaRPr b="0" lang="pt-BR" sz="1400" spc="-1" strike="noStrike">
-              <a:solidFill>
-                <a:srgbClr val="000000"/>
-              </a:solidFill>
+            <a:pPr algn="ctr"/>
+            <a:endParaRPr b="0" lang="pt-BR" sz="4400" spc="-1" strike="noStrike">
               <a:latin typeface="Arial"/>
             </a:endParaRPr>
           </a:p>
@@ -1767,10 +1664,7 @@
             <a:normAutofit/>
           </a:bodyPr>
           <a:p>
-            <a:endParaRPr b="0" lang="pt-BR" sz="1400" spc="-1" strike="noStrike">
-              <a:solidFill>
-                <a:srgbClr val="000000"/>
-              </a:solidFill>
+            <a:endParaRPr b="0" lang="pt-BR" sz="3200" spc="-1" strike="noStrike">
               <a:latin typeface="Arial"/>
             </a:endParaRPr>
           </a:p>
@@ -1800,10 +1694,7 @@
             <a:normAutofit/>
           </a:bodyPr>
           <a:p>
-            <a:endParaRPr b="0" lang="pt-BR" sz="1400" spc="-1" strike="noStrike">
-              <a:solidFill>
-                <a:srgbClr val="000000"/>
-              </a:solidFill>
+            <a:endParaRPr b="0" lang="pt-BR" sz="3200" spc="-1" strike="noStrike">
               <a:latin typeface="Arial"/>
             </a:endParaRPr>
           </a:p>
@@ -1833,10 +1724,7 @@
             <a:normAutofit/>
           </a:bodyPr>
           <a:p>
-            <a:endParaRPr b="0" lang="pt-BR" sz="1400" spc="-1" strike="noStrike">
-              <a:solidFill>
-                <a:srgbClr val="000000"/>
-              </a:solidFill>
+            <a:endParaRPr b="0" lang="pt-BR" sz="3200" spc="-1" strike="noStrike">
               <a:latin typeface="Arial"/>
             </a:endParaRPr>
           </a:p>
@@ -1866,10 +1754,7 @@
             <a:normAutofit/>
           </a:bodyPr>
           <a:p>
-            <a:endParaRPr b="0" lang="pt-BR" sz="1400" spc="-1" strike="noStrike">
-              <a:solidFill>
-                <a:srgbClr val="000000"/>
-              </a:solidFill>
+            <a:endParaRPr b="0" lang="pt-BR" sz="3200" spc="-1" strike="noStrike">
               <a:latin typeface="Arial"/>
             </a:endParaRPr>
           </a:p>
@@ -1921,10 +1806,8 @@
             <a:noAutofit/>
           </a:bodyPr>
           <a:p>
-            <a:endParaRPr b="0" lang="pt-BR" sz="1400" spc="-1" strike="noStrike">
-              <a:solidFill>
-                <a:srgbClr val="000000"/>
-              </a:solidFill>
+            <a:pPr algn="ctr"/>
+            <a:endParaRPr b="0" lang="pt-BR" sz="4400" spc="-1" strike="noStrike">
               <a:latin typeface="Arial"/>
             </a:endParaRPr>
           </a:p>
@@ -1954,10 +1837,7 @@
             <a:normAutofit/>
           </a:bodyPr>
           <a:p>
-            <a:endParaRPr b="0" lang="pt-BR" sz="1400" spc="-1" strike="noStrike">
-              <a:solidFill>
-                <a:srgbClr val="000000"/>
-              </a:solidFill>
+            <a:endParaRPr b="0" lang="pt-BR" sz="3200" spc="-1" strike="noStrike">
               <a:latin typeface="Arial"/>
             </a:endParaRPr>
           </a:p>
@@ -1987,10 +1867,7 @@
             <a:normAutofit/>
           </a:bodyPr>
           <a:p>
-            <a:endParaRPr b="0" lang="pt-BR" sz="1400" spc="-1" strike="noStrike">
-              <a:solidFill>
-                <a:srgbClr val="000000"/>
-              </a:solidFill>
+            <a:endParaRPr b="0" lang="pt-BR" sz="3200" spc="-1" strike="noStrike">
               <a:latin typeface="Arial"/>
             </a:endParaRPr>
           </a:p>
@@ -2020,10 +1897,7 @@
             <a:normAutofit/>
           </a:bodyPr>
           <a:p>
-            <a:endParaRPr b="0" lang="pt-BR" sz="1400" spc="-1" strike="noStrike">
-              <a:solidFill>
-                <a:srgbClr val="000000"/>
-              </a:solidFill>
+            <a:endParaRPr b="0" lang="pt-BR" sz="3200" spc="-1" strike="noStrike">
               <a:latin typeface="Arial"/>
             </a:endParaRPr>
           </a:p>
@@ -2053,10 +1927,7 @@
             <a:normAutofit/>
           </a:bodyPr>
           <a:p>
-            <a:endParaRPr b="0" lang="pt-BR" sz="1400" spc="-1" strike="noStrike">
-              <a:solidFill>
-                <a:srgbClr val="000000"/>
-              </a:solidFill>
+            <a:endParaRPr b="0" lang="pt-BR" sz="3200" spc="-1" strike="noStrike">
               <a:latin typeface="Arial"/>
             </a:endParaRPr>
           </a:p>
@@ -2086,10 +1957,7 @@
             <a:normAutofit/>
           </a:bodyPr>
           <a:p>
-            <a:endParaRPr b="0" lang="pt-BR" sz="1400" spc="-1" strike="noStrike">
-              <a:solidFill>
-                <a:srgbClr val="000000"/>
-              </a:solidFill>
+            <a:endParaRPr b="0" lang="pt-BR" sz="3200" spc="-1" strike="noStrike">
               <a:latin typeface="Arial"/>
             </a:endParaRPr>
           </a:p>
@@ -2119,10 +1987,7 @@
             <a:normAutofit/>
           </a:bodyPr>
           <a:p>
-            <a:endParaRPr b="0" lang="pt-BR" sz="1400" spc="-1" strike="noStrike">
-              <a:solidFill>
-                <a:srgbClr val="000000"/>
-              </a:solidFill>
+            <a:endParaRPr b="0" lang="pt-BR" sz="3200" spc="-1" strike="noStrike">
               <a:latin typeface="Arial"/>
             </a:endParaRPr>
           </a:p>
@@ -2174,10 +2039,8 @@
             <a:noAutofit/>
           </a:bodyPr>
           <a:p>
-            <a:endParaRPr b="0" lang="pt-BR" sz="1400" spc="-1" strike="noStrike">
-              <a:solidFill>
-                <a:srgbClr val="000000"/>
-              </a:solidFill>
+            <a:pPr algn="ctr"/>
+            <a:endParaRPr b="0" lang="pt-BR" sz="4400" spc="-1" strike="noStrike">
               <a:latin typeface="Arial"/>
             </a:endParaRPr>
           </a:p>
@@ -2207,10 +2070,7 @@
             <a:normAutofit/>
           </a:bodyPr>
           <a:p>
-            <a:endParaRPr b="0" lang="pt-BR" sz="1400" spc="-1" strike="noStrike">
-              <a:solidFill>
-                <a:srgbClr val="000000"/>
-              </a:solidFill>
+            <a:endParaRPr b="0" lang="pt-BR" sz="3200" spc="-1" strike="noStrike">
               <a:latin typeface="Arial"/>
             </a:endParaRPr>
           </a:p>
@@ -2262,10 +2122,8 @@
             <a:noAutofit/>
           </a:bodyPr>
           <a:p>
-            <a:endParaRPr b="0" lang="pt-BR" sz="1400" spc="-1" strike="noStrike">
-              <a:solidFill>
-                <a:srgbClr val="000000"/>
-              </a:solidFill>
+            <a:pPr algn="ctr"/>
+            <a:endParaRPr b="0" lang="pt-BR" sz="4400" spc="-1" strike="noStrike">
               <a:latin typeface="Arial"/>
             </a:endParaRPr>
           </a:p>
@@ -2295,10 +2153,7 @@
             <a:normAutofit/>
           </a:bodyPr>
           <a:p>
-            <a:endParaRPr b="0" lang="pt-BR" sz="1400" spc="-1" strike="noStrike">
-              <a:solidFill>
-                <a:srgbClr val="000000"/>
-              </a:solidFill>
+            <a:endParaRPr b="0" lang="pt-BR" sz="3200" spc="-1" strike="noStrike">
               <a:latin typeface="Arial"/>
             </a:endParaRPr>
           </a:p>
@@ -2328,10 +2183,7 @@
             <a:normAutofit/>
           </a:bodyPr>
           <a:p>
-            <a:endParaRPr b="0" lang="pt-BR" sz="1400" spc="-1" strike="noStrike">
-              <a:solidFill>
-                <a:srgbClr val="000000"/>
-              </a:solidFill>
+            <a:endParaRPr b="0" lang="pt-BR" sz="3200" spc="-1" strike="noStrike">
               <a:latin typeface="Arial"/>
             </a:endParaRPr>
           </a:p>
@@ -2383,10 +2235,8 @@
             <a:noAutofit/>
           </a:bodyPr>
           <a:p>
-            <a:endParaRPr b="0" lang="pt-BR" sz="1400" spc="-1" strike="noStrike">
-              <a:solidFill>
-                <a:srgbClr val="000000"/>
-              </a:solidFill>
+            <a:pPr algn="ctr"/>
+            <a:endParaRPr b="0" lang="pt-BR" sz="4400" spc="-1" strike="noStrike">
               <a:latin typeface="Arial"/>
             </a:endParaRPr>
           </a:p>
@@ -2491,10 +2341,8 @@
             <a:noAutofit/>
           </a:bodyPr>
           <a:p>
-            <a:endParaRPr b="0" lang="pt-BR" sz="1400" spc="-1" strike="noStrike">
-              <a:solidFill>
-                <a:srgbClr val="000000"/>
-              </a:solidFill>
+            <a:pPr algn="ctr"/>
+            <a:endParaRPr b="0" lang="pt-BR" sz="4400" spc="-1" strike="noStrike">
               <a:latin typeface="Arial"/>
             </a:endParaRPr>
           </a:p>
@@ -2524,10 +2372,7 @@
             <a:normAutofit/>
           </a:bodyPr>
           <a:p>
-            <a:endParaRPr b="0" lang="pt-BR" sz="1400" spc="-1" strike="noStrike">
-              <a:solidFill>
-                <a:srgbClr val="000000"/>
-              </a:solidFill>
+            <a:endParaRPr b="0" lang="pt-BR" sz="3200" spc="-1" strike="noStrike">
               <a:latin typeface="Arial"/>
             </a:endParaRPr>
           </a:p>
@@ -2557,10 +2402,7 @@
             <a:normAutofit/>
           </a:bodyPr>
           <a:p>
-            <a:endParaRPr b="0" lang="pt-BR" sz="1400" spc="-1" strike="noStrike">
-              <a:solidFill>
-                <a:srgbClr val="000000"/>
-              </a:solidFill>
+            <a:endParaRPr b="0" lang="pt-BR" sz="3200" spc="-1" strike="noStrike">
               <a:latin typeface="Arial"/>
             </a:endParaRPr>
           </a:p>
@@ -2590,10 +2432,7 @@
             <a:normAutofit/>
           </a:bodyPr>
           <a:p>
-            <a:endParaRPr b="0" lang="pt-BR" sz="1400" spc="-1" strike="noStrike">
-              <a:solidFill>
-                <a:srgbClr val="000000"/>
-              </a:solidFill>
+            <a:endParaRPr b="0" lang="pt-BR" sz="3200" spc="-1" strike="noStrike">
               <a:latin typeface="Arial"/>
             </a:endParaRPr>
           </a:p>
@@ -2645,10 +2484,8 @@
             <a:noAutofit/>
           </a:bodyPr>
           <a:p>
-            <a:endParaRPr b="0" lang="pt-BR" sz="1400" spc="-1" strike="noStrike">
-              <a:solidFill>
-                <a:srgbClr val="000000"/>
-              </a:solidFill>
+            <a:pPr algn="ctr"/>
+            <a:endParaRPr b="0" lang="pt-BR" sz="4400" spc="-1" strike="noStrike">
               <a:latin typeface="Arial"/>
             </a:endParaRPr>
           </a:p>
@@ -2678,10 +2515,7 @@
             <a:normAutofit/>
           </a:bodyPr>
           <a:p>
-            <a:endParaRPr b="0" lang="pt-BR" sz="1400" spc="-1" strike="noStrike">
-              <a:solidFill>
-                <a:srgbClr val="000000"/>
-              </a:solidFill>
+            <a:endParaRPr b="0" lang="pt-BR" sz="3200" spc="-1" strike="noStrike">
               <a:latin typeface="Arial"/>
             </a:endParaRPr>
           </a:p>
@@ -2711,10 +2545,7 @@
             <a:normAutofit/>
           </a:bodyPr>
           <a:p>
-            <a:endParaRPr b="0" lang="pt-BR" sz="1400" spc="-1" strike="noStrike">
-              <a:solidFill>
-                <a:srgbClr val="000000"/>
-              </a:solidFill>
+            <a:endParaRPr b="0" lang="pt-BR" sz="3200" spc="-1" strike="noStrike">
               <a:latin typeface="Arial"/>
             </a:endParaRPr>
           </a:p>
@@ -2744,10 +2575,7 @@
             <a:normAutofit/>
           </a:bodyPr>
           <a:p>
-            <a:endParaRPr b="0" lang="pt-BR" sz="1400" spc="-1" strike="noStrike">
-              <a:solidFill>
-                <a:srgbClr val="000000"/>
-              </a:solidFill>
+            <a:endParaRPr b="0" lang="pt-BR" sz="3200" spc="-1" strike="noStrike">
               <a:latin typeface="Arial"/>
             </a:endParaRPr>
           </a:p>
@@ -2799,10 +2627,8 @@
             <a:noAutofit/>
           </a:bodyPr>
           <a:p>
-            <a:endParaRPr b="0" lang="pt-BR" sz="1400" spc="-1" strike="noStrike">
-              <a:solidFill>
-                <a:srgbClr val="000000"/>
-              </a:solidFill>
+            <a:pPr algn="ctr"/>
+            <a:endParaRPr b="0" lang="pt-BR" sz="4400" spc="-1" strike="noStrike">
               <a:latin typeface="Arial"/>
             </a:endParaRPr>
           </a:p>
@@ -2832,10 +2658,7 @@
             <a:normAutofit/>
           </a:bodyPr>
           <a:p>
-            <a:endParaRPr b="0" lang="pt-BR" sz="1400" spc="-1" strike="noStrike">
-              <a:solidFill>
-                <a:srgbClr val="000000"/>
-              </a:solidFill>
+            <a:endParaRPr b="0" lang="pt-BR" sz="3200" spc="-1" strike="noStrike">
               <a:latin typeface="Arial"/>
             </a:endParaRPr>
           </a:p>
@@ -2865,10 +2688,7 @@
             <a:normAutofit/>
           </a:bodyPr>
           <a:p>
-            <a:endParaRPr b="0" lang="pt-BR" sz="1400" spc="-1" strike="noStrike">
-              <a:solidFill>
-                <a:srgbClr val="000000"/>
-              </a:solidFill>
+            <a:endParaRPr b="0" lang="pt-BR" sz="3200" spc="-1" strike="noStrike">
               <a:latin typeface="Arial"/>
             </a:endParaRPr>
           </a:p>
@@ -2898,10 +2718,7 @@
             <a:normAutofit/>
           </a:bodyPr>
           <a:p>
-            <a:endParaRPr b="0" lang="pt-BR" sz="1400" spc="-1" strike="noStrike">
-              <a:solidFill>
-                <a:srgbClr val="000000"/>
-              </a:solidFill>
+            <a:endParaRPr b="0" lang="pt-BR" sz="3200" spc="-1" strike="noStrike">
               <a:latin typeface="Arial"/>
             </a:endParaRPr>
           </a:p>
@@ -2960,19 +2777,14 @@
             <a:noAutofit/>
           </a:bodyPr>
           <a:p>
+            <a:pPr algn="ctr"/>
             <a:r>
-              <a:rPr b="0" lang="pt-BR" sz="1400" spc="-1" strike="noStrike">
-                <a:solidFill>
-                  <a:srgbClr val="000000"/>
-                </a:solidFill>
+              <a:rPr b="0" lang="pt-BR" sz="4400" spc="-1" strike="noStrike">
                 <a:latin typeface="Arial"/>
               </a:rPr>
               <a:t>Clique para editar o formato do texto do título</a:t>
             </a:r>
-            <a:endParaRPr b="0" lang="pt-BR" sz="1400" spc="-1" strike="noStrike">
-              <a:solidFill>
-                <a:srgbClr val="000000"/>
-              </a:solidFill>
+            <a:endParaRPr b="0" lang="pt-BR" sz="4400" spc="-1" strike="noStrike">
               <a:latin typeface="Arial"/>
             </a:endParaRPr>
           </a:p>
@@ -2999,7 +2811,7 @@
         </p:spPr>
         <p:txBody>
           <a:bodyPr lIns="0" rIns="0" tIns="0" bIns="0">
-            <a:normAutofit/>
+            <a:normAutofit fontScale="94000"/>
           </a:bodyPr>
           <a:p>
             <a:pPr marL="432000" indent="-324000">
@@ -3014,18 +2826,12 @@
               <a:buChar char=""/>
             </a:pPr>
             <a:r>
-              <a:rPr b="0" lang="pt-BR" sz="1400" spc="-1" strike="noStrike">
-                <a:solidFill>
-                  <a:srgbClr val="000000"/>
-                </a:solidFill>
+              <a:rPr b="0" lang="pt-BR" sz="3200" spc="-1" strike="noStrike">
                 <a:latin typeface="Arial"/>
               </a:rPr>
               <a:t>Clique para editar o formato do texto da estrutura de tópicos</a:t>
             </a:r>
-            <a:endParaRPr b="0" lang="pt-BR" sz="1400" spc="-1" strike="noStrike">
-              <a:solidFill>
-                <a:srgbClr val="000000"/>
-              </a:solidFill>
+            <a:endParaRPr b="0" lang="pt-BR" sz="3200" spc="-1" strike="noStrike">
               <a:latin typeface="Arial"/>
             </a:endParaRPr>
           </a:p>
@@ -3042,18 +2848,12 @@
               <a:buChar char=""/>
             </a:pPr>
             <a:r>
-              <a:rPr b="0" lang="pt-BR" sz="1400" spc="-1" strike="noStrike">
-                <a:solidFill>
-                  <a:srgbClr val="000000"/>
-                </a:solidFill>
+              <a:rPr b="0" lang="pt-BR" sz="2800" spc="-1" strike="noStrike">
                 <a:latin typeface="Arial"/>
               </a:rPr>
               <a:t>2.º nível da estrutura de tópicos</a:t>
             </a:r>
-            <a:endParaRPr b="0" lang="pt-BR" sz="1400" spc="-1" strike="noStrike">
-              <a:solidFill>
-                <a:srgbClr val="000000"/>
-              </a:solidFill>
+            <a:endParaRPr b="0" lang="pt-BR" sz="2800" spc="-1" strike="noStrike">
               <a:latin typeface="Arial"/>
             </a:endParaRPr>
           </a:p>
@@ -3070,18 +2870,12 @@
               <a:buChar char=""/>
             </a:pPr>
             <a:r>
-              <a:rPr b="0" lang="pt-BR" sz="1400" spc="-1" strike="noStrike">
-                <a:solidFill>
-                  <a:srgbClr val="000000"/>
-                </a:solidFill>
+              <a:rPr b="0" lang="pt-BR" sz="2400" spc="-1" strike="noStrike">
                 <a:latin typeface="Arial"/>
               </a:rPr>
               <a:t>3.º nível da estrutura de tópicos</a:t>
             </a:r>
-            <a:endParaRPr b="0" lang="pt-BR" sz="1400" spc="-1" strike="noStrike">
-              <a:solidFill>
-                <a:srgbClr val="000000"/>
-              </a:solidFill>
+            <a:endParaRPr b="0" lang="pt-BR" sz="2400" spc="-1" strike="noStrike">
               <a:latin typeface="Arial"/>
             </a:endParaRPr>
           </a:p>
@@ -3098,18 +2892,12 @@
               <a:buChar char=""/>
             </a:pPr>
             <a:r>
-              <a:rPr b="0" lang="pt-BR" sz="1400" spc="-1" strike="noStrike">
-                <a:solidFill>
-                  <a:srgbClr val="000000"/>
-                </a:solidFill>
+              <a:rPr b="0" lang="pt-BR" sz="2000" spc="-1" strike="noStrike">
                 <a:latin typeface="Arial"/>
               </a:rPr>
               <a:t>4.º nível da estrutura de tópicos</a:t>
             </a:r>
-            <a:endParaRPr b="0" lang="pt-BR" sz="1400" spc="-1" strike="noStrike">
-              <a:solidFill>
-                <a:srgbClr val="000000"/>
-              </a:solidFill>
+            <a:endParaRPr b="0" lang="pt-BR" sz="2000" spc="-1" strike="noStrike">
               <a:latin typeface="Arial"/>
             </a:endParaRPr>
           </a:p>
@@ -3127,17 +2915,11 @@
             </a:pPr>
             <a:r>
               <a:rPr b="0" lang="pt-BR" sz="2000" spc="-1" strike="noStrike">
-                <a:solidFill>
-                  <a:srgbClr val="000000"/>
-                </a:solidFill>
                 <a:latin typeface="Arial"/>
               </a:rPr>
               <a:t>5.º nível da estrutura de tópicos</a:t>
             </a:r>
             <a:endParaRPr b="0" lang="pt-BR" sz="2000" spc="-1" strike="noStrike">
-              <a:solidFill>
-                <a:srgbClr val="000000"/>
-              </a:solidFill>
               <a:latin typeface="Arial"/>
             </a:endParaRPr>
           </a:p>
@@ -3155,17 +2937,11 @@
             </a:pPr>
             <a:r>
               <a:rPr b="0" lang="pt-BR" sz="2000" spc="-1" strike="noStrike">
-                <a:solidFill>
-                  <a:srgbClr val="000000"/>
-                </a:solidFill>
                 <a:latin typeface="Arial"/>
               </a:rPr>
               <a:t>6.º nível da estrutura de tópicos</a:t>
             </a:r>
             <a:endParaRPr b="0" lang="pt-BR" sz="2000" spc="-1" strike="noStrike">
-              <a:solidFill>
-                <a:srgbClr val="000000"/>
-              </a:solidFill>
               <a:latin typeface="Arial"/>
             </a:endParaRPr>
           </a:p>
@@ -3183,17 +2959,11 @@
             </a:pPr>
             <a:r>
               <a:rPr b="0" lang="pt-BR" sz="2000" spc="-1" strike="noStrike">
-                <a:solidFill>
-                  <a:srgbClr val="000000"/>
-                </a:solidFill>
                 <a:latin typeface="Arial"/>
               </a:rPr>
               <a:t>7.º nível da estrutura de tópicos</a:t>
             </a:r>
             <a:endParaRPr b="0" lang="pt-BR" sz="2000" spc="-1" strike="noStrike">
-              <a:solidFill>
-                <a:srgbClr val="000000"/>
-              </a:solidFill>
               <a:latin typeface="Arial"/>
             </a:endParaRPr>
           </a:p>
@@ -3267,19 +3037,14 @@
             <a:noAutofit/>
           </a:bodyPr>
           <a:p>
+            <a:pPr algn="ctr"/>
             <a:r>
-              <a:rPr b="0" lang="pt-BR" sz="1400" spc="-1" strike="noStrike">
-                <a:solidFill>
-                  <a:srgbClr val="000000"/>
-                </a:solidFill>
+              <a:rPr b="0" lang="pt-BR" sz="4400" spc="-1" strike="noStrike">
                 <a:latin typeface="Arial"/>
               </a:rPr>
               <a:t>Clique para editar o formato do texto do título</a:t>
             </a:r>
-            <a:endParaRPr b="0" lang="pt-BR" sz="1400" spc="-1" strike="noStrike">
-              <a:solidFill>
-                <a:srgbClr val="000000"/>
-              </a:solidFill>
+            <a:endParaRPr b="0" lang="pt-BR" sz="4400" spc="-1" strike="noStrike">
               <a:latin typeface="Arial"/>
             </a:endParaRPr>
           </a:p>
@@ -3321,18 +3086,12 @@
               <a:buChar char=""/>
             </a:pPr>
             <a:r>
-              <a:rPr b="0" lang="pt-BR" sz="1400" spc="-1" strike="noStrike">
-                <a:solidFill>
-                  <a:srgbClr val="000000"/>
-                </a:solidFill>
+              <a:rPr b="0" lang="pt-BR" sz="3200" spc="-1" strike="noStrike">
                 <a:latin typeface="Arial"/>
               </a:rPr>
               <a:t>Clique para editar o formato do texto da estrutura de tópicos</a:t>
             </a:r>
-            <a:endParaRPr b="0" lang="pt-BR" sz="1400" spc="-1" strike="noStrike">
-              <a:solidFill>
-                <a:srgbClr val="000000"/>
-              </a:solidFill>
+            <a:endParaRPr b="0" lang="pt-BR" sz="3200" spc="-1" strike="noStrike">
               <a:latin typeface="Arial"/>
             </a:endParaRPr>
           </a:p>
@@ -3349,18 +3108,12 @@
               <a:buChar char=""/>
             </a:pPr>
             <a:r>
-              <a:rPr b="0" lang="pt-BR" sz="1400" spc="-1" strike="noStrike">
-                <a:solidFill>
-                  <a:srgbClr val="000000"/>
-                </a:solidFill>
+              <a:rPr b="0" lang="pt-BR" sz="2800" spc="-1" strike="noStrike">
                 <a:latin typeface="Arial"/>
               </a:rPr>
               <a:t>2.º nível da estrutura de tópicos</a:t>
             </a:r>
-            <a:endParaRPr b="0" lang="pt-BR" sz="1400" spc="-1" strike="noStrike">
-              <a:solidFill>
-                <a:srgbClr val="000000"/>
-              </a:solidFill>
+            <a:endParaRPr b="0" lang="pt-BR" sz="2800" spc="-1" strike="noStrike">
               <a:latin typeface="Arial"/>
             </a:endParaRPr>
           </a:p>
@@ -3377,18 +3130,12 @@
               <a:buChar char=""/>
             </a:pPr>
             <a:r>
-              <a:rPr b="0" lang="pt-BR" sz="1400" spc="-1" strike="noStrike">
-                <a:solidFill>
-                  <a:srgbClr val="000000"/>
-                </a:solidFill>
+              <a:rPr b="0" lang="pt-BR" sz="2400" spc="-1" strike="noStrike">
                 <a:latin typeface="Arial"/>
               </a:rPr>
               <a:t>3.º nível da estrutura de tópicos</a:t>
             </a:r>
-            <a:endParaRPr b="0" lang="pt-BR" sz="1400" spc="-1" strike="noStrike">
-              <a:solidFill>
-                <a:srgbClr val="000000"/>
-              </a:solidFill>
+            <a:endParaRPr b="0" lang="pt-BR" sz="2400" spc="-1" strike="noStrike">
               <a:latin typeface="Arial"/>
             </a:endParaRPr>
           </a:p>
@@ -3405,18 +3152,12 @@
               <a:buChar char=""/>
             </a:pPr>
             <a:r>
-              <a:rPr b="0" lang="pt-BR" sz="1400" spc="-1" strike="noStrike">
-                <a:solidFill>
-                  <a:srgbClr val="000000"/>
-                </a:solidFill>
+              <a:rPr b="0" lang="pt-BR" sz="2000" spc="-1" strike="noStrike">
                 <a:latin typeface="Arial"/>
               </a:rPr>
               <a:t>4.º nível da estrutura de tópicos</a:t>
             </a:r>
-            <a:endParaRPr b="0" lang="pt-BR" sz="1400" spc="-1" strike="noStrike">
-              <a:solidFill>
-                <a:srgbClr val="000000"/>
-              </a:solidFill>
+            <a:endParaRPr b="0" lang="pt-BR" sz="2000" spc="-1" strike="noStrike">
               <a:latin typeface="Arial"/>
             </a:endParaRPr>
           </a:p>
@@ -3434,17 +3175,11 @@
             </a:pPr>
             <a:r>
               <a:rPr b="0" lang="pt-BR" sz="2000" spc="-1" strike="noStrike">
-                <a:solidFill>
-                  <a:srgbClr val="000000"/>
-                </a:solidFill>
                 <a:latin typeface="Arial"/>
               </a:rPr>
               <a:t>5.º nível da estrutura de tópicos</a:t>
             </a:r>
             <a:endParaRPr b="0" lang="pt-BR" sz="2000" spc="-1" strike="noStrike">
-              <a:solidFill>
-                <a:srgbClr val="000000"/>
-              </a:solidFill>
               <a:latin typeface="Arial"/>
             </a:endParaRPr>
           </a:p>
@@ -3462,17 +3197,11 @@
             </a:pPr>
             <a:r>
               <a:rPr b="0" lang="pt-BR" sz="2000" spc="-1" strike="noStrike">
-                <a:solidFill>
-                  <a:srgbClr val="000000"/>
-                </a:solidFill>
                 <a:latin typeface="Arial"/>
               </a:rPr>
               <a:t>6.º nível da estrutura de tópicos</a:t>
             </a:r>
             <a:endParaRPr b="0" lang="pt-BR" sz="2000" spc="-1" strike="noStrike">
-              <a:solidFill>
-                <a:srgbClr val="000000"/>
-              </a:solidFill>
               <a:latin typeface="Arial"/>
             </a:endParaRPr>
           </a:p>
@@ -3490,17 +3219,11 @@
             </a:pPr>
             <a:r>
               <a:rPr b="0" lang="pt-BR" sz="2000" spc="-1" strike="noStrike">
-                <a:solidFill>
-                  <a:srgbClr val="000000"/>
-                </a:solidFill>
                 <a:latin typeface="Arial"/>
               </a:rPr>
               <a:t>7.º nível da estrutura de tópicos</a:t>
             </a:r>
             <a:endParaRPr b="0" lang="pt-BR" sz="2000" spc="-1" strike="noStrike">
-              <a:solidFill>
-                <a:srgbClr val="000000"/>
-              </a:solidFill>
               <a:latin typeface="Arial"/>
             </a:endParaRPr>
           </a:p>
@@ -3552,7 +3275,7 @@
         <p:spPr>
           <a:xfrm>
             <a:off x="4033800" y="204840"/>
-            <a:ext cx="1997280" cy="847080"/>
+            <a:ext cx="1996560" cy="846360"/>
           </a:xfrm>
           <a:prstGeom prst="wave">
             <a:avLst>
@@ -3611,7 +3334,7 @@
         <p:spPr>
           <a:xfrm>
             <a:off x="2654280" y="2880000"/>
-            <a:ext cx="1375920" cy="582480"/>
+            <a:ext cx="1375200" cy="581760"/>
           </a:xfrm>
           <a:prstGeom prst="roundRect">
             <a:avLst>
@@ -3679,9 +3402,9 @@
         <p:grpSpPr>
           <a:xfrm>
             <a:off x="27360" y="2736000"/>
-            <a:ext cx="1122120" cy="911880"/>
+            <a:ext cx="1121400" cy="911160"/>
             <a:chOff x="27360" y="2736000"/>
-            <a:chExt cx="1122120" cy="911880"/>
+            <a:chExt cx="1121400" cy="911160"/>
           </a:xfrm>
         </p:grpSpPr>
         <p:grpSp>
@@ -3692,10 +3415,10 @@
           </p:nvGrpSpPr>
           <p:grpSpPr>
             <a:xfrm>
-              <a:off x="414000" y="2736000"/>
-              <a:ext cx="344520" cy="648000"/>
-              <a:chOff x="414000" y="2736000"/>
-              <a:chExt cx="344520" cy="648000"/>
+              <a:off x="413280" y="2736000"/>
+              <a:ext cx="345240" cy="648000"/>
+              <a:chOff x="413280" y="2736000"/>
+              <a:chExt cx="345240" cy="648000"/>
             </a:xfrm>
           </p:grpSpPr>
           <p:sp>
@@ -3707,7 +3430,7 @@
             <p:spPr>
               <a:xfrm>
                 <a:off x="484920" y="2736000"/>
-                <a:ext cx="210600" cy="212760"/>
+                <a:ext cx="209880" cy="212040"/>
               </a:xfrm>
               <a:prstGeom prst="flowChartConnector">
                 <a:avLst/>
@@ -3737,8 +3460,8 @@
             </p:nvSpPr>
             <p:spPr>
               <a:xfrm flipH="1">
-                <a:off x="584280" y="2952000"/>
-                <a:ext cx="360" cy="221400"/>
+                <a:off x="582840" y="2952000"/>
+                <a:ext cx="360" cy="220680"/>
               </a:xfrm>
               <a:custGeom>
                 <a:avLst/>
@@ -3780,7 +3503,7 @@
             <p:spPr>
               <a:xfrm>
                 <a:off x="437040" y="3049200"/>
-                <a:ext cx="306720" cy="360"/>
+                <a:ext cx="306000" cy="360"/>
               </a:xfrm>
               <a:custGeom>
                 <a:avLst/>
@@ -3821,8 +3544,8 @@
             </p:nvSpPr>
             <p:spPr>
               <a:xfrm flipH="1">
-                <a:off x="414000" y="3175560"/>
-                <a:ext cx="166320" cy="204480"/>
+                <a:off x="413280" y="3175560"/>
+                <a:ext cx="165600" cy="203760"/>
               </a:xfrm>
               <a:custGeom>
                 <a:avLst/>
@@ -3863,8 +3586,8 @@
             </p:nvSpPr>
             <p:spPr>
               <a:xfrm rot="10800000">
-                <a:off x="591840" y="3179520"/>
-                <a:ext cx="166680" cy="204480"/>
+                <a:off x="592560" y="3180240"/>
+                <a:ext cx="165960" cy="203760"/>
               </a:xfrm>
               <a:custGeom>
                 <a:avLst/>
@@ -3907,7 +3630,7 @@
           <p:spPr>
             <a:xfrm>
               <a:off x="27360" y="3273480"/>
-              <a:ext cx="1122120" cy="374400"/>
+              <a:ext cx="1121400" cy="373680"/>
             </a:xfrm>
             <a:prstGeom prst="rect">
               <a:avLst/>
@@ -3959,7 +3682,7 @@
         <p:spPr>
           <a:xfrm>
             <a:off x="2417040" y="1584000"/>
-            <a:ext cx="3341160" cy="1229760"/>
+            <a:ext cx="3340440" cy="1229040"/>
           </a:xfrm>
           <a:prstGeom prst="rect">
             <a:avLst/>
@@ -3980,7 +3703,7 @@
             <a:noAutofit/>
           </a:bodyPr>
           <a:p>
-            <a:pPr marL="457200" indent="-294840">
+            <a:pPr marL="457200" indent="-294120">
               <a:lnSpc>
                 <a:spcPct val="100000"/>
               </a:lnSpc>
@@ -4035,7 +3758,7 @@
         <p:spPr>
           <a:xfrm>
             <a:off x="2488320" y="4104000"/>
-            <a:ext cx="3341160" cy="911880"/>
+            <a:ext cx="3340440" cy="911160"/>
           </a:xfrm>
           <a:prstGeom prst="rect">
             <a:avLst/>
@@ -4056,7 +3779,7 @@
             <a:noAutofit/>
           </a:bodyPr>
           <a:p>
-            <a:pPr marL="457200" indent="-294840">
+            <a:pPr marL="457200" indent="-294120">
               <a:lnSpc>
                 <a:spcPct val="100000"/>
               </a:lnSpc>
@@ -4081,31 +3804,6 @@
             </a:endParaRPr>
           </a:p>
           <a:p>
-            <a:pPr marL="457200" indent="-294840">
-              <a:lnSpc>
-                <a:spcPct val="100000"/>
-              </a:lnSpc>
-              <a:buClr>
-                <a:srgbClr val="000000"/>
-              </a:buClr>
-              <a:buFont typeface="Arial"/>
-              <a:buChar char="❖"/>
-            </a:pPr>
-            <a:r>
-              <a:rPr b="0" lang="pt-BR" sz="1100" spc="-1" strike="noStrike">
-                <a:solidFill>
-                  <a:srgbClr val="000000"/>
-                </a:solidFill>
-                <a:latin typeface="Arial"/>
-                <a:ea typeface="Arial"/>
-              </a:rPr>
-              <a:t>Realizar pedido delivery</a:t>
-            </a:r>
-            <a:endParaRPr b="0" lang="pt-BR" sz="1100" spc="-1" strike="noStrike">
-              <a:latin typeface="Arial"/>
-            </a:endParaRPr>
-          </a:p>
-          <a:p>
             <a:pPr marL="457200">
               <a:lnSpc>
                 <a:spcPct val="100000"/>
@@ -4116,7 +3814,7 @@
             </a:endParaRPr>
           </a:p>
           <a:p>
-            <a:pPr>
+            <a:pPr marL="457200">
               <a:lnSpc>
                 <a:spcPct val="100000"/>
               </a:lnSpc>
@@ -4136,7 +3834,7 @@
         <p:spPr>
           <a:xfrm>
             <a:off x="8735760" y="5061600"/>
-            <a:ext cx="1274400" cy="520560"/>
+            <a:ext cx="1273680" cy="519840"/>
           </a:xfrm>
           <a:prstGeom prst="rect">
             <a:avLst/>
@@ -4177,7 +3875,7 @@
             </a:endParaRPr>
           </a:p>
           <a:p>
-            <a:pPr marL="457200" indent="-288360">
+            <a:pPr marL="457200" indent="-287640">
               <a:lnSpc>
                 <a:spcPct val="100000"/>
               </a:lnSpc>
@@ -4212,9 +3910,9 @@
         <p:grpSpPr>
           <a:xfrm>
             <a:off x="466920" y="1008000"/>
-            <a:ext cx="1474560" cy="903600"/>
+            <a:ext cx="1473840" cy="902880"/>
             <a:chOff x="466920" y="1008000"/>
-            <a:chExt cx="1474560" cy="903600"/>
+            <a:chExt cx="1473840" cy="902880"/>
           </a:xfrm>
         </p:grpSpPr>
         <p:grpSp>
@@ -4225,10 +3923,10 @@
           </p:nvGrpSpPr>
           <p:grpSpPr>
             <a:xfrm>
-              <a:off x="1015560" y="1008000"/>
-              <a:ext cx="304920" cy="642240"/>
-              <a:chOff x="1015560" y="1008000"/>
-              <a:chExt cx="304920" cy="642240"/>
+              <a:off x="1014840" y="1008000"/>
+              <a:ext cx="305640" cy="642240"/>
+              <a:chOff x="1014840" y="1008000"/>
+              <a:chExt cx="305640" cy="642240"/>
             </a:xfrm>
           </p:grpSpPr>
           <p:sp>
@@ -4240,7 +3938,7 @@
             <p:spPr>
               <a:xfrm>
                 <a:off x="1078560" y="1008000"/>
-                <a:ext cx="186120" cy="210600"/>
+                <a:ext cx="185400" cy="209880"/>
               </a:xfrm>
               <a:prstGeom prst="flowChartConnector">
                 <a:avLst/>
@@ -4270,8 +3968,8 @@
             </p:nvSpPr>
             <p:spPr>
               <a:xfrm flipH="1">
-                <a:off x="1165680" y="1222560"/>
-                <a:ext cx="360" cy="219240"/>
+                <a:off x="1164240" y="1222560"/>
+                <a:ext cx="360" cy="218520"/>
               </a:xfrm>
               <a:custGeom>
                 <a:avLst/>
@@ -4313,7 +4011,7 @@
             <p:spPr>
               <a:xfrm>
                 <a:off x="1036080" y="1318320"/>
-                <a:ext cx="271800" cy="360"/>
+                <a:ext cx="271080" cy="360"/>
               </a:xfrm>
               <a:custGeom>
                 <a:avLst/>
@@ -4354,8 +4052,8 @@
             </p:nvSpPr>
             <p:spPr>
               <a:xfrm flipH="1">
-                <a:off x="1015200" y="1443960"/>
-                <a:ext cx="147240" cy="202680"/>
+                <a:off x="1014480" y="1443960"/>
+                <a:ext cx="146520" cy="201960"/>
               </a:xfrm>
               <a:custGeom>
                 <a:avLst/>
@@ -4396,8 +4094,8 @@
             </p:nvSpPr>
             <p:spPr>
               <a:xfrm rot="10800000">
-                <a:off x="1173600" y="1447560"/>
-                <a:ext cx="146880" cy="202680"/>
+                <a:off x="1174320" y="1448280"/>
+                <a:ext cx="146160" cy="201960"/>
               </a:xfrm>
               <a:custGeom>
                 <a:avLst/>
@@ -4440,7 +4138,7 @@
           <p:spPr>
             <a:xfrm>
               <a:off x="466920" y="1540800"/>
-              <a:ext cx="1474560" cy="370800"/>
+              <a:ext cx="1473840" cy="370080"/>
             </a:xfrm>
             <a:prstGeom prst="rect">
               <a:avLst/>
@@ -4492,7 +4190,7 @@
         <p:spPr>
           <a:xfrm>
             <a:off x="675360" y="2722680"/>
-            <a:ext cx="3341160" cy="911880"/>
+            <a:ext cx="3340440" cy="911160"/>
           </a:xfrm>
           <a:prstGeom prst="rect">
             <a:avLst/>
@@ -4513,7 +4211,7 @@
             <a:noAutofit/>
           </a:bodyPr>
           <a:p>
-            <a:pPr marL="457200" indent="-294840">
+            <a:pPr marL="457200" indent="-294120">
               <a:lnSpc>
                 <a:spcPct val="100000"/>
               </a:lnSpc>
@@ -4568,9 +4266,9 @@
         <p:grpSpPr>
           <a:xfrm>
             <a:off x="675360" y="4176000"/>
-            <a:ext cx="1122120" cy="911880"/>
+            <a:ext cx="1121400" cy="911160"/>
             <a:chOff x="675360" y="4176000"/>
-            <a:chExt cx="1122120" cy="911880"/>
+            <a:chExt cx="1121400" cy="911160"/>
           </a:xfrm>
         </p:grpSpPr>
         <p:grpSp>
@@ -4581,10 +4279,10 @@
           </p:nvGrpSpPr>
           <p:grpSpPr>
             <a:xfrm>
-              <a:off x="1062000" y="4176000"/>
-              <a:ext cx="344520" cy="648000"/>
-              <a:chOff x="1062000" y="4176000"/>
-              <a:chExt cx="344520" cy="648000"/>
+              <a:off x="1061280" y="4176000"/>
+              <a:ext cx="345240" cy="648000"/>
+              <a:chOff x="1061280" y="4176000"/>
+              <a:chExt cx="345240" cy="648000"/>
             </a:xfrm>
           </p:grpSpPr>
           <p:sp>
@@ -4596,7 +4294,7 @@
             <p:spPr>
               <a:xfrm>
                 <a:off x="1132920" y="4176000"/>
-                <a:ext cx="210600" cy="212760"/>
+                <a:ext cx="209880" cy="212040"/>
               </a:xfrm>
               <a:prstGeom prst="flowChartConnector">
                 <a:avLst/>
@@ -4626,8 +4324,8 @@
             </p:nvSpPr>
             <p:spPr>
               <a:xfrm flipH="1">
-                <a:off x="1232280" y="4392000"/>
-                <a:ext cx="360" cy="221400"/>
+                <a:off x="1230840" y="4392000"/>
+                <a:ext cx="360" cy="220680"/>
               </a:xfrm>
               <a:custGeom>
                 <a:avLst/>
@@ -4669,7 +4367,7 @@
             <p:spPr>
               <a:xfrm>
                 <a:off x="1085040" y="4489200"/>
-                <a:ext cx="306720" cy="360"/>
+                <a:ext cx="306000" cy="360"/>
               </a:xfrm>
               <a:custGeom>
                 <a:avLst/>
@@ -4710,8 +4408,8 @@
             </p:nvSpPr>
             <p:spPr>
               <a:xfrm flipH="1">
-                <a:off x="1062000" y="4615560"/>
-                <a:ext cx="166320" cy="204480"/>
+                <a:off x="1061280" y="4615560"/>
+                <a:ext cx="165600" cy="203760"/>
               </a:xfrm>
               <a:custGeom>
                 <a:avLst/>
@@ -4752,8 +4450,8 @@
             </p:nvSpPr>
             <p:spPr>
               <a:xfrm rot="10800000">
-                <a:off x="1239840" y="4619520"/>
-                <a:ext cx="166680" cy="204480"/>
+                <a:off x="1240560" y="4620240"/>
+                <a:ext cx="165960" cy="203760"/>
               </a:xfrm>
               <a:custGeom>
                 <a:avLst/>
@@ -4796,7 +4494,7 @@
           <p:spPr>
             <a:xfrm>
               <a:off x="675360" y="4713480"/>
-              <a:ext cx="1122120" cy="374400"/>
+              <a:ext cx="1121400" cy="373680"/>
             </a:xfrm>
             <a:prstGeom prst="rect">
               <a:avLst/>
@@ -4848,7 +4546,7 @@
         <p:spPr>
           <a:xfrm>
             <a:off x="1943280" y="1460520"/>
-            <a:ext cx="1398240" cy="1418040"/>
+            <a:ext cx="1397520" cy="1417320"/>
           </a:xfrm>
           <a:custGeom>
             <a:avLst/>
@@ -4889,8 +4587,8 @@
         </p:nvSpPr>
         <p:spPr>
           <a:xfrm flipH="1" rot="10800000">
-            <a:off x="1799280" y="3461760"/>
-            <a:ext cx="1542240" cy="1167120"/>
+            <a:off x="1798560" y="3462480"/>
+            <a:ext cx="1541520" cy="1166400"/>
           </a:xfrm>
           <a:custGeom>
             <a:avLst/>
@@ -4931,8 +4629,8 @@
         </p:nvSpPr>
         <p:spPr>
           <a:xfrm flipH="1" rot="10800000">
-            <a:off x="1150920" y="3169440"/>
-            <a:ext cx="1501560" cy="19440"/>
+            <a:off x="1150920" y="3170160"/>
+            <a:ext cx="1500840" cy="18720"/>
           </a:xfrm>
           <a:custGeom>
             <a:avLst/>
@@ -4965,192 +4663,44 @@
           <a:fontRef idx="minor"/>
         </p:style>
       </p:sp>
-    </p:spTree>
-  </p:cSld>
-  <mc:AlternateContent>
-    <mc:Choice Requires="p14">
-      <p:transition spd="slow" p14:dur="2000"/>
-    </mc:Choice>
-    <mc:Fallback>
-      <p:transition spd="slow"/>
-    </mc:Fallback>
-  </mc:AlternateContent>
-</p:sld>
-</file>
-
-<file path=ppt/slides/slide2.xml><?xml version="1.0" encoding="utf-8"?>
-<p:sld xmlns:a="http://schemas.openxmlformats.org/drawingml/2006/main" xmlns:p="http://schemas.openxmlformats.org/presentationml/2006/main" xmlns:r="http://schemas.openxmlformats.org/officeDocument/2006/relationships" xmlns:p14="http://schemas.microsoft.com/office/powerpoint/2010/main" xmlns:p15="http://schemas.microsoft.com/office/powerpoint/2012/main" xmlns:mc="http://schemas.openxmlformats.org/markup-compatibility/2006">
-  <p:cSld>
-    <p:spTree>
-      <p:nvGrpSpPr>
-        <p:cNvPr id="1" name=""/>
-        <p:cNvGrpSpPr/>
-        <p:nvPr/>
-      </p:nvGrpSpPr>
-      <p:grpSpPr>
-        <a:xfrm>
-          <a:off x="0" y="0"/>
-          <a:ext cx="0" cy="0"/>
-          <a:chOff x="0" y="0"/>
-          <a:chExt cx="0" cy="0"/>
-        </a:xfrm>
-      </p:grpSpPr>
-      <p:sp>
-        <p:nvSpPr>
-          <p:cNvPr id="109" name="CustomShape 1"/>
-          <p:cNvSpPr/>
-          <p:nvPr/>
-        </p:nvSpPr>
-        <p:spPr>
-          <a:xfrm>
-            <a:off x="143280" y="1593360"/>
-            <a:ext cx="9413280" cy="1503720"/>
-          </a:xfrm>
-          <a:prstGeom prst="rect">
-            <a:avLst/>
-          </a:prstGeom>
-          <a:noFill/>
-          <a:ln w="9360">
-            <a:solidFill>
-              <a:srgbClr val="ff9900"/>
-            </a:solidFill>
-            <a:round/>
-          </a:ln>
-        </p:spPr>
-        <p:style>
-          <a:lnRef idx="0"/>
-          <a:fillRef idx="0"/>
-          <a:effectRef idx="0"/>
-          <a:fontRef idx="minor"/>
-        </p:style>
-        <p:txBody>
-          <a:bodyPr lIns="90000" rIns="90000" tIns="91440" bIns="91440">
-            <a:noAutofit/>
-          </a:bodyPr>
-          <a:p>
-            <a:pPr>
-              <a:lnSpc>
-                <a:spcPct val="100000"/>
-              </a:lnSpc>
-            </a:pPr>
-            <a:r>
-              <a:rPr b="0" lang="pt-BR" sz="1400" spc="-1" strike="noStrike">
-                <a:solidFill>
-                  <a:srgbClr val="000000"/>
-                </a:solidFill>
-                <a:latin typeface="Arial"/>
-                <a:ea typeface="Arial"/>
-              </a:rPr>
-              <a:t>Nós Operacionais</a:t>
-            </a:r>
-            <a:endParaRPr b="0" lang="pt-BR" sz="1400" spc="-1" strike="noStrike">
-              <a:latin typeface="Arial"/>
-            </a:endParaRPr>
-          </a:p>
-        </p:txBody>
-      </p:sp>
-      <p:sp>
-        <p:nvSpPr>
-          <p:cNvPr id="110" name="CustomShape 2"/>
-          <p:cNvSpPr/>
-          <p:nvPr/>
-        </p:nvSpPr>
-        <p:spPr>
-          <a:xfrm>
-            <a:off x="4033800" y="204840"/>
-            <a:ext cx="1997280" cy="847080"/>
-          </a:xfrm>
-          <a:prstGeom prst="wave">
-            <a:avLst>
-              <a:gd name="adj1" fmla="val 6999"/>
-              <a:gd name="adj2" fmla="val 0"/>
-            </a:avLst>
-          </a:prstGeom>
-          <a:solidFill>
-            <a:srgbClr val="f4cccc"/>
-          </a:solidFill>
-          <a:ln w="9360">
-            <a:solidFill>
-              <a:srgbClr val="ffffff"/>
-            </a:solidFill>
-            <a:round/>
-          </a:ln>
-        </p:spPr>
-        <p:style>
-          <a:lnRef idx="0"/>
-          <a:fillRef idx="0"/>
-          <a:effectRef idx="0"/>
-          <a:fontRef idx="minor"/>
-        </p:style>
-        <p:txBody>
-          <a:bodyPr lIns="90000" rIns="90000" tIns="91440" bIns="91440" anchor="ctr">
-            <a:noAutofit/>
-          </a:bodyPr>
-          <a:p>
-            <a:pPr marL="457200" indent="-288360">
-              <a:lnSpc>
-                <a:spcPct val="100000"/>
-              </a:lnSpc>
-              <a:buClr>
-                <a:srgbClr val="000000"/>
-              </a:buClr>
-              <a:buFont typeface="Arial"/>
-              <a:buChar char="❖"/>
-            </a:pPr>
-            <a:r>
-              <a:rPr b="0" lang="pt-BR" sz="1000" spc="-1" strike="noStrike">
-                <a:solidFill>
-                  <a:srgbClr val="000000"/>
-                </a:solidFill>
-                <a:latin typeface="Arial"/>
-                <a:ea typeface="Arial"/>
-              </a:rPr>
-              <a:t>Ser atendido</a:t>
-            </a:r>
-            <a:endParaRPr b="0" lang="pt-BR" sz="1000" spc="-1" strike="noStrike">
-              <a:latin typeface="Arial"/>
-            </a:endParaRPr>
-          </a:p>
-        </p:txBody>
-      </p:sp>
       <p:grpSp>
         <p:nvGrpSpPr>
-          <p:cNvPr id="111" name="Group 3"/>
+          <p:cNvPr id="109" name="Group 34"/>
           <p:cNvGrpSpPr/>
           <p:nvPr/>
         </p:nvGrpSpPr>
         <p:grpSpPr>
           <a:xfrm>
-            <a:off x="1637280" y="2081520"/>
-            <a:ext cx="1122120" cy="912240"/>
-            <a:chOff x="1637280" y="2081520"/>
-            <a:chExt cx="1122120" cy="912240"/>
+            <a:off x="4796640" y="1144440"/>
+            <a:ext cx="1857960" cy="902880"/>
+            <a:chOff x="4796640" y="1144440"/>
+            <a:chExt cx="1857960" cy="902880"/>
           </a:xfrm>
         </p:grpSpPr>
         <p:grpSp>
           <p:nvGrpSpPr>
-            <p:cNvPr id="112" name="Group 4"/>
+            <p:cNvPr id="110" name="Group 35"/>
             <p:cNvGrpSpPr/>
             <p:nvPr/>
           </p:nvGrpSpPr>
           <p:grpSpPr>
             <a:xfrm>
-              <a:off x="2023920" y="2081520"/>
-              <a:ext cx="344520" cy="648000"/>
-              <a:chOff x="2023920" y="2081520"/>
-              <a:chExt cx="344520" cy="648000"/>
+              <a:off x="5344560" y="1144440"/>
+              <a:ext cx="305640" cy="642240"/>
+              <a:chOff x="5344560" y="1144440"/>
+              <a:chExt cx="305640" cy="642240"/>
             </a:xfrm>
           </p:grpSpPr>
           <p:sp>
             <p:nvSpPr>
-              <p:cNvPr id="113" name="CustomShape 5"/>
+              <p:cNvPr id="111" name="CustomShape 36"/>
               <p:cNvSpPr/>
               <p:nvPr/>
             </p:nvSpPr>
             <p:spPr>
               <a:xfrm>
-                <a:off x="2094840" y="2081520"/>
-                <a:ext cx="210600" cy="212760"/>
+                <a:off x="5408280" y="1144440"/>
+                <a:ext cx="185400" cy="209880"/>
               </a:xfrm>
               <a:prstGeom prst="flowChartConnector">
                 <a:avLst/>
@@ -5174,14 +4724,14 @@
           </p:sp>
           <p:sp>
             <p:nvSpPr>
-              <p:cNvPr id="114" name="CustomShape 6"/>
+              <p:cNvPr id="112" name="CustomShape 37"/>
               <p:cNvSpPr/>
               <p:nvPr/>
             </p:nvSpPr>
             <p:spPr>
               <a:xfrm flipH="1">
-                <a:off x="2194200" y="2297880"/>
-                <a:ext cx="360" cy="221400"/>
+                <a:off x="5493960" y="1359000"/>
+                <a:ext cx="360" cy="218520"/>
               </a:xfrm>
               <a:custGeom>
                 <a:avLst/>
@@ -5216,14 +4766,14 @@
           </p:sp>
           <p:sp>
             <p:nvSpPr>
-              <p:cNvPr id="115" name="CustomShape 7"/>
+              <p:cNvPr id="113" name="CustomShape 38"/>
               <p:cNvSpPr/>
               <p:nvPr/>
             </p:nvSpPr>
             <p:spPr>
               <a:xfrm>
-                <a:off x="2046960" y="2395080"/>
-                <a:ext cx="306720" cy="360"/>
+                <a:off x="5365800" y="1454760"/>
+                <a:ext cx="271080" cy="360"/>
               </a:xfrm>
               <a:custGeom>
                 <a:avLst/>
@@ -5258,14 +4808,14 @@
           </p:sp>
           <p:sp>
             <p:nvSpPr>
-              <p:cNvPr id="116" name="CustomShape 8"/>
+              <p:cNvPr id="114" name="CustomShape 39"/>
               <p:cNvSpPr/>
               <p:nvPr/>
             </p:nvSpPr>
             <p:spPr>
               <a:xfrm flipH="1">
-                <a:off x="2023920" y="2521440"/>
-                <a:ext cx="166320" cy="204480"/>
+                <a:off x="5344200" y="1580400"/>
+                <a:ext cx="146520" cy="201960"/>
               </a:xfrm>
               <a:custGeom>
                 <a:avLst/>
@@ -5300,14 +4850,14 @@
           </p:sp>
           <p:sp>
             <p:nvSpPr>
-              <p:cNvPr id="117" name="CustomShape 9"/>
+              <p:cNvPr id="115" name="CustomShape 40"/>
               <p:cNvSpPr/>
               <p:nvPr/>
             </p:nvSpPr>
             <p:spPr>
               <a:xfrm rot="10800000">
-                <a:off x="2201760" y="2525040"/>
-                <a:ext cx="166680" cy="204480"/>
+                <a:off x="5504040" y="1584720"/>
+                <a:ext cx="146160" cy="201960"/>
               </a:xfrm>
               <a:custGeom>
                 <a:avLst/>
@@ -5343,14 +4893,806 @@
         </p:grpSp>
         <p:sp>
           <p:nvSpPr>
-            <p:cNvPr id="118" name="CustomShape 10"/>
+            <p:cNvPr id="116" name="CustomShape 41"/>
+            <p:cNvSpPr/>
+            <p:nvPr/>
+          </p:nvSpPr>
+          <p:spPr>
+            <a:xfrm>
+              <a:off x="4796640" y="1677240"/>
+              <a:ext cx="1857960" cy="370080"/>
+            </a:xfrm>
+            <a:prstGeom prst="rect">
+              <a:avLst/>
+            </a:prstGeom>
+            <a:noFill/>
+            <a:ln>
+              <a:noFill/>
+            </a:ln>
+          </p:spPr>
+          <p:style>
+            <a:lnRef idx="0"/>
+            <a:fillRef idx="0"/>
+            <a:effectRef idx="0"/>
+            <a:fontRef idx="minor"/>
+          </p:style>
+          <p:txBody>
+            <a:bodyPr lIns="90000" rIns="90000" tIns="91440" bIns="91440">
+              <a:noAutofit/>
+            </a:bodyPr>
+            <a:p>
+              <a:pPr algn="ctr">
+                <a:lnSpc>
+                  <a:spcPct val="100000"/>
+                </a:lnSpc>
+              </a:pPr>
+              <a:r>
+                <a:rPr b="1" lang="pt-BR" sz="1200" spc="-1" strike="noStrike">
+                  <a:solidFill>
+                    <a:srgbClr val="000000"/>
+                  </a:solidFill>
+                  <a:latin typeface="Arial"/>
+                  <a:ea typeface="Arial"/>
+                </a:rPr>
+                <a:t>Bares/Lanchonetes</a:t>
+              </a:r>
+              <a:endParaRPr b="0" lang="pt-BR" sz="1200" spc="-1" strike="noStrike">
+                <a:latin typeface="Arial"/>
+              </a:endParaRPr>
+            </a:p>
+          </p:txBody>
+        </p:sp>
+      </p:grpSp>
+      <p:sp>
+        <p:nvSpPr>
+          <p:cNvPr id="117" name="CustomShape 42"/>
+          <p:cNvSpPr/>
+          <p:nvPr/>
+        </p:nvSpPr>
+        <p:spPr>
+          <a:xfrm flipH="1">
+            <a:off x="3496680" y="1461960"/>
+            <a:ext cx="1541520" cy="1417320"/>
+          </a:xfrm>
+          <a:custGeom>
+            <a:avLst/>
+            <a:gdLst/>
+            <a:ahLst/>
+            <a:rect l="l" t="t" r="r" b="b"/>
+            <a:pathLst>
+              <a:path w="21600" h="21600">
+                <a:moveTo>
+                  <a:pt x="0" y="0"/>
+                </a:moveTo>
+                <a:lnTo>
+                  <a:pt x="21600" y="21600"/>
+                </a:lnTo>
+              </a:path>
+            </a:pathLst>
+          </a:custGeom>
+          <a:noFill/>
+          <a:ln w="9360">
+            <a:solidFill>
+              <a:srgbClr val="3465a4"/>
+            </a:solidFill>
+            <a:round/>
+          </a:ln>
+        </p:spPr>
+        <p:style>
+          <a:lnRef idx="0"/>
+          <a:fillRef idx="0"/>
+          <a:effectRef idx="0"/>
+          <a:fontRef idx="minor"/>
+        </p:style>
+      </p:sp>
+      <p:grpSp>
+        <p:nvGrpSpPr>
+          <p:cNvPr id="118" name="Group 43"/>
+          <p:cNvGrpSpPr/>
+          <p:nvPr/>
+        </p:nvGrpSpPr>
+        <p:grpSpPr>
+          <a:xfrm>
+            <a:off x="5039640" y="2624400"/>
+            <a:ext cx="1857960" cy="902880"/>
+            <a:chOff x="5039640" y="2624400"/>
+            <a:chExt cx="1857960" cy="902880"/>
+          </a:xfrm>
+        </p:grpSpPr>
+        <p:grpSp>
+          <p:nvGrpSpPr>
+            <p:cNvPr id="119" name="Group 44"/>
+            <p:cNvGrpSpPr/>
+            <p:nvPr/>
+          </p:nvGrpSpPr>
+          <p:grpSpPr>
+            <a:xfrm>
+              <a:off x="5587560" y="2624400"/>
+              <a:ext cx="305640" cy="642240"/>
+              <a:chOff x="5587560" y="2624400"/>
+              <a:chExt cx="305640" cy="642240"/>
+            </a:xfrm>
+          </p:grpSpPr>
+          <p:sp>
+            <p:nvSpPr>
+              <p:cNvPr id="120" name="CustomShape 45"/>
+              <p:cNvSpPr/>
+              <p:nvPr/>
+            </p:nvSpPr>
+            <p:spPr>
+              <a:xfrm>
+                <a:off x="5651280" y="2624400"/>
+                <a:ext cx="185400" cy="209880"/>
+              </a:xfrm>
+              <a:prstGeom prst="flowChartConnector">
+                <a:avLst/>
+              </a:prstGeom>
+              <a:solidFill>
+                <a:srgbClr val="eeeeee"/>
+              </a:solidFill>
+              <a:ln w="9360">
+                <a:solidFill>
+                  <a:srgbClr val="595959"/>
+                </a:solidFill>
+                <a:round/>
+              </a:ln>
+            </p:spPr>
+            <p:style>
+              <a:lnRef idx="0"/>
+              <a:fillRef idx="0"/>
+              <a:effectRef idx="0"/>
+              <a:fontRef idx="minor"/>
+            </p:style>
+          </p:sp>
+          <p:sp>
+            <p:nvSpPr>
+              <p:cNvPr id="121" name="CustomShape 46"/>
+              <p:cNvSpPr/>
+              <p:nvPr/>
+            </p:nvSpPr>
+            <p:spPr>
+              <a:xfrm flipH="1">
+                <a:off x="5736960" y="2838960"/>
+                <a:ext cx="360" cy="218520"/>
+              </a:xfrm>
+              <a:custGeom>
+                <a:avLst/>
+                <a:gdLst/>
+                <a:ahLst/>
+                <a:rect l="l" t="t" r="r" b="b"/>
+                <a:pathLst>
+                  <a:path w="21600" h="21600">
+                    <a:moveTo>
+                      <a:pt x="0" y="0"/>
+                    </a:moveTo>
+                    <a:lnTo>
+                      <a:pt x="21600" y="21600"/>
+                    </a:lnTo>
+                  </a:path>
+                </a:pathLst>
+              </a:custGeom>
+              <a:noFill/>
+              <a:ln w="9360">
+                <a:solidFill>
+                  <a:srgbClr val="595959"/>
+                </a:solidFill>
+                <a:round/>
+              </a:ln>
+            </p:spPr>
+            <p:style>
+              <a:lnRef idx="0"/>
+              <a:fillRef idx="0"/>
+              <a:effectRef idx="0"/>
+              <a:fontRef idx="minor"/>
+            </p:style>
+          </p:sp>
+          <p:sp>
+            <p:nvSpPr>
+              <p:cNvPr id="122" name="CustomShape 47"/>
+              <p:cNvSpPr/>
+              <p:nvPr/>
+            </p:nvSpPr>
+            <p:spPr>
+              <a:xfrm>
+                <a:off x="5608800" y="2934720"/>
+                <a:ext cx="271080" cy="360"/>
+              </a:xfrm>
+              <a:custGeom>
+                <a:avLst/>
+                <a:gdLst/>
+                <a:ahLst/>
+                <a:rect l="l" t="t" r="r" b="b"/>
+                <a:pathLst>
+                  <a:path w="21600" h="21600">
+                    <a:moveTo>
+                      <a:pt x="0" y="0"/>
+                    </a:moveTo>
+                    <a:lnTo>
+                      <a:pt x="21600" y="21600"/>
+                    </a:lnTo>
+                  </a:path>
+                </a:pathLst>
+              </a:custGeom>
+              <a:noFill/>
+              <a:ln w="9360">
+                <a:solidFill>
+                  <a:srgbClr val="595959"/>
+                </a:solidFill>
+                <a:round/>
+              </a:ln>
+            </p:spPr>
+            <p:style>
+              <a:lnRef idx="0"/>
+              <a:fillRef idx="0"/>
+              <a:effectRef idx="0"/>
+              <a:fontRef idx="minor"/>
+            </p:style>
+          </p:sp>
+          <p:sp>
+            <p:nvSpPr>
+              <p:cNvPr id="123" name="CustomShape 48"/>
+              <p:cNvSpPr/>
+              <p:nvPr/>
+            </p:nvSpPr>
+            <p:spPr>
+              <a:xfrm flipH="1">
+                <a:off x="5587200" y="3060360"/>
+                <a:ext cx="146520" cy="201960"/>
+              </a:xfrm>
+              <a:custGeom>
+                <a:avLst/>
+                <a:gdLst/>
+                <a:ahLst/>
+                <a:rect l="l" t="t" r="r" b="b"/>
+                <a:pathLst>
+                  <a:path w="21600" h="21600">
+                    <a:moveTo>
+                      <a:pt x="0" y="0"/>
+                    </a:moveTo>
+                    <a:lnTo>
+                      <a:pt x="21600" y="21600"/>
+                    </a:lnTo>
+                  </a:path>
+                </a:pathLst>
+              </a:custGeom>
+              <a:noFill/>
+              <a:ln w="9360">
+                <a:solidFill>
+                  <a:srgbClr val="595959"/>
+                </a:solidFill>
+                <a:round/>
+              </a:ln>
+            </p:spPr>
+            <p:style>
+              <a:lnRef idx="0"/>
+              <a:fillRef idx="0"/>
+              <a:effectRef idx="0"/>
+              <a:fontRef idx="minor"/>
+            </p:style>
+          </p:sp>
+          <p:sp>
+            <p:nvSpPr>
+              <p:cNvPr id="124" name="CustomShape 49"/>
+              <p:cNvSpPr/>
+              <p:nvPr/>
+            </p:nvSpPr>
+            <p:spPr>
+              <a:xfrm rot="10800000">
+                <a:off x="5747040" y="3064680"/>
+                <a:ext cx="146160" cy="201960"/>
+              </a:xfrm>
+              <a:custGeom>
+                <a:avLst/>
+                <a:gdLst/>
+                <a:ahLst/>
+                <a:rect l="l" t="t" r="r" b="b"/>
+                <a:pathLst>
+                  <a:path w="21600" h="21600">
+                    <a:moveTo>
+                      <a:pt x="0" y="0"/>
+                    </a:moveTo>
+                    <a:lnTo>
+                      <a:pt x="21600" y="21600"/>
+                    </a:lnTo>
+                  </a:path>
+                </a:pathLst>
+              </a:custGeom>
+              <a:noFill/>
+              <a:ln w="9360">
+                <a:solidFill>
+                  <a:srgbClr val="595959"/>
+                </a:solidFill>
+                <a:round/>
+              </a:ln>
+            </p:spPr>
+            <p:style>
+              <a:lnRef idx="0"/>
+              <a:fillRef idx="0"/>
+              <a:effectRef idx="0"/>
+              <a:fontRef idx="minor"/>
+            </p:style>
+          </p:sp>
+        </p:grpSp>
+        <p:sp>
+          <p:nvSpPr>
+            <p:cNvPr id="125" name="CustomShape 50"/>
+            <p:cNvSpPr/>
+            <p:nvPr/>
+          </p:nvSpPr>
+          <p:spPr>
+            <a:xfrm>
+              <a:off x="5039640" y="3157200"/>
+              <a:ext cx="1857960" cy="370080"/>
+            </a:xfrm>
+            <a:prstGeom prst="rect">
+              <a:avLst/>
+            </a:prstGeom>
+            <a:noFill/>
+            <a:ln>
+              <a:noFill/>
+            </a:ln>
+          </p:spPr>
+          <p:style>
+            <a:lnRef idx="0"/>
+            <a:fillRef idx="0"/>
+            <a:effectRef idx="0"/>
+            <a:fontRef idx="minor"/>
+          </p:style>
+          <p:txBody>
+            <a:bodyPr lIns="90000" rIns="90000" tIns="91440" bIns="91440">
+              <a:noAutofit/>
+            </a:bodyPr>
+            <a:p>
+              <a:pPr algn="ctr">
+                <a:lnSpc>
+                  <a:spcPct val="100000"/>
+                </a:lnSpc>
+              </a:pPr>
+              <a:r>
+                <a:rPr b="1" lang="pt-BR" sz="1200" spc="-1" strike="noStrike">
+                  <a:solidFill>
+                    <a:srgbClr val="000000"/>
+                  </a:solidFill>
+                  <a:latin typeface="Arial"/>
+                  <a:ea typeface="Arial"/>
+                </a:rPr>
+                <a:t>Filiais</a:t>
+              </a:r>
+              <a:endParaRPr b="0" lang="pt-BR" sz="1200" spc="-1" strike="noStrike">
+                <a:latin typeface="Arial"/>
+              </a:endParaRPr>
+            </a:p>
+          </p:txBody>
+        </p:sp>
+      </p:grpSp>
+      <p:sp>
+        <p:nvSpPr>
+          <p:cNvPr id="126" name="CustomShape 51"/>
+          <p:cNvSpPr/>
+          <p:nvPr/>
+        </p:nvSpPr>
+        <p:spPr>
+          <a:xfrm flipH="1" rot="10800000">
+            <a:off x="4046400" y="3170160"/>
+            <a:ext cx="1500840" cy="18720"/>
+          </a:xfrm>
+          <a:custGeom>
+            <a:avLst/>
+            <a:gdLst/>
+            <a:ahLst/>
+            <a:rect l="l" t="t" r="r" b="b"/>
+            <a:pathLst>
+              <a:path w="21600" h="21600">
+                <a:moveTo>
+                  <a:pt x="0" y="0"/>
+                </a:moveTo>
+                <a:lnTo>
+                  <a:pt x="21600" y="21600"/>
+                </a:lnTo>
+              </a:path>
+            </a:pathLst>
+          </a:custGeom>
+          <a:noFill/>
+          <a:ln w="9360">
+            <a:solidFill>
+              <a:srgbClr val="3465a4"/>
+            </a:solidFill>
+            <a:round/>
+          </a:ln>
+        </p:spPr>
+        <p:style>
+          <a:lnRef idx="0"/>
+          <a:fillRef idx="0"/>
+          <a:effectRef idx="0"/>
+          <a:fontRef idx="minor"/>
+        </p:style>
+      </p:sp>
+    </p:spTree>
+  </p:cSld>
+  <mc:AlternateContent>
+    <mc:Choice Requires="p14">
+      <p:transition spd="slow" p14:dur="2000"/>
+    </mc:Choice>
+    <mc:Fallback>
+      <p:transition spd="slow"/>
+    </mc:Fallback>
+  </mc:AlternateContent>
+</p:sld>
+</file>
+
+<file path=ppt/slides/slide2.xml><?xml version="1.0" encoding="utf-8"?>
+<p:sld xmlns:a="http://schemas.openxmlformats.org/drawingml/2006/main" xmlns:p="http://schemas.openxmlformats.org/presentationml/2006/main" xmlns:r="http://schemas.openxmlformats.org/officeDocument/2006/relationships" xmlns:p14="http://schemas.microsoft.com/office/powerpoint/2010/main" xmlns:p15="http://schemas.microsoft.com/office/powerpoint/2012/main" xmlns:mc="http://schemas.openxmlformats.org/markup-compatibility/2006">
+  <p:cSld>
+    <p:spTree>
+      <p:nvGrpSpPr>
+        <p:cNvPr id="1" name=""/>
+        <p:cNvGrpSpPr/>
+        <p:nvPr/>
+      </p:nvGrpSpPr>
+      <p:grpSpPr>
+        <a:xfrm>
+          <a:off x="0" y="0"/>
+          <a:ext cx="0" cy="0"/>
+          <a:chOff x="0" y="0"/>
+          <a:chExt cx="0" cy="0"/>
+        </a:xfrm>
+      </p:grpSpPr>
+      <p:sp>
+        <p:nvSpPr>
+          <p:cNvPr id="127" name="CustomShape 1"/>
+          <p:cNvSpPr/>
+          <p:nvPr/>
+        </p:nvSpPr>
+        <p:spPr>
+          <a:xfrm>
+            <a:off x="143280" y="1593360"/>
+            <a:ext cx="9412560" cy="1503000"/>
+          </a:xfrm>
+          <a:prstGeom prst="rect">
+            <a:avLst/>
+          </a:prstGeom>
+          <a:noFill/>
+          <a:ln w="9360">
+            <a:solidFill>
+              <a:srgbClr val="ff9900"/>
+            </a:solidFill>
+            <a:round/>
+          </a:ln>
+        </p:spPr>
+        <p:style>
+          <a:lnRef idx="0"/>
+          <a:fillRef idx="0"/>
+          <a:effectRef idx="0"/>
+          <a:fontRef idx="minor"/>
+        </p:style>
+        <p:txBody>
+          <a:bodyPr lIns="90000" rIns="90000" tIns="91440" bIns="91440">
+            <a:noAutofit/>
+          </a:bodyPr>
+          <a:p>
+            <a:pPr>
+              <a:lnSpc>
+                <a:spcPct val="100000"/>
+              </a:lnSpc>
+            </a:pPr>
+            <a:r>
+              <a:rPr b="0" lang="pt-BR" sz="1400" spc="-1" strike="noStrike">
+                <a:solidFill>
+                  <a:srgbClr val="000000"/>
+                </a:solidFill>
+                <a:latin typeface="Arial"/>
+                <a:ea typeface="Arial"/>
+              </a:rPr>
+              <a:t>Nós Operacionais</a:t>
+            </a:r>
+            <a:endParaRPr b="0" lang="pt-BR" sz="1400" spc="-1" strike="noStrike">
+              <a:latin typeface="Arial"/>
+            </a:endParaRPr>
+          </a:p>
+        </p:txBody>
+      </p:sp>
+      <p:sp>
+        <p:nvSpPr>
+          <p:cNvPr id="128" name="CustomShape 2"/>
+          <p:cNvSpPr/>
+          <p:nvPr/>
+        </p:nvSpPr>
+        <p:spPr>
+          <a:xfrm>
+            <a:off x="4033800" y="204840"/>
+            <a:ext cx="1996560" cy="846360"/>
+          </a:xfrm>
+          <a:prstGeom prst="wave">
+            <a:avLst>
+              <a:gd name="adj1" fmla="val 6999"/>
+              <a:gd name="adj2" fmla="val 0"/>
+            </a:avLst>
+          </a:prstGeom>
+          <a:solidFill>
+            <a:srgbClr val="f4cccc"/>
+          </a:solidFill>
+          <a:ln w="9360">
+            <a:solidFill>
+              <a:srgbClr val="ffffff"/>
+            </a:solidFill>
+            <a:round/>
+          </a:ln>
+        </p:spPr>
+        <p:style>
+          <a:lnRef idx="0"/>
+          <a:fillRef idx="0"/>
+          <a:effectRef idx="0"/>
+          <a:fontRef idx="minor"/>
+        </p:style>
+        <p:txBody>
+          <a:bodyPr lIns="90000" rIns="90000" tIns="91440" bIns="91440" anchor="ctr">
+            <a:noAutofit/>
+          </a:bodyPr>
+          <a:p>
+            <a:pPr marL="457200" indent="-287640">
+              <a:lnSpc>
+                <a:spcPct val="100000"/>
+              </a:lnSpc>
+              <a:buClr>
+                <a:srgbClr val="000000"/>
+              </a:buClr>
+              <a:buFont typeface="Arial"/>
+              <a:buChar char="❖"/>
+            </a:pPr>
+            <a:r>
+              <a:rPr b="0" lang="pt-BR" sz="1000" spc="-1" strike="noStrike">
+                <a:solidFill>
+                  <a:srgbClr val="000000"/>
+                </a:solidFill>
+                <a:latin typeface="Arial"/>
+                <a:ea typeface="Arial"/>
+              </a:rPr>
+              <a:t>Ser atendido</a:t>
+            </a:r>
+            <a:endParaRPr b="0" lang="pt-BR" sz="1000" spc="-1" strike="noStrike">
+              <a:latin typeface="Arial"/>
+            </a:endParaRPr>
+          </a:p>
+        </p:txBody>
+      </p:sp>
+      <p:grpSp>
+        <p:nvGrpSpPr>
+          <p:cNvPr id="129" name="Group 3"/>
+          <p:cNvGrpSpPr/>
+          <p:nvPr/>
+        </p:nvGrpSpPr>
+        <p:grpSpPr>
+          <a:xfrm>
+            <a:off x="1637280" y="2081520"/>
+            <a:ext cx="1121400" cy="911520"/>
+            <a:chOff x="1637280" y="2081520"/>
+            <a:chExt cx="1121400" cy="911520"/>
+          </a:xfrm>
+        </p:grpSpPr>
+        <p:grpSp>
+          <p:nvGrpSpPr>
+            <p:cNvPr id="130" name="Group 4"/>
+            <p:cNvGrpSpPr/>
+            <p:nvPr/>
+          </p:nvGrpSpPr>
+          <p:grpSpPr>
+            <a:xfrm>
+              <a:off x="2023200" y="2081520"/>
+              <a:ext cx="345240" cy="648000"/>
+              <a:chOff x="2023200" y="2081520"/>
+              <a:chExt cx="345240" cy="648000"/>
+            </a:xfrm>
+          </p:grpSpPr>
+          <p:sp>
+            <p:nvSpPr>
+              <p:cNvPr id="131" name="CustomShape 5"/>
+              <p:cNvSpPr/>
+              <p:nvPr/>
+            </p:nvSpPr>
+            <p:spPr>
+              <a:xfrm>
+                <a:off x="2094840" y="2081520"/>
+                <a:ext cx="209880" cy="212040"/>
+              </a:xfrm>
+              <a:prstGeom prst="flowChartConnector">
+                <a:avLst/>
+              </a:prstGeom>
+              <a:solidFill>
+                <a:srgbClr val="eeeeee"/>
+              </a:solidFill>
+              <a:ln w="9360">
+                <a:solidFill>
+                  <a:srgbClr val="595959"/>
+                </a:solidFill>
+                <a:round/>
+              </a:ln>
+            </p:spPr>
+            <p:style>
+              <a:lnRef idx="0"/>
+              <a:fillRef idx="0"/>
+              <a:effectRef idx="0"/>
+              <a:fontRef idx="minor"/>
+            </p:style>
+          </p:sp>
+          <p:sp>
+            <p:nvSpPr>
+              <p:cNvPr id="132" name="CustomShape 6"/>
+              <p:cNvSpPr/>
+              <p:nvPr/>
+            </p:nvSpPr>
+            <p:spPr>
+              <a:xfrm flipH="1">
+                <a:off x="2192760" y="2297880"/>
+                <a:ext cx="360" cy="220680"/>
+              </a:xfrm>
+              <a:custGeom>
+                <a:avLst/>
+                <a:gdLst/>
+                <a:ahLst/>
+                <a:rect l="l" t="t" r="r" b="b"/>
+                <a:pathLst>
+                  <a:path w="21600" h="21600">
+                    <a:moveTo>
+                      <a:pt x="0" y="0"/>
+                    </a:moveTo>
+                    <a:lnTo>
+                      <a:pt x="21600" y="21600"/>
+                    </a:lnTo>
+                  </a:path>
+                </a:pathLst>
+              </a:custGeom>
+              <a:noFill/>
+              <a:ln w="9360">
+                <a:solidFill>
+                  <a:srgbClr val="595959"/>
+                </a:solidFill>
+                <a:round/>
+              </a:ln>
+            </p:spPr>
+            <p:style>
+              <a:lnRef idx="0"/>
+              <a:fillRef idx="0"/>
+              <a:effectRef idx="0"/>
+              <a:fontRef idx="minor"/>
+            </p:style>
+          </p:sp>
+          <p:sp>
+            <p:nvSpPr>
+              <p:cNvPr id="133" name="CustomShape 7"/>
+              <p:cNvSpPr/>
+              <p:nvPr/>
+            </p:nvSpPr>
+            <p:spPr>
+              <a:xfrm>
+                <a:off x="2046960" y="2395080"/>
+                <a:ext cx="306000" cy="360"/>
+              </a:xfrm>
+              <a:custGeom>
+                <a:avLst/>
+                <a:gdLst/>
+                <a:ahLst/>
+                <a:rect l="l" t="t" r="r" b="b"/>
+                <a:pathLst>
+                  <a:path w="21600" h="21600">
+                    <a:moveTo>
+                      <a:pt x="0" y="0"/>
+                    </a:moveTo>
+                    <a:lnTo>
+                      <a:pt x="21600" y="21600"/>
+                    </a:lnTo>
+                  </a:path>
+                </a:pathLst>
+              </a:custGeom>
+              <a:noFill/>
+              <a:ln w="9360">
+                <a:solidFill>
+                  <a:srgbClr val="595959"/>
+                </a:solidFill>
+                <a:round/>
+              </a:ln>
+            </p:spPr>
+            <p:style>
+              <a:lnRef idx="0"/>
+              <a:fillRef idx="0"/>
+              <a:effectRef idx="0"/>
+              <a:fontRef idx="minor"/>
+            </p:style>
+          </p:sp>
+          <p:sp>
+            <p:nvSpPr>
+              <p:cNvPr id="134" name="CustomShape 8"/>
+              <p:cNvSpPr/>
+              <p:nvPr/>
+            </p:nvSpPr>
+            <p:spPr>
+              <a:xfrm flipH="1">
+                <a:off x="2023200" y="2521440"/>
+                <a:ext cx="165600" cy="203760"/>
+              </a:xfrm>
+              <a:custGeom>
+                <a:avLst/>
+                <a:gdLst/>
+                <a:ahLst/>
+                <a:rect l="l" t="t" r="r" b="b"/>
+                <a:pathLst>
+                  <a:path w="21600" h="21600">
+                    <a:moveTo>
+                      <a:pt x="0" y="0"/>
+                    </a:moveTo>
+                    <a:lnTo>
+                      <a:pt x="21600" y="21600"/>
+                    </a:lnTo>
+                  </a:path>
+                </a:pathLst>
+              </a:custGeom>
+              <a:noFill/>
+              <a:ln w="9360">
+                <a:solidFill>
+                  <a:srgbClr val="595959"/>
+                </a:solidFill>
+                <a:round/>
+              </a:ln>
+            </p:spPr>
+            <p:style>
+              <a:lnRef idx="0"/>
+              <a:fillRef idx="0"/>
+              <a:effectRef idx="0"/>
+              <a:fontRef idx="minor"/>
+            </p:style>
+          </p:sp>
+          <p:sp>
+            <p:nvSpPr>
+              <p:cNvPr id="135" name="CustomShape 9"/>
+              <p:cNvSpPr/>
+              <p:nvPr/>
+            </p:nvSpPr>
+            <p:spPr>
+              <a:xfrm rot="10800000">
+                <a:off x="2202480" y="2525760"/>
+                <a:ext cx="165960" cy="203760"/>
+              </a:xfrm>
+              <a:custGeom>
+                <a:avLst/>
+                <a:gdLst/>
+                <a:ahLst/>
+                <a:rect l="l" t="t" r="r" b="b"/>
+                <a:pathLst>
+                  <a:path w="21600" h="21600">
+                    <a:moveTo>
+                      <a:pt x="0" y="0"/>
+                    </a:moveTo>
+                    <a:lnTo>
+                      <a:pt x="21600" y="21600"/>
+                    </a:lnTo>
+                  </a:path>
+                </a:pathLst>
+              </a:custGeom>
+              <a:noFill/>
+              <a:ln w="9360">
+                <a:solidFill>
+                  <a:srgbClr val="595959"/>
+                </a:solidFill>
+                <a:round/>
+              </a:ln>
+            </p:spPr>
+            <p:style>
+              <a:lnRef idx="0"/>
+              <a:fillRef idx="0"/>
+              <a:effectRef idx="0"/>
+              <a:fontRef idx="minor"/>
+            </p:style>
+          </p:sp>
+        </p:grpSp>
+        <p:sp>
+          <p:nvSpPr>
+            <p:cNvPr id="136" name="CustomShape 10"/>
             <p:cNvSpPr/>
             <p:nvPr/>
           </p:nvSpPr>
           <p:spPr>
             <a:xfrm>
               <a:off x="1637280" y="2619360"/>
-              <a:ext cx="1122120" cy="374400"/>
+              <a:ext cx="1121400" cy="373680"/>
             </a:xfrm>
             <a:prstGeom prst="rect">
               <a:avLst/>
@@ -5395,14 +5737,14 @@
       </p:grpSp>
       <p:sp>
         <p:nvSpPr>
-          <p:cNvPr id="119" name="CustomShape 11"/>
+          <p:cNvPr id="137" name="CustomShape 11"/>
           <p:cNvSpPr/>
           <p:nvPr/>
         </p:nvSpPr>
         <p:spPr>
           <a:xfrm>
             <a:off x="143280" y="3097440"/>
-            <a:ext cx="9413280" cy="1503720"/>
+            <a:ext cx="9412560" cy="1503000"/>
           </a:xfrm>
           <a:prstGeom prst="rect">
             <a:avLst/>
@@ -5449,14 +5791,14 @@
       </p:sp>
       <p:sp>
         <p:nvSpPr>
-          <p:cNvPr id="120" name="CustomShape 12"/>
+          <p:cNvPr id="138" name="CustomShape 12"/>
           <p:cNvSpPr/>
           <p:nvPr/>
         </p:nvSpPr>
         <p:spPr>
           <a:xfrm>
             <a:off x="3366360" y="3744720"/>
-            <a:ext cx="1601640" cy="646200"/>
+            <a:ext cx="1600920" cy="645480"/>
           </a:xfrm>
           <a:prstGeom prst="bracketPair">
             <a:avLst>
@@ -5482,7 +5824,7 @@
             <a:noAutofit/>
           </a:bodyPr>
           <a:p>
-            <a:pPr marL="457200" indent="-288360">
+            <a:pPr marL="457200" indent="-287640">
               <a:lnSpc>
                 <a:spcPct val="100000"/>
               </a:lnSpc>
@@ -5507,7 +5849,7 @@
             </a:endParaRPr>
           </a:p>
           <a:p>
-            <a:pPr marL="457200" indent="-288360">
+            <a:pPr marL="457200" indent="-287640">
               <a:lnSpc>
                 <a:spcPct val="100000"/>
               </a:lnSpc>
@@ -5525,7 +5867,7 @@
                 <a:latin typeface="Arial"/>
                 <a:ea typeface="Arial"/>
               </a:rPr>
-              <a:t>Atender pedido delivery</a:t>
+              <a:t>Entregar pedido</a:t>
             </a:r>
             <a:endParaRPr b="0" lang="pt-BR" sz="1000" spc="-1" strike="noStrike">
               <a:latin typeface="Arial"/>
@@ -5535,14 +5877,14 @@
       </p:sp>
       <p:sp>
         <p:nvSpPr>
-          <p:cNvPr id="121" name="CustomShape 13"/>
+          <p:cNvPr id="139" name="CustomShape 13"/>
           <p:cNvSpPr/>
           <p:nvPr/>
         </p:nvSpPr>
         <p:spPr>
           <a:xfrm>
             <a:off x="3929040" y="2026800"/>
-            <a:ext cx="1101600" cy="582480"/>
+            <a:ext cx="1100880" cy="581760"/>
           </a:xfrm>
           <a:prstGeom prst="roundRect">
             <a:avLst>
@@ -5603,14 +5945,14 @@
       </p:sp>
       <p:sp>
         <p:nvSpPr>
-          <p:cNvPr id="122" name="CustomShape 14"/>
+          <p:cNvPr id="140" name="CustomShape 14"/>
           <p:cNvSpPr/>
           <p:nvPr/>
         </p:nvSpPr>
         <p:spPr>
           <a:xfrm>
             <a:off x="5298480" y="2027880"/>
-            <a:ext cx="1101600" cy="582480"/>
+            <a:ext cx="1100880" cy="581760"/>
           </a:xfrm>
           <a:prstGeom prst="roundRect">
             <a:avLst>
@@ -5671,14 +6013,14 @@
       </p:sp>
       <p:sp>
         <p:nvSpPr>
-          <p:cNvPr id="123" name="CustomShape 15"/>
+          <p:cNvPr id="141" name="CustomShape 15"/>
           <p:cNvSpPr/>
           <p:nvPr/>
         </p:nvSpPr>
         <p:spPr>
           <a:xfrm>
             <a:off x="5256000" y="1008000"/>
-            <a:ext cx="503640" cy="1019520"/>
+            <a:ext cx="502920" cy="1018800"/>
           </a:xfrm>
           <a:custGeom>
             <a:avLst/>
@@ -5713,14 +6055,14 @@
       </p:sp>
       <p:sp>
         <p:nvSpPr>
-          <p:cNvPr id="124" name="CustomShape 16"/>
+          <p:cNvPr id="142" name="CustomShape 16"/>
           <p:cNvSpPr/>
           <p:nvPr/>
         </p:nvSpPr>
         <p:spPr>
           <a:xfrm flipH="1">
-            <a:off x="2303280" y="936000"/>
-            <a:ext cx="2087640" cy="1151640"/>
+            <a:off x="2302560" y="936000"/>
+            <a:ext cx="2086920" cy="1150920"/>
           </a:xfrm>
           <a:custGeom>
             <a:avLst/>
@@ -5755,14 +6097,14 @@
       </p:sp>
       <p:sp>
         <p:nvSpPr>
-          <p:cNvPr id="125" name="CustomShape 17"/>
+          <p:cNvPr id="143" name="CustomShape 17"/>
           <p:cNvSpPr/>
           <p:nvPr/>
         </p:nvSpPr>
         <p:spPr>
           <a:xfrm flipH="1">
-            <a:off x="4536000" y="936000"/>
-            <a:ext cx="288000" cy="1090440"/>
+            <a:off x="4535280" y="936000"/>
+            <a:ext cx="287280" cy="1089720"/>
           </a:xfrm>
           <a:custGeom>
             <a:avLst/>
@@ -5797,14 +6139,14 @@
       </p:sp>
       <p:sp>
         <p:nvSpPr>
-          <p:cNvPr id="126" name="CustomShape 18"/>
+          <p:cNvPr id="144" name="CustomShape 18"/>
           <p:cNvSpPr/>
           <p:nvPr/>
         </p:nvSpPr>
         <p:spPr>
           <a:xfrm>
             <a:off x="5112000" y="3888000"/>
-            <a:ext cx="1224000" cy="244080"/>
+            <a:ext cx="1223280" cy="243360"/>
           </a:xfrm>
           <a:prstGeom prst="bracketPair">
             <a:avLst>
@@ -5830,7 +6172,7 @@
             <a:noAutofit/>
           </a:bodyPr>
           <a:p>
-            <a:pPr marL="457200" indent="-288360">
+            <a:pPr marL="457200" indent="-287640">
               <a:lnSpc>
                 <a:spcPct val="100000"/>
               </a:lnSpc>
@@ -5858,14 +6200,14 @@
       </p:sp>
       <p:sp>
         <p:nvSpPr>
-          <p:cNvPr id="127" name="CustomShape 19"/>
+          <p:cNvPr id="145" name="CustomShape 19"/>
           <p:cNvSpPr/>
           <p:nvPr/>
         </p:nvSpPr>
         <p:spPr>
           <a:xfrm>
             <a:off x="5904000" y="2612160"/>
-            <a:ext cx="360" cy="1275840"/>
+            <a:ext cx="360" cy="1275120"/>
           </a:xfrm>
           <a:custGeom>
             <a:avLst/>
@@ -5900,14 +6242,14 @@
       </p:sp>
       <p:sp>
         <p:nvSpPr>
-          <p:cNvPr id="128" name="CustomShape 20"/>
+          <p:cNvPr id="146" name="CustomShape 20"/>
           <p:cNvSpPr/>
           <p:nvPr/>
         </p:nvSpPr>
         <p:spPr>
           <a:xfrm rot="10800000">
-            <a:off x="4487400" y="2609640"/>
-            <a:ext cx="360" cy="1133280"/>
+            <a:off x="4487400" y="2610360"/>
+            <a:ext cx="360" cy="1132560"/>
           </a:xfrm>
           <a:custGeom>
             <a:avLst/>
@@ -5942,14 +6284,14 @@
       </p:sp>
       <p:sp>
         <p:nvSpPr>
-          <p:cNvPr id="129" name="CustomShape 21"/>
+          <p:cNvPr id="147" name="CustomShape 21"/>
           <p:cNvSpPr/>
           <p:nvPr/>
         </p:nvSpPr>
         <p:spPr>
           <a:xfrm>
             <a:off x="6492600" y="3744720"/>
-            <a:ext cx="1499400" cy="582480"/>
+            <a:ext cx="1498680" cy="581760"/>
           </a:xfrm>
           <a:prstGeom prst="bracketPair">
             <a:avLst>
@@ -5975,7 +6317,7 @@
             <a:noAutofit/>
           </a:bodyPr>
           <a:p>
-            <a:pPr marL="457200" indent="-291600">
+            <a:pPr marL="457200" indent="-290880">
               <a:lnSpc>
                 <a:spcPct val="100000"/>
               </a:lnSpc>
@@ -6000,7 +6342,7 @@
             </a:endParaRPr>
           </a:p>
           <a:p>
-            <a:pPr marL="457200" indent="-291600">
+            <a:pPr marL="457200" indent="-290880">
               <a:lnSpc>
                 <a:spcPct val="100000"/>
               </a:lnSpc>
@@ -6028,14 +6370,14 @@
       </p:sp>
       <p:sp>
         <p:nvSpPr>
-          <p:cNvPr id="130" name="CustomShape 22"/>
+          <p:cNvPr id="148" name="CustomShape 22"/>
           <p:cNvSpPr/>
           <p:nvPr/>
         </p:nvSpPr>
         <p:spPr>
           <a:xfrm>
             <a:off x="6696000" y="2027520"/>
-            <a:ext cx="1101600" cy="582480"/>
+            <a:ext cx="1100880" cy="581760"/>
           </a:xfrm>
           <a:prstGeom prst="roundRect">
             <a:avLst>
@@ -6096,14 +6438,14 @@
       </p:sp>
       <p:sp>
         <p:nvSpPr>
-          <p:cNvPr id="131" name="CustomShape 23"/>
+          <p:cNvPr id="149" name="CustomShape 23"/>
           <p:cNvSpPr/>
           <p:nvPr/>
         </p:nvSpPr>
         <p:spPr>
           <a:xfrm>
             <a:off x="5544000" y="1058760"/>
-            <a:ext cx="1728000" cy="968760"/>
+            <a:ext cx="1727280" cy="968040"/>
           </a:xfrm>
           <a:custGeom>
             <a:avLst/>
@@ -6138,227 +6480,14 @@
       </p:sp>
       <p:sp>
         <p:nvSpPr>
-          <p:cNvPr id="132" name="CustomShape 24"/>
+          <p:cNvPr id="150" name="CustomShape 24"/>
           <p:cNvSpPr/>
           <p:nvPr/>
         </p:nvSpPr>
         <p:spPr>
           <a:xfrm>
             <a:off x="7344000" y="2612160"/>
-            <a:ext cx="360" cy="1132560"/>
-          </a:xfrm>
-          <a:custGeom>
-            <a:avLst/>
-            <a:gdLst/>
-            <a:ahLst/>
-            <a:rect l="l" t="t" r="r" b="b"/>
-            <a:pathLst>
-              <a:path w="21600" h="21600">
-                <a:moveTo>
-                  <a:pt x="0" y="0"/>
-                </a:moveTo>
-                <a:lnTo>
-                  <a:pt x="21600" y="21600"/>
-                </a:lnTo>
-              </a:path>
-            </a:pathLst>
-          </a:custGeom>
-          <a:noFill/>
-          <a:ln w="9360">
-            <a:solidFill>
-              <a:srgbClr val="3465a4"/>
-            </a:solidFill>
-            <a:round/>
-          </a:ln>
-        </p:spPr>
-        <p:style>
-          <a:lnRef idx="0"/>
-          <a:fillRef idx="0"/>
-          <a:effectRef idx="0"/>
-          <a:fontRef idx="minor"/>
-        </p:style>
-      </p:sp>
-      <p:sp>
-        <p:nvSpPr>
-          <p:cNvPr id="133" name="CustomShape 25"/>
-          <p:cNvSpPr/>
-          <p:nvPr/>
-        </p:nvSpPr>
-        <p:spPr>
-          <a:xfrm>
-            <a:off x="8042760" y="2016360"/>
-            <a:ext cx="1101600" cy="582480"/>
-          </a:xfrm>
-          <a:prstGeom prst="roundRect">
-            <a:avLst>
-              <a:gd name="adj" fmla="val 0"/>
-            </a:avLst>
-          </a:prstGeom>
-          <a:gradFill rotWithShape="0">
-            <a:gsLst>
-              <a:gs pos="0">
-                <a:srgbClr val="d4e5f5"/>
-              </a:gs>
-              <a:gs pos="100000">
-                <a:srgbClr val="70a4d5"/>
-              </a:gs>
-            </a:gsLst>
-            <a:path path="circle">
-              <a:fillToRect l="50000" t="50000" r="50000" b="50000"/>
-            </a:path>
-          </a:gradFill>
-          <a:ln w="9360">
-            <a:solidFill>
-              <a:srgbClr val="f3f3f3"/>
-            </a:solidFill>
-            <a:round/>
-          </a:ln>
-        </p:spPr>
-        <p:style>
-          <a:lnRef idx="0"/>
-          <a:fillRef idx="0"/>
-          <a:effectRef idx="0"/>
-          <a:fontRef idx="minor"/>
-        </p:style>
-        <p:txBody>
-          <a:bodyPr lIns="90000" rIns="90000" tIns="91440" bIns="91440" anchor="ctr">
-            <a:noAutofit/>
-          </a:bodyPr>
-          <a:p>
-            <a:pPr algn="ctr">
-              <a:lnSpc>
-                <a:spcPct val="100000"/>
-              </a:lnSpc>
-            </a:pPr>
-            <a:r>
-              <a:rPr b="0" lang="pt-BR" sz="1000" spc="-1" strike="noStrike">
-                <a:solidFill>
-                  <a:srgbClr val="000000"/>
-                </a:solidFill>
-                <a:latin typeface="Arial"/>
-                <a:ea typeface="Arial"/>
-              </a:rPr>
-              <a:t>Entregador</a:t>
-            </a:r>
-            <a:endParaRPr b="0" lang="pt-BR" sz="1000" spc="-1" strike="noStrike">
-              <a:latin typeface="Arial"/>
-            </a:endParaRPr>
-          </a:p>
-        </p:txBody>
-      </p:sp>
-      <p:sp>
-        <p:nvSpPr>
-          <p:cNvPr id="134" name="CustomShape 26"/>
-          <p:cNvSpPr/>
-          <p:nvPr/>
-        </p:nvSpPr>
-        <p:spPr>
-          <a:xfrm>
-            <a:off x="8136000" y="3745080"/>
-            <a:ext cx="1224000" cy="582480"/>
-          </a:xfrm>
-          <a:prstGeom prst="bracketPair">
-            <a:avLst>
-              <a:gd name="adj" fmla="val 16667"/>
-            </a:avLst>
-          </a:prstGeom>
-          <a:noFill/>
-          <a:ln w="9360">
-            <a:solidFill>
-              <a:srgbClr val="595959"/>
-            </a:solidFill>
-            <a:round/>
-          </a:ln>
-        </p:spPr>
-        <p:style>
-          <a:lnRef idx="0"/>
-          <a:fillRef idx="0"/>
-          <a:effectRef idx="0"/>
-          <a:fontRef idx="minor"/>
-        </p:style>
-        <p:txBody>
-          <a:bodyPr lIns="90000" rIns="90000" tIns="91440" bIns="91440" anchor="ctr">
-            <a:noAutofit/>
-          </a:bodyPr>
-          <a:p>
-            <a:pPr marL="457200" indent="-291600">
-              <a:lnSpc>
-                <a:spcPct val="100000"/>
-              </a:lnSpc>
-              <a:buClr>
-                <a:srgbClr val="000000"/>
-              </a:buClr>
-              <a:buFont typeface="Arial"/>
-              <a:buChar char="●"/>
-            </a:pPr>
-            <a:r>
-              <a:rPr b="0" lang="pt-BR" sz="1000" spc="-1" strike="noStrike">
-                <a:solidFill>
-                  <a:srgbClr val="000000"/>
-                </a:solidFill>
-                <a:latin typeface="Arial"/>
-                <a:ea typeface="Arial"/>
-              </a:rPr>
-              <a:t>Entregar pedido</a:t>
-            </a:r>
-            <a:endParaRPr b="0" lang="pt-BR" sz="1000" spc="-1" strike="noStrike">
-              <a:latin typeface="Arial"/>
-            </a:endParaRPr>
-          </a:p>
-        </p:txBody>
-      </p:sp>
-      <p:sp>
-        <p:nvSpPr>
-          <p:cNvPr id="135" name="CustomShape 27"/>
-          <p:cNvSpPr/>
-          <p:nvPr/>
-        </p:nvSpPr>
-        <p:spPr>
-          <a:xfrm>
-            <a:off x="8712000" y="2598840"/>
-            <a:ext cx="360" cy="1132560"/>
-          </a:xfrm>
-          <a:custGeom>
-            <a:avLst/>
-            <a:gdLst/>
-            <a:ahLst/>
-            <a:rect l="l" t="t" r="r" b="b"/>
-            <a:pathLst>
-              <a:path w="21600" h="21600">
-                <a:moveTo>
-                  <a:pt x="0" y="0"/>
-                </a:moveTo>
-                <a:lnTo>
-                  <a:pt x="21600" y="21600"/>
-                </a:lnTo>
-              </a:path>
-            </a:pathLst>
-          </a:custGeom>
-          <a:noFill/>
-          <a:ln w="9360">
-            <a:solidFill>
-              <a:srgbClr val="3465a4"/>
-            </a:solidFill>
-            <a:round/>
-          </a:ln>
-        </p:spPr>
-        <p:style>
-          <a:lnRef idx="0"/>
-          <a:fillRef idx="0"/>
-          <a:effectRef idx="0"/>
-          <a:fontRef idx="minor"/>
-        </p:style>
-      </p:sp>
-      <p:sp>
-        <p:nvSpPr>
-          <p:cNvPr id="136" name="CustomShape 28"/>
-          <p:cNvSpPr/>
-          <p:nvPr/>
-        </p:nvSpPr>
-        <p:spPr>
-          <a:xfrm>
-            <a:off x="5904000" y="1008000"/>
-            <a:ext cx="2735640" cy="1019520"/>
+            <a:ext cx="360" cy="1131840"/>
           </a:xfrm>
           <a:custGeom>
             <a:avLst/>
@@ -6423,14 +6552,14 @@
       </p:grpSpPr>
       <p:sp>
         <p:nvSpPr>
-          <p:cNvPr id="137" name="CustomShape 1"/>
+          <p:cNvPr id="151" name="CustomShape 1"/>
           <p:cNvSpPr/>
           <p:nvPr/>
         </p:nvSpPr>
         <p:spPr>
           <a:xfrm>
             <a:off x="143280" y="1593360"/>
-            <a:ext cx="9413280" cy="1503720"/>
+            <a:ext cx="9412560" cy="1503000"/>
           </a:xfrm>
           <a:prstGeom prst="rect">
             <a:avLst/>
@@ -6477,14 +6606,14 @@
       </p:sp>
       <p:sp>
         <p:nvSpPr>
-          <p:cNvPr id="138" name="CustomShape 2"/>
+          <p:cNvPr id="152" name="CustomShape 2"/>
           <p:cNvSpPr/>
           <p:nvPr/>
         </p:nvSpPr>
         <p:spPr>
           <a:xfrm>
             <a:off x="4033800" y="204840"/>
-            <a:ext cx="1997280" cy="847080"/>
+            <a:ext cx="1996560" cy="846360"/>
           </a:xfrm>
           <a:prstGeom prst="wave">
             <a:avLst>
@@ -6513,7 +6642,7 @@
             <a:noAutofit/>
           </a:bodyPr>
           <a:p>
-            <a:pPr marL="457200" indent="-288360">
+            <a:pPr marL="457200" indent="-287640">
               <a:lnSpc>
                 <a:spcPct val="100000"/>
               </a:lnSpc>
@@ -6541,42 +6670,42 @@
       </p:sp>
       <p:grpSp>
         <p:nvGrpSpPr>
-          <p:cNvPr id="139" name="Group 3"/>
+          <p:cNvPr id="153" name="Group 3"/>
           <p:cNvGrpSpPr/>
           <p:nvPr/>
         </p:nvGrpSpPr>
         <p:grpSpPr>
           <a:xfrm>
             <a:off x="1637280" y="2081520"/>
-            <a:ext cx="1122120" cy="912240"/>
+            <a:ext cx="1121400" cy="911520"/>
             <a:chOff x="1637280" y="2081520"/>
-            <a:chExt cx="1122120" cy="912240"/>
+            <a:chExt cx="1121400" cy="911520"/>
           </a:xfrm>
         </p:grpSpPr>
         <p:grpSp>
           <p:nvGrpSpPr>
-            <p:cNvPr id="140" name="Group 4"/>
+            <p:cNvPr id="154" name="Group 4"/>
             <p:cNvGrpSpPr/>
             <p:nvPr/>
           </p:nvGrpSpPr>
           <p:grpSpPr>
             <a:xfrm>
-              <a:off x="2023920" y="2081520"/>
-              <a:ext cx="344520" cy="648000"/>
-              <a:chOff x="2023920" y="2081520"/>
-              <a:chExt cx="344520" cy="648000"/>
+              <a:off x="2023200" y="2081520"/>
+              <a:ext cx="345240" cy="648000"/>
+              <a:chOff x="2023200" y="2081520"/>
+              <a:chExt cx="345240" cy="648000"/>
             </a:xfrm>
           </p:grpSpPr>
           <p:sp>
             <p:nvSpPr>
-              <p:cNvPr id="141" name="CustomShape 5"/>
+              <p:cNvPr id="155" name="CustomShape 5"/>
               <p:cNvSpPr/>
               <p:nvPr/>
             </p:nvSpPr>
             <p:spPr>
               <a:xfrm>
                 <a:off x="2094840" y="2081520"/>
-                <a:ext cx="210600" cy="212760"/>
+                <a:ext cx="209880" cy="212040"/>
               </a:xfrm>
               <a:prstGeom prst="flowChartConnector">
                 <a:avLst/>
@@ -6600,14 +6729,14 @@
           </p:sp>
           <p:sp>
             <p:nvSpPr>
-              <p:cNvPr id="142" name="CustomShape 6"/>
+              <p:cNvPr id="156" name="CustomShape 6"/>
               <p:cNvSpPr/>
               <p:nvPr/>
             </p:nvSpPr>
             <p:spPr>
               <a:xfrm flipH="1">
-                <a:off x="2194200" y="2297880"/>
-                <a:ext cx="360" cy="221400"/>
+                <a:off x="2192760" y="2297880"/>
+                <a:ext cx="360" cy="220680"/>
               </a:xfrm>
               <a:custGeom>
                 <a:avLst/>
@@ -6642,14 +6771,14 @@
           </p:sp>
           <p:sp>
             <p:nvSpPr>
-              <p:cNvPr id="143" name="CustomShape 7"/>
+              <p:cNvPr id="157" name="CustomShape 7"/>
               <p:cNvSpPr/>
               <p:nvPr/>
             </p:nvSpPr>
             <p:spPr>
               <a:xfrm>
                 <a:off x="2046960" y="2395080"/>
-                <a:ext cx="306720" cy="360"/>
+                <a:ext cx="306000" cy="360"/>
               </a:xfrm>
               <a:custGeom>
                 <a:avLst/>
@@ -6684,14 +6813,14 @@
           </p:sp>
           <p:sp>
             <p:nvSpPr>
-              <p:cNvPr id="144" name="CustomShape 8"/>
+              <p:cNvPr id="158" name="CustomShape 8"/>
               <p:cNvSpPr/>
               <p:nvPr/>
             </p:nvSpPr>
             <p:spPr>
               <a:xfrm flipH="1">
-                <a:off x="2023920" y="2521440"/>
-                <a:ext cx="166320" cy="204480"/>
+                <a:off x="2023200" y="2521440"/>
+                <a:ext cx="165600" cy="203760"/>
               </a:xfrm>
               <a:custGeom>
                 <a:avLst/>
@@ -6726,14 +6855,14 @@
           </p:sp>
           <p:sp>
             <p:nvSpPr>
-              <p:cNvPr id="145" name="CustomShape 9"/>
+              <p:cNvPr id="159" name="CustomShape 9"/>
               <p:cNvSpPr/>
               <p:nvPr/>
             </p:nvSpPr>
             <p:spPr>
               <a:xfrm rot="10800000">
-                <a:off x="2201760" y="2525040"/>
-                <a:ext cx="166680" cy="204480"/>
+                <a:off x="2202480" y="2525760"/>
+                <a:ext cx="165960" cy="203760"/>
               </a:xfrm>
               <a:custGeom>
                 <a:avLst/>
@@ -6769,14 +6898,14 @@
         </p:grpSp>
         <p:sp>
           <p:nvSpPr>
-            <p:cNvPr id="146" name="CustomShape 10"/>
+            <p:cNvPr id="160" name="CustomShape 10"/>
             <p:cNvSpPr/>
             <p:nvPr/>
           </p:nvSpPr>
           <p:spPr>
             <a:xfrm>
               <a:off x="1637280" y="2619360"/>
-              <a:ext cx="1122120" cy="374400"/>
+              <a:ext cx="1121400" cy="373680"/>
             </a:xfrm>
             <a:prstGeom prst="rect">
               <a:avLst/>
@@ -6821,14 +6950,14 @@
       </p:grpSp>
       <p:sp>
         <p:nvSpPr>
-          <p:cNvPr id="147" name="CustomShape 11"/>
+          <p:cNvPr id="161" name="CustomShape 11"/>
           <p:cNvSpPr/>
           <p:nvPr/>
         </p:nvSpPr>
         <p:spPr>
           <a:xfrm>
             <a:off x="143280" y="3100680"/>
-            <a:ext cx="9413280" cy="1503720"/>
+            <a:ext cx="9412560" cy="1503000"/>
           </a:xfrm>
           <a:prstGeom prst="rect">
             <a:avLst/>
@@ -6875,14 +7004,14 @@
       </p:sp>
       <p:sp>
         <p:nvSpPr>
-          <p:cNvPr id="148" name="CustomShape 12"/>
+          <p:cNvPr id="162" name="CustomShape 12"/>
           <p:cNvSpPr/>
           <p:nvPr/>
         </p:nvSpPr>
         <p:spPr>
           <a:xfrm>
             <a:off x="4392000" y="2009160"/>
-            <a:ext cx="1101600" cy="582480"/>
+            <a:ext cx="1100880" cy="581760"/>
           </a:xfrm>
           <a:prstGeom prst="roundRect">
             <a:avLst>
@@ -6943,14 +7072,14 @@
       </p:sp>
       <p:sp>
         <p:nvSpPr>
-          <p:cNvPr id="149" name="CustomShape 13"/>
+          <p:cNvPr id="163" name="CustomShape 13"/>
           <p:cNvSpPr/>
           <p:nvPr/>
         </p:nvSpPr>
         <p:spPr>
           <a:xfrm flipH="1" rot="10800000">
-            <a:off x="2232000" y="720360"/>
-            <a:ext cx="1801440" cy="1361160"/>
+            <a:off x="2231280" y="721080"/>
+            <a:ext cx="1800720" cy="1360440"/>
           </a:xfrm>
           <a:custGeom>
             <a:avLst/>
@@ -6985,14 +7114,14 @@
       </p:sp>
       <p:sp>
         <p:nvSpPr>
-          <p:cNvPr id="150" name="CustomShape 14"/>
+          <p:cNvPr id="164" name="CustomShape 14"/>
           <p:cNvSpPr/>
           <p:nvPr/>
         </p:nvSpPr>
         <p:spPr>
           <a:xfrm>
             <a:off x="3888000" y="3773520"/>
-            <a:ext cx="2015640" cy="546120"/>
+            <a:ext cx="2014920" cy="545400"/>
           </a:xfrm>
           <a:prstGeom prst="bracketPair">
             <a:avLst>
@@ -7018,7 +7147,7 @@
             <a:noAutofit/>
           </a:bodyPr>
           <a:p>
-            <a:pPr marL="457200" indent="-288360">
+            <a:pPr marL="457200" indent="-287640">
               <a:lnSpc>
                 <a:spcPct val="100000"/>
               </a:lnSpc>
@@ -7042,18 +7171,43 @@
               <a:latin typeface="Arial"/>
             </a:endParaRPr>
           </a:p>
-        </p:txBody>
-      </p:sp>
-      <p:sp>
-        <p:nvSpPr>
-          <p:cNvPr id="151" name="CustomShape 15"/>
+          <a:p>
+            <a:pPr marL="457200" indent="-287640">
+              <a:lnSpc>
+                <a:spcPct val="100000"/>
+              </a:lnSpc>
+              <a:buClr>
+                <a:srgbClr val="000000"/>
+              </a:buClr>
+              <a:buFont typeface="Arial"/>
+              <a:buChar char="●"/>
+            </a:pPr>
+            <a:r>
+              <a:rPr b="0" lang="pt-BR" sz="1000" spc="-1" strike="noStrike">
+                <a:solidFill>
+                  <a:srgbClr val="000000"/>
+                </a:solidFill>
+                <a:latin typeface="Arial"/>
+                <a:ea typeface="Arial"/>
+              </a:rPr>
+              <a:t>Gerenciar produtos</a:t>
+            </a:r>
+            <a:endParaRPr b="0" lang="pt-BR" sz="1000" spc="-1" strike="noStrike">
+              <a:latin typeface="Arial"/>
+            </a:endParaRPr>
+          </a:p>
+        </p:txBody>
+      </p:sp>
+      <p:sp>
+        <p:nvSpPr>
+          <p:cNvPr id="165" name="CustomShape 15"/>
           <p:cNvSpPr/>
           <p:nvPr/>
         </p:nvSpPr>
         <p:spPr>
           <a:xfrm rot="10800000">
-            <a:off x="4967640" y="982800"/>
-            <a:ext cx="360" cy="1026360"/>
+            <a:off x="4967640" y="983520"/>
+            <a:ext cx="360" cy="1025640"/>
           </a:xfrm>
           <a:custGeom>
             <a:avLst/>
@@ -7088,14 +7242,14 @@
       </p:sp>
       <p:sp>
         <p:nvSpPr>
-          <p:cNvPr id="152" name="CustomShape 16"/>
+          <p:cNvPr id="166" name="CustomShape 16"/>
           <p:cNvSpPr/>
           <p:nvPr/>
         </p:nvSpPr>
         <p:spPr>
           <a:xfrm>
             <a:off x="4968000" y="2598840"/>
-            <a:ext cx="360" cy="1159560"/>
+            <a:ext cx="360" cy="1158840"/>
           </a:xfrm>
           <a:custGeom>
             <a:avLst/>
@@ -7128,192 +7282,44 @@
           <a:fontRef idx="minor"/>
         </p:style>
       </p:sp>
-    </p:spTree>
-  </p:cSld>
-  <mc:AlternateContent>
-    <mc:Choice Requires="p14">
-      <p:transition spd="slow" p14:dur="2000"/>
-    </mc:Choice>
-    <mc:Fallback>
-      <p:transition spd="slow"/>
-    </mc:Fallback>
-  </mc:AlternateContent>
-</p:sld>
-</file>
-
-<file path=ppt/slides/slide4.xml><?xml version="1.0" encoding="utf-8"?>
-<p:sld xmlns:a="http://schemas.openxmlformats.org/drawingml/2006/main" xmlns:p="http://schemas.openxmlformats.org/presentationml/2006/main" xmlns:r="http://schemas.openxmlformats.org/officeDocument/2006/relationships" xmlns:p14="http://schemas.microsoft.com/office/powerpoint/2010/main" xmlns:p15="http://schemas.microsoft.com/office/powerpoint/2012/main" xmlns:mc="http://schemas.openxmlformats.org/markup-compatibility/2006">
-  <p:cSld>
-    <p:spTree>
-      <p:nvGrpSpPr>
-        <p:cNvPr id="1" name=""/>
-        <p:cNvGrpSpPr/>
-        <p:nvPr/>
-      </p:nvGrpSpPr>
-      <p:grpSpPr>
-        <a:xfrm>
-          <a:off x="0" y="0"/>
-          <a:ext cx="0" cy="0"/>
-          <a:chOff x="0" y="0"/>
-          <a:chExt cx="0" cy="0"/>
-        </a:xfrm>
-      </p:grpSpPr>
-      <p:sp>
-        <p:nvSpPr>
-          <p:cNvPr id="153" name="CustomShape 1"/>
-          <p:cNvSpPr/>
-          <p:nvPr/>
-        </p:nvSpPr>
-        <p:spPr>
-          <a:xfrm>
-            <a:off x="143280" y="1593360"/>
-            <a:ext cx="9413280" cy="1503720"/>
-          </a:xfrm>
-          <a:prstGeom prst="rect">
-            <a:avLst/>
-          </a:prstGeom>
-          <a:noFill/>
-          <a:ln w="9360">
-            <a:solidFill>
-              <a:srgbClr val="ff9900"/>
-            </a:solidFill>
-            <a:round/>
-          </a:ln>
-        </p:spPr>
-        <p:style>
-          <a:lnRef idx="0"/>
-          <a:fillRef idx="0"/>
-          <a:effectRef idx="0"/>
-          <a:fontRef idx="minor"/>
-        </p:style>
-        <p:txBody>
-          <a:bodyPr lIns="90000" rIns="90000" tIns="91440" bIns="91440">
-            <a:noAutofit/>
-          </a:bodyPr>
-          <a:p>
-            <a:pPr>
-              <a:lnSpc>
-                <a:spcPct val="100000"/>
-              </a:lnSpc>
-            </a:pPr>
-            <a:r>
-              <a:rPr b="0" lang="pt-BR" sz="1400" spc="-1" strike="noStrike">
-                <a:solidFill>
-                  <a:srgbClr val="000000"/>
-                </a:solidFill>
-                <a:latin typeface="Arial"/>
-                <a:ea typeface="Arial"/>
-              </a:rPr>
-              <a:t>Nós Operacionais</a:t>
-            </a:r>
-            <a:endParaRPr b="0" lang="pt-BR" sz="1400" spc="-1" strike="noStrike">
-              <a:latin typeface="Arial"/>
-            </a:endParaRPr>
-          </a:p>
-        </p:txBody>
-      </p:sp>
-      <p:sp>
-        <p:nvSpPr>
-          <p:cNvPr id="154" name="CustomShape 2"/>
-          <p:cNvSpPr/>
-          <p:nvPr/>
-        </p:nvSpPr>
-        <p:spPr>
-          <a:xfrm>
-            <a:off x="4033800" y="204840"/>
-            <a:ext cx="1997280" cy="847080"/>
-          </a:xfrm>
-          <a:prstGeom prst="wave">
-            <a:avLst>
-              <a:gd name="adj1" fmla="val 6999"/>
-              <a:gd name="adj2" fmla="val 0"/>
-            </a:avLst>
-          </a:prstGeom>
-          <a:solidFill>
-            <a:srgbClr val="f4cccc"/>
-          </a:solidFill>
-          <a:ln w="9360">
-            <a:solidFill>
-              <a:srgbClr val="ffffff"/>
-            </a:solidFill>
-            <a:round/>
-          </a:ln>
-        </p:spPr>
-        <p:style>
-          <a:lnRef idx="0"/>
-          <a:fillRef idx="0"/>
-          <a:effectRef idx="0"/>
-          <a:fontRef idx="minor"/>
-        </p:style>
-        <p:txBody>
-          <a:bodyPr lIns="90000" rIns="90000" tIns="91440" bIns="91440" anchor="ctr">
-            <a:noAutofit/>
-          </a:bodyPr>
-          <a:p>
-            <a:pPr marL="457200" indent="-288360">
-              <a:lnSpc>
-                <a:spcPct val="100000"/>
-              </a:lnSpc>
-              <a:buClr>
-                <a:srgbClr val="000000"/>
-              </a:buClr>
-              <a:buFont typeface="Arial"/>
-              <a:buChar char="❖"/>
-            </a:pPr>
-            <a:r>
-              <a:rPr b="0" lang="pt-BR" sz="1000" spc="-1" strike="noStrike">
-                <a:solidFill>
-                  <a:srgbClr val="000000"/>
-                </a:solidFill>
-                <a:latin typeface="Arial"/>
-                <a:ea typeface="Arial"/>
-              </a:rPr>
-              <a:t>Realizar contabilidade </a:t>
-            </a:r>
-            <a:endParaRPr b="0" lang="pt-BR" sz="1000" spc="-1" strike="noStrike">
-              <a:latin typeface="Arial"/>
-            </a:endParaRPr>
-          </a:p>
-        </p:txBody>
-      </p:sp>
       <p:grpSp>
         <p:nvGrpSpPr>
-          <p:cNvPr id="155" name="Group 3"/>
+          <p:cNvPr id="167" name="Group 17"/>
           <p:cNvGrpSpPr/>
           <p:nvPr/>
         </p:nvGrpSpPr>
         <p:grpSpPr>
           <a:xfrm>
-            <a:off x="1637280" y="2081520"/>
-            <a:ext cx="1122120" cy="912240"/>
-            <a:chOff x="1637280" y="2081520"/>
-            <a:chExt cx="1122120" cy="912240"/>
+            <a:off x="6936120" y="1888920"/>
+            <a:ext cx="1800720" cy="911520"/>
+            <a:chOff x="6936120" y="1888920"/>
+            <a:chExt cx="1800720" cy="911520"/>
           </a:xfrm>
         </p:grpSpPr>
         <p:grpSp>
           <p:nvGrpSpPr>
-            <p:cNvPr id="156" name="Group 4"/>
+            <p:cNvPr id="168" name="Group 18"/>
             <p:cNvGrpSpPr/>
             <p:nvPr/>
           </p:nvGrpSpPr>
           <p:grpSpPr>
             <a:xfrm>
-              <a:off x="2023920" y="2081520"/>
-              <a:ext cx="344520" cy="648000"/>
-              <a:chOff x="2023920" y="2081520"/>
-              <a:chExt cx="344520" cy="648000"/>
+              <a:off x="7322040" y="1888920"/>
+              <a:ext cx="345240" cy="648000"/>
+              <a:chOff x="7322040" y="1888920"/>
+              <a:chExt cx="345240" cy="648000"/>
             </a:xfrm>
           </p:grpSpPr>
           <p:sp>
             <p:nvSpPr>
-              <p:cNvPr id="157" name="CustomShape 5"/>
+              <p:cNvPr id="169" name="CustomShape 19"/>
               <p:cNvSpPr/>
               <p:nvPr/>
             </p:nvSpPr>
             <p:spPr>
               <a:xfrm>
-                <a:off x="2094840" y="2081520"/>
-                <a:ext cx="210600" cy="212760"/>
+                <a:off x="7393680" y="1888920"/>
+                <a:ext cx="209880" cy="212040"/>
               </a:xfrm>
               <a:prstGeom prst="flowChartConnector">
                 <a:avLst/>
@@ -7337,14 +7343,14 @@
           </p:sp>
           <p:sp>
             <p:nvSpPr>
-              <p:cNvPr id="158" name="CustomShape 6"/>
+              <p:cNvPr id="170" name="CustomShape 20"/>
               <p:cNvSpPr/>
               <p:nvPr/>
             </p:nvSpPr>
             <p:spPr>
               <a:xfrm flipH="1">
-                <a:off x="2194200" y="2297880"/>
-                <a:ext cx="360" cy="221400"/>
+                <a:off x="7491600" y="2105280"/>
+                <a:ext cx="360" cy="220680"/>
               </a:xfrm>
               <a:custGeom>
                 <a:avLst/>
@@ -7379,14 +7385,14 @@
           </p:sp>
           <p:sp>
             <p:nvSpPr>
-              <p:cNvPr id="159" name="CustomShape 7"/>
+              <p:cNvPr id="171" name="CustomShape 21"/>
               <p:cNvSpPr/>
               <p:nvPr/>
             </p:nvSpPr>
             <p:spPr>
               <a:xfrm>
-                <a:off x="2046960" y="2395080"/>
-                <a:ext cx="306720" cy="360"/>
+                <a:off x="7345800" y="2202480"/>
+                <a:ext cx="306000" cy="360"/>
               </a:xfrm>
               <a:custGeom>
                 <a:avLst/>
@@ -7421,14 +7427,14 @@
           </p:sp>
           <p:sp>
             <p:nvSpPr>
-              <p:cNvPr id="160" name="CustomShape 8"/>
+              <p:cNvPr id="172" name="CustomShape 22"/>
               <p:cNvSpPr/>
               <p:nvPr/>
             </p:nvSpPr>
             <p:spPr>
               <a:xfrm flipH="1">
-                <a:off x="2023920" y="2521440"/>
-                <a:ext cx="166320" cy="204480"/>
+                <a:off x="7322040" y="2328840"/>
+                <a:ext cx="165600" cy="203760"/>
               </a:xfrm>
               <a:custGeom>
                 <a:avLst/>
@@ -7463,14 +7469,14 @@
           </p:sp>
           <p:sp>
             <p:nvSpPr>
-              <p:cNvPr id="161" name="CustomShape 9"/>
+              <p:cNvPr id="173" name="CustomShape 23"/>
               <p:cNvSpPr/>
               <p:nvPr/>
             </p:nvSpPr>
             <p:spPr>
               <a:xfrm rot="10800000">
-                <a:off x="2201760" y="2525040"/>
-                <a:ext cx="166680" cy="204480"/>
+                <a:off x="7501320" y="2333160"/>
+                <a:ext cx="165960" cy="203760"/>
               </a:xfrm>
               <a:custGeom>
                 <a:avLst/>
@@ -7506,14 +7512,1294 @@
         </p:grpSp>
         <p:sp>
           <p:nvSpPr>
-            <p:cNvPr id="162" name="CustomShape 10"/>
+            <p:cNvPr id="174" name="CustomShape 24"/>
+            <p:cNvSpPr/>
+            <p:nvPr/>
+          </p:nvSpPr>
+          <p:spPr>
+            <a:xfrm>
+              <a:off x="6936120" y="2426760"/>
+              <a:ext cx="1800720" cy="373680"/>
+            </a:xfrm>
+            <a:prstGeom prst="rect">
+              <a:avLst/>
+            </a:prstGeom>
+            <a:noFill/>
+            <a:ln>
+              <a:noFill/>
+            </a:ln>
+          </p:spPr>
+          <p:style>
+            <a:lnRef idx="0"/>
+            <a:fillRef idx="0"/>
+            <a:effectRef idx="0"/>
+            <a:fontRef idx="minor"/>
+          </p:style>
+          <p:txBody>
+            <a:bodyPr lIns="90000" rIns="90000" tIns="91440" bIns="91440">
+              <a:noAutofit/>
+            </a:bodyPr>
+            <a:p>
+              <a:pPr algn="ctr">
+                <a:lnSpc>
+                  <a:spcPct val="100000"/>
+                </a:lnSpc>
+              </a:pPr>
+              <a:r>
+                <a:rPr b="1" lang="pt-BR" sz="1200" spc="-1" strike="noStrike">
+                  <a:solidFill>
+                    <a:srgbClr val="000000"/>
+                  </a:solidFill>
+                  <a:latin typeface="Arial"/>
+                  <a:ea typeface="Arial"/>
+                </a:rPr>
+                <a:t>Bares/Lanchonetes</a:t>
+              </a:r>
+              <a:endParaRPr b="0" lang="pt-BR" sz="1200" spc="-1" strike="noStrike">
+                <a:latin typeface="Arial"/>
+              </a:endParaRPr>
+            </a:p>
+          </p:txBody>
+        </p:sp>
+      </p:grpSp>
+      <p:sp>
+        <p:nvSpPr>
+          <p:cNvPr id="175" name="CustomShape 25"/>
+          <p:cNvSpPr/>
+          <p:nvPr/>
+        </p:nvSpPr>
+        <p:spPr>
+          <a:xfrm>
+            <a:off x="6031440" y="565920"/>
+            <a:ext cx="1369800" cy="1360440"/>
+          </a:xfrm>
+          <a:custGeom>
+            <a:avLst/>
+            <a:gdLst/>
+            <a:ahLst/>
+            <a:rect l="l" t="t" r="r" b="b"/>
+            <a:pathLst>
+              <a:path w="21600" h="21600">
+                <a:moveTo>
+                  <a:pt x="0" y="0"/>
+                </a:moveTo>
+                <a:lnTo>
+                  <a:pt x="21600" y="21600"/>
+                </a:lnTo>
+              </a:path>
+            </a:pathLst>
+          </a:custGeom>
+          <a:noFill/>
+          <a:ln w="9360">
+            <a:solidFill>
+              <a:srgbClr val="3465a4"/>
+            </a:solidFill>
+            <a:round/>
+          </a:ln>
+        </p:spPr>
+        <p:style>
+          <a:lnRef idx="0"/>
+          <a:fillRef idx="0"/>
+          <a:effectRef idx="0"/>
+          <a:fontRef idx="minor"/>
+        </p:style>
+      </p:sp>
+      <p:sp>
+        <p:nvSpPr>
+          <p:cNvPr id="176" name="CustomShape 26"/>
+          <p:cNvSpPr/>
+          <p:nvPr/>
+        </p:nvSpPr>
+        <p:spPr>
+          <a:xfrm>
+            <a:off x="6696000" y="3774240"/>
+            <a:ext cx="2014920" cy="545400"/>
+          </a:xfrm>
+          <a:prstGeom prst="bracketPair">
+            <a:avLst>
+              <a:gd name="adj" fmla="val 16667"/>
+            </a:avLst>
+          </a:prstGeom>
+          <a:noFill/>
+          <a:ln w="9360">
+            <a:solidFill>
+              <a:srgbClr val="595959"/>
+            </a:solidFill>
+            <a:round/>
+          </a:ln>
+        </p:spPr>
+        <p:style>
+          <a:lnRef idx="0"/>
+          <a:fillRef idx="0"/>
+          <a:effectRef idx="0"/>
+          <a:fontRef idx="minor"/>
+        </p:style>
+        <p:txBody>
+          <a:bodyPr lIns="90000" rIns="90000" tIns="91440" bIns="91440" anchor="ctr">
+            <a:noAutofit/>
+          </a:bodyPr>
+          <a:p>
+            <a:pPr marL="457200" indent="-287640">
+              <a:lnSpc>
+                <a:spcPct val="100000"/>
+              </a:lnSpc>
+              <a:buClr>
+                <a:srgbClr val="000000"/>
+              </a:buClr>
+              <a:buFont typeface="Arial"/>
+              <a:buChar char="●"/>
+            </a:pPr>
+            <a:r>
+              <a:rPr b="0" lang="pt-BR" sz="1000" spc="-1" strike="noStrike">
+                <a:solidFill>
+                  <a:srgbClr val="000000"/>
+                </a:solidFill>
+                <a:latin typeface="Arial"/>
+                <a:ea typeface="Arial"/>
+              </a:rPr>
+              <a:t>Trocar produtos</a:t>
+            </a:r>
+            <a:endParaRPr b="0" lang="pt-BR" sz="1000" spc="-1" strike="noStrike">
+              <a:latin typeface="Arial"/>
+            </a:endParaRPr>
+          </a:p>
+        </p:txBody>
+      </p:sp>
+      <p:sp>
+        <p:nvSpPr>
+          <p:cNvPr id="177" name="CustomShape 27"/>
+          <p:cNvSpPr/>
+          <p:nvPr/>
+        </p:nvSpPr>
+        <p:spPr>
+          <a:xfrm>
+            <a:off x="5472000" y="2512800"/>
+            <a:ext cx="2087640" cy="1302840"/>
+          </a:xfrm>
+          <a:custGeom>
+            <a:avLst/>
+            <a:gdLst/>
+            <a:ahLst/>
+            <a:rect l="l" t="t" r="r" b="b"/>
+            <a:pathLst>
+              <a:path w="21600" h="21600">
+                <a:moveTo>
+                  <a:pt x="0" y="0"/>
+                </a:moveTo>
+                <a:lnTo>
+                  <a:pt x="21600" y="21600"/>
+                </a:lnTo>
+              </a:path>
+            </a:pathLst>
+          </a:custGeom>
+          <a:noFill/>
+          <a:ln w="9360">
+            <a:solidFill>
+              <a:srgbClr val="3465a4"/>
+            </a:solidFill>
+            <a:round/>
+          </a:ln>
+        </p:spPr>
+        <p:style>
+          <a:lnRef idx="0"/>
+          <a:fillRef idx="0"/>
+          <a:effectRef idx="0"/>
+          <a:fontRef idx="minor"/>
+        </p:style>
+      </p:sp>
+    </p:spTree>
+  </p:cSld>
+  <mc:AlternateContent>
+    <mc:Choice Requires="p14">
+      <p:transition spd="slow" p14:dur="2000"/>
+    </mc:Choice>
+    <mc:Fallback>
+      <p:transition spd="slow"/>
+    </mc:Fallback>
+  </mc:AlternateContent>
+</p:sld>
+</file>
+
+<file path=ppt/slides/slide4.xml><?xml version="1.0" encoding="utf-8"?>
+<p:sld xmlns:a="http://schemas.openxmlformats.org/drawingml/2006/main" xmlns:p="http://schemas.openxmlformats.org/presentationml/2006/main" xmlns:r="http://schemas.openxmlformats.org/officeDocument/2006/relationships" xmlns:p14="http://schemas.microsoft.com/office/powerpoint/2010/main" xmlns:p15="http://schemas.microsoft.com/office/powerpoint/2012/main" xmlns:mc="http://schemas.openxmlformats.org/markup-compatibility/2006">
+  <p:cSld>
+    <p:spTree>
+      <p:nvGrpSpPr>
+        <p:cNvPr id="1" name=""/>
+        <p:cNvGrpSpPr/>
+        <p:nvPr/>
+      </p:nvGrpSpPr>
+      <p:grpSpPr>
+        <a:xfrm>
+          <a:off x="0" y="0"/>
+          <a:ext cx="0" cy="0"/>
+          <a:chOff x="0" y="0"/>
+          <a:chExt cx="0" cy="0"/>
+        </a:xfrm>
+      </p:grpSpPr>
+      <p:sp>
+        <p:nvSpPr>
+          <p:cNvPr id="178" name="CustomShape 1"/>
+          <p:cNvSpPr/>
+          <p:nvPr/>
+        </p:nvSpPr>
+        <p:spPr>
+          <a:xfrm>
+            <a:off x="143280" y="1593360"/>
+            <a:ext cx="9412560" cy="1503000"/>
+          </a:xfrm>
+          <a:prstGeom prst="rect">
+            <a:avLst/>
+          </a:prstGeom>
+          <a:noFill/>
+          <a:ln w="9360">
+            <a:solidFill>
+              <a:srgbClr val="ff9900"/>
+            </a:solidFill>
+            <a:round/>
+          </a:ln>
+        </p:spPr>
+        <p:style>
+          <a:lnRef idx="0"/>
+          <a:fillRef idx="0"/>
+          <a:effectRef idx="0"/>
+          <a:fontRef idx="minor"/>
+        </p:style>
+        <p:txBody>
+          <a:bodyPr lIns="90000" rIns="90000" tIns="91440" bIns="91440">
+            <a:noAutofit/>
+          </a:bodyPr>
+          <a:p>
+            <a:pPr>
+              <a:lnSpc>
+                <a:spcPct val="100000"/>
+              </a:lnSpc>
+            </a:pPr>
+            <a:r>
+              <a:rPr b="0" lang="pt-BR" sz="1400" spc="-1" strike="noStrike">
+                <a:solidFill>
+                  <a:srgbClr val="000000"/>
+                </a:solidFill>
+                <a:latin typeface="Arial"/>
+                <a:ea typeface="Arial"/>
+              </a:rPr>
+              <a:t>Nós Operacionais</a:t>
+            </a:r>
+            <a:endParaRPr b="0" lang="pt-BR" sz="1400" spc="-1" strike="noStrike">
+              <a:latin typeface="Arial"/>
+            </a:endParaRPr>
+          </a:p>
+        </p:txBody>
+      </p:sp>
+      <p:sp>
+        <p:nvSpPr>
+          <p:cNvPr id="179" name="CustomShape 2"/>
+          <p:cNvSpPr/>
+          <p:nvPr/>
+        </p:nvSpPr>
+        <p:spPr>
+          <a:xfrm>
+            <a:off x="4033800" y="204840"/>
+            <a:ext cx="1996560" cy="846360"/>
+          </a:xfrm>
+          <a:prstGeom prst="wave">
+            <a:avLst>
+              <a:gd name="adj1" fmla="val 6999"/>
+              <a:gd name="adj2" fmla="val 0"/>
+            </a:avLst>
+          </a:prstGeom>
+          <a:solidFill>
+            <a:srgbClr val="f4cccc"/>
+          </a:solidFill>
+          <a:ln w="9360">
+            <a:solidFill>
+              <a:srgbClr val="ffffff"/>
+            </a:solidFill>
+            <a:round/>
+          </a:ln>
+        </p:spPr>
+        <p:style>
+          <a:lnRef idx="0"/>
+          <a:fillRef idx="0"/>
+          <a:effectRef idx="0"/>
+          <a:fontRef idx="minor"/>
+        </p:style>
+        <p:txBody>
+          <a:bodyPr lIns="90000" rIns="90000" tIns="91440" bIns="91440" anchor="ctr">
+            <a:noAutofit/>
+          </a:bodyPr>
+          <a:p>
+            <a:pPr marL="457200" indent="-287640">
+              <a:lnSpc>
+                <a:spcPct val="100000"/>
+              </a:lnSpc>
+              <a:buClr>
+                <a:srgbClr val="000000"/>
+              </a:buClr>
+              <a:buFont typeface="Arial"/>
+              <a:buChar char="❖"/>
+            </a:pPr>
+            <a:r>
+              <a:rPr b="0" lang="pt-BR" sz="1000" spc="-1" strike="noStrike">
+                <a:solidFill>
+                  <a:srgbClr val="000000"/>
+                </a:solidFill>
+                <a:latin typeface="Arial"/>
+                <a:ea typeface="Arial"/>
+              </a:rPr>
+              <a:t>Trocar produtos</a:t>
+            </a:r>
+            <a:endParaRPr b="0" lang="pt-BR" sz="1000" spc="-1" strike="noStrike">
+              <a:latin typeface="Arial"/>
+            </a:endParaRPr>
+          </a:p>
+        </p:txBody>
+      </p:sp>
+      <p:sp>
+        <p:nvSpPr>
+          <p:cNvPr id="180" name="CustomShape 3"/>
+          <p:cNvSpPr/>
+          <p:nvPr/>
+        </p:nvSpPr>
+        <p:spPr>
+          <a:xfrm>
+            <a:off x="143280" y="3100680"/>
+            <a:ext cx="9412560" cy="1503000"/>
+          </a:xfrm>
+          <a:prstGeom prst="rect">
+            <a:avLst/>
+          </a:prstGeom>
+          <a:noFill/>
+          <a:ln w="9360">
+            <a:solidFill>
+              <a:srgbClr val="ff9900"/>
+            </a:solidFill>
+            <a:round/>
+          </a:ln>
+        </p:spPr>
+        <p:style>
+          <a:lnRef idx="0"/>
+          <a:fillRef idx="0"/>
+          <a:effectRef idx="0"/>
+          <a:fontRef idx="minor"/>
+        </p:style>
+        <p:txBody>
+          <a:bodyPr lIns="90000" rIns="90000" tIns="91440" bIns="91440">
+            <a:noAutofit/>
+          </a:bodyPr>
+          <a:p>
+            <a:pPr>
+              <a:lnSpc>
+                <a:spcPct val="100000"/>
+              </a:lnSpc>
+            </a:pPr>
+            <a:r>
+              <a:rPr b="0" lang="pt-BR" sz="1400" spc="-1" strike="noStrike">
+                <a:solidFill>
+                  <a:srgbClr val="000000"/>
+                </a:solidFill>
+                <a:latin typeface="Arial"/>
+                <a:ea typeface="Arial"/>
+              </a:rPr>
+              <a:t>Capacidades Operacionais</a:t>
+            </a:r>
+            <a:endParaRPr b="0" lang="pt-BR" sz="1400" spc="-1" strike="noStrike">
+              <a:latin typeface="Arial"/>
+            </a:endParaRPr>
+          </a:p>
+        </p:txBody>
+      </p:sp>
+      <p:sp>
+        <p:nvSpPr>
+          <p:cNvPr id="181" name="CustomShape 4"/>
+          <p:cNvSpPr/>
+          <p:nvPr/>
+        </p:nvSpPr>
+        <p:spPr>
+          <a:xfrm>
+            <a:off x="4392000" y="2009160"/>
+            <a:ext cx="1100880" cy="581760"/>
+          </a:xfrm>
+          <a:prstGeom prst="roundRect">
+            <a:avLst>
+              <a:gd name="adj" fmla="val 16667"/>
+            </a:avLst>
+          </a:prstGeom>
+          <a:gradFill rotWithShape="0">
+            <a:gsLst>
+              <a:gs pos="0">
+                <a:srgbClr val="d4e5f5"/>
+              </a:gs>
+              <a:gs pos="100000">
+                <a:srgbClr val="70a4d5"/>
+              </a:gs>
+            </a:gsLst>
+            <a:path path="circle">
+              <a:fillToRect l="50000" t="50000" r="50000" b="50000"/>
+            </a:path>
+          </a:gradFill>
+          <a:ln w="9360">
+            <a:solidFill>
+              <a:srgbClr val="f3f3f3"/>
+            </a:solidFill>
+            <a:round/>
+          </a:ln>
+        </p:spPr>
+        <p:style>
+          <a:lnRef idx="0"/>
+          <a:fillRef idx="0"/>
+          <a:effectRef idx="0"/>
+          <a:fontRef idx="minor"/>
+        </p:style>
+        <p:txBody>
+          <a:bodyPr lIns="90000" rIns="90000" tIns="91440" bIns="91440" anchor="ctr">
+            <a:noAutofit/>
+          </a:bodyPr>
+          <a:p>
+            <a:pPr algn="ctr">
+              <a:lnSpc>
+                <a:spcPct val="100000"/>
+              </a:lnSpc>
+            </a:pPr>
+            <a:r>
+              <a:rPr b="0" lang="pt-BR" sz="1000" spc="-1" strike="noStrike">
+                <a:solidFill>
+                  <a:srgbClr val="000000"/>
+                </a:solidFill>
+                <a:latin typeface="Arial"/>
+                <a:ea typeface="Arial"/>
+              </a:rPr>
+              <a:t>Compras</a:t>
+            </a:r>
+            <a:endParaRPr b="0" lang="pt-BR" sz="1000" spc="-1" strike="noStrike">
+              <a:latin typeface="Arial"/>
+            </a:endParaRPr>
+          </a:p>
+        </p:txBody>
+      </p:sp>
+      <p:sp>
+        <p:nvSpPr>
+          <p:cNvPr id="182" name="CustomShape 5"/>
+          <p:cNvSpPr/>
+          <p:nvPr/>
+        </p:nvSpPr>
+        <p:spPr>
+          <a:xfrm rot="10800000">
+            <a:off x="4967640" y="983520"/>
+            <a:ext cx="360" cy="1025640"/>
+          </a:xfrm>
+          <a:custGeom>
+            <a:avLst/>
+            <a:gdLst/>
+            <a:ahLst/>
+            <a:rect l="l" t="t" r="r" b="b"/>
+            <a:pathLst>
+              <a:path w="21600" h="21600">
+                <a:moveTo>
+                  <a:pt x="0" y="0"/>
+                </a:moveTo>
+                <a:lnTo>
+                  <a:pt x="21600" y="21600"/>
+                </a:lnTo>
+              </a:path>
+            </a:pathLst>
+          </a:custGeom>
+          <a:noFill/>
+          <a:ln w="9360">
+            <a:solidFill>
+              <a:srgbClr val="3465a4"/>
+            </a:solidFill>
+            <a:round/>
+          </a:ln>
+        </p:spPr>
+        <p:style>
+          <a:lnRef idx="0"/>
+          <a:fillRef idx="0"/>
+          <a:effectRef idx="0"/>
+          <a:fontRef idx="minor"/>
+        </p:style>
+      </p:sp>
+      <p:grpSp>
+        <p:nvGrpSpPr>
+          <p:cNvPr id="183" name="Group 6"/>
+          <p:cNvGrpSpPr/>
+          <p:nvPr/>
+        </p:nvGrpSpPr>
+        <p:grpSpPr>
+          <a:xfrm>
+            <a:off x="6936120" y="1888920"/>
+            <a:ext cx="1800720" cy="911520"/>
+            <a:chOff x="6936120" y="1888920"/>
+            <a:chExt cx="1800720" cy="911520"/>
+          </a:xfrm>
+        </p:grpSpPr>
+        <p:grpSp>
+          <p:nvGrpSpPr>
+            <p:cNvPr id="184" name="Group 7"/>
+            <p:cNvGrpSpPr/>
+            <p:nvPr/>
+          </p:nvGrpSpPr>
+          <p:grpSpPr>
+            <a:xfrm>
+              <a:off x="7322040" y="1888920"/>
+              <a:ext cx="345240" cy="648000"/>
+              <a:chOff x="7322040" y="1888920"/>
+              <a:chExt cx="345240" cy="648000"/>
+            </a:xfrm>
+          </p:grpSpPr>
+          <p:sp>
+            <p:nvSpPr>
+              <p:cNvPr id="185" name="CustomShape 8"/>
+              <p:cNvSpPr/>
+              <p:nvPr/>
+            </p:nvSpPr>
+            <p:spPr>
+              <a:xfrm>
+                <a:off x="7393680" y="1888920"/>
+                <a:ext cx="209880" cy="212040"/>
+              </a:xfrm>
+              <a:prstGeom prst="flowChartConnector">
+                <a:avLst/>
+              </a:prstGeom>
+              <a:solidFill>
+                <a:srgbClr val="eeeeee"/>
+              </a:solidFill>
+              <a:ln w="9360">
+                <a:solidFill>
+                  <a:srgbClr val="595959"/>
+                </a:solidFill>
+                <a:round/>
+              </a:ln>
+            </p:spPr>
+            <p:style>
+              <a:lnRef idx="0"/>
+              <a:fillRef idx="0"/>
+              <a:effectRef idx="0"/>
+              <a:fontRef idx="minor"/>
+            </p:style>
+          </p:sp>
+          <p:sp>
+            <p:nvSpPr>
+              <p:cNvPr id="186" name="CustomShape 9"/>
+              <p:cNvSpPr/>
+              <p:nvPr/>
+            </p:nvSpPr>
+            <p:spPr>
+              <a:xfrm flipH="1">
+                <a:off x="7491600" y="2105280"/>
+                <a:ext cx="360" cy="220680"/>
+              </a:xfrm>
+              <a:custGeom>
+                <a:avLst/>
+                <a:gdLst/>
+                <a:ahLst/>
+                <a:rect l="l" t="t" r="r" b="b"/>
+                <a:pathLst>
+                  <a:path w="21600" h="21600">
+                    <a:moveTo>
+                      <a:pt x="0" y="0"/>
+                    </a:moveTo>
+                    <a:lnTo>
+                      <a:pt x="21600" y="21600"/>
+                    </a:lnTo>
+                  </a:path>
+                </a:pathLst>
+              </a:custGeom>
+              <a:noFill/>
+              <a:ln w="9360">
+                <a:solidFill>
+                  <a:srgbClr val="595959"/>
+                </a:solidFill>
+                <a:round/>
+              </a:ln>
+            </p:spPr>
+            <p:style>
+              <a:lnRef idx="0"/>
+              <a:fillRef idx="0"/>
+              <a:effectRef idx="0"/>
+              <a:fontRef idx="minor"/>
+            </p:style>
+          </p:sp>
+          <p:sp>
+            <p:nvSpPr>
+              <p:cNvPr id="187" name="CustomShape 10"/>
+              <p:cNvSpPr/>
+              <p:nvPr/>
+            </p:nvSpPr>
+            <p:spPr>
+              <a:xfrm>
+                <a:off x="7345800" y="2202480"/>
+                <a:ext cx="306000" cy="360"/>
+              </a:xfrm>
+              <a:custGeom>
+                <a:avLst/>
+                <a:gdLst/>
+                <a:ahLst/>
+                <a:rect l="l" t="t" r="r" b="b"/>
+                <a:pathLst>
+                  <a:path w="21600" h="21600">
+                    <a:moveTo>
+                      <a:pt x="0" y="0"/>
+                    </a:moveTo>
+                    <a:lnTo>
+                      <a:pt x="21600" y="21600"/>
+                    </a:lnTo>
+                  </a:path>
+                </a:pathLst>
+              </a:custGeom>
+              <a:noFill/>
+              <a:ln w="9360">
+                <a:solidFill>
+                  <a:srgbClr val="595959"/>
+                </a:solidFill>
+                <a:round/>
+              </a:ln>
+            </p:spPr>
+            <p:style>
+              <a:lnRef idx="0"/>
+              <a:fillRef idx="0"/>
+              <a:effectRef idx="0"/>
+              <a:fontRef idx="minor"/>
+            </p:style>
+          </p:sp>
+          <p:sp>
+            <p:nvSpPr>
+              <p:cNvPr id="188" name="CustomShape 11"/>
+              <p:cNvSpPr/>
+              <p:nvPr/>
+            </p:nvSpPr>
+            <p:spPr>
+              <a:xfrm flipH="1">
+                <a:off x="7322040" y="2328840"/>
+                <a:ext cx="165600" cy="203760"/>
+              </a:xfrm>
+              <a:custGeom>
+                <a:avLst/>
+                <a:gdLst/>
+                <a:ahLst/>
+                <a:rect l="l" t="t" r="r" b="b"/>
+                <a:pathLst>
+                  <a:path w="21600" h="21600">
+                    <a:moveTo>
+                      <a:pt x="0" y="0"/>
+                    </a:moveTo>
+                    <a:lnTo>
+                      <a:pt x="21600" y="21600"/>
+                    </a:lnTo>
+                  </a:path>
+                </a:pathLst>
+              </a:custGeom>
+              <a:noFill/>
+              <a:ln w="9360">
+                <a:solidFill>
+                  <a:srgbClr val="595959"/>
+                </a:solidFill>
+                <a:round/>
+              </a:ln>
+            </p:spPr>
+            <p:style>
+              <a:lnRef idx="0"/>
+              <a:fillRef idx="0"/>
+              <a:effectRef idx="0"/>
+              <a:fontRef idx="minor"/>
+            </p:style>
+          </p:sp>
+          <p:sp>
+            <p:nvSpPr>
+              <p:cNvPr id="189" name="CustomShape 12"/>
+              <p:cNvSpPr/>
+              <p:nvPr/>
+            </p:nvSpPr>
+            <p:spPr>
+              <a:xfrm rot="10800000">
+                <a:off x="7501320" y="2333160"/>
+                <a:ext cx="165960" cy="203760"/>
+              </a:xfrm>
+              <a:custGeom>
+                <a:avLst/>
+                <a:gdLst/>
+                <a:ahLst/>
+                <a:rect l="l" t="t" r="r" b="b"/>
+                <a:pathLst>
+                  <a:path w="21600" h="21600">
+                    <a:moveTo>
+                      <a:pt x="0" y="0"/>
+                    </a:moveTo>
+                    <a:lnTo>
+                      <a:pt x="21600" y="21600"/>
+                    </a:lnTo>
+                  </a:path>
+                </a:pathLst>
+              </a:custGeom>
+              <a:noFill/>
+              <a:ln w="9360">
+                <a:solidFill>
+                  <a:srgbClr val="595959"/>
+                </a:solidFill>
+                <a:round/>
+              </a:ln>
+            </p:spPr>
+            <p:style>
+              <a:lnRef idx="0"/>
+              <a:fillRef idx="0"/>
+              <a:effectRef idx="0"/>
+              <a:fontRef idx="minor"/>
+            </p:style>
+          </p:sp>
+        </p:grpSp>
+        <p:sp>
+          <p:nvSpPr>
+            <p:cNvPr id="190" name="CustomShape 13"/>
+            <p:cNvSpPr/>
+            <p:nvPr/>
+          </p:nvSpPr>
+          <p:spPr>
+            <a:xfrm>
+              <a:off x="6936120" y="2426760"/>
+              <a:ext cx="1800720" cy="373680"/>
+            </a:xfrm>
+            <a:prstGeom prst="rect">
+              <a:avLst/>
+            </a:prstGeom>
+            <a:noFill/>
+            <a:ln>
+              <a:noFill/>
+            </a:ln>
+          </p:spPr>
+          <p:style>
+            <a:lnRef idx="0"/>
+            <a:fillRef idx="0"/>
+            <a:effectRef idx="0"/>
+            <a:fontRef idx="minor"/>
+          </p:style>
+          <p:txBody>
+            <a:bodyPr lIns="90000" rIns="90000" tIns="91440" bIns="91440">
+              <a:noAutofit/>
+            </a:bodyPr>
+            <a:p>
+              <a:pPr algn="ctr">
+                <a:lnSpc>
+                  <a:spcPct val="100000"/>
+                </a:lnSpc>
+              </a:pPr>
+              <a:r>
+                <a:rPr b="1" lang="pt-BR" sz="1200" spc="-1" strike="noStrike">
+                  <a:solidFill>
+                    <a:srgbClr val="000000"/>
+                  </a:solidFill>
+                  <a:latin typeface="Arial"/>
+                  <a:ea typeface="Arial"/>
+                </a:rPr>
+                <a:t>Bares/Lanchonetes</a:t>
+              </a:r>
+              <a:endParaRPr b="0" lang="pt-BR" sz="1200" spc="-1" strike="noStrike">
+                <a:latin typeface="Arial"/>
+              </a:endParaRPr>
+            </a:p>
+          </p:txBody>
+        </p:sp>
+      </p:grpSp>
+      <p:sp>
+        <p:nvSpPr>
+          <p:cNvPr id="191" name="CustomShape 14"/>
+          <p:cNvSpPr/>
+          <p:nvPr/>
+        </p:nvSpPr>
+        <p:spPr>
+          <a:xfrm>
+            <a:off x="6031440" y="565920"/>
+            <a:ext cx="1369800" cy="1360440"/>
+          </a:xfrm>
+          <a:custGeom>
+            <a:avLst/>
+            <a:gdLst/>
+            <a:ahLst/>
+            <a:rect l="l" t="t" r="r" b="b"/>
+            <a:pathLst>
+              <a:path w="21600" h="21600">
+                <a:moveTo>
+                  <a:pt x="0" y="0"/>
+                </a:moveTo>
+                <a:lnTo>
+                  <a:pt x="21600" y="21600"/>
+                </a:lnTo>
+              </a:path>
+            </a:pathLst>
+          </a:custGeom>
+          <a:noFill/>
+          <a:ln w="9360">
+            <a:solidFill>
+              <a:srgbClr val="3465a4"/>
+            </a:solidFill>
+            <a:round/>
+          </a:ln>
+        </p:spPr>
+        <p:style>
+          <a:lnRef idx="0"/>
+          <a:fillRef idx="0"/>
+          <a:effectRef idx="0"/>
+          <a:fontRef idx="minor"/>
+        </p:style>
+      </p:sp>
+      <p:sp>
+        <p:nvSpPr>
+          <p:cNvPr id="192" name="CustomShape 15"/>
+          <p:cNvSpPr/>
+          <p:nvPr/>
+        </p:nvSpPr>
+        <p:spPr>
+          <a:xfrm>
+            <a:off x="4169520" y="3672000"/>
+            <a:ext cx="1728000" cy="545400"/>
+          </a:xfrm>
+          <a:prstGeom prst="bracketPair">
+            <a:avLst>
+              <a:gd name="adj" fmla="val 16667"/>
+            </a:avLst>
+          </a:prstGeom>
+          <a:noFill/>
+          <a:ln w="9360">
+            <a:solidFill>
+              <a:srgbClr val="595959"/>
+            </a:solidFill>
+            <a:round/>
+          </a:ln>
+        </p:spPr>
+        <p:style>
+          <a:lnRef idx="0"/>
+          <a:fillRef idx="0"/>
+          <a:effectRef idx="0"/>
+          <a:fontRef idx="minor"/>
+        </p:style>
+      </p:sp>
+      <p:sp>
+        <p:nvSpPr>
+          <p:cNvPr id="193" name="CustomShape 16"/>
+          <p:cNvSpPr/>
+          <p:nvPr/>
+        </p:nvSpPr>
+        <p:spPr>
+          <a:xfrm>
+            <a:off x="4968000" y="2590920"/>
+            <a:ext cx="360" cy="1081080"/>
+          </a:xfrm>
+          <a:custGeom>
+            <a:avLst/>
+            <a:gdLst/>
+            <a:ahLst/>
+            <a:rect l="l" t="t" r="r" b="b"/>
+            <a:pathLst>
+              <a:path w="21600" h="21600">
+                <a:moveTo>
+                  <a:pt x="0" y="0"/>
+                </a:moveTo>
+                <a:lnTo>
+                  <a:pt x="21600" y="21600"/>
+                </a:lnTo>
+              </a:path>
+            </a:pathLst>
+          </a:custGeom>
+          <a:noFill/>
+          <a:ln w="9360">
+            <a:solidFill>
+              <a:srgbClr val="3465a4"/>
+            </a:solidFill>
+            <a:round/>
+          </a:ln>
+        </p:spPr>
+        <p:style>
+          <a:lnRef idx="0"/>
+          <a:fillRef idx="0"/>
+          <a:effectRef idx="0"/>
+          <a:fontRef idx="minor"/>
+        </p:style>
+      </p:sp>
+    </p:spTree>
+  </p:cSld>
+  <mc:AlternateContent>
+    <mc:Choice Requires="p14">
+      <p:transition spd="slow" p14:dur="2000"/>
+    </mc:Choice>
+    <mc:Fallback>
+      <p:transition spd="slow"/>
+    </mc:Fallback>
+  </mc:AlternateContent>
+</p:sld>
+</file>
+
+<file path=ppt/slides/slide5.xml><?xml version="1.0" encoding="utf-8"?>
+<p:sld xmlns:a="http://schemas.openxmlformats.org/drawingml/2006/main" xmlns:p="http://schemas.openxmlformats.org/presentationml/2006/main" xmlns:r="http://schemas.openxmlformats.org/officeDocument/2006/relationships" xmlns:p14="http://schemas.microsoft.com/office/powerpoint/2010/main" xmlns:p15="http://schemas.microsoft.com/office/powerpoint/2012/main" xmlns:mc="http://schemas.openxmlformats.org/markup-compatibility/2006">
+  <p:cSld>
+    <p:spTree>
+      <p:nvGrpSpPr>
+        <p:cNvPr id="1" name=""/>
+        <p:cNvGrpSpPr/>
+        <p:nvPr/>
+      </p:nvGrpSpPr>
+      <p:grpSpPr>
+        <a:xfrm>
+          <a:off x="0" y="0"/>
+          <a:ext cx="0" cy="0"/>
+          <a:chOff x="0" y="0"/>
+          <a:chExt cx="0" cy="0"/>
+        </a:xfrm>
+      </p:grpSpPr>
+      <p:sp>
+        <p:nvSpPr>
+          <p:cNvPr id="194" name="CustomShape 1"/>
+          <p:cNvSpPr/>
+          <p:nvPr/>
+        </p:nvSpPr>
+        <p:spPr>
+          <a:xfrm>
+            <a:off x="143280" y="1593360"/>
+            <a:ext cx="9412560" cy="1503000"/>
+          </a:xfrm>
+          <a:prstGeom prst="rect">
+            <a:avLst/>
+          </a:prstGeom>
+          <a:noFill/>
+          <a:ln w="9360">
+            <a:solidFill>
+              <a:srgbClr val="ff9900"/>
+            </a:solidFill>
+            <a:round/>
+          </a:ln>
+        </p:spPr>
+        <p:style>
+          <a:lnRef idx="0"/>
+          <a:fillRef idx="0"/>
+          <a:effectRef idx="0"/>
+          <a:fontRef idx="minor"/>
+        </p:style>
+        <p:txBody>
+          <a:bodyPr lIns="90000" rIns="90000" tIns="91440" bIns="91440">
+            <a:noAutofit/>
+          </a:bodyPr>
+          <a:p>
+            <a:pPr>
+              <a:lnSpc>
+                <a:spcPct val="100000"/>
+              </a:lnSpc>
+            </a:pPr>
+            <a:r>
+              <a:rPr b="0" lang="pt-BR" sz="1400" spc="-1" strike="noStrike">
+                <a:solidFill>
+                  <a:srgbClr val="000000"/>
+                </a:solidFill>
+                <a:latin typeface="Arial"/>
+                <a:ea typeface="Arial"/>
+              </a:rPr>
+              <a:t>Nós Operacionais</a:t>
+            </a:r>
+            <a:endParaRPr b="0" lang="pt-BR" sz="1400" spc="-1" strike="noStrike">
+              <a:latin typeface="Arial"/>
+            </a:endParaRPr>
+          </a:p>
+        </p:txBody>
+      </p:sp>
+      <p:sp>
+        <p:nvSpPr>
+          <p:cNvPr id="195" name="CustomShape 2"/>
+          <p:cNvSpPr/>
+          <p:nvPr/>
+        </p:nvSpPr>
+        <p:spPr>
+          <a:xfrm>
+            <a:off x="4033800" y="204840"/>
+            <a:ext cx="1996560" cy="846360"/>
+          </a:xfrm>
+          <a:prstGeom prst="wave">
+            <a:avLst>
+              <a:gd name="adj1" fmla="val 6999"/>
+              <a:gd name="adj2" fmla="val 0"/>
+            </a:avLst>
+          </a:prstGeom>
+          <a:solidFill>
+            <a:srgbClr val="f4cccc"/>
+          </a:solidFill>
+          <a:ln w="9360">
+            <a:solidFill>
+              <a:srgbClr val="ffffff"/>
+            </a:solidFill>
+            <a:round/>
+          </a:ln>
+        </p:spPr>
+        <p:style>
+          <a:lnRef idx="0"/>
+          <a:fillRef idx="0"/>
+          <a:effectRef idx="0"/>
+          <a:fontRef idx="minor"/>
+        </p:style>
+        <p:txBody>
+          <a:bodyPr lIns="90000" rIns="90000" tIns="91440" bIns="91440" anchor="ctr">
+            <a:noAutofit/>
+          </a:bodyPr>
+          <a:p>
+            <a:pPr marL="457200" indent="-287640">
+              <a:lnSpc>
+                <a:spcPct val="100000"/>
+              </a:lnSpc>
+              <a:buClr>
+                <a:srgbClr val="000000"/>
+              </a:buClr>
+              <a:buFont typeface="Arial"/>
+              <a:buChar char="❖"/>
+            </a:pPr>
+            <a:r>
+              <a:rPr b="0" lang="pt-BR" sz="1000" spc="-1" strike="noStrike">
+                <a:solidFill>
+                  <a:srgbClr val="000000"/>
+                </a:solidFill>
+                <a:latin typeface="Arial"/>
+                <a:ea typeface="Arial"/>
+              </a:rPr>
+              <a:t>Realizar contabilidade </a:t>
+            </a:r>
+            <a:endParaRPr b="0" lang="pt-BR" sz="1000" spc="-1" strike="noStrike">
+              <a:latin typeface="Arial"/>
+            </a:endParaRPr>
+          </a:p>
+        </p:txBody>
+      </p:sp>
+      <p:grpSp>
+        <p:nvGrpSpPr>
+          <p:cNvPr id="196" name="Group 3"/>
+          <p:cNvGrpSpPr/>
+          <p:nvPr/>
+        </p:nvGrpSpPr>
+        <p:grpSpPr>
+          <a:xfrm>
+            <a:off x="1637280" y="2081520"/>
+            <a:ext cx="1121400" cy="911520"/>
+            <a:chOff x="1637280" y="2081520"/>
+            <a:chExt cx="1121400" cy="911520"/>
+          </a:xfrm>
+        </p:grpSpPr>
+        <p:grpSp>
+          <p:nvGrpSpPr>
+            <p:cNvPr id="197" name="Group 4"/>
+            <p:cNvGrpSpPr/>
+            <p:nvPr/>
+          </p:nvGrpSpPr>
+          <p:grpSpPr>
+            <a:xfrm>
+              <a:off x="2023200" y="2081520"/>
+              <a:ext cx="345240" cy="648000"/>
+              <a:chOff x="2023200" y="2081520"/>
+              <a:chExt cx="345240" cy="648000"/>
+            </a:xfrm>
+          </p:grpSpPr>
+          <p:sp>
+            <p:nvSpPr>
+              <p:cNvPr id="198" name="CustomShape 5"/>
+              <p:cNvSpPr/>
+              <p:nvPr/>
+            </p:nvSpPr>
+            <p:spPr>
+              <a:xfrm>
+                <a:off x="2094840" y="2081520"/>
+                <a:ext cx="209880" cy="212040"/>
+              </a:xfrm>
+              <a:prstGeom prst="flowChartConnector">
+                <a:avLst/>
+              </a:prstGeom>
+              <a:solidFill>
+                <a:srgbClr val="eeeeee"/>
+              </a:solidFill>
+              <a:ln w="9360">
+                <a:solidFill>
+                  <a:srgbClr val="595959"/>
+                </a:solidFill>
+                <a:round/>
+              </a:ln>
+            </p:spPr>
+            <p:style>
+              <a:lnRef idx="0"/>
+              <a:fillRef idx="0"/>
+              <a:effectRef idx="0"/>
+              <a:fontRef idx="minor"/>
+            </p:style>
+          </p:sp>
+          <p:sp>
+            <p:nvSpPr>
+              <p:cNvPr id="199" name="CustomShape 6"/>
+              <p:cNvSpPr/>
+              <p:nvPr/>
+            </p:nvSpPr>
+            <p:spPr>
+              <a:xfrm flipH="1">
+                <a:off x="2192760" y="2297880"/>
+                <a:ext cx="360" cy="220680"/>
+              </a:xfrm>
+              <a:custGeom>
+                <a:avLst/>
+                <a:gdLst/>
+                <a:ahLst/>
+                <a:rect l="l" t="t" r="r" b="b"/>
+                <a:pathLst>
+                  <a:path w="21600" h="21600">
+                    <a:moveTo>
+                      <a:pt x="0" y="0"/>
+                    </a:moveTo>
+                    <a:lnTo>
+                      <a:pt x="21600" y="21600"/>
+                    </a:lnTo>
+                  </a:path>
+                </a:pathLst>
+              </a:custGeom>
+              <a:noFill/>
+              <a:ln w="9360">
+                <a:solidFill>
+                  <a:srgbClr val="595959"/>
+                </a:solidFill>
+                <a:round/>
+              </a:ln>
+            </p:spPr>
+            <p:style>
+              <a:lnRef idx="0"/>
+              <a:fillRef idx="0"/>
+              <a:effectRef idx="0"/>
+              <a:fontRef idx="minor"/>
+            </p:style>
+          </p:sp>
+          <p:sp>
+            <p:nvSpPr>
+              <p:cNvPr id="200" name="CustomShape 7"/>
+              <p:cNvSpPr/>
+              <p:nvPr/>
+            </p:nvSpPr>
+            <p:spPr>
+              <a:xfrm>
+                <a:off x="2046960" y="2395080"/>
+                <a:ext cx="306000" cy="360"/>
+              </a:xfrm>
+              <a:custGeom>
+                <a:avLst/>
+                <a:gdLst/>
+                <a:ahLst/>
+                <a:rect l="l" t="t" r="r" b="b"/>
+                <a:pathLst>
+                  <a:path w="21600" h="21600">
+                    <a:moveTo>
+                      <a:pt x="0" y="0"/>
+                    </a:moveTo>
+                    <a:lnTo>
+                      <a:pt x="21600" y="21600"/>
+                    </a:lnTo>
+                  </a:path>
+                </a:pathLst>
+              </a:custGeom>
+              <a:noFill/>
+              <a:ln w="9360">
+                <a:solidFill>
+                  <a:srgbClr val="595959"/>
+                </a:solidFill>
+                <a:round/>
+              </a:ln>
+            </p:spPr>
+            <p:style>
+              <a:lnRef idx="0"/>
+              <a:fillRef idx="0"/>
+              <a:effectRef idx="0"/>
+              <a:fontRef idx="minor"/>
+            </p:style>
+          </p:sp>
+          <p:sp>
+            <p:nvSpPr>
+              <p:cNvPr id="201" name="CustomShape 8"/>
+              <p:cNvSpPr/>
+              <p:nvPr/>
+            </p:nvSpPr>
+            <p:spPr>
+              <a:xfrm flipH="1">
+                <a:off x="2023200" y="2521440"/>
+                <a:ext cx="165600" cy="203760"/>
+              </a:xfrm>
+              <a:custGeom>
+                <a:avLst/>
+                <a:gdLst/>
+                <a:ahLst/>
+                <a:rect l="l" t="t" r="r" b="b"/>
+                <a:pathLst>
+                  <a:path w="21600" h="21600">
+                    <a:moveTo>
+                      <a:pt x="0" y="0"/>
+                    </a:moveTo>
+                    <a:lnTo>
+                      <a:pt x="21600" y="21600"/>
+                    </a:lnTo>
+                  </a:path>
+                </a:pathLst>
+              </a:custGeom>
+              <a:noFill/>
+              <a:ln w="9360">
+                <a:solidFill>
+                  <a:srgbClr val="595959"/>
+                </a:solidFill>
+                <a:round/>
+              </a:ln>
+            </p:spPr>
+            <p:style>
+              <a:lnRef idx="0"/>
+              <a:fillRef idx="0"/>
+              <a:effectRef idx="0"/>
+              <a:fontRef idx="minor"/>
+            </p:style>
+          </p:sp>
+          <p:sp>
+            <p:nvSpPr>
+              <p:cNvPr id="202" name="CustomShape 9"/>
+              <p:cNvSpPr/>
+              <p:nvPr/>
+            </p:nvSpPr>
+            <p:spPr>
+              <a:xfrm rot="10800000">
+                <a:off x="2202480" y="2525760"/>
+                <a:ext cx="165960" cy="203760"/>
+              </a:xfrm>
+              <a:custGeom>
+                <a:avLst/>
+                <a:gdLst/>
+                <a:ahLst/>
+                <a:rect l="l" t="t" r="r" b="b"/>
+                <a:pathLst>
+                  <a:path w="21600" h="21600">
+                    <a:moveTo>
+                      <a:pt x="0" y="0"/>
+                    </a:moveTo>
+                    <a:lnTo>
+                      <a:pt x="21600" y="21600"/>
+                    </a:lnTo>
+                  </a:path>
+                </a:pathLst>
+              </a:custGeom>
+              <a:noFill/>
+              <a:ln w="9360">
+                <a:solidFill>
+                  <a:srgbClr val="595959"/>
+                </a:solidFill>
+                <a:round/>
+              </a:ln>
+            </p:spPr>
+            <p:style>
+              <a:lnRef idx="0"/>
+              <a:fillRef idx="0"/>
+              <a:effectRef idx="0"/>
+              <a:fontRef idx="minor"/>
+            </p:style>
+          </p:sp>
+        </p:grpSp>
+        <p:sp>
+          <p:nvSpPr>
+            <p:cNvPr id="203" name="CustomShape 10"/>
             <p:cNvSpPr/>
             <p:nvPr/>
           </p:nvSpPr>
           <p:spPr>
             <a:xfrm>
               <a:off x="1637280" y="2619360"/>
-              <a:ext cx="1122120" cy="374400"/>
+              <a:ext cx="1121400" cy="373680"/>
             </a:xfrm>
             <a:prstGeom prst="rect">
               <a:avLst/>
@@ -7558,14 +8844,14 @@
       </p:grpSp>
       <p:sp>
         <p:nvSpPr>
-          <p:cNvPr id="163" name="CustomShape 11"/>
+          <p:cNvPr id="204" name="CustomShape 11"/>
           <p:cNvSpPr/>
           <p:nvPr/>
         </p:nvSpPr>
         <p:spPr>
           <a:xfrm>
             <a:off x="143280" y="3100680"/>
-            <a:ext cx="9413280" cy="1503720"/>
+            <a:ext cx="9412560" cy="1503000"/>
           </a:xfrm>
           <a:prstGeom prst="rect">
             <a:avLst/>
@@ -7612,14 +8898,14 @@
       </p:sp>
       <p:sp>
         <p:nvSpPr>
-          <p:cNvPr id="164" name="CustomShape 12"/>
+          <p:cNvPr id="205" name="CustomShape 12"/>
           <p:cNvSpPr/>
           <p:nvPr/>
         </p:nvSpPr>
         <p:spPr>
           <a:xfrm>
             <a:off x="3826800" y="3456000"/>
-            <a:ext cx="2580840" cy="847440"/>
+            <a:ext cx="2580120" cy="846720"/>
           </a:xfrm>
           <a:prstGeom prst="bracketPair">
             <a:avLst>
@@ -7645,7 +8931,7 @@
             <a:noAutofit/>
           </a:bodyPr>
           <a:p>
-            <a:pPr marL="457200" indent="-291600">
+            <a:pPr marL="457200" indent="-290880">
               <a:lnSpc>
                 <a:spcPct val="100000"/>
               </a:lnSpc>
@@ -7670,7 +8956,7 @@
             </a:endParaRPr>
           </a:p>
           <a:p>
-            <a:pPr marL="457200" indent="-288360">
+            <a:pPr marL="457200" indent="-287640">
               <a:lnSpc>
                 <a:spcPct val="100000"/>
               </a:lnSpc>
@@ -7698,14 +8984,14 @@
       </p:sp>
       <p:sp>
         <p:nvSpPr>
-          <p:cNvPr id="165" name="CustomShape 13"/>
+          <p:cNvPr id="206" name="CustomShape 13"/>
           <p:cNvSpPr/>
           <p:nvPr/>
         </p:nvSpPr>
         <p:spPr>
           <a:xfrm>
             <a:off x="4442040" y="2009160"/>
-            <a:ext cx="1101600" cy="582480"/>
+            <a:ext cx="1100880" cy="581760"/>
           </a:xfrm>
           <a:prstGeom prst="roundRect">
             <a:avLst>
@@ -7766,14 +9052,14 @@
       </p:sp>
       <p:sp>
         <p:nvSpPr>
-          <p:cNvPr id="166" name="CustomShape 14"/>
+          <p:cNvPr id="207" name="CustomShape 14"/>
           <p:cNvSpPr/>
           <p:nvPr/>
         </p:nvSpPr>
         <p:spPr>
           <a:xfrm rot="16200000">
-            <a:off x="2369520" y="779400"/>
-            <a:ext cx="1814400" cy="1513440"/>
+            <a:off x="2369520" y="780120"/>
+            <a:ext cx="1813680" cy="1512720"/>
           </a:xfrm>
           <a:prstGeom prst="curvedConnector2">
             <a:avLst/>
@@ -7795,14 +9081,14 @@
       </p:sp>
       <p:sp>
         <p:nvSpPr>
-          <p:cNvPr id="167" name="CustomShape 15"/>
+          <p:cNvPr id="208" name="CustomShape 15"/>
           <p:cNvSpPr/>
           <p:nvPr/>
         </p:nvSpPr>
         <p:spPr>
           <a:xfrm rot="10800000">
-            <a:off x="5031360" y="1008360"/>
-            <a:ext cx="7920" cy="1012680"/>
+            <a:off x="5032080" y="1009080"/>
+            <a:ext cx="7200" cy="1011960"/>
           </a:xfrm>
           <a:custGeom>
             <a:avLst/>
@@ -7837,14 +9123,14 @@
       </p:sp>
       <p:sp>
         <p:nvSpPr>
-          <p:cNvPr id="168" name="CustomShape 16"/>
+          <p:cNvPr id="209" name="CustomShape 16"/>
           <p:cNvSpPr/>
           <p:nvPr/>
         </p:nvSpPr>
         <p:spPr>
           <a:xfrm flipH="1" rot="10800000">
-            <a:off x="5039280" y="2592360"/>
-            <a:ext cx="360" cy="791640"/>
+            <a:off x="5037840" y="2593080"/>
+            <a:ext cx="360" cy="790920"/>
           </a:xfrm>
           <a:custGeom>
             <a:avLst/>
@@ -7862,6 +9148,315 @@
               </a:path>
             </a:pathLst>
           </a:custGeom>
+          <a:noFill/>
+          <a:ln w="9360">
+            <a:solidFill>
+              <a:srgbClr val="3465a4"/>
+            </a:solidFill>
+            <a:round/>
+          </a:ln>
+        </p:spPr>
+        <p:style>
+          <a:lnRef idx="0"/>
+          <a:fillRef idx="0"/>
+          <a:effectRef idx="0"/>
+          <a:fontRef idx="minor"/>
+        </p:style>
+      </p:sp>
+      <p:grpSp>
+        <p:nvGrpSpPr>
+          <p:cNvPr id="210" name="Group 17"/>
+          <p:cNvGrpSpPr/>
+          <p:nvPr/>
+        </p:nvGrpSpPr>
+        <p:grpSpPr>
+          <a:xfrm>
+            <a:off x="6840720" y="2009160"/>
+            <a:ext cx="1121400" cy="911520"/>
+            <a:chOff x="6840720" y="2009160"/>
+            <a:chExt cx="1121400" cy="911520"/>
+          </a:xfrm>
+        </p:grpSpPr>
+        <p:grpSp>
+          <p:nvGrpSpPr>
+            <p:cNvPr id="211" name="Group 18"/>
+            <p:cNvGrpSpPr/>
+            <p:nvPr/>
+          </p:nvGrpSpPr>
+          <p:grpSpPr>
+            <a:xfrm>
+              <a:off x="7226640" y="2009160"/>
+              <a:ext cx="345240" cy="648000"/>
+              <a:chOff x="7226640" y="2009160"/>
+              <a:chExt cx="345240" cy="648000"/>
+            </a:xfrm>
+          </p:grpSpPr>
+          <p:sp>
+            <p:nvSpPr>
+              <p:cNvPr id="212" name="CustomShape 19"/>
+              <p:cNvSpPr/>
+              <p:nvPr/>
+            </p:nvSpPr>
+            <p:spPr>
+              <a:xfrm>
+                <a:off x="7298280" y="2009160"/>
+                <a:ext cx="209880" cy="212040"/>
+              </a:xfrm>
+              <a:prstGeom prst="flowChartConnector">
+                <a:avLst/>
+              </a:prstGeom>
+              <a:solidFill>
+                <a:srgbClr val="eeeeee"/>
+              </a:solidFill>
+              <a:ln w="9360">
+                <a:solidFill>
+                  <a:srgbClr val="595959"/>
+                </a:solidFill>
+                <a:round/>
+              </a:ln>
+            </p:spPr>
+            <p:style>
+              <a:lnRef idx="0"/>
+              <a:fillRef idx="0"/>
+              <a:effectRef idx="0"/>
+              <a:fontRef idx="minor"/>
+            </p:style>
+          </p:sp>
+          <p:sp>
+            <p:nvSpPr>
+              <p:cNvPr id="213" name="CustomShape 20"/>
+              <p:cNvSpPr/>
+              <p:nvPr/>
+            </p:nvSpPr>
+            <p:spPr>
+              <a:xfrm flipH="1">
+                <a:off x="7396200" y="2225520"/>
+                <a:ext cx="360" cy="220680"/>
+              </a:xfrm>
+              <a:custGeom>
+                <a:avLst/>
+                <a:gdLst/>
+                <a:ahLst/>
+                <a:rect l="l" t="t" r="r" b="b"/>
+                <a:pathLst>
+                  <a:path w="21600" h="21600">
+                    <a:moveTo>
+                      <a:pt x="0" y="0"/>
+                    </a:moveTo>
+                    <a:lnTo>
+                      <a:pt x="21600" y="21600"/>
+                    </a:lnTo>
+                  </a:path>
+                </a:pathLst>
+              </a:custGeom>
+              <a:noFill/>
+              <a:ln w="9360">
+                <a:solidFill>
+                  <a:srgbClr val="595959"/>
+                </a:solidFill>
+                <a:round/>
+              </a:ln>
+            </p:spPr>
+            <p:style>
+              <a:lnRef idx="0"/>
+              <a:fillRef idx="0"/>
+              <a:effectRef idx="0"/>
+              <a:fontRef idx="minor"/>
+            </p:style>
+          </p:sp>
+          <p:sp>
+            <p:nvSpPr>
+              <p:cNvPr id="214" name="CustomShape 21"/>
+              <p:cNvSpPr/>
+              <p:nvPr/>
+            </p:nvSpPr>
+            <p:spPr>
+              <a:xfrm>
+                <a:off x="7250400" y="2322720"/>
+                <a:ext cx="306000" cy="360"/>
+              </a:xfrm>
+              <a:custGeom>
+                <a:avLst/>
+                <a:gdLst/>
+                <a:ahLst/>
+                <a:rect l="l" t="t" r="r" b="b"/>
+                <a:pathLst>
+                  <a:path w="21600" h="21600">
+                    <a:moveTo>
+                      <a:pt x="0" y="0"/>
+                    </a:moveTo>
+                    <a:lnTo>
+                      <a:pt x="21600" y="21600"/>
+                    </a:lnTo>
+                  </a:path>
+                </a:pathLst>
+              </a:custGeom>
+              <a:noFill/>
+              <a:ln w="9360">
+                <a:solidFill>
+                  <a:srgbClr val="595959"/>
+                </a:solidFill>
+                <a:round/>
+              </a:ln>
+            </p:spPr>
+            <p:style>
+              <a:lnRef idx="0"/>
+              <a:fillRef idx="0"/>
+              <a:effectRef idx="0"/>
+              <a:fontRef idx="minor"/>
+            </p:style>
+          </p:sp>
+          <p:sp>
+            <p:nvSpPr>
+              <p:cNvPr id="215" name="CustomShape 22"/>
+              <p:cNvSpPr/>
+              <p:nvPr/>
+            </p:nvSpPr>
+            <p:spPr>
+              <a:xfrm flipH="1">
+                <a:off x="7226640" y="2449080"/>
+                <a:ext cx="165600" cy="203760"/>
+              </a:xfrm>
+              <a:custGeom>
+                <a:avLst/>
+                <a:gdLst/>
+                <a:ahLst/>
+                <a:rect l="l" t="t" r="r" b="b"/>
+                <a:pathLst>
+                  <a:path w="21600" h="21600">
+                    <a:moveTo>
+                      <a:pt x="0" y="0"/>
+                    </a:moveTo>
+                    <a:lnTo>
+                      <a:pt x="21600" y="21600"/>
+                    </a:lnTo>
+                  </a:path>
+                </a:pathLst>
+              </a:custGeom>
+              <a:noFill/>
+              <a:ln w="9360">
+                <a:solidFill>
+                  <a:srgbClr val="595959"/>
+                </a:solidFill>
+                <a:round/>
+              </a:ln>
+            </p:spPr>
+            <p:style>
+              <a:lnRef idx="0"/>
+              <a:fillRef idx="0"/>
+              <a:effectRef idx="0"/>
+              <a:fontRef idx="minor"/>
+            </p:style>
+          </p:sp>
+          <p:sp>
+            <p:nvSpPr>
+              <p:cNvPr id="216" name="CustomShape 23"/>
+              <p:cNvSpPr/>
+              <p:nvPr/>
+            </p:nvSpPr>
+            <p:spPr>
+              <a:xfrm rot="10800000">
+                <a:off x="7405920" y="2453400"/>
+                <a:ext cx="165960" cy="203760"/>
+              </a:xfrm>
+              <a:custGeom>
+                <a:avLst/>
+                <a:gdLst/>
+                <a:ahLst/>
+                <a:rect l="l" t="t" r="r" b="b"/>
+                <a:pathLst>
+                  <a:path w="21600" h="21600">
+                    <a:moveTo>
+                      <a:pt x="0" y="0"/>
+                    </a:moveTo>
+                    <a:lnTo>
+                      <a:pt x="21600" y="21600"/>
+                    </a:lnTo>
+                  </a:path>
+                </a:pathLst>
+              </a:custGeom>
+              <a:noFill/>
+              <a:ln w="9360">
+                <a:solidFill>
+                  <a:srgbClr val="595959"/>
+                </a:solidFill>
+                <a:round/>
+              </a:ln>
+            </p:spPr>
+            <p:style>
+              <a:lnRef idx="0"/>
+              <a:fillRef idx="0"/>
+              <a:effectRef idx="0"/>
+              <a:fontRef idx="minor"/>
+            </p:style>
+          </p:sp>
+        </p:grpSp>
+        <p:sp>
+          <p:nvSpPr>
+            <p:cNvPr id="217" name="CustomShape 24"/>
+            <p:cNvSpPr/>
+            <p:nvPr/>
+          </p:nvSpPr>
+          <p:spPr>
+            <a:xfrm>
+              <a:off x="6840720" y="2547000"/>
+              <a:ext cx="1121400" cy="373680"/>
+            </a:xfrm>
+            <a:prstGeom prst="rect">
+              <a:avLst/>
+            </a:prstGeom>
+            <a:noFill/>
+            <a:ln>
+              <a:noFill/>
+            </a:ln>
+          </p:spPr>
+          <p:style>
+            <a:lnRef idx="0"/>
+            <a:fillRef idx="0"/>
+            <a:effectRef idx="0"/>
+            <a:fontRef idx="minor"/>
+          </p:style>
+          <p:txBody>
+            <a:bodyPr lIns="90000" rIns="90000" tIns="91440" bIns="91440">
+              <a:noAutofit/>
+            </a:bodyPr>
+            <a:p>
+              <a:pPr algn="ctr">
+                <a:lnSpc>
+                  <a:spcPct val="100000"/>
+                </a:lnSpc>
+              </a:pPr>
+              <a:r>
+                <a:rPr b="1" lang="pt-BR" sz="1200" spc="-1" strike="noStrike">
+                  <a:solidFill>
+                    <a:srgbClr val="000000"/>
+                  </a:solidFill>
+                  <a:latin typeface="Arial"/>
+                  <a:ea typeface="Arial"/>
+                </a:rPr>
+                <a:t>Outros bares</a:t>
+              </a:r>
+              <a:endParaRPr b="0" lang="pt-BR" sz="1200" spc="-1" strike="noStrike">
+                <a:latin typeface="Arial"/>
+              </a:endParaRPr>
+            </a:p>
+          </p:txBody>
+        </p:sp>
+      </p:grpSp>
+      <p:sp>
+        <p:nvSpPr>
+          <p:cNvPr id="218" name="CustomShape 25"/>
+          <p:cNvSpPr/>
+          <p:nvPr/>
+        </p:nvSpPr>
+        <p:spPr>
+          <a:xfrm>
+            <a:off x="6031080" y="628560"/>
+            <a:ext cx="1371960" cy="1380240"/>
+          </a:xfrm>
+          <a:prstGeom prst="curvedConnector2">
+            <a:avLst/>
+          </a:prstGeom>
           <a:noFill/>
           <a:ln w="9360">
             <a:solidFill>

--- a/docs/ARTEFATOS(15-23)/Arquitetura_Negócio/15) Arquitetura de Negócio para cada Cenário.pptx
+++ b/docs/ARTEFATOS(15-23)/Arquitetura_Negócio/15) Arquitetura de Negócio para cada Cenário.pptx
@@ -3275,7 +3275,7 @@
         <p:spPr>
           <a:xfrm>
             <a:off x="4033800" y="204840"/>
-            <a:ext cx="1996560" cy="846360"/>
+            <a:ext cx="1996200" cy="846000"/>
           </a:xfrm>
           <a:prstGeom prst="wave">
             <a:avLst>
@@ -3334,7 +3334,7 @@
         <p:spPr>
           <a:xfrm>
             <a:off x="2654280" y="2880000"/>
-            <a:ext cx="1375200" cy="581760"/>
+            <a:ext cx="1374840" cy="581400"/>
           </a:xfrm>
           <a:prstGeom prst="roundRect">
             <a:avLst>
@@ -3402,9 +3402,9 @@
         <p:grpSpPr>
           <a:xfrm>
             <a:off x="27360" y="2736000"/>
-            <a:ext cx="1121400" cy="911160"/>
+            <a:ext cx="1121040" cy="910800"/>
             <a:chOff x="27360" y="2736000"/>
-            <a:chExt cx="1121400" cy="911160"/>
+            <a:chExt cx="1121040" cy="910800"/>
           </a:xfrm>
         </p:grpSpPr>
         <p:grpSp>
@@ -3415,10 +3415,10 @@
           </p:nvGrpSpPr>
           <p:grpSpPr>
             <a:xfrm>
-              <a:off x="413280" y="2736000"/>
-              <a:ext cx="345240" cy="648000"/>
-              <a:chOff x="413280" y="2736000"/>
-              <a:chExt cx="345240" cy="648000"/>
+              <a:off x="412920" y="2736000"/>
+              <a:ext cx="345600" cy="648000"/>
+              <a:chOff x="412920" y="2736000"/>
+              <a:chExt cx="345600" cy="648000"/>
             </a:xfrm>
           </p:grpSpPr>
           <p:sp>
@@ -3430,7 +3430,7 @@
             <p:spPr>
               <a:xfrm>
                 <a:off x="484920" y="2736000"/>
-                <a:ext cx="209880" cy="212040"/>
+                <a:ext cx="209520" cy="211680"/>
               </a:xfrm>
               <a:prstGeom prst="flowChartConnector">
                 <a:avLst/>
@@ -3460,8 +3460,8 @@
             </p:nvSpPr>
             <p:spPr>
               <a:xfrm flipH="1">
-                <a:off x="582840" y="2952000"/>
-                <a:ext cx="360" cy="220680"/>
+                <a:off x="582120" y="2952000"/>
+                <a:ext cx="360" cy="220320"/>
               </a:xfrm>
               <a:custGeom>
                 <a:avLst/>
@@ -3503,7 +3503,7 @@
             <p:spPr>
               <a:xfrm>
                 <a:off x="437040" y="3049200"/>
-                <a:ext cx="306000" cy="360"/>
+                <a:ext cx="305640" cy="360"/>
               </a:xfrm>
               <a:custGeom>
                 <a:avLst/>
@@ -3544,8 +3544,8 @@
             </p:nvSpPr>
             <p:spPr>
               <a:xfrm flipH="1">
-                <a:off x="413280" y="3175560"/>
-                <a:ext cx="165600" cy="203760"/>
+                <a:off x="412560" y="3175560"/>
+                <a:ext cx="165240" cy="203400"/>
               </a:xfrm>
               <a:custGeom>
                 <a:avLst/>
@@ -3586,8 +3586,8 @@
             </p:nvSpPr>
             <p:spPr>
               <a:xfrm rot="10800000">
-                <a:off x="592560" y="3180240"/>
-                <a:ext cx="165960" cy="203760"/>
+                <a:off x="592920" y="3180600"/>
+                <a:ext cx="165600" cy="203400"/>
               </a:xfrm>
               <a:custGeom>
                 <a:avLst/>
@@ -3630,7 +3630,7 @@
           <p:spPr>
             <a:xfrm>
               <a:off x="27360" y="3273480"/>
-              <a:ext cx="1121400" cy="373680"/>
+              <a:ext cx="1121040" cy="373320"/>
             </a:xfrm>
             <a:prstGeom prst="rect">
               <a:avLst/>
@@ -3682,7 +3682,7 @@
         <p:spPr>
           <a:xfrm>
             <a:off x="2417040" y="1584000"/>
-            <a:ext cx="3340440" cy="1229040"/>
+            <a:ext cx="3340080" cy="1228680"/>
           </a:xfrm>
           <a:prstGeom prst="rect">
             <a:avLst/>
@@ -3703,7 +3703,7 @@
             <a:noAutofit/>
           </a:bodyPr>
           <a:p>
-            <a:pPr marL="457200" indent="-294120">
+            <a:pPr marL="457200" indent="-293760">
               <a:lnSpc>
                 <a:spcPct val="100000"/>
               </a:lnSpc>
@@ -3758,7 +3758,7 @@
         <p:spPr>
           <a:xfrm>
             <a:off x="2488320" y="4104000"/>
-            <a:ext cx="3340440" cy="911160"/>
+            <a:ext cx="3340080" cy="910800"/>
           </a:xfrm>
           <a:prstGeom prst="rect">
             <a:avLst/>
@@ -3779,7 +3779,7 @@
             <a:noAutofit/>
           </a:bodyPr>
           <a:p>
-            <a:pPr marL="457200" indent="-294120">
+            <a:pPr marL="457200" indent="-293760">
               <a:lnSpc>
                 <a:spcPct val="100000"/>
               </a:lnSpc>
@@ -3834,7 +3834,7 @@
         <p:spPr>
           <a:xfrm>
             <a:off x="8735760" y="5061600"/>
-            <a:ext cx="1273680" cy="519840"/>
+            <a:ext cx="1273320" cy="519480"/>
           </a:xfrm>
           <a:prstGeom prst="rect">
             <a:avLst/>
@@ -3875,7 +3875,7 @@
             </a:endParaRPr>
           </a:p>
           <a:p>
-            <a:pPr marL="457200" indent="-287640">
+            <a:pPr marL="457200" indent="-287280">
               <a:lnSpc>
                 <a:spcPct val="100000"/>
               </a:lnSpc>
@@ -3910,9 +3910,9 @@
         <p:grpSpPr>
           <a:xfrm>
             <a:off x="466920" y="1008000"/>
-            <a:ext cx="1473840" cy="902880"/>
+            <a:ext cx="1473480" cy="902520"/>
             <a:chOff x="466920" y="1008000"/>
-            <a:chExt cx="1473840" cy="902880"/>
+            <a:chExt cx="1473480" cy="902520"/>
           </a:xfrm>
         </p:grpSpPr>
         <p:grpSp>
@@ -3923,10 +3923,10 @@
           </p:nvGrpSpPr>
           <p:grpSpPr>
             <a:xfrm>
-              <a:off x="1014840" y="1008000"/>
-              <a:ext cx="305640" cy="642240"/>
-              <a:chOff x="1014840" y="1008000"/>
-              <a:chExt cx="305640" cy="642240"/>
+              <a:off x="1014480" y="1008000"/>
+              <a:ext cx="306000" cy="642240"/>
+              <a:chOff x="1014480" y="1008000"/>
+              <a:chExt cx="306000" cy="642240"/>
             </a:xfrm>
           </p:grpSpPr>
           <p:sp>
@@ -3938,7 +3938,7 @@
             <p:spPr>
               <a:xfrm>
                 <a:off x="1078560" y="1008000"/>
-                <a:ext cx="185400" cy="209880"/>
+                <a:ext cx="185040" cy="209520"/>
               </a:xfrm>
               <a:prstGeom prst="flowChartConnector">
                 <a:avLst/>
@@ -3968,8 +3968,8 @@
             </p:nvSpPr>
             <p:spPr>
               <a:xfrm flipH="1">
-                <a:off x="1164240" y="1222560"/>
-                <a:ext cx="360" cy="218520"/>
+                <a:off x="1163520" y="1222560"/>
+                <a:ext cx="360" cy="218160"/>
               </a:xfrm>
               <a:custGeom>
                 <a:avLst/>
@@ -4011,7 +4011,7 @@
             <p:spPr>
               <a:xfrm>
                 <a:off x="1036080" y="1318320"/>
-                <a:ext cx="271080" cy="360"/>
+                <a:ext cx="270720" cy="360"/>
               </a:xfrm>
               <a:custGeom>
                 <a:avLst/>
@@ -4053,7 +4053,7 @@
             <p:spPr>
               <a:xfrm flipH="1">
                 <a:off x="1014480" y="1443960"/>
-                <a:ext cx="146520" cy="201960"/>
+                <a:ext cx="146160" cy="201600"/>
               </a:xfrm>
               <a:custGeom>
                 <a:avLst/>
@@ -4094,8 +4094,8 @@
             </p:nvSpPr>
             <p:spPr>
               <a:xfrm rot="10800000">
-                <a:off x="1174320" y="1448280"/>
-                <a:ext cx="146160" cy="201960"/>
+                <a:off x="1174680" y="1448640"/>
+                <a:ext cx="145800" cy="201600"/>
               </a:xfrm>
               <a:custGeom>
                 <a:avLst/>
@@ -4138,7 +4138,7 @@
           <p:spPr>
             <a:xfrm>
               <a:off x="466920" y="1540800"/>
-              <a:ext cx="1473840" cy="370080"/>
+              <a:ext cx="1473480" cy="369720"/>
             </a:xfrm>
             <a:prstGeom prst="rect">
               <a:avLst/>
@@ -4190,7 +4190,7 @@
         <p:spPr>
           <a:xfrm>
             <a:off x="675360" y="2722680"/>
-            <a:ext cx="3340440" cy="911160"/>
+            <a:ext cx="3340080" cy="910800"/>
           </a:xfrm>
           <a:prstGeom prst="rect">
             <a:avLst/>
@@ -4211,7 +4211,7 @@
             <a:noAutofit/>
           </a:bodyPr>
           <a:p>
-            <a:pPr marL="457200" indent="-294120">
+            <a:pPr marL="457200" indent="-293760">
               <a:lnSpc>
                 <a:spcPct val="100000"/>
               </a:lnSpc>
@@ -4266,9 +4266,9 @@
         <p:grpSpPr>
           <a:xfrm>
             <a:off x="675360" y="4176000"/>
-            <a:ext cx="1121400" cy="911160"/>
+            <a:ext cx="1121040" cy="910800"/>
             <a:chOff x="675360" y="4176000"/>
-            <a:chExt cx="1121400" cy="911160"/>
+            <a:chExt cx="1121040" cy="910800"/>
           </a:xfrm>
         </p:grpSpPr>
         <p:grpSp>
@@ -4279,10 +4279,10 @@
           </p:nvGrpSpPr>
           <p:grpSpPr>
             <a:xfrm>
-              <a:off x="1061280" y="4176000"/>
-              <a:ext cx="345240" cy="648000"/>
-              <a:chOff x="1061280" y="4176000"/>
-              <a:chExt cx="345240" cy="648000"/>
+              <a:off x="1060920" y="4176000"/>
+              <a:ext cx="345600" cy="648000"/>
+              <a:chOff x="1060920" y="4176000"/>
+              <a:chExt cx="345600" cy="648000"/>
             </a:xfrm>
           </p:grpSpPr>
           <p:sp>
@@ -4294,7 +4294,7 @@
             <p:spPr>
               <a:xfrm>
                 <a:off x="1132920" y="4176000"/>
-                <a:ext cx="209880" cy="212040"/>
+                <a:ext cx="209520" cy="211680"/>
               </a:xfrm>
               <a:prstGeom prst="flowChartConnector">
                 <a:avLst/>
@@ -4324,8 +4324,8 @@
             </p:nvSpPr>
             <p:spPr>
               <a:xfrm flipH="1">
-                <a:off x="1230840" y="4392000"/>
-                <a:ext cx="360" cy="220680"/>
+                <a:off x="1230120" y="4392000"/>
+                <a:ext cx="360" cy="220320"/>
               </a:xfrm>
               <a:custGeom>
                 <a:avLst/>
@@ -4367,7 +4367,7 @@
             <p:spPr>
               <a:xfrm>
                 <a:off x="1085040" y="4489200"/>
-                <a:ext cx="306000" cy="360"/>
+                <a:ext cx="305640" cy="360"/>
               </a:xfrm>
               <a:custGeom>
                 <a:avLst/>
@@ -4408,8 +4408,8 @@
             </p:nvSpPr>
             <p:spPr>
               <a:xfrm flipH="1">
-                <a:off x="1061280" y="4615560"/>
-                <a:ext cx="165600" cy="203760"/>
+                <a:off x="1060560" y="4615560"/>
+                <a:ext cx="165240" cy="203400"/>
               </a:xfrm>
               <a:custGeom>
                 <a:avLst/>
@@ -4450,8 +4450,8 @@
             </p:nvSpPr>
             <p:spPr>
               <a:xfrm rot="10800000">
-                <a:off x="1240560" y="4620240"/>
-                <a:ext cx="165960" cy="203760"/>
+                <a:off x="1240920" y="4620600"/>
+                <a:ext cx="165600" cy="203400"/>
               </a:xfrm>
               <a:custGeom>
                 <a:avLst/>
@@ -4494,7 +4494,7 @@
           <p:spPr>
             <a:xfrm>
               <a:off x="675360" y="4713480"/>
-              <a:ext cx="1121400" cy="373680"/>
+              <a:ext cx="1121040" cy="373320"/>
             </a:xfrm>
             <a:prstGeom prst="rect">
               <a:avLst/>
@@ -4546,7 +4546,7 @@
         <p:spPr>
           <a:xfrm>
             <a:off x="1943280" y="1460520"/>
-            <a:ext cx="1397520" cy="1417320"/>
+            <a:ext cx="1397160" cy="1416960"/>
           </a:xfrm>
           <a:custGeom>
             <a:avLst/>
@@ -4587,8 +4587,8 @@
         </p:nvSpPr>
         <p:spPr>
           <a:xfrm flipH="1" rot="10800000">
-            <a:off x="1798560" y="3462480"/>
-            <a:ext cx="1541520" cy="1166400"/>
+            <a:off x="1797840" y="3462840"/>
+            <a:ext cx="1541160" cy="1166040"/>
           </a:xfrm>
           <a:custGeom>
             <a:avLst/>
@@ -4629,8 +4629,8 @@
         </p:nvSpPr>
         <p:spPr>
           <a:xfrm flipH="1" rot="10800000">
-            <a:off x="1150920" y="3170160"/>
-            <a:ext cx="1500840" cy="18720"/>
+            <a:off x="1151280" y="3170520"/>
+            <a:ext cx="1500480" cy="18360"/>
           </a:xfrm>
           <a:custGeom>
             <a:avLst/>
@@ -4672,9 +4672,9 @@
         <p:grpSpPr>
           <a:xfrm>
             <a:off x="4796640" y="1144440"/>
-            <a:ext cx="1857960" cy="902880"/>
+            <a:ext cx="1857600" cy="902520"/>
             <a:chOff x="4796640" y="1144440"/>
-            <a:chExt cx="1857960" cy="902880"/>
+            <a:chExt cx="1857600" cy="902520"/>
           </a:xfrm>
         </p:grpSpPr>
         <p:grpSp>
@@ -4685,10 +4685,10 @@
           </p:nvGrpSpPr>
           <p:grpSpPr>
             <a:xfrm>
-              <a:off x="5344560" y="1144440"/>
-              <a:ext cx="305640" cy="642240"/>
-              <a:chOff x="5344560" y="1144440"/>
-              <a:chExt cx="305640" cy="642240"/>
+              <a:off x="5344200" y="1144440"/>
+              <a:ext cx="306000" cy="642240"/>
+              <a:chOff x="5344200" y="1144440"/>
+              <a:chExt cx="306000" cy="642240"/>
             </a:xfrm>
           </p:grpSpPr>
           <p:sp>
@@ -4700,7 +4700,7 @@
             <p:spPr>
               <a:xfrm>
                 <a:off x="5408280" y="1144440"/>
-                <a:ext cx="185400" cy="209880"/>
+                <a:ext cx="185040" cy="209520"/>
               </a:xfrm>
               <a:prstGeom prst="flowChartConnector">
                 <a:avLst/>
@@ -4730,8 +4730,8 @@
             </p:nvSpPr>
             <p:spPr>
               <a:xfrm flipH="1">
-                <a:off x="5493960" y="1359000"/>
-                <a:ext cx="360" cy="218520"/>
+                <a:off x="5493240" y="1359000"/>
+                <a:ext cx="360" cy="218160"/>
               </a:xfrm>
               <a:custGeom>
                 <a:avLst/>
@@ -4773,7 +4773,7 @@
             <p:spPr>
               <a:xfrm>
                 <a:off x="5365800" y="1454760"/>
-                <a:ext cx="271080" cy="360"/>
+                <a:ext cx="270720" cy="360"/>
               </a:xfrm>
               <a:custGeom>
                 <a:avLst/>
@@ -4815,7 +4815,7 @@
             <p:spPr>
               <a:xfrm flipH="1">
                 <a:off x="5344200" y="1580400"/>
-                <a:ext cx="146520" cy="201960"/>
+                <a:ext cx="146160" cy="201600"/>
               </a:xfrm>
               <a:custGeom>
                 <a:avLst/>
@@ -4856,8 +4856,8 @@
             </p:nvSpPr>
             <p:spPr>
               <a:xfrm rot="10800000">
-                <a:off x="5504040" y="1584720"/>
-                <a:ext cx="146160" cy="201960"/>
+                <a:off x="5504400" y="1585080"/>
+                <a:ext cx="145800" cy="201600"/>
               </a:xfrm>
               <a:custGeom>
                 <a:avLst/>
@@ -4900,7 +4900,7 @@
           <p:spPr>
             <a:xfrm>
               <a:off x="4796640" y="1677240"/>
-              <a:ext cx="1857960" cy="370080"/>
+              <a:ext cx="1857600" cy="369720"/>
             </a:xfrm>
             <a:prstGeom prst="rect">
               <a:avLst/>
@@ -4951,8 +4951,8 @@
         </p:nvSpPr>
         <p:spPr>
           <a:xfrm flipH="1">
-            <a:off x="3496680" y="1461960"/>
-            <a:ext cx="1541520" cy="1417320"/>
+            <a:off x="3495960" y="1461960"/>
+            <a:ext cx="1541160" cy="1416960"/>
           </a:xfrm>
           <a:custGeom>
             <a:avLst/>
@@ -4994,9 +4994,9 @@
         <p:grpSpPr>
           <a:xfrm>
             <a:off x="5039640" y="2624400"/>
-            <a:ext cx="1857960" cy="902880"/>
+            <a:ext cx="1857600" cy="902520"/>
             <a:chOff x="5039640" y="2624400"/>
-            <a:chExt cx="1857960" cy="902880"/>
+            <a:chExt cx="1857600" cy="902520"/>
           </a:xfrm>
         </p:grpSpPr>
         <p:grpSp>
@@ -5007,10 +5007,10 @@
           </p:nvGrpSpPr>
           <p:grpSpPr>
             <a:xfrm>
-              <a:off x="5587560" y="2624400"/>
-              <a:ext cx="305640" cy="642240"/>
-              <a:chOff x="5587560" y="2624400"/>
-              <a:chExt cx="305640" cy="642240"/>
+              <a:off x="5587200" y="2624400"/>
+              <a:ext cx="306000" cy="642240"/>
+              <a:chOff x="5587200" y="2624400"/>
+              <a:chExt cx="306000" cy="642240"/>
             </a:xfrm>
           </p:grpSpPr>
           <p:sp>
@@ -5022,7 +5022,7 @@
             <p:spPr>
               <a:xfrm>
                 <a:off x="5651280" y="2624400"/>
-                <a:ext cx="185400" cy="209880"/>
+                <a:ext cx="185040" cy="209520"/>
               </a:xfrm>
               <a:prstGeom prst="flowChartConnector">
                 <a:avLst/>
@@ -5052,8 +5052,8 @@
             </p:nvSpPr>
             <p:spPr>
               <a:xfrm flipH="1">
-                <a:off x="5736960" y="2838960"/>
-                <a:ext cx="360" cy="218520"/>
+                <a:off x="5736240" y="2838960"/>
+                <a:ext cx="360" cy="218160"/>
               </a:xfrm>
               <a:custGeom>
                 <a:avLst/>
@@ -5095,7 +5095,7 @@
             <p:spPr>
               <a:xfrm>
                 <a:off x="5608800" y="2934720"/>
-                <a:ext cx="271080" cy="360"/>
+                <a:ext cx="270720" cy="360"/>
               </a:xfrm>
               <a:custGeom>
                 <a:avLst/>
@@ -5137,7 +5137,7 @@
             <p:spPr>
               <a:xfrm flipH="1">
                 <a:off x="5587200" y="3060360"/>
-                <a:ext cx="146520" cy="201960"/>
+                <a:ext cx="146160" cy="201600"/>
               </a:xfrm>
               <a:custGeom>
                 <a:avLst/>
@@ -5178,8 +5178,8 @@
             </p:nvSpPr>
             <p:spPr>
               <a:xfrm rot="10800000">
-                <a:off x="5747040" y="3064680"/>
-                <a:ext cx="146160" cy="201960"/>
+                <a:off x="5747400" y="3065040"/>
+                <a:ext cx="145800" cy="201600"/>
               </a:xfrm>
               <a:custGeom>
                 <a:avLst/>
@@ -5222,7 +5222,7 @@
           <p:spPr>
             <a:xfrm>
               <a:off x="5039640" y="3157200"/>
-              <a:ext cx="1857960" cy="370080"/>
+              <a:ext cx="1857600" cy="369720"/>
             </a:xfrm>
             <a:prstGeom prst="rect">
               <a:avLst/>
@@ -5273,8 +5273,8 @@
         </p:nvSpPr>
         <p:spPr>
           <a:xfrm flipH="1" rot="10800000">
-            <a:off x="4046400" y="3170160"/>
-            <a:ext cx="1500840" cy="18720"/>
+            <a:off x="4046760" y="3170520"/>
+            <a:ext cx="1500480" cy="18360"/>
           </a:xfrm>
           <a:custGeom>
             <a:avLst/>
@@ -5346,7 +5346,7 @@
         <p:spPr>
           <a:xfrm>
             <a:off x="143280" y="1593360"/>
-            <a:ext cx="9412560" cy="1503000"/>
+            <a:ext cx="9412200" cy="1502640"/>
           </a:xfrm>
           <a:prstGeom prst="rect">
             <a:avLst/>
@@ -5400,7 +5400,7 @@
         <p:spPr>
           <a:xfrm>
             <a:off x="4033800" y="204840"/>
-            <a:ext cx="1996560" cy="846360"/>
+            <a:ext cx="1996200" cy="846000"/>
           </a:xfrm>
           <a:prstGeom prst="wave">
             <a:avLst>
@@ -5429,7 +5429,7 @@
             <a:noAutofit/>
           </a:bodyPr>
           <a:p>
-            <a:pPr marL="457200" indent="-287640">
+            <a:pPr marL="457200" indent="-287280">
               <a:lnSpc>
                 <a:spcPct val="100000"/>
               </a:lnSpc>
@@ -5464,9 +5464,9 @@
         <p:grpSpPr>
           <a:xfrm>
             <a:off x="1637280" y="2081520"/>
-            <a:ext cx="1121400" cy="911520"/>
+            <a:ext cx="1121040" cy="911160"/>
             <a:chOff x="1637280" y="2081520"/>
-            <a:chExt cx="1121400" cy="911520"/>
+            <a:chExt cx="1121040" cy="911160"/>
           </a:xfrm>
         </p:grpSpPr>
         <p:grpSp>
@@ -5477,10 +5477,10 @@
           </p:nvGrpSpPr>
           <p:grpSpPr>
             <a:xfrm>
-              <a:off x="2023200" y="2081520"/>
-              <a:ext cx="345240" cy="648000"/>
-              <a:chOff x="2023200" y="2081520"/>
-              <a:chExt cx="345240" cy="648000"/>
+              <a:off x="2022840" y="2081520"/>
+              <a:ext cx="345600" cy="648000"/>
+              <a:chOff x="2022840" y="2081520"/>
+              <a:chExt cx="345600" cy="648000"/>
             </a:xfrm>
           </p:grpSpPr>
           <p:sp>
@@ -5492,7 +5492,7 @@
             <p:spPr>
               <a:xfrm>
                 <a:off x="2094840" y="2081520"/>
-                <a:ext cx="209880" cy="212040"/>
+                <a:ext cx="209520" cy="211680"/>
               </a:xfrm>
               <a:prstGeom prst="flowChartConnector">
                 <a:avLst/>
@@ -5522,8 +5522,8 @@
             </p:nvSpPr>
             <p:spPr>
               <a:xfrm flipH="1">
-                <a:off x="2192760" y="2297880"/>
-                <a:ext cx="360" cy="220680"/>
+                <a:off x="2192040" y="2297880"/>
+                <a:ext cx="360" cy="220320"/>
               </a:xfrm>
               <a:custGeom>
                 <a:avLst/>
@@ -5565,7 +5565,7 @@
             <p:spPr>
               <a:xfrm>
                 <a:off x="2046960" y="2395080"/>
-                <a:ext cx="306000" cy="360"/>
+                <a:ext cx="305640" cy="360"/>
               </a:xfrm>
               <a:custGeom>
                 <a:avLst/>
@@ -5606,8 +5606,8 @@
             </p:nvSpPr>
             <p:spPr>
               <a:xfrm flipH="1">
-                <a:off x="2023200" y="2521440"/>
-                <a:ext cx="165600" cy="203760"/>
+                <a:off x="2022480" y="2521440"/>
+                <a:ext cx="165240" cy="203400"/>
               </a:xfrm>
               <a:custGeom>
                 <a:avLst/>
@@ -5648,8 +5648,8 @@
             </p:nvSpPr>
             <p:spPr>
               <a:xfrm rot="10800000">
-                <a:off x="2202480" y="2525760"/>
-                <a:ext cx="165960" cy="203760"/>
+                <a:off x="2202840" y="2526120"/>
+                <a:ext cx="165600" cy="203400"/>
               </a:xfrm>
               <a:custGeom>
                 <a:avLst/>
@@ -5692,7 +5692,7 @@
           <p:spPr>
             <a:xfrm>
               <a:off x="1637280" y="2619360"/>
-              <a:ext cx="1121400" cy="373680"/>
+              <a:ext cx="1121040" cy="373320"/>
             </a:xfrm>
             <a:prstGeom prst="rect">
               <a:avLst/>
@@ -5744,7 +5744,7 @@
         <p:spPr>
           <a:xfrm>
             <a:off x="143280" y="3097440"/>
-            <a:ext cx="9412560" cy="1503000"/>
+            <a:ext cx="9412200" cy="1502640"/>
           </a:xfrm>
           <a:prstGeom prst="rect">
             <a:avLst/>
@@ -5798,7 +5798,7 @@
         <p:spPr>
           <a:xfrm>
             <a:off x="3366360" y="3744720"/>
-            <a:ext cx="1600920" cy="645480"/>
+            <a:ext cx="1600560" cy="645120"/>
           </a:xfrm>
           <a:prstGeom prst="bracketPair">
             <a:avLst>
@@ -5824,7 +5824,7 @@
             <a:noAutofit/>
           </a:bodyPr>
           <a:p>
-            <a:pPr marL="457200" indent="-287640">
+            <a:pPr marL="457200" indent="-287280">
               <a:lnSpc>
                 <a:spcPct val="100000"/>
               </a:lnSpc>
@@ -5849,7 +5849,7 @@
             </a:endParaRPr>
           </a:p>
           <a:p>
-            <a:pPr marL="457200" indent="-287640">
+            <a:pPr marL="457200" indent="-287280">
               <a:lnSpc>
                 <a:spcPct val="100000"/>
               </a:lnSpc>
@@ -5884,7 +5884,7 @@
         <p:spPr>
           <a:xfrm>
             <a:off x="3929040" y="2026800"/>
-            <a:ext cx="1100880" cy="581760"/>
+            <a:ext cx="1100520" cy="581400"/>
           </a:xfrm>
           <a:prstGeom prst="roundRect">
             <a:avLst>
@@ -5952,7 +5952,7 @@
         <p:spPr>
           <a:xfrm>
             <a:off x="5298480" y="2027880"/>
-            <a:ext cx="1100880" cy="581760"/>
+            <a:ext cx="1100520" cy="581400"/>
           </a:xfrm>
           <a:prstGeom prst="roundRect">
             <a:avLst>
@@ -6020,7 +6020,7 @@
         <p:spPr>
           <a:xfrm>
             <a:off x="5256000" y="1008000"/>
-            <a:ext cx="502920" cy="1018800"/>
+            <a:ext cx="502560" cy="1018440"/>
           </a:xfrm>
           <a:custGeom>
             <a:avLst/>
@@ -6062,7 +6062,7 @@
         <p:spPr>
           <a:xfrm flipH="1">
             <a:off x="2302560" y="936000"/>
-            <a:ext cx="2086920" cy="1150920"/>
+            <a:ext cx="2086560" cy="1150560"/>
           </a:xfrm>
           <a:custGeom>
             <a:avLst/>
@@ -6103,8 +6103,8 @@
         </p:nvSpPr>
         <p:spPr>
           <a:xfrm flipH="1">
-            <a:off x="4535280" y="936000"/>
-            <a:ext cx="287280" cy="1089720"/>
+            <a:off x="4534560" y="936000"/>
+            <a:ext cx="286920" cy="1089360"/>
           </a:xfrm>
           <a:custGeom>
             <a:avLst/>
@@ -6146,7 +6146,7 @@
         <p:spPr>
           <a:xfrm>
             <a:off x="5112000" y="3888000"/>
-            <a:ext cx="1223280" cy="243360"/>
+            <a:ext cx="1222920" cy="243000"/>
           </a:xfrm>
           <a:prstGeom prst="bracketPair">
             <a:avLst>
@@ -6172,7 +6172,7 @@
             <a:noAutofit/>
           </a:bodyPr>
           <a:p>
-            <a:pPr marL="457200" indent="-287640">
+            <a:pPr marL="457200" indent="-287280">
               <a:lnSpc>
                 <a:spcPct val="100000"/>
               </a:lnSpc>
@@ -6207,7 +6207,7 @@
         <p:spPr>
           <a:xfrm>
             <a:off x="5904000" y="2612160"/>
-            <a:ext cx="360" cy="1275120"/>
+            <a:ext cx="360" cy="1274760"/>
           </a:xfrm>
           <a:custGeom>
             <a:avLst/>
@@ -6248,8 +6248,8 @@
         </p:nvSpPr>
         <p:spPr>
           <a:xfrm rot="10800000">
-            <a:off x="4487400" y="2610360"/>
-            <a:ext cx="360" cy="1132560"/>
+            <a:off x="4487400" y="2610720"/>
+            <a:ext cx="360" cy="1132200"/>
           </a:xfrm>
           <a:custGeom>
             <a:avLst/>
@@ -6291,7 +6291,7 @@
         <p:spPr>
           <a:xfrm>
             <a:off x="6492600" y="3744720"/>
-            <a:ext cx="1498680" cy="581760"/>
+            <a:ext cx="1498320" cy="581400"/>
           </a:xfrm>
           <a:prstGeom prst="bracketPair">
             <a:avLst>
@@ -6317,7 +6317,7 @@
             <a:noAutofit/>
           </a:bodyPr>
           <a:p>
-            <a:pPr marL="457200" indent="-290880">
+            <a:pPr marL="457200" indent="-290520">
               <a:lnSpc>
                 <a:spcPct val="100000"/>
               </a:lnSpc>
@@ -6342,7 +6342,7 @@
             </a:endParaRPr>
           </a:p>
           <a:p>
-            <a:pPr marL="457200" indent="-290880">
+            <a:pPr marL="457200" indent="-290520">
               <a:lnSpc>
                 <a:spcPct val="100000"/>
               </a:lnSpc>
@@ -6377,7 +6377,7 @@
         <p:spPr>
           <a:xfrm>
             <a:off x="6696000" y="2027520"/>
-            <a:ext cx="1100880" cy="581760"/>
+            <a:ext cx="1100520" cy="581400"/>
           </a:xfrm>
           <a:prstGeom prst="roundRect">
             <a:avLst>
@@ -6445,7 +6445,7 @@
         <p:spPr>
           <a:xfrm>
             <a:off x="5544000" y="1058760"/>
-            <a:ext cx="1727280" cy="968040"/>
+            <a:ext cx="1726920" cy="967680"/>
           </a:xfrm>
           <a:custGeom>
             <a:avLst/>
@@ -6487,7 +6487,7 @@
         <p:spPr>
           <a:xfrm>
             <a:off x="7344000" y="2612160"/>
-            <a:ext cx="360" cy="1131840"/>
+            <a:ext cx="360" cy="1131480"/>
           </a:xfrm>
           <a:custGeom>
             <a:avLst/>
@@ -6559,7 +6559,7 @@
         <p:spPr>
           <a:xfrm>
             <a:off x="143280" y="1593360"/>
-            <a:ext cx="9412560" cy="1503000"/>
+            <a:ext cx="9412200" cy="1502640"/>
           </a:xfrm>
           <a:prstGeom prst="rect">
             <a:avLst/>
@@ -6613,7 +6613,7 @@
         <p:spPr>
           <a:xfrm>
             <a:off x="4033800" y="204840"/>
-            <a:ext cx="1996560" cy="846360"/>
+            <a:ext cx="1996200" cy="846000"/>
           </a:xfrm>
           <a:prstGeom prst="wave">
             <a:avLst>
@@ -6642,7 +6642,7 @@
             <a:noAutofit/>
           </a:bodyPr>
           <a:p>
-            <a:pPr marL="457200" indent="-287640">
+            <a:pPr marL="457200" indent="-287280">
               <a:lnSpc>
                 <a:spcPct val="100000"/>
               </a:lnSpc>
@@ -6677,9 +6677,9 @@
         <p:grpSpPr>
           <a:xfrm>
             <a:off x="1637280" y="2081520"/>
-            <a:ext cx="1121400" cy="911520"/>
+            <a:ext cx="1121040" cy="911160"/>
             <a:chOff x="1637280" y="2081520"/>
-            <a:chExt cx="1121400" cy="911520"/>
+            <a:chExt cx="1121040" cy="911160"/>
           </a:xfrm>
         </p:grpSpPr>
         <p:grpSp>
@@ -6690,10 +6690,10 @@
           </p:nvGrpSpPr>
           <p:grpSpPr>
             <a:xfrm>
-              <a:off x="2023200" y="2081520"/>
-              <a:ext cx="345240" cy="648000"/>
-              <a:chOff x="2023200" y="2081520"/>
-              <a:chExt cx="345240" cy="648000"/>
+              <a:off x="2022840" y="2081520"/>
+              <a:ext cx="345600" cy="648000"/>
+              <a:chOff x="2022840" y="2081520"/>
+              <a:chExt cx="345600" cy="648000"/>
             </a:xfrm>
           </p:grpSpPr>
           <p:sp>
@@ -6705,7 +6705,7 @@
             <p:spPr>
               <a:xfrm>
                 <a:off x="2094840" y="2081520"/>
-                <a:ext cx="209880" cy="212040"/>
+                <a:ext cx="209520" cy="211680"/>
               </a:xfrm>
               <a:prstGeom prst="flowChartConnector">
                 <a:avLst/>
@@ -6735,8 +6735,8 @@
             </p:nvSpPr>
             <p:spPr>
               <a:xfrm flipH="1">
-                <a:off x="2192760" y="2297880"/>
-                <a:ext cx="360" cy="220680"/>
+                <a:off x="2192040" y="2297880"/>
+                <a:ext cx="360" cy="220320"/>
               </a:xfrm>
               <a:custGeom>
                 <a:avLst/>
@@ -6778,7 +6778,7 @@
             <p:spPr>
               <a:xfrm>
                 <a:off x="2046960" y="2395080"/>
-                <a:ext cx="306000" cy="360"/>
+                <a:ext cx="305640" cy="360"/>
               </a:xfrm>
               <a:custGeom>
                 <a:avLst/>
@@ -6819,8 +6819,8 @@
             </p:nvSpPr>
             <p:spPr>
               <a:xfrm flipH="1">
-                <a:off x="2023200" y="2521440"/>
-                <a:ext cx="165600" cy="203760"/>
+                <a:off x="2022480" y="2521440"/>
+                <a:ext cx="165240" cy="203400"/>
               </a:xfrm>
               <a:custGeom>
                 <a:avLst/>
@@ -6861,8 +6861,8 @@
             </p:nvSpPr>
             <p:spPr>
               <a:xfrm rot="10800000">
-                <a:off x="2202480" y="2525760"/>
-                <a:ext cx="165960" cy="203760"/>
+                <a:off x="2202840" y="2526120"/>
+                <a:ext cx="165600" cy="203400"/>
               </a:xfrm>
               <a:custGeom>
                 <a:avLst/>
@@ -6905,7 +6905,7 @@
           <p:spPr>
             <a:xfrm>
               <a:off x="1637280" y="2619360"/>
-              <a:ext cx="1121400" cy="373680"/>
+              <a:ext cx="1121040" cy="373320"/>
             </a:xfrm>
             <a:prstGeom prst="rect">
               <a:avLst/>
@@ -6957,7 +6957,7 @@
         <p:spPr>
           <a:xfrm>
             <a:off x="143280" y="3100680"/>
-            <a:ext cx="9412560" cy="1503000"/>
+            <a:ext cx="9412200" cy="1502640"/>
           </a:xfrm>
           <a:prstGeom prst="rect">
             <a:avLst/>
@@ -7011,7 +7011,7 @@
         <p:spPr>
           <a:xfrm>
             <a:off x="4392000" y="2009160"/>
-            <a:ext cx="1100880" cy="581760"/>
+            <a:ext cx="1100520" cy="581400"/>
           </a:xfrm>
           <a:prstGeom prst="roundRect">
             <a:avLst>
@@ -7078,8 +7078,8 @@
         </p:nvSpPr>
         <p:spPr>
           <a:xfrm flipH="1" rot="10800000">
-            <a:off x="2231280" y="721080"/>
-            <a:ext cx="1800720" cy="1360440"/>
+            <a:off x="2230560" y="721440"/>
+            <a:ext cx="1800360" cy="1360080"/>
           </a:xfrm>
           <a:custGeom>
             <a:avLst/>
@@ -7121,7 +7121,7 @@
         <p:spPr>
           <a:xfrm>
             <a:off x="3888000" y="3773520"/>
-            <a:ext cx="2014920" cy="545400"/>
+            <a:ext cx="2014560" cy="545040"/>
           </a:xfrm>
           <a:prstGeom prst="bracketPair">
             <a:avLst>
@@ -7147,7 +7147,7 @@
             <a:noAutofit/>
           </a:bodyPr>
           <a:p>
-            <a:pPr marL="457200" indent="-287640">
+            <a:pPr marL="457200" indent="-287280">
               <a:lnSpc>
                 <a:spcPct val="100000"/>
               </a:lnSpc>
@@ -7172,7 +7172,7 @@
             </a:endParaRPr>
           </a:p>
           <a:p>
-            <a:pPr marL="457200" indent="-287640">
+            <a:pPr marL="457200" indent="-287280">
               <a:lnSpc>
                 <a:spcPct val="100000"/>
               </a:lnSpc>
@@ -7206,8 +7206,8 @@
         </p:nvSpPr>
         <p:spPr>
           <a:xfrm rot="10800000">
-            <a:off x="4967640" y="983520"/>
-            <a:ext cx="360" cy="1025640"/>
+            <a:off x="4967640" y="983880"/>
+            <a:ext cx="360" cy="1025280"/>
           </a:xfrm>
           <a:custGeom>
             <a:avLst/>
@@ -7249,7 +7249,7 @@
         <p:spPr>
           <a:xfrm>
             <a:off x="4968000" y="2598840"/>
-            <a:ext cx="360" cy="1158840"/>
+            <a:ext cx="360" cy="1158480"/>
           </a:xfrm>
           <a:custGeom>
             <a:avLst/>
@@ -7291,9 +7291,9 @@
         <p:grpSpPr>
           <a:xfrm>
             <a:off x="6936120" y="1888920"/>
-            <a:ext cx="1800720" cy="911520"/>
+            <a:ext cx="1800360" cy="911160"/>
             <a:chOff x="6936120" y="1888920"/>
-            <a:chExt cx="1800720" cy="911520"/>
+            <a:chExt cx="1800360" cy="911160"/>
           </a:xfrm>
         </p:grpSpPr>
         <p:grpSp>
@@ -7304,10 +7304,10 @@
           </p:nvGrpSpPr>
           <p:grpSpPr>
             <a:xfrm>
-              <a:off x="7322040" y="1888920"/>
-              <a:ext cx="345240" cy="648000"/>
-              <a:chOff x="7322040" y="1888920"/>
-              <a:chExt cx="345240" cy="648000"/>
+              <a:off x="7321680" y="1888920"/>
+              <a:ext cx="345600" cy="648000"/>
+              <a:chOff x="7321680" y="1888920"/>
+              <a:chExt cx="345600" cy="648000"/>
             </a:xfrm>
           </p:grpSpPr>
           <p:sp>
@@ -7319,7 +7319,7 @@
             <p:spPr>
               <a:xfrm>
                 <a:off x="7393680" y="1888920"/>
-                <a:ext cx="209880" cy="212040"/>
+                <a:ext cx="209520" cy="211680"/>
               </a:xfrm>
               <a:prstGeom prst="flowChartConnector">
                 <a:avLst/>
@@ -7349,8 +7349,8 @@
             </p:nvSpPr>
             <p:spPr>
               <a:xfrm flipH="1">
-                <a:off x="7491600" y="2105280"/>
-                <a:ext cx="360" cy="220680"/>
+                <a:off x="7490880" y="2105280"/>
+                <a:ext cx="360" cy="220320"/>
               </a:xfrm>
               <a:custGeom>
                 <a:avLst/>
@@ -7392,7 +7392,7 @@
             <p:spPr>
               <a:xfrm>
                 <a:off x="7345800" y="2202480"/>
-                <a:ext cx="306000" cy="360"/>
+                <a:ext cx="305640" cy="360"/>
               </a:xfrm>
               <a:custGeom>
                 <a:avLst/>
@@ -7433,8 +7433,8 @@
             </p:nvSpPr>
             <p:spPr>
               <a:xfrm flipH="1">
-                <a:off x="7322040" y="2328840"/>
-                <a:ext cx="165600" cy="203760"/>
+                <a:off x="7321320" y="2328840"/>
+                <a:ext cx="165240" cy="203400"/>
               </a:xfrm>
               <a:custGeom>
                 <a:avLst/>
@@ -7475,8 +7475,8 @@
             </p:nvSpPr>
             <p:spPr>
               <a:xfrm rot="10800000">
-                <a:off x="7501320" y="2333160"/>
-                <a:ext cx="165960" cy="203760"/>
+                <a:off x="7501680" y="2333520"/>
+                <a:ext cx="165600" cy="203400"/>
               </a:xfrm>
               <a:custGeom>
                 <a:avLst/>
@@ -7519,7 +7519,7 @@
           <p:spPr>
             <a:xfrm>
               <a:off x="6936120" y="2426760"/>
-              <a:ext cx="1800720" cy="373680"/>
+              <a:ext cx="1800360" cy="373320"/>
             </a:xfrm>
             <a:prstGeom prst="rect">
               <a:avLst/>
@@ -7571,110 +7571,7 @@
         <p:spPr>
           <a:xfrm>
             <a:off x="6031440" y="565920"/>
-            <a:ext cx="1369800" cy="1360440"/>
-          </a:xfrm>
-          <a:custGeom>
-            <a:avLst/>
-            <a:gdLst/>
-            <a:ahLst/>
-            <a:rect l="l" t="t" r="r" b="b"/>
-            <a:pathLst>
-              <a:path w="21600" h="21600">
-                <a:moveTo>
-                  <a:pt x="0" y="0"/>
-                </a:moveTo>
-                <a:lnTo>
-                  <a:pt x="21600" y="21600"/>
-                </a:lnTo>
-              </a:path>
-            </a:pathLst>
-          </a:custGeom>
-          <a:noFill/>
-          <a:ln w="9360">
-            <a:solidFill>
-              <a:srgbClr val="3465a4"/>
-            </a:solidFill>
-            <a:round/>
-          </a:ln>
-        </p:spPr>
-        <p:style>
-          <a:lnRef idx="0"/>
-          <a:fillRef idx="0"/>
-          <a:effectRef idx="0"/>
-          <a:fontRef idx="minor"/>
-        </p:style>
-      </p:sp>
-      <p:sp>
-        <p:nvSpPr>
-          <p:cNvPr id="176" name="CustomShape 26"/>
-          <p:cNvSpPr/>
-          <p:nvPr/>
-        </p:nvSpPr>
-        <p:spPr>
-          <a:xfrm>
-            <a:off x="6696000" y="3774240"/>
-            <a:ext cx="2014920" cy="545400"/>
-          </a:xfrm>
-          <a:prstGeom prst="bracketPair">
-            <a:avLst>
-              <a:gd name="adj" fmla="val 16667"/>
-            </a:avLst>
-          </a:prstGeom>
-          <a:noFill/>
-          <a:ln w="9360">
-            <a:solidFill>
-              <a:srgbClr val="595959"/>
-            </a:solidFill>
-            <a:round/>
-          </a:ln>
-        </p:spPr>
-        <p:style>
-          <a:lnRef idx="0"/>
-          <a:fillRef idx="0"/>
-          <a:effectRef idx="0"/>
-          <a:fontRef idx="minor"/>
-        </p:style>
-        <p:txBody>
-          <a:bodyPr lIns="90000" rIns="90000" tIns="91440" bIns="91440" anchor="ctr">
-            <a:noAutofit/>
-          </a:bodyPr>
-          <a:p>
-            <a:pPr marL="457200" indent="-287640">
-              <a:lnSpc>
-                <a:spcPct val="100000"/>
-              </a:lnSpc>
-              <a:buClr>
-                <a:srgbClr val="000000"/>
-              </a:buClr>
-              <a:buFont typeface="Arial"/>
-              <a:buChar char="●"/>
-            </a:pPr>
-            <a:r>
-              <a:rPr b="0" lang="pt-BR" sz="1000" spc="-1" strike="noStrike">
-                <a:solidFill>
-                  <a:srgbClr val="000000"/>
-                </a:solidFill>
-                <a:latin typeface="Arial"/>
-                <a:ea typeface="Arial"/>
-              </a:rPr>
-              <a:t>Trocar produtos</a:t>
-            </a:r>
-            <a:endParaRPr b="0" lang="pt-BR" sz="1000" spc="-1" strike="noStrike">
-              <a:latin typeface="Arial"/>
-            </a:endParaRPr>
-          </a:p>
-        </p:txBody>
-      </p:sp>
-      <p:sp>
-        <p:nvSpPr>
-          <p:cNvPr id="177" name="CustomShape 27"/>
-          <p:cNvSpPr/>
-          <p:nvPr/>
-        </p:nvSpPr>
-        <p:spPr>
-          <a:xfrm>
-            <a:off x="5472000" y="2512800"/>
-            <a:ext cx="2087640" cy="1302840"/>
+            <a:ext cx="1369440" cy="1360080"/>
           </a:xfrm>
           <a:custGeom>
             <a:avLst/>
@@ -7739,14 +7636,14 @@
       </p:grpSpPr>
       <p:sp>
         <p:nvSpPr>
-          <p:cNvPr id="178" name="CustomShape 1"/>
+          <p:cNvPr id="176" name="CustomShape 1"/>
           <p:cNvSpPr/>
           <p:nvPr/>
         </p:nvSpPr>
         <p:spPr>
           <a:xfrm>
             <a:off x="143280" y="1593360"/>
-            <a:ext cx="9412560" cy="1503000"/>
+            <a:ext cx="9412200" cy="1502640"/>
           </a:xfrm>
           <a:prstGeom prst="rect">
             <a:avLst/>
@@ -7793,14 +7690,14 @@
       </p:sp>
       <p:sp>
         <p:nvSpPr>
-          <p:cNvPr id="179" name="CustomShape 2"/>
+          <p:cNvPr id="177" name="CustomShape 2"/>
           <p:cNvSpPr/>
           <p:nvPr/>
         </p:nvSpPr>
         <p:spPr>
           <a:xfrm>
             <a:off x="4033800" y="204840"/>
-            <a:ext cx="1996560" cy="846360"/>
+            <a:ext cx="1996200" cy="846000"/>
           </a:xfrm>
           <a:prstGeom prst="wave">
             <a:avLst>
@@ -7829,7 +7726,7 @@
             <a:noAutofit/>
           </a:bodyPr>
           <a:p>
-            <a:pPr marL="457200" indent="-287640">
+            <a:pPr marL="457200" indent="-287280">
               <a:lnSpc>
                 <a:spcPct val="100000"/>
               </a:lnSpc>
@@ -7857,14 +7754,14 @@
       </p:sp>
       <p:sp>
         <p:nvSpPr>
-          <p:cNvPr id="180" name="CustomShape 3"/>
+          <p:cNvPr id="178" name="CustomShape 3"/>
           <p:cNvSpPr/>
           <p:nvPr/>
         </p:nvSpPr>
         <p:spPr>
           <a:xfrm>
             <a:off x="143280" y="3100680"/>
-            <a:ext cx="9412560" cy="1503000"/>
+            <a:ext cx="9412200" cy="1502640"/>
           </a:xfrm>
           <a:prstGeom prst="rect">
             <a:avLst/>
@@ -7911,14 +7808,14 @@
       </p:sp>
       <p:sp>
         <p:nvSpPr>
-          <p:cNvPr id="181" name="CustomShape 4"/>
+          <p:cNvPr id="179" name="CustomShape 4"/>
           <p:cNvSpPr/>
           <p:nvPr/>
         </p:nvSpPr>
         <p:spPr>
           <a:xfrm>
             <a:off x="4392000" y="2009160"/>
-            <a:ext cx="1100880" cy="581760"/>
+            <a:ext cx="1100520" cy="581400"/>
           </a:xfrm>
           <a:prstGeom prst="roundRect">
             <a:avLst>
@@ -7979,14 +7876,14 @@
       </p:sp>
       <p:sp>
         <p:nvSpPr>
-          <p:cNvPr id="182" name="CustomShape 5"/>
+          <p:cNvPr id="180" name="CustomShape 5"/>
           <p:cNvSpPr/>
           <p:nvPr/>
         </p:nvSpPr>
         <p:spPr>
           <a:xfrm rot="10800000">
-            <a:off x="4967640" y="983520"/>
-            <a:ext cx="360" cy="1025640"/>
+            <a:off x="4967640" y="983880"/>
+            <a:ext cx="360" cy="1025280"/>
           </a:xfrm>
           <a:custGeom>
             <a:avLst/>
@@ -8021,42 +7918,42 @@
       </p:sp>
       <p:grpSp>
         <p:nvGrpSpPr>
-          <p:cNvPr id="183" name="Group 6"/>
+          <p:cNvPr id="181" name="Group 6"/>
           <p:cNvGrpSpPr/>
           <p:nvPr/>
         </p:nvGrpSpPr>
         <p:grpSpPr>
           <a:xfrm>
             <a:off x="6936120" y="1888920"/>
-            <a:ext cx="1800720" cy="911520"/>
+            <a:ext cx="1800360" cy="911160"/>
             <a:chOff x="6936120" y="1888920"/>
-            <a:chExt cx="1800720" cy="911520"/>
+            <a:chExt cx="1800360" cy="911160"/>
           </a:xfrm>
         </p:grpSpPr>
         <p:grpSp>
           <p:nvGrpSpPr>
-            <p:cNvPr id="184" name="Group 7"/>
+            <p:cNvPr id="182" name="Group 7"/>
             <p:cNvGrpSpPr/>
             <p:nvPr/>
           </p:nvGrpSpPr>
           <p:grpSpPr>
             <a:xfrm>
-              <a:off x="7322040" y="1888920"/>
-              <a:ext cx="345240" cy="648000"/>
-              <a:chOff x="7322040" y="1888920"/>
-              <a:chExt cx="345240" cy="648000"/>
+              <a:off x="7321680" y="1888920"/>
+              <a:ext cx="345600" cy="648000"/>
+              <a:chOff x="7321680" y="1888920"/>
+              <a:chExt cx="345600" cy="648000"/>
             </a:xfrm>
           </p:grpSpPr>
           <p:sp>
             <p:nvSpPr>
-              <p:cNvPr id="185" name="CustomShape 8"/>
+              <p:cNvPr id="183" name="CustomShape 8"/>
               <p:cNvSpPr/>
               <p:nvPr/>
             </p:nvSpPr>
             <p:spPr>
               <a:xfrm>
                 <a:off x="7393680" y="1888920"/>
-                <a:ext cx="209880" cy="212040"/>
+                <a:ext cx="209520" cy="211680"/>
               </a:xfrm>
               <a:prstGeom prst="flowChartConnector">
                 <a:avLst/>
@@ -8080,14 +7977,14 @@
           </p:sp>
           <p:sp>
             <p:nvSpPr>
-              <p:cNvPr id="186" name="CustomShape 9"/>
+              <p:cNvPr id="184" name="CustomShape 9"/>
               <p:cNvSpPr/>
               <p:nvPr/>
             </p:nvSpPr>
             <p:spPr>
               <a:xfrm flipH="1">
-                <a:off x="7491600" y="2105280"/>
-                <a:ext cx="360" cy="220680"/>
+                <a:off x="7490880" y="2105280"/>
+                <a:ext cx="360" cy="220320"/>
               </a:xfrm>
               <a:custGeom>
                 <a:avLst/>
@@ -8122,14 +8019,14 @@
           </p:sp>
           <p:sp>
             <p:nvSpPr>
-              <p:cNvPr id="187" name="CustomShape 10"/>
+              <p:cNvPr id="185" name="CustomShape 10"/>
               <p:cNvSpPr/>
               <p:nvPr/>
             </p:nvSpPr>
             <p:spPr>
               <a:xfrm>
                 <a:off x="7345800" y="2202480"/>
-                <a:ext cx="306000" cy="360"/>
+                <a:ext cx="305640" cy="360"/>
               </a:xfrm>
               <a:custGeom>
                 <a:avLst/>
@@ -8164,14 +8061,14 @@
           </p:sp>
           <p:sp>
             <p:nvSpPr>
-              <p:cNvPr id="188" name="CustomShape 11"/>
+              <p:cNvPr id="186" name="CustomShape 11"/>
               <p:cNvSpPr/>
               <p:nvPr/>
             </p:nvSpPr>
             <p:spPr>
               <a:xfrm flipH="1">
-                <a:off x="7322040" y="2328840"/>
-                <a:ext cx="165600" cy="203760"/>
+                <a:off x="7321320" y="2328840"/>
+                <a:ext cx="165240" cy="203400"/>
               </a:xfrm>
               <a:custGeom>
                 <a:avLst/>
@@ -8206,14 +8103,14 @@
           </p:sp>
           <p:sp>
             <p:nvSpPr>
-              <p:cNvPr id="189" name="CustomShape 12"/>
+              <p:cNvPr id="187" name="CustomShape 12"/>
               <p:cNvSpPr/>
               <p:nvPr/>
             </p:nvSpPr>
             <p:spPr>
               <a:xfrm rot="10800000">
-                <a:off x="7501320" y="2333160"/>
-                <a:ext cx="165960" cy="203760"/>
+                <a:off x="7501680" y="2333520"/>
+                <a:ext cx="165600" cy="203400"/>
               </a:xfrm>
               <a:custGeom>
                 <a:avLst/>
@@ -8249,14 +8146,14 @@
         </p:grpSp>
         <p:sp>
           <p:nvSpPr>
-            <p:cNvPr id="190" name="CustomShape 13"/>
+            <p:cNvPr id="188" name="CustomShape 13"/>
             <p:cNvSpPr/>
             <p:nvPr/>
           </p:nvSpPr>
           <p:spPr>
             <a:xfrm>
               <a:off x="6936120" y="2426760"/>
-              <a:ext cx="1800720" cy="373680"/>
+              <a:ext cx="1800360" cy="373320"/>
             </a:xfrm>
             <a:prstGeom prst="rect">
               <a:avLst/>
@@ -8301,14 +8198,14 @@
       </p:grpSp>
       <p:sp>
         <p:nvSpPr>
-          <p:cNvPr id="191" name="CustomShape 14"/>
+          <p:cNvPr id="189" name="CustomShape 14"/>
           <p:cNvSpPr/>
           <p:nvPr/>
         </p:nvSpPr>
         <p:spPr>
           <a:xfrm>
             <a:off x="6031440" y="565920"/>
-            <a:ext cx="1369800" cy="1360440"/>
+            <a:ext cx="1369440" cy="1360080"/>
           </a:xfrm>
           <a:custGeom>
             <a:avLst/>
@@ -8343,45 +8240,14 @@
       </p:sp>
       <p:sp>
         <p:nvSpPr>
-          <p:cNvPr id="192" name="CustomShape 15"/>
+          <p:cNvPr id="190" name="CustomShape 15"/>
           <p:cNvSpPr/>
           <p:nvPr/>
         </p:nvSpPr>
         <p:spPr>
           <a:xfrm>
-            <a:off x="4169520" y="3672000"/>
-            <a:ext cx="1728000" cy="545400"/>
-          </a:xfrm>
-          <a:prstGeom prst="bracketPair">
-            <a:avLst>
-              <a:gd name="adj" fmla="val 16667"/>
-            </a:avLst>
-          </a:prstGeom>
-          <a:noFill/>
-          <a:ln w="9360">
-            <a:solidFill>
-              <a:srgbClr val="595959"/>
-            </a:solidFill>
-            <a:round/>
-          </a:ln>
-        </p:spPr>
-        <p:style>
-          <a:lnRef idx="0"/>
-          <a:fillRef idx="0"/>
-          <a:effectRef idx="0"/>
-          <a:fontRef idx="minor"/>
-        </p:style>
-      </p:sp>
-      <p:sp>
-        <p:nvSpPr>
-          <p:cNvPr id="193" name="CustomShape 16"/>
-          <p:cNvSpPr/>
-          <p:nvPr/>
-        </p:nvSpPr>
-        <p:spPr>
-          <a:xfrm>
             <a:off x="4968000" y="2590920"/>
-            <a:ext cx="360" cy="1081080"/>
+            <a:ext cx="360" cy="1080720"/>
           </a:xfrm>
           <a:custGeom>
             <a:avLst/>
@@ -8413,6 +8279,67 @@
           <a:effectRef idx="0"/>
           <a:fontRef idx="minor"/>
         </p:style>
+      </p:sp>
+      <p:sp>
+        <p:nvSpPr>
+          <p:cNvPr id="191" name="CustomShape 16"/>
+          <p:cNvSpPr/>
+          <p:nvPr/>
+        </p:nvSpPr>
+        <p:spPr>
+          <a:xfrm>
+            <a:off x="4176000" y="3702960"/>
+            <a:ext cx="1584000" cy="545040"/>
+          </a:xfrm>
+          <a:prstGeom prst="bracketPair">
+            <a:avLst>
+              <a:gd name="adj" fmla="val 16667"/>
+            </a:avLst>
+          </a:prstGeom>
+          <a:noFill/>
+          <a:ln w="9360">
+            <a:solidFill>
+              <a:srgbClr val="595959"/>
+            </a:solidFill>
+            <a:round/>
+          </a:ln>
+        </p:spPr>
+        <p:style>
+          <a:lnRef idx="0"/>
+          <a:fillRef idx="0"/>
+          <a:effectRef idx="0"/>
+          <a:fontRef idx="minor"/>
+        </p:style>
+        <p:txBody>
+          <a:bodyPr lIns="90000" rIns="90000" tIns="91440" bIns="91440" anchor="ctr">
+            <a:noAutofit/>
+          </a:bodyPr>
+          <a:p>
+            <a:pPr marL="457200" indent="-287280">
+              <a:lnSpc>
+                <a:spcPct val="100000"/>
+              </a:lnSpc>
+              <a:buClr>
+                <a:srgbClr val="000000"/>
+              </a:buClr>
+              <a:buFont typeface="Arial"/>
+              <a:buChar char="●"/>
+            </a:pPr>
+            <a:r>
+              <a:rPr b="0" lang="pt-BR" sz="1000" spc="-1" strike="noStrike">
+                <a:solidFill>
+                  <a:srgbClr val="000000"/>
+                </a:solidFill>
+                <a:latin typeface="Arial"/>
+                <a:ea typeface="Arial"/>
+              </a:rPr>
+              <a:t>Trocar produtos</a:t>
+            </a:r>
+            <a:endParaRPr b="0" lang="pt-BR" sz="1000" spc="-1" strike="noStrike">
+              <a:latin typeface="Arial"/>
+            </a:endParaRPr>
+          </a:p>
+        </p:txBody>
       </p:sp>
     </p:spTree>
   </p:cSld>
@@ -8446,14 +8373,14 @@
       </p:grpSpPr>
       <p:sp>
         <p:nvSpPr>
-          <p:cNvPr id="194" name="CustomShape 1"/>
+          <p:cNvPr id="192" name="CustomShape 1"/>
           <p:cNvSpPr/>
           <p:nvPr/>
         </p:nvSpPr>
         <p:spPr>
           <a:xfrm>
             <a:off x="143280" y="1593360"/>
-            <a:ext cx="9412560" cy="1503000"/>
+            <a:ext cx="9412200" cy="1502640"/>
           </a:xfrm>
           <a:prstGeom prst="rect">
             <a:avLst/>
@@ -8500,14 +8427,14 @@
       </p:sp>
       <p:sp>
         <p:nvSpPr>
-          <p:cNvPr id="195" name="CustomShape 2"/>
+          <p:cNvPr id="193" name="CustomShape 2"/>
           <p:cNvSpPr/>
           <p:nvPr/>
         </p:nvSpPr>
         <p:spPr>
           <a:xfrm>
             <a:off x="4033800" y="204840"/>
-            <a:ext cx="1996560" cy="846360"/>
+            <a:ext cx="1996200" cy="846000"/>
           </a:xfrm>
           <a:prstGeom prst="wave">
             <a:avLst>
@@ -8536,7 +8463,7 @@
             <a:noAutofit/>
           </a:bodyPr>
           <a:p>
-            <a:pPr marL="457200" indent="-287640">
+            <a:pPr marL="457200" indent="-287280">
               <a:lnSpc>
                 <a:spcPct val="100000"/>
               </a:lnSpc>
@@ -8564,42 +8491,42 @@
       </p:sp>
       <p:grpSp>
         <p:nvGrpSpPr>
-          <p:cNvPr id="196" name="Group 3"/>
+          <p:cNvPr id="194" name="Group 3"/>
           <p:cNvGrpSpPr/>
           <p:nvPr/>
         </p:nvGrpSpPr>
         <p:grpSpPr>
           <a:xfrm>
             <a:off x="1637280" y="2081520"/>
-            <a:ext cx="1121400" cy="911520"/>
+            <a:ext cx="1121040" cy="911160"/>
             <a:chOff x="1637280" y="2081520"/>
-            <a:chExt cx="1121400" cy="911520"/>
+            <a:chExt cx="1121040" cy="911160"/>
           </a:xfrm>
         </p:grpSpPr>
         <p:grpSp>
           <p:nvGrpSpPr>
-            <p:cNvPr id="197" name="Group 4"/>
+            <p:cNvPr id="195" name="Group 4"/>
             <p:cNvGrpSpPr/>
             <p:nvPr/>
           </p:nvGrpSpPr>
           <p:grpSpPr>
             <a:xfrm>
-              <a:off x="2023200" y="2081520"/>
-              <a:ext cx="345240" cy="648000"/>
-              <a:chOff x="2023200" y="2081520"/>
-              <a:chExt cx="345240" cy="648000"/>
+              <a:off x="2022840" y="2081520"/>
+              <a:ext cx="345600" cy="648000"/>
+              <a:chOff x="2022840" y="2081520"/>
+              <a:chExt cx="345600" cy="648000"/>
             </a:xfrm>
           </p:grpSpPr>
           <p:sp>
             <p:nvSpPr>
-              <p:cNvPr id="198" name="CustomShape 5"/>
+              <p:cNvPr id="196" name="CustomShape 5"/>
               <p:cNvSpPr/>
               <p:nvPr/>
             </p:nvSpPr>
             <p:spPr>
               <a:xfrm>
                 <a:off x="2094840" y="2081520"/>
-                <a:ext cx="209880" cy="212040"/>
+                <a:ext cx="209520" cy="211680"/>
               </a:xfrm>
               <a:prstGeom prst="flowChartConnector">
                 <a:avLst/>
@@ -8623,14 +8550,14 @@
           </p:sp>
           <p:sp>
             <p:nvSpPr>
-              <p:cNvPr id="199" name="CustomShape 6"/>
+              <p:cNvPr id="197" name="CustomShape 6"/>
               <p:cNvSpPr/>
               <p:nvPr/>
             </p:nvSpPr>
             <p:spPr>
               <a:xfrm flipH="1">
-                <a:off x="2192760" y="2297880"/>
-                <a:ext cx="360" cy="220680"/>
+                <a:off x="2192040" y="2297880"/>
+                <a:ext cx="360" cy="220320"/>
               </a:xfrm>
               <a:custGeom>
                 <a:avLst/>
@@ -8665,14 +8592,14 @@
           </p:sp>
           <p:sp>
             <p:nvSpPr>
-              <p:cNvPr id="200" name="CustomShape 7"/>
+              <p:cNvPr id="198" name="CustomShape 7"/>
               <p:cNvSpPr/>
               <p:nvPr/>
             </p:nvSpPr>
             <p:spPr>
               <a:xfrm>
                 <a:off x="2046960" y="2395080"/>
-                <a:ext cx="306000" cy="360"/>
+                <a:ext cx="305640" cy="360"/>
               </a:xfrm>
               <a:custGeom>
                 <a:avLst/>
@@ -8707,14 +8634,14 @@
           </p:sp>
           <p:sp>
             <p:nvSpPr>
-              <p:cNvPr id="201" name="CustomShape 8"/>
+              <p:cNvPr id="199" name="CustomShape 8"/>
               <p:cNvSpPr/>
               <p:nvPr/>
             </p:nvSpPr>
             <p:spPr>
               <a:xfrm flipH="1">
-                <a:off x="2023200" y="2521440"/>
-                <a:ext cx="165600" cy="203760"/>
+                <a:off x="2022480" y="2521440"/>
+                <a:ext cx="165240" cy="203400"/>
               </a:xfrm>
               <a:custGeom>
                 <a:avLst/>
@@ -8749,14 +8676,14 @@
           </p:sp>
           <p:sp>
             <p:nvSpPr>
-              <p:cNvPr id="202" name="CustomShape 9"/>
+              <p:cNvPr id="200" name="CustomShape 9"/>
               <p:cNvSpPr/>
               <p:nvPr/>
             </p:nvSpPr>
             <p:spPr>
               <a:xfrm rot="10800000">
-                <a:off x="2202480" y="2525760"/>
-                <a:ext cx="165960" cy="203760"/>
+                <a:off x="2202840" y="2526120"/>
+                <a:ext cx="165600" cy="203400"/>
               </a:xfrm>
               <a:custGeom>
                 <a:avLst/>
@@ -8792,14 +8719,14 @@
         </p:grpSp>
         <p:sp>
           <p:nvSpPr>
-            <p:cNvPr id="203" name="CustomShape 10"/>
+            <p:cNvPr id="201" name="CustomShape 10"/>
             <p:cNvSpPr/>
             <p:nvPr/>
           </p:nvSpPr>
           <p:spPr>
             <a:xfrm>
               <a:off x="1637280" y="2619360"/>
-              <a:ext cx="1121400" cy="373680"/>
+              <a:ext cx="1121040" cy="373320"/>
             </a:xfrm>
             <a:prstGeom prst="rect">
               <a:avLst/>
@@ -8844,14 +8771,14 @@
       </p:grpSp>
       <p:sp>
         <p:nvSpPr>
-          <p:cNvPr id="204" name="CustomShape 11"/>
+          <p:cNvPr id="202" name="CustomShape 11"/>
           <p:cNvSpPr/>
           <p:nvPr/>
         </p:nvSpPr>
         <p:spPr>
           <a:xfrm>
             <a:off x="143280" y="3100680"/>
-            <a:ext cx="9412560" cy="1503000"/>
+            <a:ext cx="9412200" cy="1502640"/>
           </a:xfrm>
           <a:prstGeom prst="rect">
             <a:avLst/>
@@ -8898,14 +8825,14 @@
       </p:sp>
       <p:sp>
         <p:nvSpPr>
-          <p:cNvPr id="205" name="CustomShape 12"/>
+          <p:cNvPr id="203" name="CustomShape 12"/>
           <p:cNvSpPr/>
           <p:nvPr/>
         </p:nvSpPr>
         <p:spPr>
           <a:xfrm>
             <a:off x="3826800" y="3456000"/>
-            <a:ext cx="2580120" cy="846720"/>
+            <a:ext cx="2579760" cy="846360"/>
           </a:xfrm>
           <a:prstGeom prst="bracketPair">
             <a:avLst>
@@ -8931,7 +8858,7 @@
             <a:noAutofit/>
           </a:bodyPr>
           <a:p>
-            <a:pPr marL="457200" indent="-290880">
+            <a:pPr marL="457200" indent="-290520">
               <a:lnSpc>
                 <a:spcPct val="100000"/>
               </a:lnSpc>
@@ -8956,7 +8883,7 @@
             </a:endParaRPr>
           </a:p>
           <a:p>
-            <a:pPr marL="457200" indent="-287640">
+            <a:pPr marL="457200" indent="-287280">
               <a:lnSpc>
                 <a:spcPct val="100000"/>
               </a:lnSpc>
@@ -8984,14 +8911,14 @@
       </p:sp>
       <p:sp>
         <p:nvSpPr>
-          <p:cNvPr id="206" name="CustomShape 13"/>
+          <p:cNvPr id="204" name="CustomShape 13"/>
           <p:cNvSpPr/>
           <p:nvPr/>
         </p:nvSpPr>
         <p:spPr>
           <a:xfrm>
             <a:off x="4442040" y="2009160"/>
-            <a:ext cx="1100880" cy="581760"/>
+            <a:ext cx="1100520" cy="581400"/>
           </a:xfrm>
           <a:prstGeom prst="roundRect">
             <a:avLst>
@@ -9052,14 +8979,14 @@
       </p:sp>
       <p:sp>
         <p:nvSpPr>
-          <p:cNvPr id="207" name="CustomShape 14"/>
+          <p:cNvPr id="205" name="CustomShape 14"/>
           <p:cNvSpPr/>
           <p:nvPr/>
         </p:nvSpPr>
         <p:spPr>
           <a:xfrm rot="16200000">
-            <a:off x="2369520" y="780120"/>
-            <a:ext cx="1813680" cy="1512720"/>
+            <a:off x="2369520" y="780480"/>
+            <a:ext cx="1813320" cy="1512360"/>
           </a:xfrm>
           <a:prstGeom prst="curvedConnector2">
             <a:avLst/>
@@ -9081,14 +9008,14 @@
       </p:sp>
       <p:sp>
         <p:nvSpPr>
-          <p:cNvPr id="208" name="CustomShape 15"/>
+          <p:cNvPr id="206" name="CustomShape 15"/>
           <p:cNvSpPr/>
           <p:nvPr/>
         </p:nvSpPr>
         <p:spPr>
           <a:xfrm rot="10800000">
-            <a:off x="5032080" y="1009080"/>
-            <a:ext cx="7200" cy="1011960"/>
+            <a:off x="5032440" y="1009440"/>
+            <a:ext cx="6840" cy="1011600"/>
           </a:xfrm>
           <a:custGeom>
             <a:avLst/>
@@ -9123,14 +9050,14 @@
       </p:sp>
       <p:sp>
         <p:nvSpPr>
-          <p:cNvPr id="209" name="CustomShape 16"/>
+          <p:cNvPr id="207" name="CustomShape 16"/>
           <p:cNvSpPr/>
           <p:nvPr/>
         </p:nvSpPr>
         <p:spPr>
           <a:xfrm flipH="1" rot="10800000">
-            <a:off x="5037840" y="2593080"/>
-            <a:ext cx="360" cy="790920"/>
+            <a:off x="5037120" y="2593440"/>
+            <a:ext cx="360" cy="790560"/>
           </a:xfrm>
           <a:custGeom>
             <a:avLst/>
@@ -9165,42 +9092,42 @@
       </p:sp>
       <p:grpSp>
         <p:nvGrpSpPr>
-          <p:cNvPr id="210" name="Group 17"/>
+          <p:cNvPr id="208" name="Group 17"/>
           <p:cNvGrpSpPr/>
           <p:nvPr/>
         </p:nvGrpSpPr>
         <p:grpSpPr>
           <a:xfrm>
             <a:off x="6840720" y="2009160"/>
-            <a:ext cx="1121400" cy="911520"/>
+            <a:ext cx="1121040" cy="911160"/>
             <a:chOff x="6840720" y="2009160"/>
-            <a:chExt cx="1121400" cy="911520"/>
+            <a:chExt cx="1121040" cy="911160"/>
           </a:xfrm>
         </p:grpSpPr>
         <p:grpSp>
           <p:nvGrpSpPr>
-            <p:cNvPr id="211" name="Group 18"/>
+            <p:cNvPr id="209" name="Group 18"/>
             <p:cNvGrpSpPr/>
             <p:nvPr/>
           </p:nvGrpSpPr>
           <p:grpSpPr>
             <a:xfrm>
-              <a:off x="7226640" y="2009160"/>
-              <a:ext cx="345240" cy="648000"/>
-              <a:chOff x="7226640" y="2009160"/>
-              <a:chExt cx="345240" cy="648000"/>
+              <a:off x="7226280" y="2009160"/>
+              <a:ext cx="345600" cy="648000"/>
+              <a:chOff x="7226280" y="2009160"/>
+              <a:chExt cx="345600" cy="648000"/>
             </a:xfrm>
           </p:grpSpPr>
           <p:sp>
             <p:nvSpPr>
-              <p:cNvPr id="212" name="CustomShape 19"/>
+              <p:cNvPr id="210" name="CustomShape 19"/>
               <p:cNvSpPr/>
               <p:nvPr/>
             </p:nvSpPr>
             <p:spPr>
               <a:xfrm>
                 <a:off x="7298280" y="2009160"/>
-                <a:ext cx="209880" cy="212040"/>
+                <a:ext cx="209520" cy="211680"/>
               </a:xfrm>
               <a:prstGeom prst="flowChartConnector">
                 <a:avLst/>
@@ -9224,14 +9151,14 @@
           </p:sp>
           <p:sp>
             <p:nvSpPr>
-              <p:cNvPr id="213" name="CustomShape 20"/>
+              <p:cNvPr id="211" name="CustomShape 20"/>
               <p:cNvSpPr/>
               <p:nvPr/>
             </p:nvSpPr>
             <p:spPr>
               <a:xfrm flipH="1">
-                <a:off x="7396200" y="2225520"/>
-                <a:ext cx="360" cy="220680"/>
+                <a:off x="7395480" y="2225520"/>
+                <a:ext cx="360" cy="220320"/>
               </a:xfrm>
               <a:custGeom>
                 <a:avLst/>
@@ -9266,14 +9193,14 @@
           </p:sp>
           <p:sp>
             <p:nvSpPr>
-              <p:cNvPr id="214" name="CustomShape 21"/>
+              <p:cNvPr id="212" name="CustomShape 21"/>
               <p:cNvSpPr/>
               <p:nvPr/>
             </p:nvSpPr>
             <p:spPr>
               <a:xfrm>
                 <a:off x="7250400" y="2322720"/>
-                <a:ext cx="306000" cy="360"/>
+                <a:ext cx="305640" cy="360"/>
               </a:xfrm>
               <a:custGeom>
                 <a:avLst/>
@@ -9308,14 +9235,14 @@
           </p:sp>
           <p:sp>
             <p:nvSpPr>
-              <p:cNvPr id="215" name="CustomShape 22"/>
+              <p:cNvPr id="213" name="CustomShape 22"/>
               <p:cNvSpPr/>
               <p:nvPr/>
             </p:nvSpPr>
             <p:spPr>
               <a:xfrm flipH="1">
-                <a:off x="7226640" y="2449080"/>
-                <a:ext cx="165600" cy="203760"/>
+                <a:off x="7225920" y="2449080"/>
+                <a:ext cx="165240" cy="203400"/>
               </a:xfrm>
               <a:custGeom>
                 <a:avLst/>
@@ -9350,14 +9277,14 @@
           </p:sp>
           <p:sp>
             <p:nvSpPr>
-              <p:cNvPr id="216" name="CustomShape 23"/>
+              <p:cNvPr id="214" name="CustomShape 23"/>
               <p:cNvSpPr/>
               <p:nvPr/>
             </p:nvSpPr>
             <p:spPr>
               <a:xfrm rot="10800000">
-                <a:off x="7405920" y="2453400"/>
-                <a:ext cx="165960" cy="203760"/>
+                <a:off x="7406280" y="2453760"/>
+                <a:ext cx="165600" cy="203400"/>
               </a:xfrm>
               <a:custGeom>
                 <a:avLst/>
@@ -9393,14 +9320,14 @@
         </p:grpSp>
         <p:sp>
           <p:nvSpPr>
-            <p:cNvPr id="217" name="CustomShape 24"/>
+            <p:cNvPr id="215" name="CustomShape 24"/>
             <p:cNvSpPr/>
             <p:nvPr/>
           </p:nvSpPr>
           <p:spPr>
             <a:xfrm>
               <a:off x="6840720" y="2547000"/>
-              <a:ext cx="1121400" cy="373680"/>
+              <a:ext cx="1121040" cy="373320"/>
             </a:xfrm>
             <a:prstGeom prst="rect">
               <a:avLst/>
@@ -9445,14 +9372,14 @@
       </p:grpSp>
       <p:sp>
         <p:nvSpPr>
-          <p:cNvPr id="218" name="CustomShape 25"/>
+          <p:cNvPr id="216" name="CustomShape 25"/>
           <p:cNvSpPr/>
           <p:nvPr/>
         </p:nvSpPr>
         <p:spPr>
           <a:xfrm>
             <a:off x="6031080" y="628560"/>
-            <a:ext cx="1371960" cy="1380240"/>
+            <a:ext cx="1371600" cy="1379880"/>
           </a:xfrm>
           <a:prstGeom prst="curvedConnector2">
             <a:avLst/>

--- a/docs/ARTEFATOS(15-23)/Arquitetura_Negócio/15) Arquitetura de Negócio para cada Cenário.pptx
+++ b/docs/ARTEFATOS(15-23)/Arquitetura_Negócio/15) Arquitetura de Negócio para cada Cenário.pptx
@@ -10,7 +10,6 @@
     <p:sldId id="257" r:id="rId5"/>
     <p:sldId id="258" r:id="rId6"/>
     <p:sldId id="259" r:id="rId7"/>
-    <p:sldId id="260" r:id="rId8"/>
   </p:sldIdLst>
   <p:sldSz cx="10080625" cy="5670550"/>
   <p:notesSz cx="7559675" cy="10691812"/>
@@ -3275,7 +3274,7 @@
         <p:spPr>
           <a:xfrm>
             <a:off x="4033800" y="204840"/>
-            <a:ext cx="1996200" cy="846000"/>
+            <a:ext cx="1995480" cy="845280"/>
           </a:xfrm>
           <a:prstGeom prst="wave">
             <a:avLst>
@@ -3334,7 +3333,7 @@
         <p:spPr>
           <a:xfrm>
             <a:off x="2654280" y="2880000"/>
-            <a:ext cx="1374840" cy="581400"/>
+            <a:ext cx="1374120" cy="580680"/>
           </a:xfrm>
           <a:prstGeom prst="roundRect">
             <a:avLst>
@@ -3402,9 +3401,9 @@
         <p:grpSpPr>
           <a:xfrm>
             <a:off x="27360" y="2736000"/>
-            <a:ext cx="1121040" cy="910800"/>
+            <a:ext cx="1120320" cy="910080"/>
             <a:chOff x="27360" y="2736000"/>
-            <a:chExt cx="1121040" cy="910800"/>
+            <a:chExt cx="1120320" cy="910080"/>
           </a:xfrm>
         </p:grpSpPr>
         <p:grpSp>
@@ -3415,10 +3414,10 @@
           </p:nvGrpSpPr>
           <p:grpSpPr>
             <a:xfrm>
-              <a:off x="412920" y="2736000"/>
-              <a:ext cx="345600" cy="648000"/>
-              <a:chOff x="412920" y="2736000"/>
-              <a:chExt cx="345600" cy="648000"/>
+              <a:off x="412200" y="2736000"/>
+              <a:ext cx="346320" cy="648000"/>
+              <a:chOff x="412200" y="2736000"/>
+              <a:chExt cx="346320" cy="648000"/>
             </a:xfrm>
           </p:grpSpPr>
           <p:sp>
@@ -3430,7 +3429,7 @@
             <p:spPr>
               <a:xfrm>
                 <a:off x="484920" y="2736000"/>
-                <a:ext cx="209520" cy="211680"/>
+                <a:ext cx="208800" cy="210960"/>
               </a:xfrm>
               <a:prstGeom prst="flowChartConnector">
                 <a:avLst/>
@@ -3460,8 +3459,8 @@
             </p:nvSpPr>
             <p:spPr>
               <a:xfrm flipH="1">
-                <a:off x="582120" y="2952000"/>
-                <a:ext cx="360" cy="220320"/>
+                <a:off x="580680" y="2952000"/>
+                <a:ext cx="360" cy="219600"/>
               </a:xfrm>
               <a:custGeom>
                 <a:avLst/>
@@ -3503,7 +3502,7 @@
             <p:spPr>
               <a:xfrm>
                 <a:off x="437040" y="3049200"/>
-                <a:ext cx="305640" cy="360"/>
+                <a:ext cx="304920" cy="360"/>
               </a:xfrm>
               <a:custGeom>
                 <a:avLst/>
@@ -3544,8 +3543,8 @@
             </p:nvSpPr>
             <p:spPr>
               <a:xfrm flipH="1">
-                <a:off x="412560" y="3175560"/>
-                <a:ext cx="165240" cy="203400"/>
+                <a:off x="411840" y="3175560"/>
+                <a:ext cx="164520" cy="202680"/>
               </a:xfrm>
               <a:custGeom>
                 <a:avLst/>
@@ -3586,8 +3585,8 @@
             </p:nvSpPr>
             <p:spPr>
               <a:xfrm rot="10800000">
-                <a:off x="592920" y="3180600"/>
-                <a:ext cx="165600" cy="203400"/>
+                <a:off x="593640" y="3181320"/>
+                <a:ext cx="164880" cy="202680"/>
               </a:xfrm>
               <a:custGeom>
                 <a:avLst/>
@@ -3630,7 +3629,7 @@
           <p:spPr>
             <a:xfrm>
               <a:off x="27360" y="3273480"/>
-              <a:ext cx="1121040" cy="373320"/>
+              <a:ext cx="1120320" cy="372600"/>
             </a:xfrm>
             <a:prstGeom prst="rect">
               <a:avLst/>
@@ -3682,7 +3681,7 @@
         <p:spPr>
           <a:xfrm>
             <a:off x="2417040" y="1584000"/>
-            <a:ext cx="3340080" cy="1228680"/>
+            <a:ext cx="3339360" cy="1227960"/>
           </a:xfrm>
           <a:prstGeom prst="rect">
             <a:avLst/>
@@ -3703,7 +3702,7 @@
             <a:noAutofit/>
           </a:bodyPr>
           <a:p>
-            <a:pPr marL="457200" indent="-293760">
+            <a:pPr marL="457200" indent="-293040">
               <a:lnSpc>
                 <a:spcPct val="100000"/>
               </a:lnSpc>
@@ -3758,7 +3757,7 @@
         <p:spPr>
           <a:xfrm>
             <a:off x="2488320" y="4104000"/>
-            <a:ext cx="3340080" cy="910800"/>
+            <a:ext cx="3339360" cy="910080"/>
           </a:xfrm>
           <a:prstGeom prst="rect">
             <a:avLst/>
@@ -3779,7 +3778,7 @@
             <a:noAutofit/>
           </a:bodyPr>
           <a:p>
-            <a:pPr marL="457200" indent="-293760">
+            <a:pPr marL="457200" indent="-293040">
               <a:lnSpc>
                 <a:spcPct val="100000"/>
               </a:lnSpc>
@@ -3834,7 +3833,7 @@
         <p:spPr>
           <a:xfrm>
             <a:off x="8735760" y="5061600"/>
-            <a:ext cx="1273320" cy="519480"/>
+            <a:ext cx="1272600" cy="518760"/>
           </a:xfrm>
           <a:prstGeom prst="rect">
             <a:avLst/>
@@ -3875,7 +3874,7 @@
             </a:endParaRPr>
           </a:p>
           <a:p>
-            <a:pPr marL="457200" indent="-287280">
+            <a:pPr marL="457200" indent="-286560">
               <a:lnSpc>
                 <a:spcPct val="100000"/>
               </a:lnSpc>
@@ -3910,9 +3909,9 @@
         <p:grpSpPr>
           <a:xfrm>
             <a:off x="466920" y="1008000"/>
-            <a:ext cx="1473480" cy="902520"/>
+            <a:ext cx="1472760" cy="901800"/>
             <a:chOff x="466920" y="1008000"/>
-            <a:chExt cx="1473480" cy="902520"/>
+            <a:chExt cx="1472760" cy="901800"/>
           </a:xfrm>
         </p:grpSpPr>
         <p:grpSp>
@@ -3923,10 +3922,10 @@
           </p:nvGrpSpPr>
           <p:grpSpPr>
             <a:xfrm>
-              <a:off x="1014480" y="1008000"/>
-              <a:ext cx="306000" cy="642240"/>
-              <a:chOff x="1014480" y="1008000"/>
-              <a:chExt cx="306000" cy="642240"/>
+              <a:off x="1013760" y="1008000"/>
+              <a:ext cx="306720" cy="642240"/>
+              <a:chOff x="1013760" y="1008000"/>
+              <a:chExt cx="306720" cy="642240"/>
             </a:xfrm>
           </p:grpSpPr>
           <p:sp>
@@ -3938,7 +3937,7 @@
             <p:spPr>
               <a:xfrm>
                 <a:off x="1078560" y="1008000"/>
-                <a:ext cx="185040" cy="209520"/>
+                <a:ext cx="184320" cy="208800"/>
               </a:xfrm>
               <a:prstGeom prst="flowChartConnector">
                 <a:avLst/>
@@ -3968,8 +3967,8 @@
             </p:nvSpPr>
             <p:spPr>
               <a:xfrm flipH="1">
-                <a:off x="1163520" y="1222560"/>
-                <a:ext cx="360" cy="218160"/>
+                <a:off x="1162080" y="1222560"/>
+                <a:ext cx="360" cy="217440"/>
               </a:xfrm>
               <a:custGeom>
                 <a:avLst/>
@@ -4011,7 +4010,7 @@
             <p:spPr>
               <a:xfrm>
                 <a:off x="1036080" y="1318320"/>
-                <a:ext cx="270720" cy="360"/>
+                <a:ext cx="270000" cy="360"/>
               </a:xfrm>
               <a:custGeom>
                 <a:avLst/>
@@ -4052,8 +4051,8 @@
             </p:nvSpPr>
             <p:spPr>
               <a:xfrm flipH="1">
-                <a:off x="1014480" y="1443960"/>
-                <a:ext cx="146160" cy="201600"/>
+                <a:off x="1013760" y="1443960"/>
+                <a:ext cx="145440" cy="200880"/>
               </a:xfrm>
               <a:custGeom>
                 <a:avLst/>
@@ -4094,8 +4093,8 @@
             </p:nvSpPr>
             <p:spPr>
               <a:xfrm rot="10800000">
-                <a:off x="1174680" y="1448640"/>
-                <a:ext cx="145800" cy="201600"/>
+                <a:off x="1175400" y="1449360"/>
+                <a:ext cx="145080" cy="200880"/>
               </a:xfrm>
               <a:custGeom>
                 <a:avLst/>
@@ -4138,7 +4137,7 @@
           <p:spPr>
             <a:xfrm>
               <a:off x="466920" y="1540800"/>
-              <a:ext cx="1473480" cy="369720"/>
+              <a:ext cx="1472760" cy="369000"/>
             </a:xfrm>
             <a:prstGeom prst="rect">
               <a:avLst/>
@@ -4190,7 +4189,7 @@
         <p:spPr>
           <a:xfrm>
             <a:off x="675360" y="2722680"/>
-            <a:ext cx="3340080" cy="910800"/>
+            <a:ext cx="3339360" cy="910080"/>
           </a:xfrm>
           <a:prstGeom prst="rect">
             <a:avLst/>
@@ -4211,7 +4210,7 @@
             <a:noAutofit/>
           </a:bodyPr>
           <a:p>
-            <a:pPr marL="457200" indent="-293760">
+            <a:pPr marL="457200" indent="-293040">
               <a:lnSpc>
                 <a:spcPct val="100000"/>
               </a:lnSpc>
@@ -4266,9 +4265,9 @@
         <p:grpSpPr>
           <a:xfrm>
             <a:off x="675360" y="4176000"/>
-            <a:ext cx="1121040" cy="910800"/>
+            <a:ext cx="1120320" cy="910080"/>
             <a:chOff x="675360" y="4176000"/>
-            <a:chExt cx="1121040" cy="910800"/>
+            <a:chExt cx="1120320" cy="910080"/>
           </a:xfrm>
         </p:grpSpPr>
         <p:grpSp>
@@ -4279,10 +4278,10 @@
           </p:nvGrpSpPr>
           <p:grpSpPr>
             <a:xfrm>
-              <a:off x="1060920" y="4176000"/>
-              <a:ext cx="345600" cy="648000"/>
-              <a:chOff x="1060920" y="4176000"/>
-              <a:chExt cx="345600" cy="648000"/>
+              <a:off x="1060200" y="4176000"/>
+              <a:ext cx="346320" cy="648000"/>
+              <a:chOff x="1060200" y="4176000"/>
+              <a:chExt cx="346320" cy="648000"/>
             </a:xfrm>
           </p:grpSpPr>
           <p:sp>
@@ -4294,7 +4293,7 @@
             <p:spPr>
               <a:xfrm>
                 <a:off x="1132920" y="4176000"/>
-                <a:ext cx="209520" cy="211680"/>
+                <a:ext cx="208800" cy="210960"/>
               </a:xfrm>
               <a:prstGeom prst="flowChartConnector">
                 <a:avLst/>
@@ -4324,8 +4323,8 @@
             </p:nvSpPr>
             <p:spPr>
               <a:xfrm flipH="1">
-                <a:off x="1230120" y="4392000"/>
-                <a:ext cx="360" cy="220320"/>
+                <a:off x="1228680" y="4392000"/>
+                <a:ext cx="360" cy="219600"/>
               </a:xfrm>
               <a:custGeom>
                 <a:avLst/>
@@ -4367,7 +4366,7 @@
             <p:spPr>
               <a:xfrm>
                 <a:off x="1085040" y="4489200"/>
-                <a:ext cx="305640" cy="360"/>
+                <a:ext cx="304920" cy="360"/>
               </a:xfrm>
               <a:custGeom>
                 <a:avLst/>
@@ -4408,8 +4407,8 @@
             </p:nvSpPr>
             <p:spPr>
               <a:xfrm flipH="1">
-                <a:off x="1060560" y="4615560"/>
-                <a:ext cx="165240" cy="203400"/>
+                <a:off x="1059840" y="4615560"/>
+                <a:ext cx="164520" cy="202680"/>
               </a:xfrm>
               <a:custGeom>
                 <a:avLst/>
@@ -4450,8 +4449,8 @@
             </p:nvSpPr>
             <p:spPr>
               <a:xfrm rot="10800000">
-                <a:off x="1240920" y="4620600"/>
-                <a:ext cx="165600" cy="203400"/>
+                <a:off x="1241640" y="4621320"/>
+                <a:ext cx="164880" cy="202680"/>
               </a:xfrm>
               <a:custGeom>
                 <a:avLst/>
@@ -4494,7 +4493,7 @@
           <p:spPr>
             <a:xfrm>
               <a:off x="675360" y="4713480"/>
-              <a:ext cx="1121040" cy="373320"/>
+              <a:ext cx="1120320" cy="372600"/>
             </a:xfrm>
             <a:prstGeom prst="rect">
               <a:avLst/>
@@ -4546,7 +4545,7 @@
         <p:spPr>
           <a:xfrm>
             <a:off x="1943280" y="1460520"/>
-            <a:ext cx="1397160" cy="1416960"/>
+            <a:ext cx="1396440" cy="1416240"/>
           </a:xfrm>
           <a:custGeom>
             <a:avLst/>
@@ -4587,8 +4586,8 @@
         </p:nvSpPr>
         <p:spPr>
           <a:xfrm flipH="1" rot="10800000">
-            <a:off x="1797840" y="3462840"/>
-            <a:ext cx="1541160" cy="1166040"/>
+            <a:off x="1797120" y="3463560"/>
+            <a:ext cx="1540440" cy="1165320"/>
           </a:xfrm>
           <a:custGeom>
             <a:avLst/>
@@ -4629,8 +4628,8 @@
         </p:nvSpPr>
         <p:spPr>
           <a:xfrm flipH="1" rot="10800000">
-            <a:off x="1151280" y="3170520"/>
-            <a:ext cx="1500480" cy="18360"/>
+            <a:off x="1151280" y="3171240"/>
+            <a:ext cx="1499760" cy="17640"/>
           </a:xfrm>
           <a:custGeom>
             <a:avLst/>
@@ -4671,10 +4670,10 @@
         </p:nvGrpSpPr>
         <p:grpSpPr>
           <a:xfrm>
-            <a:off x="4796640" y="1144440"/>
-            <a:ext cx="1857600" cy="902520"/>
-            <a:chOff x="4796640" y="1144440"/>
-            <a:chExt cx="1857600" cy="902520"/>
+            <a:off x="5039640" y="2624400"/>
+            <a:ext cx="1856880" cy="901800"/>
+            <a:chOff x="5039640" y="2624400"/>
+            <a:chExt cx="1856880" cy="901800"/>
           </a:xfrm>
         </p:grpSpPr>
         <p:grpSp>
@@ -4685,10 +4684,10 @@
           </p:nvGrpSpPr>
           <p:grpSpPr>
             <a:xfrm>
-              <a:off x="5344200" y="1144440"/>
-              <a:ext cx="306000" cy="642240"/>
-              <a:chOff x="5344200" y="1144440"/>
-              <a:chExt cx="306000" cy="642240"/>
+              <a:off x="5586480" y="2624400"/>
+              <a:ext cx="306720" cy="642240"/>
+              <a:chOff x="5586480" y="2624400"/>
+              <a:chExt cx="306720" cy="642240"/>
             </a:xfrm>
           </p:grpSpPr>
           <p:sp>
@@ -4699,8 +4698,8 @@
             </p:nvSpPr>
             <p:spPr>
               <a:xfrm>
-                <a:off x="5408280" y="1144440"/>
-                <a:ext cx="185040" cy="209520"/>
+                <a:off x="5651280" y="2624400"/>
+                <a:ext cx="184320" cy="208800"/>
               </a:xfrm>
               <a:prstGeom prst="flowChartConnector">
                 <a:avLst/>
@@ -4730,8 +4729,8 @@
             </p:nvSpPr>
             <p:spPr>
               <a:xfrm flipH="1">
-                <a:off x="5493240" y="1359000"/>
-                <a:ext cx="360" cy="218160"/>
+                <a:off x="5734800" y="2838960"/>
+                <a:ext cx="360" cy="217440"/>
               </a:xfrm>
               <a:custGeom>
                 <a:avLst/>
@@ -4772,8 +4771,8 @@
             </p:nvSpPr>
             <p:spPr>
               <a:xfrm>
-                <a:off x="5365800" y="1454760"/>
-                <a:ext cx="270720" cy="360"/>
+                <a:off x="5608800" y="2934720"/>
+                <a:ext cx="270000" cy="360"/>
               </a:xfrm>
               <a:custGeom>
                 <a:avLst/>
@@ -4814,8 +4813,8 @@
             </p:nvSpPr>
             <p:spPr>
               <a:xfrm flipH="1">
-                <a:off x="5344200" y="1580400"/>
-                <a:ext cx="146160" cy="201600"/>
+                <a:off x="5586480" y="3060360"/>
+                <a:ext cx="145440" cy="200880"/>
               </a:xfrm>
               <a:custGeom>
                 <a:avLst/>
@@ -4856,8 +4855,8 @@
             </p:nvSpPr>
             <p:spPr>
               <a:xfrm rot="10800000">
-                <a:off x="5504400" y="1585080"/>
-                <a:ext cx="145800" cy="201600"/>
+                <a:off x="5748120" y="3065760"/>
+                <a:ext cx="145080" cy="200880"/>
               </a:xfrm>
               <a:custGeom>
                 <a:avLst/>
@@ -4899,330 +4898,8 @@
           </p:nvSpPr>
           <p:spPr>
             <a:xfrm>
-              <a:off x="4796640" y="1677240"/>
-              <a:ext cx="1857600" cy="369720"/>
-            </a:xfrm>
-            <a:prstGeom prst="rect">
-              <a:avLst/>
-            </a:prstGeom>
-            <a:noFill/>
-            <a:ln>
-              <a:noFill/>
-            </a:ln>
-          </p:spPr>
-          <p:style>
-            <a:lnRef idx="0"/>
-            <a:fillRef idx="0"/>
-            <a:effectRef idx="0"/>
-            <a:fontRef idx="minor"/>
-          </p:style>
-          <p:txBody>
-            <a:bodyPr lIns="90000" rIns="90000" tIns="91440" bIns="91440">
-              <a:noAutofit/>
-            </a:bodyPr>
-            <a:p>
-              <a:pPr algn="ctr">
-                <a:lnSpc>
-                  <a:spcPct val="100000"/>
-                </a:lnSpc>
-              </a:pPr>
-              <a:r>
-                <a:rPr b="1" lang="pt-BR" sz="1200" spc="-1" strike="noStrike">
-                  <a:solidFill>
-                    <a:srgbClr val="000000"/>
-                  </a:solidFill>
-                  <a:latin typeface="Arial"/>
-                  <a:ea typeface="Arial"/>
-                </a:rPr>
-                <a:t>Bares/Lanchonetes</a:t>
-              </a:r>
-              <a:endParaRPr b="0" lang="pt-BR" sz="1200" spc="-1" strike="noStrike">
-                <a:latin typeface="Arial"/>
-              </a:endParaRPr>
-            </a:p>
-          </p:txBody>
-        </p:sp>
-      </p:grpSp>
-      <p:sp>
-        <p:nvSpPr>
-          <p:cNvPr id="117" name="CustomShape 42"/>
-          <p:cNvSpPr/>
-          <p:nvPr/>
-        </p:nvSpPr>
-        <p:spPr>
-          <a:xfrm flipH="1">
-            <a:off x="3495960" y="1461960"/>
-            <a:ext cx="1541160" cy="1416960"/>
-          </a:xfrm>
-          <a:custGeom>
-            <a:avLst/>
-            <a:gdLst/>
-            <a:ahLst/>
-            <a:rect l="l" t="t" r="r" b="b"/>
-            <a:pathLst>
-              <a:path w="21600" h="21600">
-                <a:moveTo>
-                  <a:pt x="0" y="0"/>
-                </a:moveTo>
-                <a:lnTo>
-                  <a:pt x="21600" y="21600"/>
-                </a:lnTo>
-              </a:path>
-            </a:pathLst>
-          </a:custGeom>
-          <a:noFill/>
-          <a:ln w="9360">
-            <a:solidFill>
-              <a:srgbClr val="3465a4"/>
-            </a:solidFill>
-            <a:round/>
-          </a:ln>
-        </p:spPr>
-        <p:style>
-          <a:lnRef idx="0"/>
-          <a:fillRef idx="0"/>
-          <a:effectRef idx="0"/>
-          <a:fontRef idx="minor"/>
-        </p:style>
-      </p:sp>
-      <p:grpSp>
-        <p:nvGrpSpPr>
-          <p:cNvPr id="118" name="Group 43"/>
-          <p:cNvGrpSpPr/>
-          <p:nvPr/>
-        </p:nvGrpSpPr>
-        <p:grpSpPr>
-          <a:xfrm>
-            <a:off x="5039640" y="2624400"/>
-            <a:ext cx="1857600" cy="902520"/>
-            <a:chOff x="5039640" y="2624400"/>
-            <a:chExt cx="1857600" cy="902520"/>
-          </a:xfrm>
-        </p:grpSpPr>
-        <p:grpSp>
-          <p:nvGrpSpPr>
-            <p:cNvPr id="119" name="Group 44"/>
-            <p:cNvGrpSpPr/>
-            <p:nvPr/>
-          </p:nvGrpSpPr>
-          <p:grpSpPr>
-            <a:xfrm>
-              <a:off x="5587200" y="2624400"/>
-              <a:ext cx="306000" cy="642240"/>
-              <a:chOff x="5587200" y="2624400"/>
-              <a:chExt cx="306000" cy="642240"/>
-            </a:xfrm>
-          </p:grpSpPr>
-          <p:sp>
-            <p:nvSpPr>
-              <p:cNvPr id="120" name="CustomShape 45"/>
-              <p:cNvSpPr/>
-              <p:nvPr/>
-            </p:nvSpPr>
-            <p:spPr>
-              <a:xfrm>
-                <a:off x="5651280" y="2624400"/>
-                <a:ext cx="185040" cy="209520"/>
-              </a:xfrm>
-              <a:prstGeom prst="flowChartConnector">
-                <a:avLst/>
-              </a:prstGeom>
-              <a:solidFill>
-                <a:srgbClr val="eeeeee"/>
-              </a:solidFill>
-              <a:ln w="9360">
-                <a:solidFill>
-                  <a:srgbClr val="595959"/>
-                </a:solidFill>
-                <a:round/>
-              </a:ln>
-            </p:spPr>
-            <p:style>
-              <a:lnRef idx="0"/>
-              <a:fillRef idx="0"/>
-              <a:effectRef idx="0"/>
-              <a:fontRef idx="minor"/>
-            </p:style>
-          </p:sp>
-          <p:sp>
-            <p:nvSpPr>
-              <p:cNvPr id="121" name="CustomShape 46"/>
-              <p:cNvSpPr/>
-              <p:nvPr/>
-            </p:nvSpPr>
-            <p:spPr>
-              <a:xfrm flipH="1">
-                <a:off x="5736240" y="2838960"/>
-                <a:ext cx="360" cy="218160"/>
-              </a:xfrm>
-              <a:custGeom>
-                <a:avLst/>
-                <a:gdLst/>
-                <a:ahLst/>
-                <a:rect l="l" t="t" r="r" b="b"/>
-                <a:pathLst>
-                  <a:path w="21600" h="21600">
-                    <a:moveTo>
-                      <a:pt x="0" y="0"/>
-                    </a:moveTo>
-                    <a:lnTo>
-                      <a:pt x="21600" y="21600"/>
-                    </a:lnTo>
-                  </a:path>
-                </a:pathLst>
-              </a:custGeom>
-              <a:noFill/>
-              <a:ln w="9360">
-                <a:solidFill>
-                  <a:srgbClr val="595959"/>
-                </a:solidFill>
-                <a:round/>
-              </a:ln>
-            </p:spPr>
-            <p:style>
-              <a:lnRef idx="0"/>
-              <a:fillRef idx="0"/>
-              <a:effectRef idx="0"/>
-              <a:fontRef idx="minor"/>
-            </p:style>
-          </p:sp>
-          <p:sp>
-            <p:nvSpPr>
-              <p:cNvPr id="122" name="CustomShape 47"/>
-              <p:cNvSpPr/>
-              <p:nvPr/>
-            </p:nvSpPr>
-            <p:spPr>
-              <a:xfrm>
-                <a:off x="5608800" y="2934720"/>
-                <a:ext cx="270720" cy="360"/>
-              </a:xfrm>
-              <a:custGeom>
-                <a:avLst/>
-                <a:gdLst/>
-                <a:ahLst/>
-                <a:rect l="l" t="t" r="r" b="b"/>
-                <a:pathLst>
-                  <a:path w="21600" h="21600">
-                    <a:moveTo>
-                      <a:pt x="0" y="0"/>
-                    </a:moveTo>
-                    <a:lnTo>
-                      <a:pt x="21600" y="21600"/>
-                    </a:lnTo>
-                  </a:path>
-                </a:pathLst>
-              </a:custGeom>
-              <a:noFill/>
-              <a:ln w="9360">
-                <a:solidFill>
-                  <a:srgbClr val="595959"/>
-                </a:solidFill>
-                <a:round/>
-              </a:ln>
-            </p:spPr>
-            <p:style>
-              <a:lnRef idx="0"/>
-              <a:fillRef idx="0"/>
-              <a:effectRef idx="0"/>
-              <a:fontRef idx="minor"/>
-            </p:style>
-          </p:sp>
-          <p:sp>
-            <p:nvSpPr>
-              <p:cNvPr id="123" name="CustomShape 48"/>
-              <p:cNvSpPr/>
-              <p:nvPr/>
-            </p:nvSpPr>
-            <p:spPr>
-              <a:xfrm flipH="1">
-                <a:off x="5587200" y="3060360"/>
-                <a:ext cx="146160" cy="201600"/>
-              </a:xfrm>
-              <a:custGeom>
-                <a:avLst/>
-                <a:gdLst/>
-                <a:ahLst/>
-                <a:rect l="l" t="t" r="r" b="b"/>
-                <a:pathLst>
-                  <a:path w="21600" h="21600">
-                    <a:moveTo>
-                      <a:pt x="0" y="0"/>
-                    </a:moveTo>
-                    <a:lnTo>
-                      <a:pt x="21600" y="21600"/>
-                    </a:lnTo>
-                  </a:path>
-                </a:pathLst>
-              </a:custGeom>
-              <a:noFill/>
-              <a:ln w="9360">
-                <a:solidFill>
-                  <a:srgbClr val="595959"/>
-                </a:solidFill>
-                <a:round/>
-              </a:ln>
-            </p:spPr>
-            <p:style>
-              <a:lnRef idx="0"/>
-              <a:fillRef idx="0"/>
-              <a:effectRef idx="0"/>
-              <a:fontRef idx="minor"/>
-            </p:style>
-          </p:sp>
-          <p:sp>
-            <p:nvSpPr>
-              <p:cNvPr id="124" name="CustomShape 49"/>
-              <p:cNvSpPr/>
-              <p:nvPr/>
-            </p:nvSpPr>
-            <p:spPr>
-              <a:xfrm rot="10800000">
-                <a:off x="5747400" y="3065040"/>
-                <a:ext cx="145800" cy="201600"/>
-              </a:xfrm>
-              <a:custGeom>
-                <a:avLst/>
-                <a:gdLst/>
-                <a:ahLst/>
-                <a:rect l="l" t="t" r="r" b="b"/>
-                <a:pathLst>
-                  <a:path w="21600" h="21600">
-                    <a:moveTo>
-                      <a:pt x="0" y="0"/>
-                    </a:moveTo>
-                    <a:lnTo>
-                      <a:pt x="21600" y="21600"/>
-                    </a:lnTo>
-                  </a:path>
-                </a:pathLst>
-              </a:custGeom>
-              <a:noFill/>
-              <a:ln w="9360">
-                <a:solidFill>
-                  <a:srgbClr val="595959"/>
-                </a:solidFill>
-                <a:round/>
-              </a:ln>
-            </p:spPr>
-            <p:style>
-              <a:lnRef idx="0"/>
-              <a:fillRef idx="0"/>
-              <a:effectRef idx="0"/>
-              <a:fontRef idx="minor"/>
-            </p:style>
-          </p:sp>
-        </p:grpSp>
-        <p:sp>
-          <p:nvSpPr>
-            <p:cNvPr id="125" name="CustomShape 50"/>
-            <p:cNvSpPr/>
-            <p:nvPr/>
-          </p:nvSpPr>
-          <p:spPr>
-            <a:xfrm>
               <a:off x="5039640" y="3157200"/>
-              <a:ext cx="1857600" cy="369720"/>
+              <a:ext cx="1856880" cy="369000"/>
             </a:xfrm>
             <a:prstGeom prst="rect">
               <a:avLst/>
@@ -5267,14 +4944,14 @@
       </p:grpSp>
       <p:sp>
         <p:nvSpPr>
-          <p:cNvPr id="126" name="CustomShape 51"/>
+          <p:cNvPr id="117" name="CustomShape 42"/>
           <p:cNvSpPr/>
           <p:nvPr/>
         </p:nvSpPr>
         <p:spPr>
           <a:xfrm flipH="1" rot="10800000">
-            <a:off x="4046760" y="3170520"/>
-            <a:ext cx="1500480" cy="18360"/>
+            <a:off x="4046760" y="3171240"/>
+            <a:ext cx="1499760" cy="17640"/>
           </a:xfrm>
           <a:custGeom>
             <a:avLst/>
@@ -5339,14 +5016,14 @@
       </p:grpSpPr>
       <p:sp>
         <p:nvSpPr>
-          <p:cNvPr id="127" name="CustomShape 1"/>
+          <p:cNvPr id="118" name="CustomShape 1"/>
           <p:cNvSpPr/>
           <p:nvPr/>
         </p:nvSpPr>
         <p:spPr>
           <a:xfrm>
             <a:off x="143280" y="1593360"/>
-            <a:ext cx="9412200" cy="1502640"/>
+            <a:ext cx="9411480" cy="1501920"/>
           </a:xfrm>
           <a:prstGeom prst="rect">
             <a:avLst/>
@@ -5393,14 +5070,14 @@
       </p:sp>
       <p:sp>
         <p:nvSpPr>
-          <p:cNvPr id="128" name="CustomShape 2"/>
+          <p:cNvPr id="119" name="CustomShape 2"/>
           <p:cNvSpPr/>
           <p:nvPr/>
         </p:nvSpPr>
         <p:spPr>
           <a:xfrm>
             <a:off x="4033800" y="204840"/>
-            <a:ext cx="1996200" cy="846000"/>
+            <a:ext cx="1995480" cy="845280"/>
           </a:xfrm>
           <a:prstGeom prst="wave">
             <a:avLst>
@@ -5429,7 +5106,7 @@
             <a:noAutofit/>
           </a:bodyPr>
           <a:p>
-            <a:pPr marL="457200" indent="-287280">
+            <a:pPr marL="457200" indent="-286560">
               <a:lnSpc>
                 <a:spcPct val="100000"/>
               </a:lnSpc>
@@ -5457,42 +5134,42 @@
       </p:sp>
       <p:grpSp>
         <p:nvGrpSpPr>
-          <p:cNvPr id="129" name="Group 3"/>
+          <p:cNvPr id="120" name="Group 3"/>
           <p:cNvGrpSpPr/>
           <p:nvPr/>
         </p:nvGrpSpPr>
         <p:grpSpPr>
           <a:xfrm>
             <a:off x="1637280" y="2081520"/>
-            <a:ext cx="1121040" cy="911160"/>
+            <a:ext cx="1120320" cy="910440"/>
             <a:chOff x="1637280" y="2081520"/>
-            <a:chExt cx="1121040" cy="911160"/>
+            <a:chExt cx="1120320" cy="910440"/>
           </a:xfrm>
         </p:grpSpPr>
         <p:grpSp>
           <p:nvGrpSpPr>
-            <p:cNvPr id="130" name="Group 4"/>
+            <p:cNvPr id="121" name="Group 4"/>
             <p:cNvGrpSpPr/>
             <p:nvPr/>
           </p:nvGrpSpPr>
           <p:grpSpPr>
             <a:xfrm>
-              <a:off x="2022840" y="2081520"/>
-              <a:ext cx="345600" cy="648000"/>
-              <a:chOff x="2022840" y="2081520"/>
-              <a:chExt cx="345600" cy="648000"/>
+              <a:off x="2022120" y="2081520"/>
+              <a:ext cx="346320" cy="648000"/>
+              <a:chOff x="2022120" y="2081520"/>
+              <a:chExt cx="346320" cy="648000"/>
             </a:xfrm>
           </p:grpSpPr>
           <p:sp>
             <p:nvSpPr>
-              <p:cNvPr id="131" name="CustomShape 5"/>
+              <p:cNvPr id="122" name="CustomShape 5"/>
               <p:cNvSpPr/>
               <p:nvPr/>
             </p:nvSpPr>
             <p:spPr>
               <a:xfrm>
                 <a:off x="2094840" y="2081520"/>
-                <a:ext cx="209520" cy="211680"/>
+                <a:ext cx="208800" cy="210960"/>
               </a:xfrm>
               <a:prstGeom prst="flowChartConnector">
                 <a:avLst/>
@@ -5516,14 +5193,14 @@
           </p:sp>
           <p:sp>
             <p:nvSpPr>
-              <p:cNvPr id="132" name="CustomShape 6"/>
+              <p:cNvPr id="123" name="CustomShape 6"/>
               <p:cNvSpPr/>
               <p:nvPr/>
             </p:nvSpPr>
             <p:spPr>
               <a:xfrm flipH="1">
-                <a:off x="2192040" y="2297880"/>
-                <a:ext cx="360" cy="220320"/>
+                <a:off x="2190600" y="2297880"/>
+                <a:ext cx="360" cy="219600"/>
               </a:xfrm>
               <a:custGeom>
                 <a:avLst/>
@@ -5558,14 +5235,14 @@
           </p:sp>
           <p:sp>
             <p:nvSpPr>
-              <p:cNvPr id="133" name="CustomShape 7"/>
+              <p:cNvPr id="124" name="CustomShape 7"/>
               <p:cNvSpPr/>
               <p:nvPr/>
             </p:nvSpPr>
             <p:spPr>
               <a:xfrm>
                 <a:off x="2046960" y="2395080"/>
-                <a:ext cx="305640" cy="360"/>
+                <a:ext cx="304920" cy="360"/>
               </a:xfrm>
               <a:custGeom>
                 <a:avLst/>
@@ -5600,14 +5277,14 @@
           </p:sp>
           <p:sp>
             <p:nvSpPr>
-              <p:cNvPr id="134" name="CustomShape 8"/>
+              <p:cNvPr id="125" name="CustomShape 8"/>
               <p:cNvSpPr/>
               <p:nvPr/>
             </p:nvSpPr>
             <p:spPr>
               <a:xfrm flipH="1">
-                <a:off x="2022480" y="2521440"/>
-                <a:ext cx="165240" cy="203400"/>
+                <a:off x="2021760" y="2521440"/>
+                <a:ext cx="164520" cy="202680"/>
               </a:xfrm>
               <a:custGeom>
                 <a:avLst/>
@@ -5642,14 +5319,14 @@
           </p:sp>
           <p:sp>
             <p:nvSpPr>
-              <p:cNvPr id="135" name="CustomShape 9"/>
+              <p:cNvPr id="126" name="CustomShape 9"/>
               <p:cNvSpPr/>
               <p:nvPr/>
             </p:nvSpPr>
             <p:spPr>
               <a:xfrm rot="10800000">
-                <a:off x="2202840" y="2526120"/>
-                <a:ext cx="165600" cy="203400"/>
+                <a:off x="2203560" y="2526840"/>
+                <a:ext cx="164880" cy="202680"/>
               </a:xfrm>
               <a:custGeom>
                 <a:avLst/>
@@ -5685,14 +5362,14 @@
         </p:grpSp>
         <p:sp>
           <p:nvSpPr>
-            <p:cNvPr id="136" name="CustomShape 10"/>
+            <p:cNvPr id="127" name="CustomShape 10"/>
             <p:cNvSpPr/>
             <p:nvPr/>
           </p:nvSpPr>
           <p:spPr>
             <a:xfrm>
               <a:off x="1637280" y="2619360"/>
-              <a:ext cx="1121040" cy="373320"/>
+              <a:ext cx="1120320" cy="372600"/>
             </a:xfrm>
             <a:prstGeom prst="rect">
               <a:avLst/>
@@ -5737,14 +5414,14 @@
       </p:grpSp>
       <p:sp>
         <p:nvSpPr>
-          <p:cNvPr id="137" name="CustomShape 11"/>
+          <p:cNvPr id="128" name="CustomShape 11"/>
           <p:cNvSpPr/>
           <p:nvPr/>
         </p:nvSpPr>
         <p:spPr>
           <a:xfrm>
             <a:off x="143280" y="3097440"/>
-            <a:ext cx="9412200" cy="1502640"/>
+            <a:ext cx="9411480" cy="1501920"/>
           </a:xfrm>
           <a:prstGeom prst="rect">
             <a:avLst/>
@@ -5791,14 +5468,14 @@
       </p:sp>
       <p:sp>
         <p:nvSpPr>
-          <p:cNvPr id="138" name="CustomShape 12"/>
+          <p:cNvPr id="129" name="CustomShape 12"/>
           <p:cNvSpPr/>
           <p:nvPr/>
         </p:nvSpPr>
         <p:spPr>
           <a:xfrm>
             <a:off x="3366360" y="3744720"/>
-            <a:ext cx="1600560" cy="645120"/>
+            <a:ext cx="1599840" cy="644400"/>
           </a:xfrm>
           <a:prstGeom prst="bracketPair">
             <a:avLst>
@@ -5824,7 +5501,7 @@
             <a:noAutofit/>
           </a:bodyPr>
           <a:p>
-            <a:pPr marL="457200" indent="-287280">
+            <a:pPr marL="457200" indent="-286560">
               <a:lnSpc>
                 <a:spcPct val="100000"/>
               </a:lnSpc>
@@ -5849,7 +5526,7 @@
             </a:endParaRPr>
           </a:p>
           <a:p>
-            <a:pPr marL="457200" indent="-287280">
+            <a:pPr marL="457200" indent="-286560">
               <a:lnSpc>
                 <a:spcPct val="100000"/>
               </a:lnSpc>
@@ -5877,14 +5554,14 @@
       </p:sp>
       <p:sp>
         <p:nvSpPr>
-          <p:cNvPr id="139" name="CustomShape 13"/>
+          <p:cNvPr id="130" name="CustomShape 13"/>
           <p:cNvSpPr/>
           <p:nvPr/>
         </p:nvSpPr>
         <p:spPr>
           <a:xfrm>
             <a:off x="3929040" y="2026800"/>
-            <a:ext cx="1100520" cy="581400"/>
+            <a:ext cx="1099800" cy="580680"/>
           </a:xfrm>
           <a:prstGeom prst="roundRect">
             <a:avLst>
@@ -5945,14 +5622,14 @@
       </p:sp>
       <p:sp>
         <p:nvSpPr>
-          <p:cNvPr id="140" name="CustomShape 14"/>
+          <p:cNvPr id="131" name="CustomShape 14"/>
           <p:cNvSpPr/>
           <p:nvPr/>
         </p:nvSpPr>
         <p:spPr>
           <a:xfrm>
             <a:off x="5298480" y="2027880"/>
-            <a:ext cx="1100520" cy="581400"/>
+            <a:ext cx="1099800" cy="580680"/>
           </a:xfrm>
           <a:prstGeom prst="roundRect">
             <a:avLst>
@@ -6013,14 +5690,14 @@
       </p:sp>
       <p:sp>
         <p:nvSpPr>
-          <p:cNvPr id="141" name="CustomShape 15"/>
+          <p:cNvPr id="132" name="CustomShape 15"/>
           <p:cNvSpPr/>
           <p:nvPr/>
         </p:nvSpPr>
         <p:spPr>
           <a:xfrm>
             <a:off x="5256000" y="1008000"/>
-            <a:ext cx="502560" cy="1018440"/>
+            <a:ext cx="501840" cy="1017720"/>
           </a:xfrm>
           <a:custGeom>
             <a:avLst/>
@@ -6055,14 +5732,14 @@
       </p:sp>
       <p:sp>
         <p:nvSpPr>
-          <p:cNvPr id="142" name="CustomShape 16"/>
+          <p:cNvPr id="133" name="CustomShape 16"/>
           <p:cNvSpPr/>
           <p:nvPr/>
         </p:nvSpPr>
         <p:spPr>
           <a:xfrm flipH="1">
-            <a:off x="2302560" y="936000"/>
-            <a:ext cx="2086560" cy="1150560"/>
+            <a:off x="2301840" y="936000"/>
+            <a:ext cx="2085840" cy="1149840"/>
           </a:xfrm>
           <a:custGeom>
             <a:avLst/>
@@ -6097,14 +5774,14 @@
       </p:sp>
       <p:sp>
         <p:nvSpPr>
-          <p:cNvPr id="143" name="CustomShape 17"/>
+          <p:cNvPr id="134" name="CustomShape 17"/>
           <p:cNvSpPr/>
           <p:nvPr/>
         </p:nvSpPr>
         <p:spPr>
           <a:xfrm flipH="1">
-            <a:off x="4534560" y="936000"/>
-            <a:ext cx="286920" cy="1089360"/>
+            <a:off x="4533840" y="936000"/>
+            <a:ext cx="286200" cy="1088640"/>
           </a:xfrm>
           <a:custGeom>
             <a:avLst/>
@@ -6139,14 +5816,14 @@
       </p:sp>
       <p:sp>
         <p:nvSpPr>
-          <p:cNvPr id="144" name="CustomShape 18"/>
+          <p:cNvPr id="135" name="CustomShape 18"/>
           <p:cNvSpPr/>
           <p:nvPr/>
         </p:nvSpPr>
         <p:spPr>
           <a:xfrm>
             <a:off x="5112000" y="3888000"/>
-            <a:ext cx="1222920" cy="243000"/>
+            <a:ext cx="1222200" cy="242280"/>
           </a:xfrm>
           <a:prstGeom prst="bracketPair">
             <a:avLst>
@@ -6172,7 +5849,7 @@
             <a:noAutofit/>
           </a:bodyPr>
           <a:p>
-            <a:pPr marL="457200" indent="-287280">
+            <a:pPr marL="457200" indent="-286560">
               <a:lnSpc>
                 <a:spcPct val="100000"/>
               </a:lnSpc>
@@ -6200,14 +5877,14 @@
       </p:sp>
       <p:sp>
         <p:nvSpPr>
-          <p:cNvPr id="145" name="CustomShape 19"/>
+          <p:cNvPr id="136" name="CustomShape 19"/>
           <p:cNvSpPr/>
           <p:nvPr/>
         </p:nvSpPr>
         <p:spPr>
           <a:xfrm>
             <a:off x="5904000" y="2612160"/>
-            <a:ext cx="360" cy="1274760"/>
+            <a:ext cx="360" cy="1274040"/>
           </a:xfrm>
           <a:custGeom>
             <a:avLst/>
@@ -6242,14 +5919,14 @@
       </p:sp>
       <p:sp>
         <p:nvSpPr>
-          <p:cNvPr id="146" name="CustomShape 20"/>
+          <p:cNvPr id="137" name="CustomShape 20"/>
           <p:cNvSpPr/>
           <p:nvPr/>
         </p:nvSpPr>
         <p:spPr>
           <a:xfrm rot="10800000">
-            <a:off x="4487400" y="2610720"/>
-            <a:ext cx="360" cy="1132200"/>
+            <a:off x="4487400" y="2611440"/>
+            <a:ext cx="360" cy="1131480"/>
           </a:xfrm>
           <a:custGeom>
             <a:avLst/>
@@ -6284,14 +5961,14 @@
       </p:sp>
       <p:sp>
         <p:nvSpPr>
-          <p:cNvPr id="147" name="CustomShape 21"/>
+          <p:cNvPr id="138" name="CustomShape 21"/>
           <p:cNvSpPr/>
           <p:nvPr/>
         </p:nvSpPr>
         <p:spPr>
           <a:xfrm>
             <a:off x="6492600" y="3744720"/>
-            <a:ext cx="1498320" cy="581400"/>
+            <a:ext cx="1497600" cy="580680"/>
           </a:xfrm>
           <a:prstGeom prst="bracketPair">
             <a:avLst>
@@ -6317,7 +5994,7 @@
             <a:noAutofit/>
           </a:bodyPr>
           <a:p>
-            <a:pPr marL="457200" indent="-290520">
+            <a:pPr marL="457200" indent="-289800">
               <a:lnSpc>
                 <a:spcPct val="100000"/>
               </a:lnSpc>
@@ -6342,7 +6019,7 @@
             </a:endParaRPr>
           </a:p>
           <a:p>
-            <a:pPr marL="457200" indent="-290520">
+            <a:pPr marL="457200" indent="-289800">
               <a:lnSpc>
                 <a:spcPct val="100000"/>
               </a:lnSpc>
@@ -6370,14 +6047,14 @@
       </p:sp>
       <p:sp>
         <p:nvSpPr>
-          <p:cNvPr id="148" name="CustomShape 22"/>
+          <p:cNvPr id="139" name="CustomShape 22"/>
           <p:cNvSpPr/>
           <p:nvPr/>
         </p:nvSpPr>
         <p:spPr>
           <a:xfrm>
             <a:off x="6696000" y="2027520"/>
-            <a:ext cx="1100520" cy="581400"/>
+            <a:ext cx="1099800" cy="580680"/>
           </a:xfrm>
           <a:prstGeom prst="roundRect">
             <a:avLst>
@@ -6438,14 +6115,14 @@
       </p:sp>
       <p:sp>
         <p:nvSpPr>
-          <p:cNvPr id="149" name="CustomShape 23"/>
+          <p:cNvPr id="140" name="CustomShape 23"/>
           <p:cNvSpPr/>
           <p:nvPr/>
         </p:nvSpPr>
         <p:spPr>
           <a:xfrm>
             <a:off x="5544000" y="1058760"/>
-            <a:ext cx="1726920" cy="967680"/>
+            <a:ext cx="1726200" cy="966960"/>
           </a:xfrm>
           <a:custGeom>
             <a:avLst/>
@@ -6480,14 +6157,14 @@
       </p:sp>
       <p:sp>
         <p:nvSpPr>
-          <p:cNvPr id="150" name="CustomShape 24"/>
+          <p:cNvPr id="141" name="CustomShape 24"/>
           <p:cNvSpPr/>
           <p:nvPr/>
         </p:nvSpPr>
         <p:spPr>
           <a:xfrm>
             <a:off x="7344000" y="2612160"/>
-            <a:ext cx="360" cy="1131480"/>
+            <a:ext cx="360" cy="1130760"/>
           </a:xfrm>
           <a:custGeom>
             <a:avLst/>
@@ -6552,14 +6229,14 @@
       </p:grpSpPr>
       <p:sp>
         <p:nvSpPr>
-          <p:cNvPr id="151" name="CustomShape 1"/>
+          <p:cNvPr id="142" name="CustomShape 1"/>
           <p:cNvSpPr/>
           <p:nvPr/>
         </p:nvSpPr>
         <p:spPr>
           <a:xfrm>
             <a:off x="143280" y="1593360"/>
-            <a:ext cx="9412200" cy="1502640"/>
+            <a:ext cx="9411480" cy="1501920"/>
           </a:xfrm>
           <a:prstGeom prst="rect">
             <a:avLst/>
@@ -6606,14 +6283,14 @@
       </p:sp>
       <p:sp>
         <p:nvSpPr>
-          <p:cNvPr id="152" name="CustomShape 2"/>
+          <p:cNvPr id="143" name="CustomShape 2"/>
           <p:cNvSpPr/>
           <p:nvPr/>
         </p:nvSpPr>
         <p:spPr>
           <a:xfrm>
             <a:off x="4033800" y="204840"/>
-            <a:ext cx="1996200" cy="846000"/>
+            <a:ext cx="1995480" cy="845280"/>
           </a:xfrm>
           <a:prstGeom prst="wave">
             <a:avLst>
@@ -6642,7 +6319,7 @@
             <a:noAutofit/>
           </a:bodyPr>
           <a:p>
-            <a:pPr marL="457200" indent="-287280">
+            <a:pPr marL="457200" indent="-286560">
               <a:lnSpc>
                 <a:spcPct val="100000"/>
               </a:lnSpc>
@@ -6670,42 +6347,42 @@
       </p:sp>
       <p:grpSp>
         <p:nvGrpSpPr>
-          <p:cNvPr id="153" name="Group 3"/>
+          <p:cNvPr id="144" name="Group 3"/>
           <p:cNvGrpSpPr/>
           <p:nvPr/>
         </p:nvGrpSpPr>
         <p:grpSpPr>
           <a:xfrm>
             <a:off x="1637280" y="2081520"/>
-            <a:ext cx="1121040" cy="911160"/>
+            <a:ext cx="1120320" cy="910440"/>
             <a:chOff x="1637280" y="2081520"/>
-            <a:chExt cx="1121040" cy="911160"/>
+            <a:chExt cx="1120320" cy="910440"/>
           </a:xfrm>
         </p:grpSpPr>
         <p:grpSp>
           <p:nvGrpSpPr>
-            <p:cNvPr id="154" name="Group 4"/>
+            <p:cNvPr id="145" name="Group 4"/>
             <p:cNvGrpSpPr/>
             <p:nvPr/>
           </p:nvGrpSpPr>
           <p:grpSpPr>
             <a:xfrm>
-              <a:off x="2022840" y="2081520"/>
-              <a:ext cx="345600" cy="648000"/>
-              <a:chOff x="2022840" y="2081520"/>
-              <a:chExt cx="345600" cy="648000"/>
+              <a:off x="2022120" y="2081520"/>
+              <a:ext cx="346320" cy="648000"/>
+              <a:chOff x="2022120" y="2081520"/>
+              <a:chExt cx="346320" cy="648000"/>
             </a:xfrm>
           </p:grpSpPr>
           <p:sp>
             <p:nvSpPr>
-              <p:cNvPr id="155" name="CustomShape 5"/>
+              <p:cNvPr id="146" name="CustomShape 5"/>
               <p:cNvSpPr/>
               <p:nvPr/>
             </p:nvSpPr>
             <p:spPr>
               <a:xfrm>
                 <a:off x="2094840" y="2081520"/>
-                <a:ext cx="209520" cy="211680"/>
+                <a:ext cx="208800" cy="210960"/>
               </a:xfrm>
               <a:prstGeom prst="flowChartConnector">
                 <a:avLst/>
@@ -6729,14 +6406,14 @@
           </p:sp>
           <p:sp>
             <p:nvSpPr>
-              <p:cNvPr id="156" name="CustomShape 6"/>
+              <p:cNvPr id="147" name="CustomShape 6"/>
               <p:cNvSpPr/>
               <p:nvPr/>
             </p:nvSpPr>
             <p:spPr>
               <a:xfrm flipH="1">
-                <a:off x="2192040" y="2297880"/>
-                <a:ext cx="360" cy="220320"/>
+                <a:off x="2190600" y="2297880"/>
+                <a:ext cx="360" cy="219600"/>
               </a:xfrm>
               <a:custGeom>
                 <a:avLst/>
@@ -6771,14 +6448,14 @@
           </p:sp>
           <p:sp>
             <p:nvSpPr>
-              <p:cNvPr id="157" name="CustomShape 7"/>
+              <p:cNvPr id="148" name="CustomShape 7"/>
               <p:cNvSpPr/>
               <p:nvPr/>
             </p:nvSpPr>
             <p:spPr>
               <a:xfrm>
                 <a:off x="2046960" y="2395080"/>
-                <a:ext cx="305640" cy="360"/>
+                <a:ext cx="304920" cy="360"/>
               </a:xfrm>
               <a:custGeom>
                 <a:avLst/>
@@ -6813,14 +6490,14 @@
           </p:sp>
           <p:sp>
             <p:nvSpPr>
-              <p:cNvPr id="158" name="CustomShape 8"/>
+              <p:cNvPr id="149" name="CustomShape 8"/>
               <p:cNvSpPr/>
               <p:nvPr/>
             </p:nvSpPr>
             <p:spPr>
               <a:xfrm flipH="1">
-                <a:off x="2022480" y="2521440"/>
-                <a:ext cx="165240" cy="203400"/>
+                <a:off x="2021760" y="2521440"/>
+                <a:ext cx="164520" cy="202680"/>
               </a:xfrm>
               <a:custGeom>
                 <a:avLst/>
@@ -6855,14 +6532,14 @@
           </p:sp>
           <p:sp>
             <p:nvSpPr>
-              <p:cNvPr id="159" name="CustomShape 9"/>
+              <p:cNvPr id="150" name="CustomShape 9"/>
               <p:cNvSpPr/>
               <p:nvPr/>
             </p:nvSpPr>
             <p:spPr>
               <a:xfrm rot="10800000">
-                <a:off x="2202840" y="2526120"/>
-                <a:ext cx="165600" cy="203400"/>
+                <a:off x="2203560" y="2526840"/>
+                <a:ext cx="164880" cy="202680"/>
               </a:xfrm>
               <a:custGeom>
                 <a:avLst/>
@@ -6898,14 +6575,14 @@
         </p:grpSp>
         <p:sp>
           <p:nvSpPr>
-            <p:cNvPr id="160" name="CustomShape 10"/>
+            <p:cNvPr id="151" name="CustomShape 10"/>
             <p:cNvSpPr/>
             <p:nvPr/>
           </p:nvSpPr>
           <p:spPr>
             <a:xfrm>
               <a:off x="1637280" y="2619360"/>
-              <a:ext cx="1121040" cy="373320"/>
+              <a:ext cx="1120320" cy="372600"/>
             </a:xfrm>
             <a:prstGeom prst="rect">
               <a:avLst/>
@@ -6950,14 +6627,14 @@
       </p:grpSp>
       <p:sp>
         <p:nvSpPr>
-          <p:cNvPr id="161" name="CustomShape 11"/>
+          <p:cNvPr id="152" name="CustomShape 11"/>
           <p:cNvSpPr/>
           <p:nvPr/>
         </p:nvSpPr>
         <p:spPr>
           <a:xfrm>
             <a:off x="143280" y="3100680"/>
-            <a:ext cx="9412200" cy="1502640"/>
+            <a:ext cx="9411480" cy="1501920"/>
           </a:xfrm>
           <a:prstGeom prst="rect">
             <a:avLst/>
@@ -7004,14 +6681,14 @@
       </p:sp>
       <p:sp>
         <p:nvSpPr>
-          <p:cNvPr id="162" name="CustomShape 12"/>
+          <p:cNvPr id="153" name="CustomShape 12"/>
           <p:cNvSpPr/>
           <p:nvPr/>
         </p:nvSpPr>
         <p:spPr>
           <a:xfrm>
             <a:off x="4392000" y="2009160"/>
-            <a:ext cx="1100520" cy="581400"/>
+            <a:ext cx="1099800" cy="580680"/>
           </a:xfrm>
           <a:prstGeom prst="roundRect">
             <a:avLst>
@@ -7072,14 +6749,14 @@
       </p:sp>
       <p:sp>
         <p:nvSpPr>
-          <p:cNvPr id="163" name="CustomShape 13"/>
+          <p:cNvPr id="154" name="CustomShape 13"/>
           <p:cNvSpPr/>
           <p:nvPr/>
         </p:nvSpPr>
         <p:spPr>
           <a:xfrm flipH="1" rot="10800000">
-            <a:off x="2230560" y="721440"/>
-            <a:ext cx="1800360" cy="1360080"/>
+            <a:off x="2229840" y="722160"/>
+            <a:ext cx="1799640" cy="1359360"/>
           </a:xfrm>
           <a:custGeom>
             <a:avLst/>
@@ -7114,14 +6791,14 @@
       </p:sp>
       <p:sp>
         <p:nvSpPr>
-          <p:cNvPr id="164" name="CustomShape 14"/>
+          <p:cNvPr id="155" name="CustomShape 14"/>
           <p:cNvSpPr/>
           <p:nvPr/>
         </p:nvSpPr>
         <p:spPr>
           <a:xfrm>
             <a:off x="3888000" y="3773520"/>
-            <a:ext cx="2014560" cy="545040"/>
+            <a:ext cx="2013840" cy="544320"/>
           </a:xfrm>
           <a:prstGeom prst="bracketPair">
             <a:avLst>
@@ -7147,7 +6824,7 @@
             <a:noAutofit/>
           </a:bodyPr>
           <a:p>
-            <a:pPr marL="457200" indent="-287280">
+            <a:pPr marL="457200" indent="-286560">
               <a:lnSpc>
                 <a:spcPct val="100000"/>
               </a:lnSpc>
@@ -7172,7 +6849,7 @@
             </a:endParaRPr>
           </a:p>
           <a:p>
-            <a:pPr marL="457200" indent="-287280">
+            <a:pPr marL="457200" indent="-286560">
               <a:lnSpc>
                 <a:spcPct val="100000"/>
               </a:lnSpc>
@@ -7200,14 +6877,14 @@
       </p:sp>
       <p:sp>
         <p:nvSpPr>
-          <p:cNvPr id="165" name="CustomShape 15"/>
+          <p:cNvPr id="156" name="CustomShape 15"/>
           <p:cNvSpPr/>
           <p:nvPr/>
         </p:nvSpPr>
         <p:spPr>
           <a:xfrm rot="10800000">
-            <a:off x="4967640" y="983880"/>
-            <a:ext cx="360" cy="1025280"/>
+            <a:off x="4967640" y="984600"/>
+            <a:ext cx="360" cy="1024560"/>
           </a:xfrm>
           <a:custGeom>
             <a:avLst/>
@@ -7242,14 +6919,14 @@
       </p:sp>
       <p:sp>
         <p:nvSpPr>
-          <p:cNvPr id="166" name="CustomShape 16"/>
+          <p:cNvPr id="157" name="CustomShape 16"/>
           <p:cNvSpPr/>
           <p:nvPr/>
         </p:nvSpPr>
         <p:spPr>
           <a:xfrm>
             <a:off x="4968000" y="2598840"/>
-            <a:ext cx="360" cy="1158480"/>
+            <a:ext cx="360" cy="1157760"/>
           </a:xfrm>
           <a:custGeom>
             <a:avLst/>
@@ -7282,44 +6959,192 @@
           <a:fontRef idx="minor"/>
         </p:style>
       </p:sp>
+    </p:spTree>
+  </p:cSld>
+  <mc:AlternateContent>
+    <mc:Choice Requires="p14">
+      <p:transition spd="slow" p14:dur="2000"/>
+    </mc:Choice>
+    <mc:Fallback>
+      <p:transition spd="slow"/>
+    </mc:Fallback>
+  </mc:AlternateContent>
+</p:sld>
+</file>
+
+<file path=ppt/slides/slide4.xml><?xml version="1.0" encoding="utf-8"?>
+<p:sld xmlns:a="http://schemas.openxmlformats.org/drawingml/2006/main" xmlns:p="http://schemas.openxmlformats.org/presentationml/2006/main" xmlns:r="http://schemas.openxmlformats.org/officeDocument/2006/relationships" xmlns:p14="http://schemas.microsoft.com/office/powerpoint/2010/main" xmlns:p15="http://schemas.microsoft.com/office/powerpoint/2012/main" xmlns:mc="http://schemas.openxmlformats.org/markup-compatibility/2006">
+  <p:cSld>
+    <p:spTree>
+      <p:nvGrpSpPr>
+        <p:cNvPr id="1" name=""/>
+        <p:cNvGrpSpPr/>
+        <p:nvPr/>
+      </p:nvGrpSpPr>
+      <p:grpSpPr>
+        <a:xfrm>
+          <a:off x="0" y="0"/>
+          <a:ext cx="0" cy="0"/>
+          <a:chOff x="0" y="0"/>
+          <a:chExt cx="0" cy="0"/>
+        </a:xfrm>
+      </p:grpSpPr>
+      <p:sp>
+        <p:nvSpPr>
+          <p:cNvPr id="158" name="CustomShape 1"/>
+          <p:cNvSpPr/>
+          <p:nvPr/>
+        </p:nvSpPr>
+        <p:spPr>
+          <a:xfrm>
+            <a:off x="143280" y="1593360"/>
+            <a:ext cx="9411480" cy="1501920"/>
+          </a:xfrm>
+          <a:prstGeom prst="rect">
+            <a:avLst/>
+          </a:prstGeom>
+          <a:noFill/>
+          <a:ln w="9360">
+            <a:solidFill>
+              <a:srgbClr val="ff9900"/>
+            </a:solidFill>
+            <a:round/>
+          </a:ln>
+        </p:spPr>
+        <p:style>
+          <a:lnRef idx="0"/>
+          <a:fillRef idx="0"/>
+          <a:effectRef idx="0"/>
+          <a:fontRef idx="minor"/>
+        </p:style>
+        <p:txBody>
+          <a:bodyPr lIns="90000" rIns="90000" tIns="91440" bIns="91440">
+            <a:noAutofit/>
+          </a:bodyPr>
+          <a:p>
+            <a:pPr>
+              <a:lnSpc>
+                <a:spcPct val="100000"/>
+              </a:lnSpc>
+            </a:pPr>
+            <a:r>
+              <a:rPr b="0" lang="pt-BR" sz="1400" spc="-1" strike="noStrike">
+                <a:solidFill>
+                  <a:srgbClr val="000000"/>
+                </a:solidFill>
+                <a:latin typeface="Arial"/>
+                <a:ea typeface="Arial"/>
+              </a:rPr>
+              <a:t>Nós Operacionais</a:t>
+            </a:r>
+            <a:endParaRPr b="0" lang="pt-BR" sz="1400" spc="-1" strike="noStrike">
+              <a:latin typeface="Arial"/>
+            </a:endParaRPr>
+          </a:p>
+        </p:txBody>
+      </p:sp>
+      <p:sp>
+        <p:nvSpPr>
+          <p:cNvPr id="159" name="CustomShape 2"/>
+          <p:cNvSpPr/>
+          <p:nvPr/>
+        </p:nvSpPr>
+        <p:spPr>
+          <a:xfrm>
+            <a:off x="4033800" y="204840"/>
+            <a:ext cx="1995480" cy="845280"/>
+          </a:xfrm>
+          <a:prstGeom prst="wave">
+            <a:avLst>
+              <a:gd name="adj1" fmla="val 6999"/>
+              <a:gd name="adj2" fmla="val 0"/>
+            </a:avLst>
+          </a:prstGeom>
+          <a:solidFill>
+            <a:srgbClr val="f4cccc"/>
+          </a:solidFill>
+          <a:ln w="9360">
+            <a:solidFill>
+              <a:srgbClr val="ffffff"/>
+            </a:solidFill>
+            <a:round/>
+          </a:ln>
+        </p:spPr>
+        <p:style>
+          <a:lnRef idx="0"/>
+          <a:fillRef idx="0"/>
+          <a:effectRef idx="0"/>
+          <a:fontRef idx="minor"/>
+        </p:style>
+        <p:txBody>
+          <a:bodyPr lIns="90000" rIns="90000" tIns="91440" bIns="91440" anchor="ctr">
+            <a:noAutofit/>
+          </a:bodyPr>
+          <a:p>
+            <a:pPr marL="457200" indent="-286560">
+              <a:lnSpc>
+                <a:spcPct val="100000"/>
+              </a:lnSpc>
+              <a:buClr>
+                <a:srgbClr val="000000"/>
+              </a:buClr>
+              <a:buFont typeface="Arial"/>
+              <a:buChar char="❖"/>
+            </a:pPr>
+            <a:r>
+              <a:rPr b="0" lang="pt-BR" sz="1000" spc="-1" strike="noStrike">
+                <a:solidFill>
+                  <a:srgbClr val="000000"/>
+                </a:solidFill>
+                <a:latin typeface="Arial"/>
+                <a:ea typeface="Arial"/>
+              </a:rPr>
+              <a:t>Realizar contabilidade </a:t>
+            </a:r>
+            <a:endParaRPr b="0" lang="pt-BR" sz="1000" spc="-1" strike="noStrike">
+              <a:latin typeface="Arial"/>
+            </a:endParaRPr>
+          </a:p>
+        </p:txBody>
+      </p:sp>
       <p:grpSp>
         <p:nvGrpSpPr>
-          <p:cNvPr id="167" name="Group 17"/>
+          <p:cNvPr id="160" name="Group 3"/>
           <p:cNvGrpSpPr/>
           <p:nvPr/>
         </p:nvGrpSpPr>
         <p:grpSpPr>
           <a:xfrm>
-            <a:off x="6936120" y="1888920"/>
-            <a:ext cx="1800360" cy="911160"/>
-            <a:chOff x="6936120" y="1888920"/>
-            <a:chExt cx="1800360" cy="911160"/>
+            <a:off x="1637280" y="2081520"/>
+            <a:ext cx="1120320" cy="910440"/>
+            <a:chOff x="1637280" y="2081520"/>
+            <a:chExt cx="1120320" cy="910440"/>
           </a:xfrm>
         </p:grpSpPr>
         <p:grpSp>
           <p:nvGrpSpPr>
-            <p:cNvPr id="168" name="Group 18"/>
+            <p:cNvPr id="161" name="Group 4"/>
             <p:cNvGrpSpPr/>
             <p:nvPr/>
           </p:nvGrpSpPr>
           <p:grpSpPr>
             <a:xfrm>
-              <a:off x="7321680" y="1888920"/>
-              <a:ext cx="345600" cy="648000"/>
-              <a:chOff x="7321680" y="1888920"/>
-              <a:chExt cx="345600" cy="648000"/>
+              <a:off x="2022120" y="2081520"/>
+              <a:ext cx="346320" cy="648000"/>
+              <a:chOff x="2022120" y="2081520"/>
+              <a:chExt cx="346320" cy="648000"/>
             </a:xfrm>
           </p:grpSpPr>
           <p:sp>
             <p:nvSpPr>
-              <p:cNvPr id="169" name="CustomShape 19"/>
+              <p:cNvPr id="162" name="CustomShape 5"/>
               <p:cNvSpPr/>
               <p:nvPr/>
             </p:nvSpPr>
             <p:spPr>
               <a:xfrm>
-                <a:off x="7393680" y="1888920"/>
-                <a:ext cx="209520" cy="211680"/>
+                <a:off x="2094840" y="2081520"/>
+                <a:ext cx="208800" cy="210960"/>
               </a:xfrm>
               <a:prstGeom prst="flowChartConnector">
                 <a:avLst/>
@@ -7343,14 +7168,14 @@
           </p:sp>
           <p:sp>
             <p:nvSpPr>
-              <p:cNvPr id="170" name="CustomShape 20"/>
+              <p:cNvPr id="163" name="CustomShape 6"/>
               <p:cNvSpPr/>
               <p:nvPr/>
             </p:nvSpPr>
             <p:spPr>
               <a:xfrm flipH="1">
-                <a:off x="7490880" y="2105280"/>
-                <a:ext cx="360" cy="220320"/>
+                <a:off x="2190600" y="2297880"/>
+                <a:ext cx="360" cy="219600"/>
               </a:xfrm>
               <a:custGeom>
                 <a:avLst/>
@@ -7385,14 +7210,14 @@
           </p:sp>
           <p:sp>
             <p:nvSpPr>
-              <p:cNvPr id="171" name="CustomShape 21"/>
+              <p:cNvPr id="164" name="CustomShape 7"/>
               <p:cNvSpPr/>
               <p:nvPr/>
             </p:nvSpPr>
             <p:spPr>
               <a:xfrm>
-                <a:off x="7345800" y="2202480"/>
-                <a:ext cx="305640" cy="360"/>
+                <a:off x="2046960" y="2395080"/>
+                <a:ext cx="304920" cy="360"/>
               </a:xfrm>
               <a:custGeom>
                 <a:avLst/>
@@ -7427,14 +7252,14 @@
           </p:sp>
           <p:sp>
             <p:nvSpPr>
-              <p:cNvPr id="172" name="CustomShape 22"/>
+              <p:cNvPr id="165" name="CustomShape 8"/>
               <p:cNvSpPr/>
               <p:nvPr/>
             </p:nvSpPr>
             <p:spPr>
               <a:xfrm flipH="1">
-                <a:off x="7321320" y="2328840"/>
-                <a:ext cx="165240" cy="203400"/>
+                <a:off x="2021760" y="2521440"/>
+                <a:ext cx="164520" cy="202680"/>
               </a:xfrm>
               <a:custGeom>
                 <a:avLst/>
@@ -7469,14 +7294,14 @@
           </p:sp>
           <p:sp>
             <p:nvSpPr>
-              <p:cNvPr id="173" name="CustomShape 23"/>
+              <p:cNvPr id="166" name="CustomShape 9"/>
               <p:cNvSpPr/>
               <p:nvPr/>
             </p:nvSpPr>
             <p:spPr>
               <a:xfrm rot="10800000">
-                <a:off x="7501680" y="2333520"/>
-                <a:ext cx="165600" cy="203400"/>
+                <a:off x="2203560" y="2526840"/>
+                <a:ext cx="164880" cy="202680"/>
               </a:xfrm>
               <a:custGeom>
                 <a:avLst/>
@@ -7512,1221 +7337,14 @@
         </p:grpSp>
         <p:sp>
           <p:nvSpPr>
-            <p:cNvPr id="174" name="CustomShape 24"/>
-            <p:cNvSpPr/>
-            <p:nvPr/>
-          </p:nvSpPr>
-          <p:spPr>
-            <a:xfrm>
-              <a:off x="6936120" y="2426760"/>
-              <a:ext cx="1800360" cy="373320"/>
-            </a:xfrm>
-            <a:prstGeom prst="rect">
-              <a:avLst/>
-            </a:prstGeom>
-            <a:noFill/>
-            <a:ln>
-              <a:noFill/>
-            </a:ln>
-          </p:spPr>
-          <p:style>
-            <a:lnRef idx="0"/>
-            <a:fillRef idx="0"/>
-            <a:effectRef idx="0"/>
-            <a:fontRef idx="minor"/>
-          </p:style>
-          <p:txBody>
-            <a:bodyPr lIns="90000" rIns="90000" tIns="91440" bIns="91440">
-              <a:noAutofit/>
-            </a:bodyPr>
-            <a:p>
-              <a:pPr algn="ctr">
-                <a:lnSpc>
-                  <a:spcPct val="100000"/>
-                </a:lnSpc>
-              </a:pPr>
-              <a:r>
-                <a:rPr b="1" lang="pt-BR" sz="1200" spc="-1" strike="noStrike">
-                  <a:solidFill>
-                    <a:srgbClr val="000000"/>
-                  </a:solidFill>
-                  <a:latin typeface="Arial"/>
-                  <a:ea typeface="Arial"/>
-                </a:rPr>
-                <a:t>Bares/Lanchonetes</a:t>
-              </a:r>
-              <a:endParaRPr b="0" lang="pt-BR" sz="1200" spc="-1" strike="noStrike">
-                <a:latin typeface="Arial"/>
-              </a:endParaRPr>
-            </a:p>
-          </p:txBody>
-        </p:sp>
-      </p:grpSp>
-      <p:sp>
-        <p:nvSpPr>
-          <p:cNvPr id="175" name="CustomShape 25"/>
-          <p:cNvSpPr/>
-          <p:nvPr/>
-        </p:nvSpPr>
-        <p:spPr>
-          <a:xfrm>
-            <a:off x="6031440" y="565920"/>
-            <a:ext cx="1369440" cy="1360080"/>
-          </a:xfrm>
-          <a:custGeom>
-            <a:avLst/>
-            <a:gdLst/>
-            <a:ahLst/>
-            <a:rect l="l" t="t" r="r" b="b"/>
-            <a:pathLst>
-              <a:path w="21600" h="21600">
-                <a:moveTo>
-                  <a:pt x="0" y="0"/>
-                </a:moveTo>
-                <a:lnTo>
-                  <a:pt x="21600" y="21600"/>
-                </a:lnTo>
-              </a:path>
-            </a:pathLst>
-          </a:custGeom>
-          <a:noFill/>
-          <a:ln w="9360">
-            <a:solidFill>
-              <a:srgbClr val="3465a4"/>
-            </a:solidFill>
-            <a:round/>
-          </a:ln>
-        </p:spPr>
-        <p:style>
-          <a:lnRef idx="0"/>
-          <a:fillRef idx="0"/>
-          <a:effectRef idx="0"/>
-          <a:fontRef idx="minor"/>
-        </p:style>
-      </p:sp>
-    </p:spTree>
-  </p:cSld>
-  <mc:AlternateContent>
-    <mc:Choice Requires="p14">
-      <p:transition spd="slow" p14:dur="2000"/>
-    </mc:Choice>
-    <mc:Fallback>
-      <p:transition spd="slow"/>
-    </mc:Fallback>
-  </mc:AlternateContent>
-</p:sld>
-</file>
-
-<file path=ppt/slides/slide4.xml><?xml version="1.0" encoding="utf-8"?>
-<p:sld xmlns:a="http://schemas.openxmlformats.org/drawingml/2006/main" xmlns:p="http://schemas.openxmlformats.org/presentationml/2006/main" xmlns:r="http://schemas.openxmlformats.org/officeDocument/2006/relationships" xmlns:p14="http://schemas.microsoft.com/office/powerpoint/2010/main" xmlns:p15="http://schemas.microsoft.com/office/powerpoint/2012/main" xmlns:mc="http://schemas.openxmlformats.org/markup-compatibility/2006">
-  <p:cSld>
-    <p:spTree>
-      <p:nvGrpSpPr>
-        <p:cNvPr id="1" name=""/>
-        <p:cNvGrpSpPr/>
-        <p:nvPr/>
-      </p:nvGrpSpPr>
-      <p:grpSpPr>
-        <a:xfrm>
-          <a:off x="0" y="0"/>
-          <a:ext cx="0" cy="0"/>
-          <a:chOff x="0" y="0"/>
-          <a:chExt cx="0" cy="0"/>
-        </a:xfrm>
-      </p:grpSpPr>
-      <p:sp>
-        <p:nvSpPr>
-          <p:cNvPr id="176" name="CustomShape 1"/>
-          <p:cNvSpPr/>
-          <p:nvPr/>
-        </p:nvSpPr>
-        <p:spPr>
-          <a:xfrm>
-            <a:off x="143280" y="1593360"/>
-            <a:ext cx="9412200" cy="1502640"/>
-          </a:xfrm>
-          <a:prstGeom prst="rect">
-            <a:avLst/>
-          </a:prstGeom>
-          <a:noFill/>
-          <a:ln w="9360">
-            <a:solidFill>
-              <a:srgbClr val="ff9900"/>
-            </a:solidFill>
-            <a:round/>
-          </a:ln>
-        </p:spPr>
-        <p:style>
-          <a:lnRef idx="0"/>
-          <a:fillRef idx="0"/>
-          <a:effectRef idx="0"/>
-          <a:fontRef idx="minor"/>
-        </p:style>
-        <p:txBody>
-          <a:bodyPr lIns="90000" rIns="90000" tIns="91440" bIns="91440">
-            <a:noAutofit/>
-          </a:bodyPr>
-          <a:p>
-            <a:pPr>
-              <a:lnSpc>
-                <a:spcPct val="100000"/>
-              </a:lnSpc>
-            </a:pPr>
-            <a:r>
-              <a:rPr b="0" lang="pt-BR" sz="1400" spc="-1" strike="noStrike">
-                <a:solidFill>
-                  <a:srgbClr val="000000"/>
-                </a:solidFill>
-                <a:latin typeface="Arial"/>
-                <a:ea typeface="Arial"/>
-              </a:rPr>
-              <a:t>Nós Operacionais</a:t>
-            </a:r>
-            <a:endParaRPr b="0" lang="pt-BR" sz="1400" spc="-1" strike="noStrike">
-              <a:latin typeface="Arial"/>
-            </a:endParaRPr>
-          </a:p>
-        </p:txBody>
-      </p:sp>
-      <p:sp>
-        <p:nvSpPr>
-          <p:cNvPr id="177" name="CustomShape 2"/>
-          <p:cNvSpPr/>
-          <p:nvPr/>
-        </p:nvSpPr>
-        <p:spPr>
-          <a:xfrm>
-            <a:off x="4033800" y="204840"/>
-            <a:ext cx="1996200" cy="846000"/>
-          </a:xfrm>
-          <a:prstGeom prst="wave">
-            <a:avLst>
-              <a:gd name="adj1" fmla="val 6999"/>
-              <a:gd name="adj2" fmla="val 0"/>
-            </a:avLst>
-          </a:prstGeom>
-          <a:solidFill>
-            <a:srgbClr val="f4cccc"/>
-          </a:solidFill>
-          <a:ln w="9360">
-            <a:solidFill>
-              <a:srgbClr val="ffffff"/>
-            </a:solidFill>
-            <a:round/>
-          </a:ln>
-        </p:spPr>
-        <p:style>
-          <a:lnRef idx="0"/>
-          <a:fillRef idx="0"/>
-          <a:effectRef idx="0"/>
-          <a:fontRef idx="minor"/>
-        </p:style>
-        <p:txBody>
-          <a:bodyPr lIns="90000" rIns="90000" tIns="91440" bIns="91440" anchor="ctr">
-            <a:noAutofit/>
-          </a:bodyPr>
-          <a:p>
-            <a:pPr marL="457200" indent="-287280">
-              <a:lnSpc>
-                <a:spcPct val="100000"/>
-              </a:lnSpc>
-              <a:buClr>
-                <a:srgbClr val="000000"/>
-              </a:buClr>
-              <a:buFont typeface="Arial"/>
-              <a:buChar char="❖"/>
-            </a:pPr>
-            <a:r>
-              <a:rPr b="0" lang="pt-BR" sz="1000" spc="-1" strike="noStrike">
-                <a:solidFill>
-                  <a:srgbClr val="000000"/>
-                </a:solidFill>
-                <a:latin typeface="Arial"/>
-                <a:ea typeface="Arial"/>
-              </a:rPr>
-              <a:t>Trocar produtos</a:t>
-            </a:r>
-            <a:endParaRPr b="0" lang="pt-BR" sz="1000" spc="-1" strike="noStrike">
-              <a:latin typeface="Arial"/>
-            </a:endParaRPr>
-          </a:p>
-        </p:txBody>
-      </p:sp>
-      <p:sp>
-        <p:nvSpPr>
-          <p:cNvPr id="178" name="CustomShape 3"/>
-          <p:cNvSpPr/>
-          <p:nvPr/>
-        </p:nvSpPr>
-        <p:spPr>
-          <a:xfrm>
-            <a:off x="143280" y="3100680"/>
-            <a:ext cx="9412200" cy="1502640"/>
-          </a:xfrm>
-          <a:prstGeom prst="rect">
-            <a:avLst/>
-          </a:prstGeom>
-          <a:noFill/>
-          <a:ln w="9360">
-            <a:solidFill>
-              <a:srgbClr val="ff9900"/>
-            </a:solidFill>
-            <a:round/>
-          </a:ln>
-        </p:spPr>
-        <p:style>
-          <a:lnRef idx="0"/>
-          <a:fillRef idx="0"/>
-          <a:effectRef idx="0"/>
-          <a:fontRef idx="minor"/>
-        </p:style>
-        <p:txBody>
-          <a:bodyPr lIns="90000" rIns="90000" tIns="91440" bIns="91440">
-            <a:noAutofit/>
-          </a:bodyPr>
-          <a:p>
-            <a:pPr>
-              <a:lnSpc>
-                <a:spcPct val="100000"/>
-              </a:lnSpc>
-            </a:pPr>
-            <a:r>
-              <a:rPr b="0" lang="pt-BR" sz="1400" spc="-1" strike="noStrike">
-                <a:solidFill>
-                  <a:srgbClr val="000000"/>
-                </a:solidFill>
-                <a:latin typeface="Arial"/>
-                <a:ea typeface="Arial"/>
-              </a:rPr>
-              <a:t>Capacidades Operacionais</a:t>
-            </a:r>
-            <a:endParaRPr b="0" lang="pt-BR" sz="1400" spc="-1" strike="noStrike">
-              <a:latin typeface="Arial"/>
-            </a:endParaRPr>
-          </a:p>
-        </p:txBody>
-      </p:sp>
-      <p:sp>
-        <p:nvSpPr>
-          <p:cNvPr id="179" name="CustomShape 4"/>
-          <p:cNvSpPr/>
-          <p:nvPr/>
-        </p:nvSpPr>
-        <p:spPr>
-          <a:xfrm>
-            <a:off x="4392000" y="2009160"/>
-            <a:ext cx="1100520" cy="581400"/>
-          </a:xfrm>
-          <a:prstGeom prst="roundRect">
-            <a:avLst>
-              <a:gd name="adj" fmla="val 16667"/>
-            </a:avLst>
-          </a:prstGeom>
-          <a:gradFill rotWithShape="0">
-            <a:gsLst>
-              <a:gs pos="0">
-                <a:srgbClr val="d4e5f5"/>
-              </a:gs>
-              <a:gs pos="100000">
-                <a:srgbClr val="70a4d5"/>
-              </a:gs>
-            </a:gsLst>
-            <a:path path="circle">
-              <a:fillToRect l="50000" t="50000" r="50000" b="50000"/>
-            </a:path>
-          </a:gradFill>
-          <a:ln w="9360">
-            <a:solidFill>
-              <a:srgbClr val="f3f3f3"/>
-            </a:solidFill>
-            <a:round/>
-          </a:ln>
-        </p:spPr>
-        <p:style>
-          <a:lnRef idx="0"/>
-          <a:fillRef idx="0"/>
-          <a:effectRef idx="0"/>
-          <a:fontRef idx="minor"/>
-        </p:style>
-        <p:txBody>
-          <a:bodyPr lIns="90000" rIns="90000" tIns="91440" bIns="91440" anchor="ctr">
-            <a:noAutofit/>
-          </a:bodyPr>
-          <a:p>
-            <a:pPr algn="ctr">
-              <a:lnSpc>
-                <a:spcPct val="100000"/>
-              </a:lnSpc>
-            </a:pPr>
-            <a:r>
-              <a:rPr b="0" lang="pt-BR" sz="1000" spc="-1" strike="noStrike">
-                <a:solidFill>
-                  <a:srgbClr val="000000"/>
-                </a:solidFill>
-                <a:latin typeface="Arial"/>
-                <a:ea typeface="Arial"/>
-              </a:rPr>
-              <a:t>Compras</a:t>
-            </a:r>
-            <a:endParaRPr b="0" lang="pt-BR" sz="1000" spc="-1" strike="noStrike">
-              <a:latin typeface="Arial"/>
-            </a:endParaRPr>
-          </a:p>
-        </p:txBody>
-      </p:sp>
-      <p:sp>
-        <p:nvSpPr>
-          <p:cNvPr id="180" name="CustomShape 5"/>
-          <p:cNvSpPr/>
-          <p:nvPr/>
-        </p:nvSpPr>
-        <p:spPr>
-          <a:xfrm rot="10800000">
-            <a:off x="4967640" y="983880"/>
-            <a:ext cx="360" cy="1025280"/>
-          </a:xfrm>
-          <a:custGeom>
-            <a:avLst/>
-            <a:gdLst/>
-            <a:ahLst/>
-            <a:rect l="l" t="t" r="r" b="b"/>
-            <a:pathLst>
-              <a:path w="21600" h="21600">
-                <a:moveTo>
-                  <a:pt x="0" y="0"/>
-                </a:moveTo>
-                <a:lnTo>
-                  <a:pt x="21600" y="21600"/>
-                </a:lnTo>
-              </a:path>
-            </a:pathLst>
-          </a:custGeom>
-          <a:noFill/>
-          <a:ln w="9360">
-            <a:solidFill>
-              <a:srgbClr val="3465a4"/>
-            </a:solidFill>
-            <a:round/>
-          </a:ln>
-        </p:spPr>
-        <p:style>
-          <a:lnRef idx="0"/>
-          <a:fillRef idx="0"/>
-          <a:effectRef idx="0"/>
-          <a:fontRef idx="minor"/>
-        </p:style>
-      </p:sp>
-      <p:grpSp>
-        <p:nvGrpSpPr>
-          <p:cNvPr id="181" name="Group 6"/>
-          <p:cNvGrpSpPr/>
-          <p:nvPr/>
-        </p:nvGrpSpPr>
-        <p:grpSpPr>
-          <a:xfrm>
-            <a:off x="6936120" y="1888920"/>
-            <a:ext cx="1800360" cy="911160"/>
-            <a:chOff x="6936120" y="1888920"/>
-            <a:chExt cx="1800360" cy="911160"/>
-          </a:xfrm>
-        </p:grpSpPr>
-        <p:grpSp>
-          <p:nvGrpSpPr>
-            <p:cNvPr id="182" name="Group 7"/>
-            <p:cNvGrpSpPr/>
-            <p:nvPr/>
-          </p:nvGrpSpPr>
-          <p:grpSpPr>
-            <a:xfrm>
-              <a:off x="7321680" y="1888920"/>
-              <a:ext cx="345600" cy="648000"/>
-              <a:chOff x="7321680" y="1888920"/>
-              <a:chExt cx="345600" cy="648000"/>
-            </a:xfrm>
-          </p:grpSpPr>
-          <p:sp>
-            <p:nvSpPr>
-              <p:cNvPr id="183" name="CustomShape 8"/>
-              <p:cNvSpPr/>
-              <p:nvPr/>
-            </p:nvSpPr>
-            <p:spPr>
-              <a:xfrm>
-                <a:off x="7393680" y="1888920"/>
-                <a:ext cx="209520" cy="211680"/>
-              </a:xfrm>
-              <a:prstGeom prst="flowChartConnector">
-                <a:avLst/>
-              </a:prstGeom>
-              <a:solidFill>
-                <a:srgbClr val="eeeeee"/>
-              </a:solidFill>
-              <a:ln w="9360">
-                <a:solidFill>
-                  <a:srgbClr val="595959"/>
-                </a:solidFill>
-                <a:round/>
-              </a:ln>
-            </p:spPr>
-            <p:style>
-              <a:lnRef idx="0"/>
-              <a:fillRef idx="0"/>
-              <a:effectRef idx="0"/>
-              <a:fontRef idx="minor"/>
-            </p:style>
-          </p:sp>
-          <p:sp>
-            <p:nvSpPr>
-              <p:cNvPr id="184" name="CustomShape 9"/>
-              <p:cNvSpPr/>
-              <p:nvPr/>
-            </p:nvSpPr>
-            <p:spPr>
-              <a:xfrm flipH="1">
-                <a:off x="7490880" y="2105280"/>
-                <a:ext cx="360" cy="220320"/>
-              </a:xfrm>
-              <a:custGeom>
-                <a:avLst/>
-                <a:gdLst/>
-                <a:ahLst/>
-                <a:rect l="l" t="t" r="r" b="b"/>
-                <a:pathLst>
-                  <a:path w="21600" h="21600">
-                    <a:moveTo>
-                      <a:pt x="0" y="0"/>
-                    </a:moveTo>
-                    <a:lnTo>
-                      <a:pt x="21600" y="21600"/>
-                    </a:lnTo>
-                  </a:path>
-                </a:pathLst>
-              </a:custGeom>
-              <a:noFill/>
-              <a:ln w="9360">
-                <a:solidFill>
-                  <a:srgbClr val="595959"/>
-                </a:solidFill>
-                <a:round/>
-              </a:ln>
-            </p:spPr>
-            <p:style>
-              <a:lnRef idx="0"/>
-              <a:fillRef idx="0"/>
-              <a:effectRef idx="0"/>
-              <a:fontRef idx="minor"/>
-            </p:style>
-          </p:sp>
-          <p:sp>
-            <p:nvSpPr>
-              <p:cNvPr id="185" name="CustomShape 10"/>
-              <p:cNvSpPr/>
-              <p:nvPr/>
-            </p:nvSpPr>
-            <p:spPr>
-              <a:xfrm>
-                <a:off x="7345800" y="2202480"/>
-                <a:ext cx="305640" cy="360"/>
-              </a:xfrm>
-              <a:custGeom>
-                <a:avLst/>
-                <a:gdLst/>
-                <a:ahLst/>
-                <a:rect l="l" t="t" r="r" b="b"/>
-                <a:pathLst>
-                  <a:path w="21600" h="21600">
-                    <a:moveTo>
-                      <a:pt x="0" y="0"/>
-                    </a:moveTo>
-                    <a:lnTo>
-                      <a:pt x="21600" y="21600"/>
-                    </a:lnTo>
-                  </a:path>
-                </a:pathLst>
-              </a:custGeom>
-              <a:noFill/>
-              <a:ln w="9360">
-                <a:solidFill>
-                  <a:srgbClr val="595959"/>
-                </a:solidFill>
-                <a:round/>
-              </a:ln>
-            </p:spPr>
-            <p:style>
-              <a:lnRef idx="0"/>
-              <a:fillRef idx="0"/>
-              <a:effectRef idx="0"/>
-              <a:fontRef idx="minor"/>
-            </p:style>
-          </p:sp>
-          <p:sp>
-            <p:nvSpPr>
-              <p:cNvPr id="186" name="CustomShape 11"/>
-              <p:cNvSpPr/>
-              <p:nvPr/>
-            </p:nvSpPr>
-            <p:spPr>
-              <a:xfrm flipH="1">
-                <a:off x="7321320" y="2328840"/>
-                <a:ext cx="165240" cy="203400"/>
-              </a:xfrm>
-              <a:custGeom>
-                <a:avLst/>
-                <a:gdLst/>
-                <a:ahLst/>
-                <a:rect l="l" t="t" r="r" b="b"/>
-                <a:pathLst>
-                  <a:path w="21600" h="21600">
-                    <a:moveTo>
-                      <a:pt x="0" y="0"/>
-                    </a:moveTo>
-                    <a:lnTo>
-                      <a:pt x="21600" y="21600"/>
-                    </a:lnTo>
-                  </a:path>
-                </a:pathLst>
-              </a:custGeom>
-              <a:noFill/>
-              <a:ln w="9360">
-                <a:solidFill>
-                  <a:srgbClr val="595959"/>
-                </a:solidFill>
-                <a:round/>
-              </a:ln>
-            </p:spPr>
-            <p:style>
-              <a:lnRef idx="0"/>
-              <a:fillRef idx="0"/>
-              <a:effectRef idx="0"/>
-              <a:fontRef idx="minor"/>
-            </p:style>
-          </p:sp>
-          <p:sp>
-            <p:nvSpPr>
-              <p:cNvPr id="187" name="CustomShape 12"/>
-              <p:cNvSpPr/>
-              <p:nvPr/>
-            </p:nvSpPr>
-            <p:spPr>
-              <a:xfrm rot="10800000">
-                <a:off x="7501680" y="2333520"/>
-                <a:ext cx="165600" cy="203400"/>
-              </a:xfrm>
-              <a:custGeom>
-                <a:avLst/>
-                <a:gdLst/>
-                <a:ahLst/>
-                <a:rect l="l" t="t" r="r" b="b"/>
-                <a:pathLst>
-                  <a:path w="21600" h="21600">
-                    <a:moveTo>
-                      <a:pt x="0" y="0"/>
-                    </a:moveTo>
-                    <a:lnTo>
-                      <a:pt x="21600" y="21600"/>
-                    </a:lnTo>
-                  </a:path>
-                </a:pathLst>
-              </a:custGeom>
-              <a:noFill/>
-              <a:ln w="9360">
-                <a:solidFill>
-                  <a:srgbClr val="595959"/>
-                </a:solidFill>
-                <a:round/>
-              </a:ln>
-            </p:spPr>
-            <p:style>
-              <a:lnRef idx="0"/>
-              <a:fillRef idx="0"/>
-              <a:effectRef idx="0"/>
-              <a:fontRef idx="minor"/>
-            </p:style>
-          </p:sp>
-        </p:grpSp>
-        <p:sp>
-          <p:nvSpPr>
-            <p:cNvPr id="188" name="CustomShape 13"/>
-            <p:cNvSpPr/>
-            <p:nvPr/>
-          </p:nvSpPr>
-          <p:spPr>
-            <a:xfrm>
-              <a:off x="6936120" y="2426760"/>
-              <a:ext cx="1800360" cy="373320"/>
-            </a:xfrm>
-            <a:prstGeom prst="rect">
-              <a:avLst/>
-            </a:prstGeom>
-            <a:noFill/>
-            <a:ln>
-              <a:noFill/>
-            </a:ln>
-          </p:spPr>
-          <p:style>
-            <a:lnRef idx="0"/>
-            <a:fillRef idx="0"/>
-            <a:effectRef idx="0"/>
-            <a:fontRef idx="minor"/>
-          </p:style>
-          <p:txBody>
-            <a:bodyPr lIns="90000" rIns="90000" tIns="91440" bIns="91440">
-              <a:noAutofit/>
-            </a:bodyPr>
-            <a:p>
-              <a:pPr algn="ctr">
-                <a:lnSpc>
-                  <a:spcPct val="100000"/>
-                </a:lnSpc>
-              </a:pPr>
-              <a:r>
-                <a:rPr b="1" lang="pt-BR" sz="1200" spc="-1" strike="noStrike">
-                  <a:solidFill>
-                    <a:srgbClr val="000000"/>
-                  </a:solidFill>
-                  <a:latin typeface="Arial"/>
-                  <a:ea typeface="Arial"/>
-                </a:rPr>
-                <a:t>Bares/Lanchonetes</a:t>
-              </a:r>
-              <a:endParaRPr b="0" lang="pt-BR" sz="1200" spc="-1" strike="noStrike">
-                <a:latin typeface="Arial"/>
-              </a:endParaRPr>
-            </a:p>
-          </p:txBody>
-        </p:sp>
-      </p:grpSp>
-      <p:sp>
-        <p:nvSpPr>
-          <p:cNvPr id="189" name="CustomShape 14"/>
-          <p:cNvSpPr/>
-          <p:nvPr/>
-        </p:nvSpPr>
-        <p:spPr>
-          <a:xfrm>
-            <a:off x="6031440" y="565920"/>
-            <a:ext cx="1369440" cy="1360080"/>
-          </a:xfrm>
-          <a:custGeom>
-            <a:avLst/>
-            <a:gdLst/>
-            <a:ahLst/>
-            <a:rect l="l" t="t" r="r" b="b"/>
-            <a:pathLst>
-              <a:path w="21600" h="21600">
-                <a:moveTo>
-                  <a:pt x="0" y="0"/>
-                </a:moveTo>
-                <a:lnTo>
-                  <a:pt x="21600" y="21600"/>
-                </a:lnTo>
-              </a:path>
-            </a:pathLst>
-          </a:custGeom>
-          <a:noFill/>
-          <a:ln w="9360">
-            <a:solidFill>
-              <a:srgbClr val="3465a4"/>
-            </a:solidFill>
-            <a:round/>
-          </a:ln>
-        </p:spPr>
-        <p:style>
-          <a:lnRef idx="0"/>
-          <a:fillRef idx="0"/>
-          <a:effectRef idx="0"/>
-          <a:fontRef idx="minor"/>
-        </p:style>
-      </p:sp>
-      <p:sp>
-        <p:nvSpPr>
-          <p:cNvPr id="190" name="CustomShape 15"/>
-          <p:cNvSpPr/>
-          <p:nvPr/>
-        </p:nvSpPr>
-        <p:spPr>
-          <a:xfrm>
-            <a:off x="4968000" y="2590920"/>
-            <a:ext cx="360" cy="1080720"/>
-          </a:xfrm>
-          <a:custGeom>
-            <a:avLst/>
-            <a:gdLst/>
-            <a:ahLst/>
-            <a:rect l="l" t="t" r="r" b="b"/>
-            <a:pathLst>
-              <a:path w="21600" h="21600">
-                <a:moveTo>
-                  <a:pt x="0" y="0"/>
-                </a:moveTo>
-                <a:lnTo>
-                  <a:pt x="21600" y="21600"/>
-                </a:lnTo>
-              </a:path>
-            </a:pathLst>
-          </a:custGeom>
-          <a:noFill/>
-          <a:ln w="9360">
-            <a:solidFill>
-              <a:srgbClr val="3465a4"/>
-            </a:solidFill>
-            <a:round/>
-          </a:ln>
-        </p:spPr>
-        <p:style>
-          <a:lnRef idx="0"/>
-          <a:fillRef idx="0"/>
-          <a:effectRef idx="0"/>
-          <a:fontRef idx="minor"/>
-        </p:style>
-      </p:sp>
-      <p:sp>
-        <p:nvSpPr>
-          <p:cNvPr id="191" name="CustomShape 16"/>
-          <p:cNvSpPr/>
-          <p:nvPr/>
-        </p:nvSpPr>
-        <p:spPr>
-          <a:xfrm>
-            <a:off x="4176000" y="3702960"/>
-            <a:ext cx="1584000" cy="545040"/>
-          </a:xfrm>
-          <a:prstGeom prst="bracketPair">
-            <a:avLst>
-              <a:gd name="adj" fmla="val 16667"/>
-            </a:avLst>
-          </a:prstGeom>
-          <a:noFill/>
-          <a:ln w="9360">
-            <a:solidFill>
-              <a:srgbClr val="595959"/>
-            </a:solidFill>
-            <a:round/>
-          </a:ln>
-        </p:spPr>
-        <p:style>
-          <a:lnRef idx="0"/>
-          <a:fillRef idx="0"/>
-          <a:effectRef idx="0"/>
-          <a:fontRef idx="minor"/>
-        </p:style>
-        <p:txBody>
-          <a:bodyPr lIns="90000" rIns="90000" tIns="91440" bIns="91440" anchor="ctr">
-            <a:noAutofit/>
-          </a:bodyPr>
-          <a:p>
-            <a:pPr marL="457200" indent="-287280">
-              <a:lnSpc>
-                <a:spcPct val="100000"/>
-              </a:lnSpc>
-              <a:buClr>
-                <a:srgbClr val="000000"/>
-              </a:buClr>
-              <a:buFont typeface="Arial"/>
-              <a:buChar char="●"/>
-            </a:pPr>
-            <a:r>
-              <a:rPr b="0" lang="pt-BR" sz="1000" spc="-1" strike="noStrike">
-                <a:solidFill>
-                  <a:srgbClr val="000000"/>
-                </a:solidFill>
-                <a:latin typeface="Arial"/>
-                <a:ea typeface="Arial"/>
-              </a:rPr>
-              <a:t>Trocar produtos</a:t>
-            </a:r>
-            <a:endParaRPr b="0" lang="pt-BR" sz="1000" spc="-1" strike="noStrike">
-              <a:latin typeface="Arial"/>
-            </a:endParaRPr>
-          </a:p>
-        </p:txBody>
-      </p:sp>
-    </p:spTree>
-  </p:cSld>
-  <mc:AlternateContent>
-    <mc:Choice Requires="p14">
-      <p:transition spd="slow" p14:dur="2000"/>
-    </mc:Choice>
-    <mc:Fallback>
-      <p:transition spd="slow"/>
-    </mc:Fallback>
-  </mc:AlternateContent>
-</p:sld>
-</file>
-
-<file path=ppt/slides/slide5.xml><?xml version="1.0" encoding="utf-8"?>
-<p:sld xmlns:a="http://schemas.openxmlformats.org/drawingml/2006/main" xmlns:p="http://schemas.openxmlformats.org/presentationml/2006/main" xmlns:r="http://schemas.openxmlformats.org/officeDocument/2006/relationships" xmlns:p14="http://schemas.microsoft.com/office/powerpoint/2010/main" xmlns:p15="http://schemas.microsoft.com/office/powerpoint/2012/main" xmlns:mc="http://schemas.openxmlformats.org/markup-compatibility/2006">
-  <p:cSld>
-    <p:spTree>
-      <p:nvGrpSpPr>
-        <p:cNvPr id="1" name=""/>
-        <p:cNvGrpSpPr/>
-        <p:nvPr/>
-      </p:nvGrpSpPr>
-      <p:grpSpPr>
-        <a:xfrm>
-          <a:off x="0" y="0"/>
-          <a:ext cx="0" cy="0"/>
-          <a:chOff x="0" y="0"/>
-          <a:chExt cx="0" cy="0"/>
-        </a:xfrm>
-      </p:grpSpPr>
-      <p:sp>
-        <p:nvSpPr>
-          <p:cNvPr id="192" name="CustomShape 1"/>
-          <p:cNvSpPr/>
-          <p:nvPr/>
-        </p:nvSpPr>
-        <p:spPr>
-          <a:xfrm>
-            <a:off x="143280" y="1593360"/>
-            <a:ext cx="9412200" cy="1502640"/>
-          </a:xfrm>
-          <a:prstGeom prst="rect">
-            <a:avLst/>
-          </a:prstGeom>
-          <a:noFill/>
-          <a:ln w="9360">
-            <a:solidFill>
-              <a:srgbClr val="ff9900"/>
-            </a:solidFill>
-            <a:round/>
-          </a:ln>
-        </p:spPr>
-        <p:style>
-          <a:lnRef idx="0"/>
-          <a:fillRef idx="0"/>
-          <a:effectRef idx="0"/>
-          <a:fontRef idx="minor"/>
-        </p:style>
-        <p:txBody>
-          <a:bodyPr lIns="90000" rIns="90000" tIns="91440" bIns="91440">
-            <a:noAutofit/>
-          </a:bodyPr>
-          <a:p>
-            <a:pPr>
-              <a:lnSpc>
-                <a:spcPct val="100000"/>
-              </a:lnSpc>
-            </a:pPr>
-            <a:r>
-              <a:rPr b="0" lang="pt-BR" sz="1400" spc="-1" strike="noStrike">
-                <a:solidFill>
-                  <a:srgbClr val="000000"/>
-                </a:solidFill>
-                <a:latin typeface="Arial"/>
-                <a:ea typeface="Arial"/>
-              </a:rPr>
-              <a:t>Nós Operacionais</a:t>
-            </a:r>
-            <a:endParaRPr b="0" lang="pt-BR" sz="1400" spc="-1" strike="noStrike">
-              <a:latin typeface="Arial"/>
-            </a:endParaRPr>
-          </a:p>
-        </p:txBody>
-      </p:sp>
-      <p:sp>
-        <p:nvSpPr>
-          <p:cNvPr id="193" name="CustomShape 2"/>
-          <p:cNvSpPr/>
-          <p:nvPr/>
-        </p:nvSpPr>
-        <p:spPr>
-          <a:xfrm>
-            <a:off x="4033800" y="204840"/>
-            <a:ext cx="1996200" cy="846000"/>
-          </a:xfrm>
-          <a:prstGeom prst="wave">
-            <a:avLst>
-              <a:gd name="adj1" fmla="val 6999"/>
-              <a:gd name="adj2" fmla="val 0"/>
-            </a:avLst>
-          </a:prstGeom>
-          <a:solidFill>
-            <a:srgbClr val="f4cccc"/>
-          </a:solidFill>
-          <a:ln w="9360">
-            <a:solidFill>
-              <a:srgbClr val="ffffff"/>
-            </a:solidFill>
-            <a:round/>
-          </a:ln>
-        </p:spPr>
-        <p:style>
-          <a:lnRef idx="0"/>
-          <a:fillRef idx="0"/>
-          <a:effectRef idx="0"/>
-          <a:fontRef idx="minor"/>
-        </p:style>
-        <p:txBody>
-          <a:bodyPr lIns="90000" rIns="90000" tIns="91440" bIns="91440" anchor="ctr">
-            <a:noAutofit/>
-          </a:bodyPr>
-          <a:p>
-            <a:pPr marL="457200" indent="-287280">
-              <a:lnSpc>
-                <a:spcPct val="100000"/>
-              </a:lnSpc>
-              <a:buClr>
-                <a:srgbClr val="000000"/>
-              </a:buClr>
-              <a:buFont typeface="Arial"/>
-              <a:buChar char="❖"/>
-            </a:pPr>
-            <a:r>
-              <a:rPr b="0" lang="pt-BR" sz="1000" spc="-1" strike="noStrike">
-                <a:solidFill>
-                  <a:srgbClr val="000000"/>
-                </a:solidFill>
-                <a:latin typeface="Arial"/>
-                <a:ea typeface="Arial"/>
-              </a:rPr>
-              <a:t>Realizar contabilidade </a:t>
-            </a:r>
-            <a:endParaRPr b="0" lang="pt-BR" sz="1000" spc="-1" strike="noStrike">
-              <a:latin typeface="Arial"/>
-            </a:endParaRPr>
-          </a:p>
-        </p:txBody>
-      </p:sp>
-      <p:grpSp>
-        <p:nvGrpSpPr>
-          <p:cNvPr id="194" name="Group 3"/>
-          <p:cNvGrpSpPr/>
-          <p:nvPr/>
-        </p:nvGrpSpPr>
-        <p:grpSpPr>
-          <a:xfrm>
-            <a:off x="1637280" y="2081520"/>
-            <a:ext cx="1121040" cy="911160"/>
-            <a:chOff x="1637280" y="2081520"/>
-            <a:chExt cx="1121040" cy="911160"/>
-          </a:xfrm>
-        </p:grpSpPr>
-        <p:grpSp>
-          <p:nvGrpSpPr>
-            <p:cNvPr id="195" name="Group 4"/>
-            <p:cNvGrpSpPr/>
-            <p:nvPr/>
-          </p:nvGrpSpPr>
-          <p:grpSpPr>
-            <a:xfrm>
-              <a:off x="2022840" y="2081520"/>
-              <a:ext cx="345600" cy="648000"/>
-              <a:chOff x="2022840" y="2081520"/>
-              <a:chExt cx="345600" cy="648000"/>
-            </a:xfrm>
-          </p:grpSpPr>
-          <p:sp>
-            <p:nvSpPr>
-              <p:cNvPr id="196" name="CustomShape 5"/>
-              <p:cNvSpPr/>
-              <p:nvPr/>
-            </p:nvSpPr>
-            <p:spPr>
-              <a:xfrm>
-                <a:off x="2094840" y="2081520"/>
-                <a:ext cx="209520" cy="211680"/>
-              </a:xfrm>
-              <a:prstGeom prst="flowChartConnector">
-                <a:avLst/>
-              </a:prstGeom>
-              <a:solidFill>
-                <a:srgbClr val="eeeeee"/>
-              </a:solidFill>
-              <a:ln w="9360">
-                <a:solidFill>
-                  <a:srgbClr val="595959"/>
-                </a:solidFill>
-                <a:round/>
-              </a:ln>
-            </p:spPr>
-            <p:style>
-              <a:lnRef idx="0"/>
-              <a:fillRef idx="0"/>
-              <a:effectRef idx="0"/>
-              <a:fontRef idx="minor"/>
-            </p:style>
-          </p:sp>
-          <p:sp>
-            <p:nvSpPr>
-              <p:cNvPr id="197" name="CustomShape 6"/>
-              <p:cNvSpPr/>
-              <p:nvPr/>
-            </p:nvSpPr>
-            <p:spPr>
-              <a:xfrm flipH="1">
-                <a:off x="2192040" y="2297880"/>
-                <a:ext cx="360" cy="220320"/>
-              </a:xfrm>
-              <a:custGeom>
-                <a:avLst/>
-                <a:gdLst/>
-                <a:ahLst/>
-                <a:rect l="l" t="t" r="r" b="b"/>
-                <a:pathLst>
-                  <a:path w="21600" h="21600">
-                    <a:moveTo>
-                      <a:pt x="0" y="0"/>
-                    </a:moveTo>
-                    <a:lnTo>
-                      <a:pt x="21600" y="21600"/>
-                    </a:lnTo>
-                  </a:path>
-                </a:pathLst>
-              </a:custGeom>
-              <a:noFill/>
-              <a:ln w="9360">
-                <a:solidFill>
-                  <a:srgbClr val="595959"/>
-                </a:solidFill>
-                <a:round/>
-              </a:ln>
-            </p:spPr>
-            <p:style>
-              <a:lnRef idx="0"/>
-              <a:fillRef idx="0"/>
-              <a:effectRef idx="0"/>
-              <a:fontRef idx="minor"/>
-            </p:style>
-          </p:sp>
-          <p:sp>
-            <p:nvSpPr>
-              <p:cNvPr id="198" name="CustomShape 7"/>
-              <p:cNvSpPr/>
-              <p:nvPr/>
-            </p:nvSpPr>
-            <p:spPr>
-              <a:xfrm>
-                <a:off x="2046960" y="2395080"/>
-                <a:ext cx="305640" cy="360"/>
-              </a:xfrm>
-              <a:custGeom>
-                <a:avLst/>
-                <a:gdLst/>
-                <a:ahLst/>
-                <a:rect l="l" t="t" r="r" b="b"/>
-                <a:pathLst>
-                  <a:path w="21600" h="21600">
-                    <a:moveTo>
-                      <a:pt x="0" y="0"/>
-                    </a:moveTo>
-                    <a:lnTo>
-                      <a:pt x="21600" y="21600"/>
-                    </a:lnTo>
-                  </a:path>
-                </a:pathLst>
-              </a:custGeom>
-              <a:noFill/>
-              <a:ln w="9360">
-                <a:solidFill>
-                  <a:srgbClr val="595959"/>
-                </a:solidFill>
-                <a:round/>
-              </a:ln>
-            </p:spPr>
-            <p:style>
-              <a:lnRef idx="0"/>
-              <a:fillRef idx="0"/>
-              <a:effectRef idx="0"/>
-              <a:fontRef idx="minor"/>
-            </p:style>
-          </p:sp>
-          <p:sp>
-            <p:nvSpPr>
-              <p:cNvPr id="199" name="CustomShape 8"/>
-              <p:cNvSpPr/>
-              <p:nvPr/>
-            </p:nvSpPr>
-            <p:spPr>
-              <a:xfrm flipH="1">
-                <a:off x="2022480" y="2521440"/>
-                <a:ext cx="165240" cy="203400"/>
-              </a:xfrm>
-              <a:custGeom>
-                <a:avLst/>
-                <a:gdLst/>
-                <a:ahLst/>
-                <a:rect l="l" t="t" r="r" b="b"/>
-                <a:pathLst>
-                  <a:path w="21600" h="21600">
-                    <a:moveTo>
-                      <a:pt x="0" y="0"/>
-                    </a:moveTo>
-                    <a:lnTo>
-                      <a:pt x="21600" y="21600"/>
-                    </a:lnTo>
-                  </a:path>
-                </a:pathLst>
-              </a:custGeom>
-              <a:noFill/>
-              <a:ln w="9360">
-                <a:solidFill>
-                  <a:srgbClr val="595959"/>
-                </a:solidFill>
-                <a:round/>
-              </a:ln>
-            </p:spPr>
-            <p:style>
-              <a:lnRef idx="0"/>
-              <a:fillRef idx="0"/>
-              <a:effectRef idx="0"/>
-              <a:fontRef idx="minor"/>
-            </p:style>
-          </p:sp>
-          <p:sp>
-            <p:nvSpPr>
-              <p:cNvPr id="200" name="CustomShape 9"/>
-              <p:cNvSpPr/>
-              <p:nvPr/>
-            </p:nvSpPr>
-            <p:spPr>
-              <a:xfrm rot="10800000">
-                <a:off x="2202840" y="2526120"/>
-                <a:ext cx="165600" cy="203400"/>
-              </a:xfrm>
-              <a:custGeom>
-                <a:avLst/>
-                <a:gdLst/>
-                <a:ahLst/>
-                <a:rect l="l" t="t" r="r" b="b"/>
-                <a:pathLst>
-                  <a:path w="21600" h="21600">
-                    <a:moveTo>
-                      <a:pt x="0" y="0"/>
-                    </a:moveTo>
-                    <a:lnTo>
-                      <a:pt x="21600" y="21600"/>
-                    </a:lnTo>
-                  </a:path>
-                </a:pathLst>
-              </a:custGeom>
-              <a:noFill/>
-              <a:ln w="9360">
-                <a:solidFill>
-                  <a:srgbClr val="595959"/>
-                </a:solidFill>
-                <a:round/>
-              </a:ln>
-            </p:spPr>
-            <p:style>
-              <a:lnRef idx="0"/>
-              <a:fillRef idx="0"/>
-              <a:effectRef idx="0"/>
-              <a:fontRef idx="minor"/>
-            </p:style>
-          </p:sp>
-        </p:grpSp>
-        <p:sp>
-          <p:nvSpPr>
-            <p:cNvPr id="201" name="CustomShape 10"/>
+            <p:cNvPr id="167" name="CustomShape 10"/>
             <p:cNvSpPr/>
             <p:nvPr/>
           </p:nvSpPr>
           <p:spPr>
             <a:xfrm>
               <a:off x="1637280" y="2619360"/>
-              <a:ext cx="1121040" cy="373320"/>
+              <a:ext cx="1120320" cy="372600"/>
             </a:xfrm>
             <a:prstGeom prst="rect">
               <a:avLst/>
@@ -8771,14 +7389,14 @@
       </p:grpSp>
       <p:sp>
         <p:nvSpPr>
-          <p:cNvPr id="202" name="CustomShape 11"/>
+          <p:cNvPr id="168" name="CustomShape 11"/>
           <p:cNvSpPr/>
           <p:nvPr/>
         </p:nvSpPr>
         <p:spPr>
           <a:xfrm>
             <a:off x="143280" y="3100680"/>
-            <a:ext cx="9412200" cy="1502640"/>
+            <a:ext cx="9411480" cy="1501920"/>
           </a:xfrm>
           <a:prstGeom prst="rect">
             <a:avLst/>
@@ -8825,14 +7443,14 @@
       </p:sp>
       <p:sp>
         <p:nvSpPr>
-          <p:cNvPr id="203" name="CustomShape 12"/>
+          <p:cNvPr id="169" name="CustomShape 12"/>
           <p:cNvSpPr/>
           <p:nvPr/>
         </p:nvSpPr>
         <p:spPr>
           <a:xfrm>
             <a:off x="3826800" y="3456000"/>
-            <a:ext cx="2579760" cy="846360"/>
+            <a:ext cx="2579040" cy="845640"/>
           </a:xfrm>
           <a:prstGeom prst="bracketPair">
             <a:avLst>
@@ -8858,7 +7476,7 @@
             <a:noAutofit/>
           </a:bodyPr>
           <a:p>
-            <a:pPr marL="457200" indent="-290520">
+            <a:pPr marL="457200" indent="-289800">
               <a:lnSpc>
                 <a:spcPct val="100000"/>
               </a:lnSpc>
@@ -8883,7 +7501,7 @@
             </a:endParaRPr>
           </a:p>
           <a:p>
-            <a:pPr marL="457200" indent="-287280">
+            <a:pPr marL="457200" indent="-286560">
               <a:lnSpc>
                 <a:spcPct val="100000"/>
               </a:lnSpc>
@@ -8911,14 +7529,14 @@
       </p:sp>
       <p:sp>
         <p:nvSpPr>
-          <p:cNvPr id="204" name="CustomShape 13"/>
+          <p:cNvPr id="170" name="CustomShape 13"/>
           <p:cNvSpPr/>
           <p:nvPr/>
         </p:nvSpPr>
         <p:spPr>
           <a:xfrm>
             <a:off x="4442040" y="2009160"/>
-            <a:ext cx="1100520" cy="581400"/>
+            <a:ext cx="1099800" cy="580680"/>
           </a:xfrm>
           <a:prstGeom prst="roundRect">
             <a:avLst>
@@ -8979,14 +7597,14 @@
       </p:sp>
       <p:sp>
         <p:nvSpPr>
-          <p:cNvPr id="205" name="CustomShape 14"/>
+          <p:cNvPr id="171" name="CustomShape 14"/>
           <p:cNvSpPr/>
           <p:nvPr/>
         </p:nvSpPr>
         <p:spPr>
           <a:xfrm rot="16200000">
-            <a:off x="2369520" y="780480"/>
-            <a:ext cx="1813320" cy="1512360"/>
+            <a:off x="2369520" y="781200"/>
+            <a:ext cx="1812600" cy="1511640"/>
           </a:xfrm>
           <a:prstGeom prst="curvedConnector2">
             <a:avLst/>
@@ -9008,14 +7626,14 @@
       </p:sp>
       <p:sp>
         <p:nvSpPr>
-          <p:cNvPr id="206" name="CustomShape 15"/>
+          <p:cNvPr id="172" name="CustomShape 15"/>
           <p:cNvSpPr/>
           <p:nvPr/>
         </p:nvSpPr>
         <p:spPr>
           <a:xfrm rot="10800000">
-            <a:off x="5032440" y="1009440"/>
-            <a:ext cx="6840" cy="1011600"/>
+            <a:off x="5033160" y="1010160"/>
+            <a:ext cx="6120" cy="1010880"/>
           </a:xfrm>
           <a:custGeom>
             <a:avLst/>
@@ -9050,14 +7668,14 @@
       </p:sp>
       <p:sp>
         <p:nvSpPr>
-          <p:cNvPr id="207" name="CustomShape 16"/>
+          <p:cNvPr id="173" name="CustomShape 16"/>
           <p:cNvSpPr/>
           <p:nvPr/>
         </p:nvSpPr>
         <p:spPr>
           <a:xfrm flipH="1" rot="10800000">
-            <a:off x="5037120" y="2593440"/>
-            <a:ext cx="360" cy="790560"/>
+            <a:off x="5035680" y="2594160"/>
+            <a:ext cx="360" cy="789840"/>
           </a:xfrm>
           <a:custGeom>
             <a:avLst/>
@@ -9092,42 +7710,42 @@
       </p:sp>
       <p:grpSp>
         <p:nvGrpSpPr>
-          <p:cNvPr id="208" name="Group 17"/>
+          <p:cNvPr id="174" name="Group 17"/>
           <p:cNvGrpSpPr/>
           <p:nvPr/>
         </p:nvGrpSpPr>
         <p:grpSpPr>
           <a:xfrm>
             <a:off x="6840720" y="2009160"/>
-            <a:ext cx="1121040" cy="911160"/>
+            <a:ext cx="1120320" cy="910440"/>
             <a:chOff x="6840720" y="2009160"/>
-            <a:chExt cx="1121040" cy="911160"/>
+            <a:chExt cx="1120320" cy="910440"/>
           </a:xfrm>
         </p:grpSpPr>
         <p:grpSp>
           <p:nvGrpSpPr>
-            <p:cNvPr id="209" name="Group 18"/>
+            <p:cNvPr id="175" name="Group 18"/>
             <p:cNvGrpSpPr/>
             <p:nvPr/>
           </p:nvGrpSpPr>
           <p:grpSpPr>
             <a:xfrm>
-              <a:off x="7226280" y="2009160"/>
-              <a:ext cx="345600" cy="648000"/>
-              <a:chOff x="7226280" y="2009160"/>
-              <a:chExt cx="345600" cy="648000"/>
+              <a:off x="7225560" y="2009160"/>
+              <a:ext cx="346320" cy="648000"/>
+              <a:chOff x="7225560" y="2009160"/>
+              <a:chExt cx="346320" cy="648000"/>
             </a:xfrm>
           </p:grpSpPr>
           <p:sp>
             <p:nvSpPr>
-              <p:cNvPr id="210" name="CustomShape 19"/>
+              <p:cNvPr id="176" name="CustomShape 19"/>
               <p:cNvSpPr/>
               <p:nvPr/>
             </p:nvSpPr>
             <p:spPr>
               <a:xfrm>
                 <a:off x="7298280" y="2009160"/>
-                <a:ext cx="209520" cy="211680"/>
+                <a:ext cx="208800" cy="210960"/>
               </a:xfrm>
               <a:prstGeom prst="flowChartConnector">
                 <a:avLst/>
@@ -9151,14 +7769,14 @@
           </p:sp>
           <p:sp>
             <p:nvSpPr>
-              <p:cNvPr id="211" name="CustomShape 20"/>
+              <p:cNvPr id="177" name="CustomShape 20"/>
               <p:cNvSpPr/>
               <p:nvPr/>
             </p:nvSpPr>
             <p:spPr>
               <a:xfrm flipH="1">
-                <a:off x="7395480" y="2225520"/>
-                <a:ext cx="360" cy="220320"/>
+                <a:off x="7394040" y="2225520"/>
+                <a:ext cx="360" cy="219600"/>
               </a:xfrm>
               <a:custGeom>
                 <a:avLst/>
@@ -9193,14 +7811,14 @@
           </p:sp>
           <p:sp>
             <p:nvSpPr>
-              <p:cNvPr id="212" name="CustomShape 21"/>
+              <p:cNvPr id="178" name="CustomShape 21"/>
               <p:cNvSpPr/>
               <p:nvPr/>
             </p:nvSpPr>
             <p:spPr>
               <a:xfrm>
                 <a:off x="7250400" y="2322720"/>
-                <a:ext cx="305640" cy="360"/>
+                <a:ext cx="304920" cy="360"/>
               </a:xfrm>
               <a:custGeom>
                 <a:avLst/>
@@ -9235,14 +7853,14 @@
           </p:sp>
           <p:sp>
             <p:nvSpPr>
-              <p:cNvPr id="213" name="CustomShape 22"/>
+              <p:cNvPr id="179" name="CustomShape 22"/>
               <p:cNvSpPr/>
               <p:nvPr/>
             </p:nvSpPr>
             <p:spPr>
               <a:xfrm flipH="1">
-                <a:off x="7225920" y="2449080"/>
-                <a:ext cx="165240" cy="203400"/>
+                <a:off x="7225200" y="2449080"/>
+                <a:ext cx="164520" cy="202680"/>
               </a:xfrm>
               <a:custGeom>
                 <a:avLst/>
@@ -9277,14 +7895,14 @@
           </p:sp>
           <p:sp>
             <p:nvSpPr>
-              <p:cNvPr id="214" name="CustomShape 23"/>
+              <p:cNvPr id="180" name="CustomShape 23"/>
               <p:cNvSpPr/>
               <p:nvPr/>
             </p:nvSpPr>
             <p:spPr>
               <a:xfrm rot="10800000">
-                <a:off x="7406280" y="2453760"/>
-                <a:ext cx="165600" cy="203400"/>
+                <a:off x="7407000" y="2454480"/>
+                <a:ext cx="164880" cy="202680"/>
               </a:xfrm>
               <a:custGeom>
                 <a:avLst/>
@@ -9320,14 +7938,14 @@
         </p:grpSp>
         <p:sp>
           <p:nvSpPr>
-            <p:cNvPr id="215" name="CustomShape 24"/>
+            <p:cNvPr id="181" name="CustomShape 24"/>
             <p:cNvSpPr/>
             <p:nvPr/>
           </p:nvSpPr>
           <p:spPr>
             <a:xfrm>
               <a:off x="6840720" y="2547000"/>
-              <a:ext cx="1121040" cy="373320"/>
+              <a:ext cx="1120320" cy="372600"/>
             </a:xfrm>
             <a:prstGeom prst="rect">
               <a:avLst/>
@@ -9372,14 +7990,14 @@
       </p:grpSp>
       <p:sp>
         <p:nvSpPr>
-          <p:cNvPr id="216" name="CustomShape 25"/>
+          <p:cNvPr id="182" name="CustomShape 25"/>
           <p:cNvSpPr/>
           <p:nvPr/>
         </p:nvSpPr>
         <p:spPr>
           <a:xfrm>
             <a:off x="6031080" y="628560"/>
-            <a:ext cx="1371600" cy="1379880"/>
+            <a:ext cx="1370880" cy="1379160"/>
           </a:xfrm>
           <a:prstGeom prst="curvedConnector2">
             <a:avLst/>

--- a/docs/ARTEFATOS(15-23)/Arquitetura_Negócio/15) Arquitetura de Negócio para cada Cenário.pptx
+++ b/docs/ARTEFATOS(15-23)/Arquitetura_Negócio/15) Arquitetura de Negócio para cada Cenário.pptx
@@ -10,6 +10,7 @@
     <p:sldId id="257" r:id="rId5"/>
     <p:sldId id="258" r:id="rId6"/>
     <p:sldId id="259" r:id="rId7"/>
+    <p:sldId id="260" r:id="rId8"/>
   </p:sldIdLst>
   <p:sldSz cx="10080625" cy="5670550"/>
   <p:notesSz cx="7559675" cy="10691812"/>
@@ -3274,7 +3275,7 @@
         <p:spPr>
           <a:xfrm>
             <a:off x="4033800" y="204840"/>
-            <a:ext cx="1995480" cy="845280"/>
+            <a:ext cx="1995120" cy="844920"/>
           </a:xfrm>
           <a:prstGeom prst="wave">
             <a:avLst>
@@ -3333,7 +3334,7 @@
         <p:spPr>
           <a:xfrm>
             <a:off x="2654280" y="2880000"/>
-            <a:ext cx="1374120" cy="580680"/>
+            <a:ext cx="1373760" cy="580320"/>
           </a:xfrm>
           <a:prstGeom prst="roundRect">
             <a:avLst>
@@ -3401,9 +3402,9 @@
         <p:grpSpPr>
           <a:xfrm>
             <a:off x="27360" y="2736000"/>
-            <a:ext cx="1120320" cy="910080"/>
+            <a:ext cx="1119960" cy="909720"/>
             <a:chOff x="27360" y="2736000"/>
-            <a:chExt cx="1120320" cy="910080"/>
+            <a:chExt cx="1119960" cy="909720"/>
           </a:xfrm>
         </p:grpSpPr>
         <p:grpSp>
@@ -3414,10 +3415,10 @@
           </p:nvGrpSpPr>
           <p:grpSpPr>
             <a:xfrm>
-              <a:off x="412200" y="2736000"/>
-              <a:ext cx="346320" cy="648000"/>
-              <a:chOff x="412200" y="2736000"/>
-              <a:chExt cx="346320" cy="648000"/>
+              <a:off x="411840" y="2736000"/>
+              <a:ext cx="346680" cy="648000"/>
+              <a:chOff x="411840" y="2736000"/>
+              <a:chExt cx="346680" cy="648000"/>
             </a:xfrm>
           </p:grpSpPr>
           <p:sp>
@@ -3429,7 +3430,7 @@
             <p:spPr>
               <a:xfrm>
                 <a:off x="484920" y="2736000"/>
-                <a:ext cx="208800" cy="210960"/>
+                <a:ext cx="208440" cy="210600"/>
               </a:xfrm>
               <a:prstGeom prst="flowChartConnector">
                 <a:avLst/>
@@ -3459,8 +3460,8 @@
             </p:nvSpPr>
             <p:spPr>
               <a:xfrm flipH="1">
-                <a:off x="580680" y="2952000"/>
-                <a:ext cx="360" cy="219600"/>
+                <a:off x="579960" y="2952000"/>
+                <a:ext cx="360" cy="219240"/>
               </a:xfrm>
               <a:custGeom>
                 <a:avLst/>
@@ -3502,7 +3503,7 @@
             <p:spPr>
               <a:xfrm>
                 <a:off x="437040" y="3049200"/>
-                <a:ext cx="304920" cy="360"/>
+                <a:ext cx="304560" cy="360"/>
               </a:xfrm>
               <a:custGeom>
                 <a:avLst/>
@@ -3544,7 +3545,7 @@
             <p:spPr>
               <a:xfrm flipH="1">
                 <a:off x="411840" y="3175560"/>
-                <a:ext cx="164520" cy="202680"/>
+                <a:ext cx="164160" cy="202320"/>
               </a:xfrm>
               <a:custGeom>
                 <a:avLst/>
@@ -3585,8 +3586,8 @@
             </p:nvSpPr>
             <p:spPr>
               <a:xfrm rot="10800000">
-                <a:off x="593640" y="3181320"/>
-                <a:ext cx="164880" cy="202680"/>
+                <a:off x="594000" y="3181680"/>
+                <a:ext cx="164520" cy="202320"/>
               </a:xfrm>
               <a:custGeom>
                 <a:avLst/>
@@ -3629,7 +3630,7 @@
           <p:spPr>
             <a:xfrm>
               <a:off x="27360" y="3273480"/>
-              <a:ext cx="1120320" cy="372600"/>
+              <a:ext cx="1119960" cy="372240"/>
             </a:xfrm>
             <a:prstGeom prst="rect">
               <a:avLst/>
@@ -3681,7 +3682,7 @@
         <p:spPr>
           <a:xfrm>
             <a:off x="2417040" y="1584000"/>
-            <a:ext cx="3339360" cy="1227960"/>
+            <a:ext cx="3339000" cy="1227600"/>
           </a:xfrm>
           <a:prstGeom prst="rect">
             <a:avLst/>
@@ -3702,7 +3703,7 @@
             <a:noAutofit/>
           </a:bodyPr>
           <a:p>
-            <a:pPr marL="457200" indent="-293040">
+            <a:pPr marL="457200" indent="-292680">
               <a:lnSpc>
                 <a:spcPct val="100000"/>
               </a:lnSpc>
@@ -3757,7 +3758,7 @@
         <p:spPr>
           <a:xfrm>
             <a:off x="2488320" y="4104000"/>
-            <a:ext cx="3339360" cy="910080"/>
+            <a:ext cx="3339000" cy="909720"/>
           </a:xfrm>
           <a:prstGeom prst="rect">
             <a:avLst/>
@@ -3778,7 +3779,7 @@
             <a:noAutofit/>
           </a:bodyPr>
           <a:p>
-            <a:pPr marL="457200" indent="-293040">
+            <a:pPr marL="457200" indent="-292680">
               <a:lnSpc>
                 <a:spcPct val="100000"/>
               </a:lnSpc>
@@ -3833,7 +3834,7 @@
         <p:spPr>
           <a:xfrm>
             <a:off x="8735760" y="5061600"/>
-            <a:ext cx="1272600" cy="518760"/>
+            <a:ext cx="1272240" cy="518400"/>
           </a:xfrm>
           <a:prstGeom prst="rect">
             <a:avLst/>
@@ -3874,7 +3875,7 @@
             </a:endParaRPr>
           </a:p>
           <a:p>
-            <a:pPr marL="457200" indent="-286560">
+            <a:pPr marL="457200" indent="-286200">
               <a:lnSpc>
                 <a:spcPct val="100000"/>
               </a:lnSpc>
@@ -3909,9 +3910,9 @@
         <p:grpSpPr>
           <a:xfrm>
             <a:off x="466920" y="1008000"/>
-            <a:ext cx="1472760" cy="901800"/>
+            <a:ext cx="1472400" cy="901440"/>
             <a:chOff x="466920" y="1008000"/>
-            <a:chExt cx="1472760" cy="901800"/>
+            <a:chExt cx="1472400" cy="901440"/>
           </a:xfrm>
         </p:grpSpPr>
         <p:grpSp>
@@ -3922,10 +3923,10 @@
           </p:nvGrpSpPr>
           <p:grpSpPr>
             <a:xfrm>
-              <a:off x="1013760" y="1008000"/>
-              <a:ext cx="306720" cy="642240"/>
-              <a:chOff x="1013760" y="1008000"/>
-              <a:chExt cx="306720" cy="642240"/>
+              <a:off x="1013400" y="1008000"/>
+              <a:ext cx="307080" cy="642240"/>
+              <a:chOff x="1013400" y="1008000"/>
+              <a:chExt cx="307080" cy="642240"/>
             </a:xfrm>
           </p:grpSpPr>
           <p:sp>
@@ -3937,7 +3938,7 @@
             <p:spPr>
               <a:xfrm>
                 <a:off x="1078560" y="1008000"/>
-                <a:ext cx="184320" cy="208800"/>
+                <a:ext cx="183960" cy="208440"/>
               </a:xfrm>
               <a:prstGeom prst="flowChartConnector">
                 <a:avLst/>
@@ -3967,8 +3968,8 @@
             </p:nvSpPr>
             <p:spPr>
               <a:xfrm flipH="1">
-                <a:off x="1162080" y="1222560"/>
-                <a:ext cx="360" cy="217440"/>
+                <a:off x="1161360" y="1222560"/>
+                <a:ext cx="360" cy="217080"/>
               </a:xfrm>
               <a:custGeom>
                 <a:avLst/>
@@ -4010,7 +4011,7 @@
             <p:spPr>
               <a:xfrm>
                 <a:off x="1036080" y="1318320"/>
-                <a:ext cx="270000" cy="360"/>
+                <a:ext cx="269640" cy="360"/>
               </a:xfrm>
               <a:custGeom>
                 <a:avLst/>
@@ -4051,8 +4052,8 @@
             </p:nvSpPr>
             <p:spPr>
               <a:xfrm flipH="1">
-                <a:off x="1013760" y="1443960"/>
-                <a:ext cx="145440" cy="200880"/>
+                <a:off x="1013040" y="1443960"/>
+                <a:ext cx="145080" cy="200520"/>
               </a:xfrm>
               <a:custGeom>
                 <a:avLst/>
@@ -4093,8 +4094,8 @@
             </p:nvSpPr>
             <p:spPr>
               <a:xfrm rot="10800000">
-                <a:off x="1175400" y="1449360"/>
-                <a:ext cx="145080" cy="200880"/>
+                <a:off x="1175760" y="1449720"/>
+                <a:ext cx="144720" cy="200520"/>
               </a:xfrm>
               <a:custGeom>
                 <a:avLst/>
@@ -4137,7 +4138,7 @@
           <p:spPr>
             <a:xfrm>
               <a:off x="466920" y="1540800"/>
-              <a:ext cx="1472760" cy="369000"/>
+              <a:ext cx="1472400" cy="368640"/>
             </a:xfrm>
             <a:prstGeom prst="rect">
               <a:avLst/>
@@ -4189,7 +4190,7 @@
         <p:spPr>
           <a:xfrm>
             <a:off x="675360" y="2722680"/>
-            <a:ext cx="3339360" cy="910080"/>
+            <a:ext cx="3339000" cy="909720"/>
           </a:xfrm>
           <a:prstGeom prst="rect">
             <a:avLst/>
@@ -4210,7 +4211,7 @@
             <a:noAutofit/>
           </a:bodyPr>
           <a:p>
-            <a:pPr marL="457200" indent="-293040">
+            <a:pPr marL="457200" indent="-292680">
               <a:lnSpc>
                 <a:spcPct val="100000"/>
               </a:lnSpc>
@@ -4265,9 +4266,9 @@
         <p:grpSpPr>
           <a:xfrm>
             <a:off x="675360" y="4176000"/>
-            <a:ext cx="1120320" cy="910080"/>
+            <a:ext cx="1119960" cy="909720"/>
             <a:chOff x="675360" y="4176000"/>
-            <a:chExt cx="1120320" cy="910080"/>
+            <a:chExt cx="1119960" cy="909720"/>
           </a:xfrm>
         </p:grpSpPr>
         <p:grpSp>
@@ -4278,10 +4279,10 @@
           </p:nvGrpSpPr>
           <p:grpSpPr>
             <a:xfrm>
-              <a:off x="1060200" y="4176000"/>
-              <a:ext cx="346320" cy="648000"/>
-              <a:chOff x="1060200" y="4176000"/>
-              <a:chExt cx="346320" cy="648000"/>
+              <a:off x="1059840" y="4176000"/>
+              <a:ext cx="346680" cy="648000"/>
+              <a:chOff x="1059840" y="4176000"/>
+              <a:chExt cx="346680" cy="648000"/>
             </a:xfrm>
           </p:grpSpPr>
           <p:sp>
@@ -4293,7 +4294,7 @@
             <p:spPr>
               <a:xfrm>
                 <a:off x="1132920" y="4176000"/>
-                <a:ext cx="208800" cy="210960"/>
+                <a:ext cx="208440" cy="210600"/>
               </a:xfrm>
               <a:prstGeom prst="flowChartConnector">
                 <a:avLst/>
@@ -4323,8 +4324,8 @@
             </p:nvSpPr>
             <p:spPr>
               <a:xfrm flipH="1">
-                <a:off x="1228680" y="4392000"/>
-                <a:ext cx="360" cy="219600"/>
+                <a:off x="1227960" y="4392000"/>
+                <a:ext cx="360" cy="219240"/>
               </a:xfrm>
               <a:custGeom>
                 <a:avLst/>
@@ -4366,7 +4367,7 @@
             <p:spPr>
               <a:xfrm>
                 <a:off x="1085040" y="4489200"/>
-                <a:ext cx="304920" cy="360"/>
+                <a:ext cx="304560" cy="360"/>
               </a:xfrm>
               <a:custGeom>
                 <a:avLst/>
@@ -4408,7 +4409,7 @@
             <p:spPr>
               <a:xfrm flipH="1">
                 <a:off x="1059840" y="4615560"/>
-                <a:ext cx="164520" cy="202680"/>
+                <a:ext cx="164160" cy="202320"/>
               </a:xfrm>
               <a:custGeom>
                 <a:avLst/>
@@ -4449,8 +4450,8 @@
             </p:nvSpPr>
             <p:spPr>
               <a:xfrm rot="10800000">
-                <a:off x="1241640" y="4621320"/>
-                <a:ext cx="164880" cy="202680"/>
+                <a:off x="1242000" y="4621680"/>
+                <a:ext cx="164520" cy="202320"/>
               </a:xfrm>
               <a:custGeom>
                 <a:avLst/>
@@ -4493,7 +4494,7 @@
           <p:spPr>
             <a:xfrm>
               <a:off x="675360" y="4713480"/>
-              <a:ext cx="1120320" cy="372600"/>
+              <a:ext cx="1119960" cy="372240"/>
             </a:xfrm>
             <a:prstGeom prst="rect">
               <a:avLst/>
@@ -4545,7 +4546,7 @@
         <p:spPr>
           <a:xfrm>
             <a:off x="1943280" y="1460520"/>
-            <a:ext cx="1396440" cy="1416240"/>
+            <a:ext cx="1396080" cy="1415880"/>
           </a:xfrm>
           <a:custGeom>
             <a:avLst/>
@@ -4586,8 +4587,8 @@
         </p:nvSpPr>
         <p:spPr>
           <a:xfrm flipH="1" rot="10800000">
-            <a:off x="1797120" y="3463560"/>
-            <a:ext cx="1540440" cy="1165320"/>
+            <a:off x="1797120" y="3463920"/>
+            <a:ext cx="1540080" cy="1164960"/>
           </a:xfrm>
           <a:custGeom>
             <a:avLst/>
@@ -4628,8 +4629,8 @@
         </p:nvSpPr>
         <p:spPr>
           <a:xfrm flipH="1" rot="10800000">
-            <a:off x="1151280" y="3171240"/>
-            <a:ext cx="1499760" cy="17640"/>
+            <a:off x="1150920" y="3171600"/>
+            <a:ext cx="1499400" cy="17280"/>
           </a:xfrm>
           <a:custGeom>
             <a:avLst/>
@@ -4671,9 +4672,9 @@
         <p:grpSpPr>
           <a:xfrm>
             <a:off x="5039640" y="2624400"/>
-            <a:ext cx="1856880" cy="901800"/>
+            <a:ext cx="1856520" cy="901440"/>
             <a:chOff x="5039640" y="2624400"/>
-            <a:chExt cx="1856880" cy="901800"/>
+            <a:chExt cx="1856520" cy="901440"/>
           </a:xfrm>
         </p:grpSpPr>
         <p:grpSp>
@@ -4684,10 +4685,10 @@
           </p:nvGrpSpPr>
           <p:grpSpPr>
             <a:xfrm>
-              <a:off x="5586480" y="2624400"/>
-              <a:ext cx="306720" cy="642240"/>
-              <a:chOff x="5586480" y="2624400"/>
-              <a:chExt cx="306720" cy="642240"/>
+              <a:off x="5586120" y="2624400"/>
+              <a:ext cx="307080" cy="642240"/>
+              <a:chOff x="5586120" y="2624400"/>
+              <a:chExt cx="307080" cy="642240"/>
             </a:xfrm>
           </p:grpSpPr>
           <p:sp>
@@ -4699,7 +4700,7 @@
             <p:spPr>
               <a:xfrm>
                 <a:off x="5651280" y="2624400"/>
-                <a:ext cx="184320" cy="208800"/>
+                <a:ext cx="183960" cy="208440"/>
               </a:xfrm>
               <a:prstGeom prst="flowChartConnector">
                 <a:avLst/>
@@ -4729,8 +4730,8 @@
             </p:nvSpPr>
             <p:spPr>
               <a:xfrm flipH="1">
-                <a:off x="5734800" y="2838960"/>
-                <a:ext cx="360" cy="217440"/>
+                <a:off x="5734080" y="2838960"/>
+                <a:ext cx="360" cy="217080"/>
               </a:xfrm>
               <a:custGeom>
                 <a:avLst/>
@@ -4772,7 +4773,7 @@
             <p:spPr>
               <a:xfrm>
                 <a:off x="5608800" y="2934720"/>
-                <a:ext cx="270000" cy="360"/>
+                <a:ext cx="269640" cy="360"/>
               </a:xfrm>
               <a:custGeom>
                 <a:avLst/>
@@ -4813,8 +4814,8 @@
             </p:nvSpPr>
             <p:spPr>
               <a:xfrm flipH="1">
-                <a:off x="5586480" y="3060360"/>
-                <a:ext cx="145440" cy="200880"/>
+                <a:off x="5585760" y="3060360"/>
+                <a:ext cx="145080" cy="200520"/>
               </a:xfrm>
               <a:custGeom>
                 <a:avLst/>
@@ -4855,8 +4856,8 @@
             </p:nvSpPr>
             <p:spPr>
               <a:xfrm rot="10800000">
-                <a:off x="5748120" y="3065760"/>
-                <a:ext cx="145080" cy="200880"/>
+                <a:off x="5748480" y="3066120"/>
+                <a:ext cx="144720" cy="200520"/>
               </a:xfrm>
               <a:custGeom>
                 <a:avLst/>
@@ -4899,7 +4900,7 @@
           <p:spPr>
             <a:xfrm>
               <a:off x="5039640" y="3157200"/>
-              <a:ext cx="1856880" cy="369000"/>
+              <a:ext cx="1856520" cy="368640"/>
             </a:xfrm>
             <a:prstGeom prst="rect">
               <a:avLst/>
@@ -4950,8 +4951,8 @@
         </p:nvSpPr>
         <p:spPr>
           <a:xfrm flipH="1" rot="10800000">
-            <a:off x="4046760" y="3171240"/>
-            <a:ext cx="1499760" cy="17640"/>
+            <a:off x="4046400" y="3171600"/>
+            <a:ext cx="1499400" cy="17280"/>
           </a:xfrm>
           <a:custGeom>
             <a:avLst/>
@@ -5023,7 +5024,7 @@
         <p:spPr>
           <a:xfrm>
             <a:off x="143280" y="1593360"/>
-            <a:ext cx="9411480" cy="1501920"/>
+            <a:ext cx="9411120" cy="1501560"/>
           </a:xfrm>
           <a:prstGeom prst="rect">
             <a:avLst/>
@@ -5077,7 +5078,7 @@
         <p:spPr>
           <a:xfrm>
             <a:off x="4033800" y="204840"/>
-            <a:ext cx="1995480" cy="845280"/>
+            <a:ext cx="1995120" cy="844920"/>
           </a:xfrm>
           <a:prstGeom prst="wave">
             <a:avLst>
@@ -5106,7 +5107,7 @@
             <a:noAutofit/>
           </a:bodyPr>
           <a:p>
-            <a:pPr marL="457200" indent="-286560">
+            <a:pPr marL="457200" indent="-286200">
               <a:lnSpc>
                 <a:spcPct val="100000"/>
               </a:lnSpc>
@@ -5141,9 +5142,9 @@
         <p:grpSpPr>
           <a:xfrm>
             <a:off x="1637280" y="2081520"/>
-            <a:ext cx="1120320" cy="910440"/>
+            <a:ext cx="1119960" cy="910080"/>
             <a:chOff x="1637280" y="2081520"/>
-            <a:chExt cx="1120320" cy="910440"/>
+            <a:chExt cx="1119960" cy="910080"/>
           </a:xfrm>
         </p:grpSpPr>
         <p:grpSp>
@@ -5154,10 +5155,10 @@
           </p:nvGrpSpPr>
           <p:grpSpPr>
             <a:xfrm>
-              <a:off x="2022120" y="2081520"/>
-              <a:ext cx="346320" cy="648000"/>
-              <a:chOff x="2022120" y="2081520"/>
-              <a:chExt cx="346320" cy="648000"/>
+              <a:off x="2021760" y="2081520"/>
+              <a:ext cx="346680" cy="648000"/>
+              <a:chOff x="2021760" y="2081520"/>
+              <a:chExt cx="346680" cy="648000"/>
             </a:xfrm>
           </p:grpSpPr>
           <p:sp>
@@ -5169,7 +5170,7 @@
             <p:spPr>
               <a:xfrm>
                 <a:off x="2094840" y="2081520"/>
-                <a:ext cx="208800" cy="210960"/>
+                <a:ext cx="208440" cy="210600"/>
               </a:xfrm>
               <a:prstGeom prst="flowChartConnector">
                 <a:avLst/>
@@ -5199,8 +5200,8 @@
             </p:nvSpPr>
             <p:spPr>
               <a:xfrm flipH="1">
-                <a:off x="2190600" y="2297880"/>
-                <a:ext cx="360" cy="219600"/>
+                <a:off x="2189880" y="2297880"/>
+                <a:ext cx="360" cy="219240"/>
               </a:xfrm>
               <a:custGeom>
                 <a:avLst/>
@@ -5242,7 +5243,7 @@
             <p:spPr>
               <a:xfrm>
                 <a:off x="2046960" y="2395080"/>
-                <a:ext cx="304920" cy="360"/>
+                <a:ext cx="304560" cy="360"/>
               </a:xfrm>
               <a:custGeom>
                 <a:avLst/>
@@ -5284,7 +5285,7 @@
             <p:spPr>
               <a:xfrm flipH="1">
                 <a:off x="2021760" y="2521440"/>
-                <a:ext cx="164520" cy="202680"/>
+                <a:ext cx="164160" cy="202320"/>
               </a:xfrm>
               <a:custGeom>
                 <a:avLst/>
@@ -5325,8 +5326,8 @@
             </p:nvSpPr>
             <p:spPr>
               <a:xfrm rot="10800000">
-                <a:off x="2203560" y="2526840"/>
-                <a:ext cx="164880" cy="202680"/>
+                <a:off x="2203920" y="2527200"/>
+                <a:ext cx="164520" cy="202320"/>
               </a:xfrm>
               <a:custGeom>
                 <a:avLst/>
@@ -5369,7 +5370,7 @@
           <p:spPr>
             <a:xfrm>
               <a:off x="1637280" y="2619360"/>
-              <a:ext cx="1120320" cy="372600"/>
+              <a:ext cx="1119960" cy="372240"/>
             </a:xfrm>
             <a:prstGeom prst="rect">
               <a:avLst/>
@@ -5421,7 +5422,7 @@
         <p:spPr>
           <a:xfrm>
             <a:off x="143280" y="3097440"/>
-            <a:ext cx="9411480" cy="1501920"/>
+            <a:ext cx="9411120" cy="1501560"/>
           </a:xfrm>
           <a:prstGeom prst="rect">
             <a:avLst/>
@@ -5475,7 +5476,7 @@
         <p:spPr>
           <a:xfrm>
             <a:off x="3366360" y="3744720"/>
-            <a:ext cx="1599840" cy="644400"/>
+            <a:ext cx="1599480" cy="644040"/>
           </a:xfrm>
           <a:prstGeom prst="bracketPair">
             <a:avLst>
@@ -5501,7 +5502,7 @@
             <a:noAutofit/>
           </a:bodyPr>
           <a:p>
-            <a:pPr marL="457200" indent="-286560">
+            <a:pPr marL="457200" indent="-286200">
               <a:lnSpc>
                 <a:spcPct val="100000"/>
               </a:lnSpc>
@@ -5526,7 +5527,7 @@
             </a:endParaRPr>
           </a:p>
           <a:p>
-            <a:pPr marL="457200" indent="-286560">
+            <a:pPr marL="457200" indent="-286200">
               <a:lnSpc>
                 <a:spcPct val="100000"/>
               </a:lnSpc>
@@ -5561,7 +5562,7 @@
         <p:spPr>
           <a:xfrm>
             <a:off x="3929040" y="2026800"/>
-            <a:ext cx="1099800" cy="580680"/>
+            <a:ext cx="1099440" cy="580320"/>
           </a:xfrm>
           <a:prstGeom prst="roundRect">
             <a:avLst>
@@ -5629,7 +5630,7 @@
         <p:spPr>
           <a:xfrm>
             <a:off x="5298480" y="2027880"/>
-            <a:ext cx="1099800" cy="580680"/>
+            <a:ext cx="1099440" cy="580320"/>
           </a:xfrm>
           <a:prstGeom prst="roundRect">
             <a:avLst>
@@ -5697,7 +5698,7 @@
         <p:spPr>
           <a:xfrm>
             <a:off x="5256000" y="1008000"/>
-            <a:ext cx="501840" cy="1017720"/>
+            <a:ext cx="501480" cy="1017360"/>
           </a:xfrm>
           <a:custGeom>
             <a:avLst/>
@@ -5738,8 +5739,8 @@
         </p:nvSpPr>
         <p:spPr>
           <a:xfrm flipH="1">
-            <a:off x="2301840" y="936000"/>
-            <a:ext cx="2085840" cy="1149840"/>
+            <a:off x="2301120" y="936000"/>
+            <a:ext cx="2085480" cy="1149480"/>
           </a:xfrm>
           <a:custGeom>
             <a:avLst/>
@@ -5781,7 +5782,7 @@
         <p:spPr>
           <a:xfrm flipH="1">
             <a:off x="4533840" y="936000"/>
-            <a:ext cx="286200" cy="1088640"/>
+            <a:ext cx="285840" cy="1088280"/>
           </a:xfrm>
           <a:custGeom>
             <a:avLst/>
@@ -5823,7 +5824,7 @@
         <p:spPr>
           <a:xfrm>
             <a:off x="5112000" y="3888000"/>
-            <a:ext cx="1222200" cy="242280"/>
+            <a:ext cx="1221840" cy="241920"/>
           </a:xfrm>
           <a:prstGeom prst="bracketPair">
             <a:avLst>
@@ -5849,7 +5850,7 @@
             <a:noAutofit/>
           </a:bodyPr>
           <a:p>
-            <a:pPr marL="457200" indent="-286560">
+            <a:pPr marL="457200" indent="-286200">
               <a:lnSpc>
                 <a:spcPct val="100000"/>
               </a:lnSpc>
@@ -5884,7 +5885,7 @@
         <p:spPr>
           <a:xfrm>
             <a:off x="5904000" y="2612160"/>
-            <a:ext cx="360" cy="1274040"/>
+            <a:ext cx="360" cy="1273680"/>
           </a:xfrm>
           <a:custGeom>
             <a:avLst/>
@@ -5925,8 +5926,8 @@
         </p:nvSpPr>
         <p:spPr>
           <a:xfrm rot="10800000">
-            <a:off x="4487400" y="2611440"/>
-            <a:ext cx="360" cy="1131480"/>
+            <a:off x="4487400" y="2611800"/>
+            <a:ext cx="360" cy="1131120"/>
           </a:xfrm>
           <a:custGeom>
             <a:avLst/>
@@ -5968,7 +5969,7 @@
         <p:spPr>
           <a:xfrm>
             <a:off x="6492600" y="3744720"/>
-            <a:ext cx="1497600" cy="580680"/>
+            <a:ext cx="1497240" cy="580320"/>
           </a:xfrm>
           <a:prstGeom prst="bracketPair">
             <a:avLst>
@@ -5994,7 +5995,7 @@
             <a:noAutofit/>
           </a:bodyPr>
           <a:p>
-            <a:pPr marL="457200" indent="-289800">
+            <a:pPr marL="457200" indent="-289440">
               <a:lnSpc>
                 <a:spcPct val="100000"/>
               </a:lnSpc>
@@ -6019,7 +6020,7 @@
             </a:endParaRPr>
           </a:p>
           <a:p>
-            <a:pPr marL="457200" indent="-289800">
+            <a:pPr marL="457200" indent="-289440">
               <a:lnSpc>
                 <a:spcPct val="100000"/>
               </a:lnSpc>
@@ -6054,7 +6055,7 @@
         <p:spPr>
           <a:xfrm>
             <a:off x="6696000" y="2027520"/>
-            <a:ext cx="1099800" cy="580680"/>
+            <a:ext cx="1099440" cy="580320"/>
           </a:xfrm>
           <a:prstGeom prst="roundRect">
             <a:avLst>
@@ -6122,7 +6123,7 @@
         <p:spPr>
           <a:xfrm>
             <a:off x="5544000" y="1058760"/>
-            <a:ext cx="1726200" cy="966960"/>
+            <a:ext cx="1725840" cy="966600"/>
           </a:xfrm>
           <a:custGeom>
             <a:avLst/>
@@ -6164,7 +6165,7 @@
         <p:spPr>
           <a:xfrm>
             <a:off x="7344000" y="2612160"/>
-            <a:ext cx="360" cy="1130760"/>
+            <a:ext cx="360" cy="1130400"/>
           </a:xfrm>
           <a:custGeom>
             <a:avLst/>
@@ -6236,7 +6237,7 @@
         <p:spPr>
           <a:xfrm>
             <a:off x="143280" y="1593360"/>
-            <a:ext cx="9411480" cy="1501920"/>
+            <a:ext cx="9411120" cy="1501560"/>
           </a:xfrm>
           <a:prstGeom prst="rect">
             <a:avLst/>
@@ -6290,7 +6291,7 @@
         <p:spPr>
           <a:xfrm>
             <a:off x="4033800" y="204840"/>
-            <a:ext cx="1995480" cy="845280"/>
+            <a:ext cx="1995120" cy="844920"/>
           </a:xfrm>
           <a:prstGeom prst="wave">
             <a:avLst>
@@ -6319,7 +6320,7 @@
             <a:noAutofit/>
           </a:bodyPr>
           <a:p>
-            <a:pPr marL="457200" indent="-286560">
+            <a:pPr marL="457200" indent="-286200">
               <a:lnSpc>
                 <a:spcPct val="100000"/>
               </a:lnSpc>
@@ -6354,9 +6355,9 @@
         <p:grpSpPr>
           <a:xfrm>
             <a:off x="1637280" y="2081520"/>
-            <a:ext cx="1120320" cy="910440"/>
+            <a:ext cx="1119960" cy="910080"/>
             <a:chOff x="1637280" y="2081520"/>
-            <a:chExt cx="1120320" cy="910440"/>
+            <a:chExt cx="1119960" cy="910080"/>
           </a:xfrm>
         </p:grpSpPr>
         <p:grpSp>
@@ -6367,10 +6368,10 @@
           </p:nvGrpSpPr>
           <p:grpSpPr>
             <a:xfrm>
-              <a:off x="2022120" y="2081520"/>
-              <a:ext cx="346320" cy="648000"/>
-              <a:chOff x="2022120" y="2081520"/>
-              <a:chExt cx="346320" cy="648000"/>
+              <a:off x="2021760" y="2081520"/>
+              <a:ext cx="346680" cy="648000"/>
+              <a:chOff x="2021760" y="2081520"/>
+              <a:chExt cx="346680" cy="648000"/>
             </a:xfrm>
           </p:grpSpPr>
           <p:sp>
@@ -6382,7 +6383,7 @@
             <p:spPr>
               <a:xfrm>
                 <a:off x="2094840" y="2081520"/>
-                <a:ext cx="208800" cy="210960"/>
+                <a:ext cx="208440" cy="210600"/>
               </a:xfrm>
               <a:prstGeom prst="flowChartConnector">
                 <a:avLst/>
@@ -6412,8 +6413,8 @@
             </p:nvSpPr>
             <p:spPr>
               <a:xfrm flipH="1">
-                <a:off x="2190600" y="2297880"/>
-                <a:ext cx="360" cy="219600"/>
+                <a:off x="2189880" y="2297880"/>
+                <a:ext cx="360" cy="219240"/>
               </a:xfrm>
               <a:custGeom>
                 <a:avLst/>
@@ -6455,7 +6456,7 @@
             <p:spPr>
               <a:xfrm>
                 <a:off x="2046960" y="2395080"/>
-                <a:ext cx="304920" cy="360"/>
+                <a:ext cx="304560" cy="360"/>
               </a:xfrm>
               <a:custGeom>
                 <a:avLst/>
@@ -6497,7 +6498,7 @@
             <p:spPr>
               <a:xfrm flipH="1">
                 <a:off x="2021760" y="2521440"/>
-                <a:ext cx="164520" cy="202680"/>
+                <a:ext cx="164160" cy="202320"/>
               </a:xfrm>
               <a:custGeom>
                 <a:avLst/>
@@ -6538,8 +6539,8 @@
             </p:nvSpPr>
             <p:spPr>
               <a:xfrm rot="10800000">
-                <a:off x="2203560" y="2526840"/>
-                <a:ext cx="164880" cy="202680"/>
+                <a:off x="2203920" y="2527200"/>
+                <a:ext cx="164520" cy="202320"/>
               </a:xfrm>
               <a:custGeom>
                 <a:avLst/>
@@ -6582,7 +6583,7 @@
           <p:spPr>
             <a:xfrm>
               <a:off x="1637280" y="2619360"/>
-              <a:ext cx="1120320" cy="372600"/>
+              <a:ext cx="1119960" cy="372240"/>
             </a:xfrm>
             <a:prstGeom prst="rect">
               <a:avLst/>
@@ -6634,7 +6635,7 @@
         <p:spPr>
           <a:xfrm>
             <a:off x="143280" y="3100680"/>
-            <a:ext cx="9411480" cy="1501920"/>
+            <a:ext cx="9411120" cy="1501560"/>
           </a:xfrm>
           <a:prstGeom prst="rect">
             <a:avLst/>
@@ -6688,7 +6689,7 @@
         <p:spPr>
           <a:xfrm>
             <a:off x="4392000" y="2009160"/>
-            <a:ext cx="1099800" cy="580680"/>
+            <a:ext cx="1099440" cy="580320"/>
           </a:xfrm>
           <a:prstGeom prst="roundRect">
             <a:avLst>
@@ -6755,8 +6756,8 @@
         </p:nvSpPr>
         <p:spPr>
           <a:xfrm flipH="1" rot="10800000">
-            <a:off x="2229840" y="722160"/>
-            <a:ext cx="1799640" cy="1359360"/>
+            <a:off x="2229840" y="722520"/>
+            <a:ext cx="1799280" cy="1359000"/>
           </a:xfrm>
           <a:custGeom>
             <a:avLst/>
@@ -6798,7 +6799,7 @@
         <p:spPr>
           <a:xfrm>
             <a:off x="3888000" y="3773520"/>
-            <a:ext cx="2013840" cy="544320"/>
+            <a:ext cx="2013480" cy="543960"/>
           </a:xfrm>
           <a:prstGeom prst="bracketPair">
             <a:avLst>
@@ -6824,7 +6825,7 @@
             <a:noAutofit/>
           </a:bodyPr>
           <a:p>
-            <a:pPr marL="457200" indent="-286560">
+            <a:pPr marL="457200" indent="-286200">
               <a:lnSpc>
                 <a:spcPct val="100000"/>
               </a:lnSpc>
@@ -6849,7 +6850,7 @@
             </a:endParaRPr>
           </a:p>
           <a:p>
-            <a:pPr marL="457200" indent="-286560">
+            <a:pPr marL="457200" indent="-286200">
               <a:lnSpc>
                 <a:spcPct val="100000"/>
               </a:lnSpc>
@@ -6883,8 +6884,8 @@
         </p:nvSpPr>
         <p:spPr>
           <a:xfrm rot="10800000">
-            <a:off x="4967640" y="984600"/>
-            <a:ext cx="360" cy="1024560"/>
+            <a:off x="4967640" y="984960"/>
+            <a:ext cx="360" cy="1024200"/>
           </a:xfrm>
           <a:custGeom>
             <a:avLst/>
@@ -6926,7 +6927,7 @@
         <p:spPr>
           <a:xfrm>
             <a:off x="4968000" y="2598840"/>
-            <a:ext cx="360" cy="1157760"/>
+            <a:ext cx="360" cy="1157400"/>
           </a:xfrm>
           <a:custGeom>
             <a:avLst/>
@@ -6998,7 +6999,7 @@
         <p:spPr>
           <a:xfrm>
             <a:off x="143280" y="1593360"/>
-            <a:ext cx="9411480" cy="1501920"/>
+            <a:ext cx="9411120" cy="1501560"/>
           </a:xfrm>
           <a:prstGeom prst="rect">
             <a:avLst/>
@@ -7052,7 +7053,7 @@
         <p:spPr>
           <a:xfrm>
             <a:off x="4033800" y="204840"/>
-            <a:ext cx="1995480" cy="845280"/>
+            <a:ext cx="1995120" cy="844920"/>
           </a:xfrm>
           <a:prstGeom prst="wave">
             <a:avLst>
@@ -7081,7 +7082,422 @@
             <a:noAutofit/>
           </a:bodyPr>
           <a:p>
-            <a:pPr marL="457200" indent="-286560">
+            <a:pPr marL="457200" indent="-286200">
+              <a:lnSpc>
+                <a:spcPct val="100000"/>
+              </a:lnSpc>
+              <a:buClr>
+                <a:srgbClr val="000000"/>
+              </a:buClr>
+              <a:buFont typeface="Arial"/>
+              <a:buChar char="❖"/>
+            </a:pPr>
+            <a:r>
+              <a:rPr b="0" lang="pt-BR" sz="1000" spc="-1" strike="noStrike">
+                <a:solidFill>
+                  <a:srgbClr val="000000"/>
+                </a:solidFill>
+                <a:latin typeface="Arial"/>
+                <a:ea typeface="Arial"/>
+              </a:rPr>
+              <a:t>Vender produtos</a:t>
+            </a:r>
+            <a:endParaRPr b="0" lang="pt-BR" sz="1000" spc="-1" strike="noStrike">
+              <a:latin typeface="Arial"/>
+            </a:endParaRPr>
+          </a:p>
+        </p:txBody>
+      </p:sp>
+      <p:sp>
+        <p:nvSpPr>
+          <p:cNvPr id="160" name="CustomShape 3"/>
+          <p:cNvSpPr/>
+          <p:nvPr/>
+        </p:nvSpPr>
+        <p:spPr>
+          <a:xfrm>
+            <a:off x="143280" y="3100680"/>
+            <a:ext cx="9411120" cy="1501560"/>
+          </a:xfrm>
+          <a:prstGeom prst="rect">
+            <a:avLst/>
+          </a:prstGeom>
+          <a:noFill/>
+          <a:ln w="9360">
+            <a:solidFill>
+              <a:srgbClr val="ff9900"/>
+            </a:solidFill>
+            <a:round/>
+          </a:ln>
+        </p:spPr>
+        <p:style>
+          <a:lnRef idx="0"/>
+          <a:fillRef idx="0"/>
+          <a:effectRef idx="0"/>
+          <a:fontRef idx="minor"/>
+        </p:style>
+        <p:txBody>
+          <a:bodyPr lIns="90000" rIns="90000" tIns="91440" bIns="91440">
+            <a:noAutofit/>
+          </a:bodyPr>
+          <a:p>
+            <a:pPr>
+              <a:lnSpc>
+                <a:spcPct val="100000"/>
+              </a:lnSpc>
+            </a:pPr>
+            <a:r>
+              <a:rPr b="0" lang="pt-BR" sz="1400" spc="-1" strike="noStrike">
+                <a:solidFill>
+                  <a:srgbClr val="000000"/>
+                </a:solidFill>
+                <a:latin typeface="Arial"/>
+                <a:ea typeface="Arial"/>
+              </a:rPr>
+              <a:t>Capacidades Operacionais</a:t>
+            </a:r>
+            <a:endParaRPr b="0" lang="pt-BR" sz="1400" spc="-1" strike="noStrike">
+              <a:latin typeface="Arial"/>
+            </a:endParaRPr>
+          </a:p>
+        </p:txBody>
+      </p:sp>
+      <p:sp>
+        <p:nvSpPr>
+          <p:cNvPr id="161" name="CustomShape 4"/>
+          <p:cNvSpPr/>
+          <p:nvPr/>
+        </p:nvSpPr>
+        <p:spPr>
+          <a:xfrm>
+            <a:off x="4392000" y="2009160"/>
+            <a:ext cx="1099440" cy="580320"/>
+          </a:xfrm>
+          <a:prstGeom prst="roundRect">
+            <a:avLst>
+              <a:gd name="adj" fmla="val 16667"/>
+            </a:avLst>
+          </a:prstGeom>
+          <a:gradFill rotWithShape="0">
+            <a:gsLst>
+              <a:gs pos="0">
+                <a:srgbClr val="d4e5f5"/>
+              </a:gs>
+              <a:gs pos="100000">
+                <a:srgbClr val="70a4d5"/>
+              </a:gs>
+            </a:gsLst>
+            <a:path path="circle">
+              <a:fillToRect l="50000" t="50000" r="50000" b="50000"/>
+            </a:path>
+          </a:gradFill>
+          <a:ln w="9360">
+            <a:solidFill>
+              <a:srgbClr val="f3f3f3"/>
+            </a:solidFill>
+            <a:round/>
+          </a:ln>
+        </p:spPr>
+        <p:style>
+          <a:lnRef idx="0"/>
+          <a:fillRef idx="0"/>
+          <a:effectRef idx="0"/>
+          <a:fontRef idx="minor"/>
+        </p:style>
+        <p:txBody>
+          <a:bodyPr lIns="90000" rIns="90000" tIns="91440" bIns="91440" anchor="ctr">
+            <a:noAutofit/>
+          </a:bodyPr>
+          <a:p>
+            <a:pPr algn="ctr">
+              <a:lnSpc>
+                <a:spcPct val="100000"/>
+              </a:lnSpc>
+            </a:pPr>
+            <a:r>
+              <a:rPr b="0" lang="pt-BR" sz="1000" spc="-1" strike="noStrike">
+                <a:solidFill>
+                  <a:srgbClr val="000000"/>
+                </a:solidFill>
+                <a:latin typeface="Arial"/>
+                <a:ea typeface="Arial"/>
+              </a:rPr>
+              <a:t>Cozinha</a:t>
+            </a:r>
+            <a:endParaRPr b="0" lang="pt-BR" sz="1000" spc="-1" strike="noStrike">
+              <a:latin typeface="Arial"/>
+            </a:endParaRPr>
+          </a:p>
+        </p:txBody>
+      </p:sp>
+      <p:sp>
+        <p:nvSpPr>
+          <p:cNvPr id="162" name="CustomShape 5"/>
+          <p:cNvSpPr/>
+          <p:nvPr/>
+        </p:nvSpPr>
+        <p:spPr>
+          <a:xfrm>
+            <a:off x="3888000" y="3773520"/>
+            <a:ext cx="2013480" cy="543960"/>
+          </a:xfrm>
+          <a:prstGeom prst="bracketPair">
+            <a:avLst>
+              <a:gd name="adj" fmla="val 16667"/>
+            </a:avLst>
+          </a:prstGeom>
+          <a:noFill/>
+          <a:ln w="9360">
+            <a:solidFill>
+              <a:srgbClr val="595959"/>
+            </a:solidFill>
+            <a:round/>
+          </a:ln>
+        </p:spPr>
+        <p:style>
+          <a:lnRef idx="0"/>
+          <a:fillRef idx="0"/>
+          <a:effectRef idx="0"/>
+          <a:fontRef idx="minor"/>
+        </p:style>
+        <p:txBody>
+          <a:bodyPr lIns="90000" rIns="90000" tIns="91440" bIns="91440" anchor="ctr">
+            <a:noAutofit/>
+          </a:bodyPr>
+          <a:p>
+            <a:pPr marL="457200" indent="-286200">
+              <a:lnSpc>
+                <a:spcPct val="100000"/>
+              </a:lnSpc>
+              <a:buClr>
+                <a:srgbClr val="000000"/>
+              </a:buClr>
+              <a:buFont typeface="Arial"/>
+              <a:buChar char="●"/>
+            </a:pPr>
+            <a:r>
+              <a:rPr b="0" lang="pt-BR" sz="1000" spc="-1" strike="noStrike">
+                <a:solidFill>
+                  <a:srgbClr val="000000"/>
+                </a:solidFill>
+                <a:latin typeface="Arial"/>
+                <a:ea typeface="Arial"/>
+              </a:rPr>
+              <a:t>Gerenciar produtos</a:t>
+            </a:r>
+            <a:endParaRPr b="0" lang="pt-BR" sz="1000" spc="-1" strike="noStrike">
+              <a:latin typeface="Arial"/>
+            </a:endParaRPr>
+          </a:p>
+        </p:txBody>
+      </p:sp>
+      <p:sp>
+        <p:nvSpPr>
+          <p:cNvPr id="163" name="CustomShape 6"/>
+          <p:cNvSpPr/>
+          <p:nvPr/>
+        </p:nvSpPr>
+        <p:spPr>
+          <a:xfrm rot="10800000">
+            <a:off x="4967640" y="984960"/>
+            <a:ext cx="360" cy="1024200"/>
+          </a:xfrm>
+          <a:custGeom>
+            <a:avLst/>
+            <a:gdLst/>
+            <a:ahLst/>
+            <a:rect l="l" t="t" r="r" b="b"/>
+            <a:pathLst>
+              <a:path w="21600" h="21600">
+                <a:moveTo>
+                  <a:pt x="0" y="0"/>
+                </a:moveTo>
+                <a:lnTo>
+                  <a:pt x="21600" y="21600"/>
+                </a:lnTo>
+              </a:path>
+            </a:pathLst>
+          </a:custGeom>
+          <a:noFill/>
+          <a:ln w="9360">
+            <a:solidFill>
+              <a:srgbClr val="3465a4"/>
+            </a:solidFill>
+            <a:round/>
+          </a:ln>
+        </p:spPr>
+        <p:style>
+          <a:lnRef idx="0"/>
+          <a:fillRef idx="0"/>
+          <a:effectRef idx="0"/>
+          <a:fontRef idx="minor"/>
+        </p:style>
+      </p:sp>
+      <p:sp>
+        <p:nvSpPr>
+          <p:cNvPr id="164" name="CustomShape 7"/>
+          <p:cNvSpPr/>
+          <p:nvPr/>
+        </p:nvSpPr>
+        <p:spPr>
+          <a:xfrm>
+            <a:off x="4968000" y="2598840"/>
+            <a:ext cx="360" cy="1157400"/>
+          </a:xfrm>
+          <a:custGeom>
+            <a:avLst/>
+            <a:gdLst/>
+            <a:ahLst/>
+            <a:rect l="l" t="t" r="r" b="b"/>
+            <a:pathLst>
+              <a:path w="21600" h="21600">
+                <a:moveTo>
+                  <a:pt x="0" y="0"/>
+                </a:moveTo>
+                <a:lnTo>
+                  <a:pt x="21600" y="21600"/>
+                </a:lnTo>
+              </a:path>
+            </a:pathLst>
+          </a:custGeom>
+          <a:noFill/>
+          <a:ln w="9360">
+            <a:solidFill>
+              <a:srgbClr val="3465a4"/>
+            </a:solidFill>
+            <a:round/>
+          </a:ln>
+        </p:spPr>
+        <p:style>
+          <a:lnRef idx="0"/>
+          <a:fillRef idx="0"/>
+          <a:effectRef idx="0"/>
+          <a:fontRef idx="minor"/>
+        </p:style>
+      </p:sp>
+    </p:spTree>
+  </p:cSld>
+  <mc:AlternateContent>
+    <mc:Choice Requires="p14">
+      <p:transition spd="slow" p14:dur="2000"/>
+    </mc:Choice>
+    <mc:Fallback>
+      <p:transition spd="slow"/>
+    </mc:Fallback>
+  </mc:AlternateContent>
+</p:sld>
+</file>
+
+<file path=ppt/slides/slide5.xml><?xml version="1.0" encoding="utf-8"?>
+<p:sld xmlns:a="http://schemas.openxmlformats.org/drawingml/2006/main" xmlns:p="http://schemas.openxmlformats.org/presentationml/2006/main" xmlns:r="http://schemas.openxmlformats.org/officeDocument/2006/relationships" xmlns:p14="http://schemas.microsoft.com/office/powerpoint/2010/main" xmlns:p15="http://schemas.microsoft.com/office/powerpoint/2012/main" xmlns:mc="http://schemas.openxmlformats.org/markup-compatibility/2006">
+  <p:cSld>
+    <p:spTree>
+      <p:nvGrpSpPr>
+        <p:cNvPr id="1" name=""/>
+        <p:cNvGrpSpPr/>
+        <p:nvPr/>
+      </p:nvGrpSpPr>
+      <p:grpSpPr>
+        <a:xfrm>
+          <a:off x="0" y="0"/>
+          <a:ext cx="0" cy="0"/>
+          <a:chOff x="0" y="0"/>
+          <a:chExt cx="0" cy="0"/>
+        </a:xfrm>
+      </p:grpSpPr>
+      <p:sp>
+        <p:nvSpPr>
+          <p:cNvPr id="165" name="CustomShape 1"/>
+          <p:cNvSpPr/>
+          <p:nvPr/>
+        </p:nvSpPr>
+        <p:spPr>
+          <a:xfrm>
+            <a:off x="143280" y="1593360"/>
+            <a:ext cx="9411120" cy="1501560"/>
+          </a:xfrm>
+          <a:prstGeom prst="rect">
+            <a:avLst/>
+          </a:prstGeom>
+          <a:noFill/>
+          <a:ln w="9360">
+            <a:solidFill>
+              <a:srgbClr val="ff9900"/>
+            </a:solidFill>
+            <a:round/>
+          </a:ln>
+        </p:spPr>
+        <p:style>
+          <a:lnRef idx="0"/>
+          <a:fillRef idx="0"/>
+          <a:effectRef idx="0"/>
+          <a:fontRef idx="minor"/>
+        </p:style>
+        <p:txBody>
+          <a:bodyPr lIns="90000" rIns="90000" tIns="91440" bIns="91440">
+            <a:noAutofit/>
+          </a:bodyPr>
+          <a:p>
+            <a:pPr>
+              <a:lnSpc>
+                <a:spcPct val="100000"/>
+              </a:lnSpc>
+            </a:pPr>
+            <a:r>
+              <a:rPr b="0" lang="pt-BR" sz="1400" spc="-1" strike="noStrike">
+                <a:solidFill>
+                  <a:srgbClr val="000000"/>
+                </a:solidFill>
+                <a:latin typeface="Arial"/>
+                <a:ea typeface="Arial"/>
+              </a:rPr>
+              <a:t>Nós Operacionais</a:t>
+            </a:r>
+            <a:endParaRPr b="0" lang="pt-BR" sz="1400" spc="-1" strike="noStrike">
+              <a:latin typeface="Arial"/>
+            </a:endParaRPr>
+          </a:p>
+        </p:txBody>
+      </p:sp>
+      <p:sp>
+        <p:nvSpPr>
+          <p:cNvPr id="166" name="CustomShape 2"/>
+          <p:cNvSpPr/>
+          <p:nvPr/>
+        </p:nvSpPr>
+        <p:spPr>
+          <a:xfrm>
+            <a:off x="4033800" y="204840"/>
+            <a:ext cx="1995120" cy="844920"/>
+          </a:xfrm>
+          <a:prstGeom prst="wave">
+            <a:avLst>
+              <a:gd name="adj1" fmla="val 6999"/>
+              <a:gd name="adj2" fmla="val 0"/>
+            </a:avLst>
+          </a:prstGeom>
+          <a:solidFill>
+            <a:srgbClr val="f4cccc"/>
+          </a:solidFill>
+          <a:ln w="9360">
+            <a:solidFill>
+              <a:srgbClr val="ffffff"/>
+            </a:solidFill>
+            <a:round/>
+          </a:ln>
+        </p:spPr>
+        <p:style>
+          <a:lnRef idx="0"/>
+          <a:fillRef idx="0"/>
+          <a:effectRef idx="0"/>
+          <a:fontRef idx="minor"/>
+        </p:style>
+        <p:txBody>
+          <a:bodyPr lIns="90000" rIns="90000" tIns="91440" bIns="91440" anchor="ctr">
+            <a:noAutofit/>
+          </a:bodyPr>
+          <a:p>
+            <a:pPr marL="457200" indent="-286200">
               <a:lnSpc>
                 <a:spcPct val="100000"/>
               </a:lnSpc>
@@ -7109,42 +7525,42 @@
       </p:sp>
       <p:grpSp>
         <p:nvGrpSpPr>
-          <p:cNvPr id="160" name="Group 3"/>
+          <p:cNvPr id="167" name="Group 3"/>
           <p:cNvGrpSpPr/>
           <p:nvPr/>
         </p:nvGrpSpPr>
         <p:grpSpPr>
           <a:xfrm>
             <a:off x="1637280" y="2081520"/>
-            <a:ext cx="1120320" cy="910440"/>
+            <a:ext cx="1119960" cy="910080"/>
             <a:chOff x="1637280" y="2081520"/>
-            <a:chExt cx="1120320" cy="910440"/>
+            <a:chExt cx="1119960" cy="910080"/>
           </a:xfrm>
         </p:grpSpPr>
         <p:grpSp>
           <p:nvGrpSpPr>
-            <p:cNvPr id="161" name="Group 4"/>
+            <p:cNvPr id="168" name="Group 4"/>
             <p:cNvGrpSpPr/>
             <p:nvPr/>
           </p:nvGrpSpPr>
           <p:grpSpPr>
             <a:xfrm>
-              <a:off x="2022120" y="2081520"/>
-              <a:ext cx="346320" cy="648000"/>
-              <a:chOff x="2022120" y="2081520"/>
-              <a:chExt cx="346320" cy="648000"/>
+              <a:off x="2021760" y="2081520"/>
+              <a:ext cx="346680" cy="648000"/>
+              <a:chOff x="2021760" y="2081520"/>
+              <a:chExt cx="346680" cy="648000"/>
             </a:xfrm>
           </p:grpSpPr>
           <p:sp>
             <p:nvSpPr>
-              <p:cNvPr id="162" name="CustomShape 5"/>
+              <p:cNvPr id="169" name="CustomShape 5"/>
               <p:cNvSpPr/>
               <p:nvPr/>
             </p:nvSpPr>
             <p:spPr>
               <a:xfrm>
                 <a:off x="2094840" y="2081520"/>
-                <a:ext cx="208800" cy="210960"/>
+                <a:ext cx="208440" cy="210600"/>
               </a:xfrm>
               <a:prstGeom prst="flowChartConnector">
                 <a:avLst/>
@@ -7168,14 +7584,14 @@
           </p:sp>
           <p:sp>
             <p:nvSpPr>
-              <p:cNvPr id="163" name="CustomShape 6"/>
+              <p:cNvPr id="170" name="CustomShape 6"/>
               <p:cNvSpPr/>
               <p:nvPr/>
             </p:nvSpPr>
             <p:spPr>
               <a:xfrm flipH="1">
-                <a:off x="2190600" y="2297880"/>
-                <a:ext cx="360" cy="219600"/>
+                <a:off x="2189880" y="2297880"/>
+                <a:ext cx="360" cy="219240"/>
               </a:xfrm>
               <a:custGeom>
                 <a:avLst/>
@@ -7210,14 +7626,14 @@
           </p:sp>
           <p:sp>
             <p:nvSpPr>
-              <p:cNvPr id="164" name="CustomShape 7"/>
+              <p:cNvPr id="171" name="CustomShape 7"/>
               <p:cNvSpPr/>
               <p:nvPr/>
             </p:nvSpPr>
             <p:spPr>
               <a:xfrm>
                 <a:off x="2046960" y="2395080"/>
-                <a:ext cx="304920" cy="360"/>
+                <a:ext cx="304560" cy="360"/>
               </a:xfrm>
               <a:custGeom>
                 <a:avLst/>
@@ -7252,14 +7668,14 @@
           </p:sp>
           <p:sp>
             <p:nvSpPr>
-              <p:cNvPr id="165" name="CustomShape 8"/>
+              <p:cNvPr id="172" name="CustomShape 8"/>
               <p:cNvSpPr/>
               <p:nvPr/>
             </p:nvSpPr>
             <p:spPr>
               <a:xfrm flipH="1">
                 <a:off x="2021760" y="2521440"/>
-                <a:ext cx="164520" cy="202680"/>
+                <a:ext cx="164160" cy="202320"/>
               </a:xfrm>
               <a:custGeom>
                 <a:avLst/>
@@ -7294,14 +7710,14 @@
           </p:sp>
           <p:sp>
             <p:nvSpPr>
-              <p:cNvPr id="166" name="CustomShape 9"/>
+              <p:cNvPr id="173" name="CustomShape 9"/>
               <p:cNvSpPr/>
               <p:nvPr/>
             </p:nvSpPr>
             <p:spPr>
               <a:xfrm rot="10800000">
-                <a:off x="2203560" y="2526840"/>
-                <a:ext cx="164880" cy="202680"/>
+                <a:off x="2203920" y="2527200"/>
+                <a:ext cx="164520" cy="202320"/>
               </a:xfrm>
               <a:custGeom>
                 <a:avLst/>
@@ -7337,14 +7753,14 @@
         </p:grpSp>
         <p:sp>
           <p:nvSpPr>
-            <p:cNvPr id="167" name="CustomShape 10"/>
+            <p:cNvPr id="174" name="CustomShape 10"/>
             <p:cNvSpPr/>
             <p:nvPr/>
           </p:nvSpPr>
           <p:spPr>
             <a:xfrm>
               <a:off x="1637280" y="2619360"/>
-              <a:ext cx="1120320" cy="372600"/>
+              <a:ext cx="1119960" cy="372240"/>
             </a:xfrm>
             <a:prstGeom prst="rect">
               <a:avLst/>
@@ -7389,14 +7805,14 @@
       </p:grpSp>
       <p:sp>
         <p:nvSpPr>
-          <p:cNvPr id="168" name="CustomShape 11"/>
+          <p:cNvPr id="175" name="CustomShape 11"/>
           <p:cNvSpPr/>
           <p:nvPr/>
         </p:nvSpPr>
         <p:spPr>
           <a:xfrm>
             <a:off x="143280" y="3100680"/>
-            <a:ext cx="9411480" cy="1501920"/>
+            <a:ext cx="9411120" cy="1501560"/>
           </a:xfrm>
           <a:prstGeom prst="rect">
             <a:avLst/>
@@ -7443,14 +7859,14 @@
       </p:sp>
       <p:sp>
         <p:nvSpPr>
-          <p:cNvPr id="169" name="CustomShape 12"/>
+          <p:cNvPr id="176" name="CustomShape 12"/>
           <p:cNvSpPr/>
           <p:nvPr/>
         </p:nvSpPr>
         <p:spPr>
           <a:xfrm>
             <a:off x="3826800" y="3456000"/>
-            <a:ext cx="2579040" cy="845640"/>
+            <a:ext cx="2578680" cy="845280"/>
           </a:xfrm>
           <a:prstGeom prst="bracketPair">
             <a:avLst>
@@ -7476,7 +7892,7 @@
             <a:noAutofit/>
           </a:bodyPr>
           <a:p>
-            <a:pPr marL="457200" indent="-289800">
+            <a:pPr marL="457200" indent="-289440">
               <a:lnSpc>
                 <a:spcPct val="100000"/>
               </a:lnSpc>
@@ -7501,7 +7917,7 @@
             </a:endParaRPr>
           </a:p>
           <a:p>
-            <a:pPr marL="457200" indent="-286560">
+            <a:pPr marL="457200" indent="-286200">
               <a:lnSpc>
                 <a:spcPct val="100000"/>
               </a:lnSpc>
@@ -7529,14 +7945,14 @@
       </p:sp>
       <p:sp>
         <p:nvSpPr>
-          <p:cNvPr id="170" name="CustomShape 13"/>
+          <p:cNvPr id="177" name="CustomShape 13"/>
           <p:cNvSpPr/>
           <p:nvPr/>
         </p:nvSpPr>
         <p:spPr>
           <a:xfrm>
             <a:off x="4442040" y="2009160"/>
-            <a:ext cx="1099800" cy="580680"/>
+            <a:ext cx="1099440" cy="580320"/>
           </a:xfrm>
           <a:prstGeom prst="roundRect">
             <a:avLst>
@@ -7597,14 +8013,14 @@
       </p:sp>
       <p:sp>
         <p:nvSpPr>
-          <p:cNvPr id="171" name="CustomShape 14"/>
+          <p:cNvPr id="178" name="CustomShape 14"/>
           <p:cNvSpPr/>
           <p:nvPr/>
         </p:nvSpPr>
         <p:spPr>
           <a:xfrm rot="16200000">
-            <a:off x="2369520" y="781200"/>
-            <a:ext cx="1812600" cy="1511640"/>
+            <a:off x="2369520" y="781560"/>
+            <a:ext cx="1812240" cy="1511280"/>
           </a:xfrm>
           <a:prstGeom prst="curvedConnector2">
             <a:avLst/>
@@ -7626,14 +8042,14 @@
       </p:sp>
       <p:sp>
         <p:nvSpPr>
-          <p:cNvPr id="172" name="CustomShape 15"/>
+          <p:cNvPr id="179" name="CustomShape 15"/>
           <p:cNvSpPr/>
           <p:nvPr/>
         </p:nvSpPr>
         <p:spPr>
           <a:xfrm rot="10800000">
-            <a:off x="5033160" y="1010160"/>
-            <a:ext cx="6120" cy="1010880"/>
+            <a:off x="5033520" y="1010520"/>
+            <a:ext cx="5760" cy="1010520"/>
           </a:xfrm>
           <a:custGeom>
             <a:avLst/>
@@ -7668,14 +8084,14 @@
       </p:sp>
       <p:sp>
         <p:nvSpPr>
-          <p:cNvPr id="173" name="CustomShape 16"/>
+          <p:cNvPr id="180" name="CustomShape 16"/>
           <p:cNvSpPr/>
           <p:nvPr/>
         </p:nvSpPr>
         <p:spPr>
           <a:xfrm flipH="1" rot="10800000">
-            <a:off x="5035680" y="2594160"/>
-            <a:ext cx="360" cy="789840"/>
+            <a:off x="5034960" y="2594520"/>
+            <a:ext cx="360" cy="789480"/>
           </a:xfrm>
           <a:custGeom>
             <a:avLst/>
@@ -7710,42 +8126,42 @@
       </p:sp>
       <p:grpSp>
         <p:nvGrpSpPr>
-          <p:cNvPr id="174" name="Group 17"/>
+          <p:cNvPr id="181" name="Group 17"/>
           <p:cNvGrpSpPr/>
           <p:nvPr/>
         </p:nvGrpSpPr>
         <p:grpSpPr>
           <a:xfrm>
             <a:off x="6840720" y="2009160"/>
-            <a:ext cx="1120320" cy="910440"/>
+            <a:ext cx="1119960" cy="910080"/>
             <a:chOff x="6840720" y="2009160"/>
-            <a:chExt cx="1120320" cy="910440"/>
+            <a:chExt cx="1119960" cy="910080"/>
           </a:xfrm>
         </p:grpSpPr>
         <p:grpSp>
           <p:nvGrpSpPr>
-            <p:cNvPr id="175" name="Group 18"/>
+            <p:cNvPr id="182" name="Group 18"/>
             <p:cNvGrpSpPr/>
             <p:nvPr/>
           </p:nvGrpSpPr>
           <p:grpSpPr>
             <a:xfrm>
-              <a:off x="7225560" y="2009160"/>
-              <a:ext cx="346320" cy="648000"/>
-              <a:chOff x="7225560" y="2009160"/>
-              <a:chExt cx="346320" cy="648000"/>
+              <a:off x="7225200" y="2009160"/>
+              <a:ext cx="346680" cy="648000"/>
+              <a:chOff x="7225200" y="2009160"/>
+              <a:chExt cx="346680" cy="648000"/>
             </a:xfrm>
           </p:grpSpPr>
           <p:sp>
             <p:nvSpPr>
-              <p:cNvPr id="176" name="CustomShape 19"/>
+              <p:cNvPr id="183" name="CustomShape 19"/>
               <p:cNvSpPr/>
               <p:nvPr/>
             </p:nvSpPr>
             <p:spPr>
               <a:xfrm>
                 <a:off x="7298280" y="2009160"/>
-                <a:ext cx="208800" cy="210960"/>
+                <a:ext cx="208440" cy="210600"/>
               </a:xfrm>
               <a:prstGeom prst="flowChartConnector">
                 <a:avLst/>
@@ -7769,14 +8185,14 @@
           </p:sp>
           <p:sp>
             <p:nvSpPr>
-              <p:cNvPr id="177" name="CustomShape 20"/>
+              <p:cNvPr id="184" name="CustomShape 20"/>
               <p:cNvSpPr/>
               <p:nvPr/>
             </p:nvSpPr>
             <p:spPr>
               <a:xfrm flipH="1">
-                <a:off x="7394040" y="2225520"/>
-                <a:ext cx="360" cy="219600"/>
+                <a:off x="7393320" y="2225520"/>
+                <a:ext cx="360" cy="219240"/>
               </a:xfrm>
               <a:custGeom>
                 <a:avLst/>
@@ -7811,14 +8227,14 @@
           </p:sp>
           <p:sp>
             <p:nvSpPr>
-              <p:cNvPr id="178" name="CustomShape 21"/>
+              <p:cNvPr id="185" name="CustomShape 21"/>
               <p:cNvSpPr/>
               <p:nvPr/>
             </p:nvSpPr>
             <p:spPr>
               <a:xfrm>
                 <a:off x="7250400" y="2322720"/>
-                <a:ext cx="304920" cy="360"/>
+                <a:ext cx="304560" cy="360"/>
               </a:xfrm>
               <a:custGeom>
                 <a:avLst/>
@@ -7853,14 +8269,14 @@
           </p:sp>
           <p:sp>
             <p:nvSpPr>
-              <p:cNvPr id="179" name="CustomShape 22"/>
+              <p:cNvPr id="186" name="CustomShape 22"/>
               <p:cNvSpPr/>
               <p:nvPr/>
             </p:nvSpPr>
             <p:spPr>
               <a:xfrm flipH="1">
                 <a:off x="7225200" y="2449080"/>
-                <a:ext cx="164520" cy="202680"/>
+                <a:ext cx="164160" cy="202320"/>
               </a:xfrm>
               <a:custGeom>
                 <a:avLst/>
@@ -7895,14 +8311,14 @@
           </p:sp>
           <p:sp>
             <p:nvSpPr>
-              <p:cNvPr id="180" name="CustomShape 23"/>
+              <p:cNvPr id="187" name="CustomShape 23"/>
               <p:cNvSpPr/>
               <p:nvPr/>
             </p:nvSpPr>
             <p:spPr>
               <a:xfrm rot="10800000">
-                <a:off x="7407000" y="2454480"/>
-                <a:ext cx="164880" cy="202680"/>
+                <a:off x="7407360" y="2454840"/>
+                <a:ext cx="164520" cy="202320"/>
               </a:xfrm>
               <a:custGeom>
                 <a:avLst/>
@@ -7938,14 +8354,14 @@
         </p:grpSp>
         <p:sp>
           <p:nvSpPr>
-            <p:cNvPr id="181" name="CustomShape 24"/>
+            <p:cNvPr id="188" name="CustomShape 24"/>
             <p:cNvSpPr/>
             <p:nvPr/>
           </p:nvSpPr>
           <p:spPr>
             <a:xfrm>
               <a:off x="6840720" y="2547000"/>
-              <a:ext cx="1120320" cy="372600"/>
+              <a:ext cx="1119960" cy="372240"/>
             </a:xfrm>
             <a:prstGeom prst="rect">
               <a:avLst/>
@@ -7990,14 +8406,14 @@
       </p:grpSp>
       <p:sp>
         <p:nvSpPr>
-          <p:cNvPr id="182" name="CustomShape 25"/>
+          <p:cNvPr id="189" name="CustomShape 25"/>
           <p:cNvSpPr/>
           <p:nvPr/>
         </p:nvSpPr>
         <p:spPr>
           <a:xfrm>
             <a:off x="6031080" y="628560"/>
-            <a:ext cx="1370880" cy="1379160"/>
+            <a:ext cx="1370520" cy="1378800"/>
           </a:xfrm>
           <a:prstGeom prst="curvedConnector2">
             <a:avLst/>

--- a/docs/ARTEFATOS(15-23)/Arquitetura_Negócio/15) Arquitetura de Negócio para cada Cenário.pptx
+++ b/docs/ARTEFATOS(15-23)/Arquitetura_Negócio/15) Arquitetura de Negócio para cada Cenário.pptx
@@ -3275,7 +3275,7 @@
         <p:spPr>
           <a:xfrm>
             <a:off x="4033800" y="204840"/>
-            <a:ext cx="1994760" cy="844560"/>
+            <a:ext cx="1994400" cy="844200"/>
           </a:xfrm>
           <a:prstGeom prst="wave">
             <a:avLst>
@@ -3334,7 +3334,7 @@
         <p:spPr>
           <a:xfrm>
             <a:off x="2654280" y="2880000"/>
-            <a:ext cx="1373400" cy="579960"/>
+            <a:ext cx="1373040" cy="579600"/>
           </a:xfrm>
           <a:prstGeom prst="roundRect">
             <a:avLst>
@@ -3402,9 +3402,9 @@
         <p:grpSpPr>
           <a:xfrm>
             <a:off x="27360" y="2736000"/>
-            <a:ext cx="1119600" cy="909360"/>
+            <a:ext cx="1119240" cy="909000"/>
             <a:chOff x="27360" y="2736000"/>
-            <a:chExt cx="1119600" cy="909360"/>
+            <a:chExt cx="1119240" cy="909000"/>
           </a:xfrm>
         </p:grpSpPr>
         <p:grpSp>
@@ -3415,10 +3415,10 @@
           </p:nvGrpSpPr>
           <p:grpSpPr>
             <a:xfrm>
-              <a:off x="411480" y="2736000"/>
-              <a:ext cx="347040" cy="648000"/>
-              <a:chOff x="411480" y="2736000"/>
-              <a:chExt cx="347040" cy="648000"/>
+              <a:off x="411120" y="2736000"/>
+              <a:ext cx="347400" cy="648000"/>
+              <a:chOff x="411120" y="2736000"/>
+              <a:chExt cx="347400" cy="648000"/>
             </a:xfrm>
           </p:grpSpPr>
           <p:sp>
@@ -3430,7 +3430,7 @@
             <p:spPr>
               <a:xfrm>
                 <a:off x="484920" y="2736000"/>
-                <a:ext cx="208080" cy="210240"/>
+                <a:ext cx="207720" cy="209880"/>
               </a:xfrm>
               <a:prstGeom prst="flowChartConnector">
                 <a:avLst/>
@@ -3460,8 +3460,8 @@
             </p:nvSpPr>
             <p:spPr>
               <a:xfrm flipH="1">
-                <a:off x="579240" y="2952000"/>
-                <a:ext cx="360" cy="218880"/>
+                <a:off x="578520" y="2952000"/>
+                <a:ext cx="360" cy="218520"/>
               </a:xfrm>
               <a:custGeom>
                 <a:avLst/>
@@ -3503,7 +3503,7 @@
             <p:spPr>
               <a:xfrm>
                 <a:off x="437040" y="3049200"/>
-                <a:ext cx="304200" cy="360"/>
+                <a:ext cx="303840" cy="360"/>
               </a:xfrm>
               <a:custGeom>
                 <a:avLst/>
@@ -3545,7 +3545,7 @@
             <p:spPr>
               <a:xfrm flipH="1">
                 <a:off x="411120" y="3175560"/>
-                <a:ext cx="163800" cy="201960"/>
+                <a:ext cx="163440" cy="201600"/>
               </a:xfrm>
               <a:custGeom>
                 <a:avLst/>
@@ -3586,8 +3586,8 @@
             </p:nvSpPr>
             <p:spPr>
               <a:xfrm rot="10800000">
-                <a:off x="594360" y="3182040"/>
-                <a:ext cx="164160" cy="201960"/>
+                <a:off x="594720" y="3182400"/>
+                <a:ext cx="163800" cy="201600"/>
               </a:xfrm>
               <a:custGeom>
                 <a:avLst/>
@@ -3630,7 +3630,7 @@
           <p:spPr>
             <a:xfrm>
               <a:off x="27360" y="3273480"/>
-              <a:ext cx="1119600" cy="371880"/>
+              <a:ext cx="1119240" cy="371520"/>
             </a:xfrm>
             <a:prstGeom prst="rect">
               <a:avLst/>
@@ -3682,7 +3682,7 @@
         <p:spPr>
           <a:xfrm>
             <a:off x="2417040" y="1584000"/>
-            <a:ext cx="3338640" cy="1227240"/>
+            <a:ext cx="3338280" cy="1226880"/>
           </a:xfrm>
           <a:prstGeom prst="rect">
             <a:avLst/>
@@ -3703,7 +3703,7 @@
             <a:noAutofit/>
           </a:bodyPr>
           <a:p>
-            <a:pPr marL="457200" indent="-292320">
+            <a:pPr marL="457200" indent="-291960">
               <a:lnSpc>
                 <a:spcPct val="100000"/>
               </a:lnSpc>
@@ -3758,7 +3758,7 @@
         <p:spPr>
           <a:xfrm>
             <a:off x="2488320" y="4104000"/>
-            <a:ext cx="3338640" cy="909360"/>
+            <a:ext cx="3338280" cy="909000"/>
           </a:xfrm>
           <a:prstGeom prst="rect">
             <a:avLst/>
@@ -3779,7 +3779,7 @@
             <a:noAutofit/>
           </a:bodyPr>
           <a:p>
-            <a:pPr marL="457200" indent="-292320">
+            <a:pPr marL="457200" indent="-291960">
               <a:lnSpc>
                 <a:spcPct val="100000"/>
               </a:lnSpc>
@@ -3834,7 +3834,7 @@
         <p:spPr>
           <a:xfrm>
             <a:off x="8735760" y="5061600"/>
-            <a:ext cx="1271880" cy="518040"/>
+            <a:ext cx="1271520" cy="517680"/>
           </a:xfrm>
           <a:prstGeom prst="rect">
             <a:avLst/>
@@ -3875,7 +3875,7 @@
             </a:endParaRPr>
           </a:p>
           <a:p>
-            <a:pPr marL="457200" indent="-285840">
+            <a:pPr marL="457200" indent="-285480">
               <a:lnSpc>
                 <a:spcPct val="100000"/>
               </a:lnSpc>
@@ -3910,9 +3910,9 @@
         <p:grpSpPr>
           <a:xfrm>
             <a:off x="466920" y="1008000"/>
-            <a:ext cx="1472040" cy="901080"/>
+            <a:ext cx="1471680" cy="900720"/>
             <a:chOff x="466920" y="1008000"/>
-            <a:chExt cx="1472040" cy="901080"/>
+            <a:chExt cx="1471680" cy="900720"/>
           </a:xfrm>
         </p:grpSpPr>
         <p:grpSp>
@@ -3923,10 +3923,10 @@
           </p:nvGrpSpPr>
           <p:grpSpPr>
             <a:xfrm>
-              <a:off x="1013040" y="1008000"/>
-              <a:ext cx="307440" cy="642240"/>
-              <a:chOff x="1013040" y="1008000"/>
-              <a:chExt cx="307440" cy="642240"/>
+              <a:off x="1012680" y="1008000"/>
+              <a:ext cx="307800" cy="642240"/>
+              <a:chOff x="1012680" y="1008000"/>
+              <a:chExt cx="307800" cy="642240"/>
             </a:xfrm>
           </p:grpSpPr>
           <p:sp>
@@ -3938,7 +3938,7 @@
             <p:spPr>
               <a:xfrm>
                 <a:off x="1078560" y="1008000"/>
-                <a:ext cx="183600" cy="208080"/>
+                <a:ext cx="183240" cy="207720"/>
               </a:xfrm>
               <a:prstGeom prst="flowChartConnector">
                 <a:avLst/>
@@ -3968,8 +3968,8 @@
             </p:nvSpPr>
             <p:spPr>
               <a:xfrm flipH="1">
-                <a:off x="1160640" y="1222560"/>
-                <a:ext cx="360" cy="216720"/>
+                <a:off x="1159920" y="1222560"/>
+                <a:ext cx="360" cy="216360"/>
               </a:xfrm>
               <a:custGeom>
                 <a:avLst/>
@@ -4011,7 +4011,7 @@
             <p:spPr>
               <a:xfrm>
                 <a:off x="1036080" y="1318320"/>
-                <a:ext cx="269280" cy="360"/>
+                <a:ext cx="268920" cy="360"/>
               </a:xfrm>
               <a:custGeom>
                 <a:avLst/>
@@ -4052,8 +4052,8 @@
             </p:nvSpPr>
             <p:spPr>
               <a:xfrm flipH="1">
-                <a:off x="1013040" y="1443960"/>
-                <a:ext cx="144720" cy="200160"/>
+                <a:off x="1012320" y="1443960"/>
+                <a:ext cx="144360" cy="199800"/>
               </a:xfrm>
               <a:custGeom>
                 <a:avLst/>
@@ -4094,8 +4094,8 @@
             </p:nvSpPr>
             <p:spPr>
               <a:xfrm rot="10800000">
-                <a:off x="1176120" y="1450080"/>
-                <a:ext cx="144360" cy="200160"/>
+                <a:off x="1176480" y="1450440"/>
+                <a:ext cx="144000" cy="199800"/>
               </a:xfrm>
               <a:custGeom>
                 <a:avLst/>
@@ -4138,7 +4138,7 @@
           <p:spPr>
             <a:xfrm>
               <a:off x="466920" y="1540800"/>
-              <a:ext cx="1472040" cy="368280"/>
+              <a:ext cx="1471680" cy="367920"/>
             </a:xfrm>
             <a:prstGeom prst="rect">
               <a:avLst/>
@@ -4190,7 +4190,7 @@
         <p:spPr>
           <a:xfrm>
             <a:off x="675360" y="2722680"/>
-            <a:ext cx="3338640" cy="909360"/>
+            <a:ext cx="3338280" cy="909000"/>
           </a:xfrm>
           <a:prstGeom prst="rect">
             <a:avLst/>
@@ -4211,7 +4211,7 @@
             <a:noAutofit/>
           </a:bodyPr>
           <a:p>
-            <a:pPr marL="457200" indent="-292320">
+            <a:pPr marL="457200" indent="-291960">
               <a:lnSpc>
                 <a:spcPct val="100000"/>
               </a:lnSpc>
@@ -4266,9 +4266,9 @@
         <p:grpSpPr>
           <a:xfrm>
             <a:off x="675360" y="4176000"/>
-            <a:ext cx="1119600" cy="909360"/>
+            <a:ext cx="1119240" cy="909000"/>
             <a:chOff x="675360" y="4176000"/>
-            <a:chExt cx="1119600" cy="909360"/>
+            <a:chExt cx="1119240" cy="909000"/>
           </a:xfrm>
         </p:grpSpPr>
         <p:grpSp>
@@ -4279,10 +4279,10 @@
           </p:nvGrpSpPr>
           <p:grpSpPr>
             <a:xfrm>
-              <a:off x="1059480" y="4176000"/>
-              <a:ext cx="347040" cy="648000"/>
-              <a:chOff x="1059480" y="4176000"/>
-              <a:chExt cx="347040" cy="648000"/>
+              <a:off x="1059120" y="4176000"/>
+              <a:ext cx="347400" cy="648000"/>
+              <a:chOff x="1059120" y="4176000"/>
+              <a:chExt cx="347400" cy="648000"/>
             </a:xfrm>
           </p:grpSpPr>
           <p:sp>
@@ -4294,7 +4294,7 @@
             <p:spPr>
               <a:xfrm>
                 <a:off x="1132920" y="4176000"/>
-                <a:ext cx="208080" cy="210240"/>
+                <a:ext cx="207720" cy="209880"/>
               </a:xfrm>
               <a:prstGeom prst="flowChartConnector">
                 <a:avLst/>
@@ -4324,8 +4324,8 @@
             </p:nvSpPr>
             <p:spPr>
               <a:xfrm flipH="1">
-                <a:off x="1227240" y="4392000"/>
-                <a:ext cx="360" cy="218880"/>
+                <a:off x="1226520" y="4392000"/>
+                <a:ext cx="360" cy="218520"/>
               </a:xfrm>
               <a:custGeom>
                 <a:avLst/>
@@ -4367,7 +4367,7 @@
             <p:spPr>
               <a:xfrm>
                 <a:off x="1085040" y="4489200"/>
-                <a:ext cx="304200" cy="360"/>
+                <a:ext cx="303840" cy="360"/>
               </a:xfrm>
               <a:custGeom>
                 <a:avLst/>
@@ -4409,7 +4409,7 @@
             <p:spPr>
               <a:xfrm flipH="1">
                 <a:off x="1059120" y="4615560"/>
-                <a:ext cx="163800" cy="201960"/>
+                <a:ext cx="163440" cy="201600"/>
               </a:xfrm>
               <a:custGeom>
                 <a:avLst/>
@@ -4450,8 +4450,8 @@
             </p:nvSpPr>
             <p:spPr>
               <a:xfrm rot="10800000">
-                <a:off x="1242360" y="4622040"/>
-                <a:ext cx="164160" cy="201960"/>
+                <a:off x="1242720" y="4622400"/>
+                <a:ext cx="163800" cy="201600"/>
               </a:xfrm>
               <a:custGeom>
                 <a:avLst/>
@@ -4494,7 +4494,7 @@
           <p:spPr>
             <a:xfrm>
               <a:off x="675360" y="4713480"/>
-              <a:ext cx="1119600" cy="371880"/>
+              <a:ext cx="1119240" cy="371520"/>
             </a:xfrm>
             <a:prstGeom prst="rect">
               <a:avLst/>
@@ -4546,7 +4546,7 @@
         <p:spPr>
           <a:xfrm>
             <a:off x="1943280" y="1460520"/>
-            <a:ext cx="1395720" cy="1415520"/>
+            <a:ext cx="1395360" cy="1415160"/>
           </a:xfrm>
           <a:custGeom>
             <a:avLst/>
@@ -4587,8 +4587,8 @@
         </p:nvSpPr>
         <p:spPr>
           <a:xfrm flipH="1" rot="10800000">
-            <a:off x="1796400" y="3464280"/>
-            <a:ext cx="1539720" cy="1164600"/>
+            <a:off x="1796400" y="3464640"/>
+            <a:ext cx="1539360" cy="1164240"/>
           </a:xfrm>
           <a:custGeom>
             <a:avLst/>
@@ -4629,8 +4629,8 @@
         </p:nvSpPr>
         <p:spPr>
           <a:xfrm flipH="1" rot="10800000">
-            <a:off x="1151280" y="3171960"/>
-            <a:ext cx="1499040" cy="16920"/>
+            <a:off x="1150920" y="3172320"/>
+            <a:ext cx="1498680" cy="16560"/>
           </a:xfrm>
           <a:custGeom>
             <a:avLst/>
@@ -4672,9 +4672,9 @@
         <p:grpSpPr>
           <a:xfrm>
             <a:off x="5039640" y="2624400"/>
-            <a:ext cx="1856160" cy="901080"/>
+            <a:ext cx="1855800" cy="900720"/>
             <a:chOff x="5039640" y="2624400"/>
-            <a:chExt cx="1856160" cy="901080"/>
+            <a:chExt cx="1855800" cy="900720"/>
           </a:xfrm>
         </p:grpSpPr>
         <p:grpSp>
@@ -4685,10 +4685,10 @@
           </p:nvGrpSpPr>
           <p:grpSpPr>
             <a:xfrm>
-              <a:off x="5585760" y="2624400"/>
-              <a:ext cx="307440" cy="642240"/>
-              <a:chOff x="5585760" y="2624400"/>
-              <a:chExt cx="307440" cy="642240"/>
+              <a:off x="5585400" y="2624400"/>
+              <a:ext cx="307800" cy="642240"/>
+              <a:chOff x="5585400" y="2624400"/>
+              <a:chExt cx="307800" cy="642240"/>
             </a:xfrm>
           </p:grpSpPr>
           <p:sp>
@@ -4700,7 +4700,7 @@
             <p:spPr>
               <a:xfrm>
                 <a:off x="5651280" y="2624400"/>
-                <a:ext cx="183600" cy="208080"/>
+                <a:ext cx="183240" cy="207720"/>
               </a:xfrm>
               <a:prstGeom prst="flowChartConnector">
                 <a:avLst/>
@@ -4730,8 +4730,8 @@
             </p:nvSpPr>
             <p:spPr>
               <a:xfrm flipH="1">
-                <a:off x="5733360" y="2838960"/>
-                <a:ext cx="360" cy="216720"/>
+                <a:off x="5732640" y="2838960"/>
+                <a:ext cx="360" cy="216360"/>
               </a:xfrm>
               <a:custGeom>
                 <a:avLst/>
@@ -4773,7 +4773,7 @@
             <p:spPr>
               <a:xfrm>
                 <a:off x="5608800" y="2934720"/>
-                <a:ext cx="269280" cy="360"/>
+                <a:ext cx="268920" cy="360"/>
               </a:xfrm>
               <a:custGeom>
                 <a:avLst/>
@@ -4814,8 +4814,8 @@
             </p:nvSpPr>
             <p:spPr>
               <a:xfrm flipH="1">
-                <a:off x="5585760" y="3060360"/>
-                <a:ext cx="144720" cy="200160"/>
+                <a:off x="5585040" y="3060360"/>
+                <a:ext cx="144360" cy="199800"/>
               </a:xfrm>
               <a:custGeom>
                 <a:avLst/>
@@ -4856,8 +4856,8 @@
             </p:nvSpPr>
             <p:spPr>
               <a:xfrm rot="10800000">
-                <a:off x="5748840" y="3066480"/>
-                <a:ext cx="144360" cy="200160"/>
+                <a:off x="5749200" y="3066840"/>
+                <a:ext cx="144000" cy="199800"/>
               </a:xfrm>
               <a:custGeom>
                 <a:avLst/>
@@ -4900,7 +4900,7 @@
           <p:spPr>
             <a:xfrm>
               <a:off x="5039640" y="3157200"/>
-              <a:ext cx="1856160" cy="368280"/>
+              <a:ext cx="1855800" cy="367920"/>
             </a:xfrm>
             <a:prstGeom prst="rect">
               <a:avLst/>
@@ -4951,8 +4951,8 @@
         </p:nvSpPr>
         <p:spPr>
           <a:xfrm flipH="1" rot="10800000">
-            <a:off x="4046760" y="3171960"/>
-            <a:ext cx="1499040" cy="16920"/>
+            <a:off x="4046400" y="3172320"/>
+            <a:ext cx="1498680" cy="16560"/>
           </a:xfrm>
           <a:custGeom>
             <a:avLst/>
@@ -5024,7 +5024,7 @@
         <p:spPr>
           <a:xfrm>
             <a:off x="143280" y="1593360"/>
-            <a:ext cx="9410760" cy="1501200"/>
+            <a:ext cx="9410400" cy="1500840"/>
           </a:xfrm>
           <a:prstGeom prst="rect">
             <a:avLst/>
@@ -5078,7 +5078,7 @@
         <p:spPr>
           <a:xfrm>
             <a:off x="4033800" y="204840"/>
-            <a:ext cx="1994760" cy="844560"/>
+            <a:ext cx="1994400" cy="844200"/>
           </a:xfrm>
           <a:prstGeom prst="wave">
             <a:avLst>
@@ -5107,7 +5107,7 @@
             <a:noAutofit/>
           </a:bodyPr>
           <a:p>
-            <a:pPr marL="457200" indent="-285840">
+            <a:pPr marL="457200" indent="-285480">
               <a:lnSpc>
                 <a:spcPct val="100000"/>
               </a:lnSpc>
@@ -5142,9 +5142,9 @@
         <p:grpSpPr>
           <a:xfrm>
             <a:off x="1637280" y="2081520"/>
-            <a:ext cx="1119600" cy="909720"/>
+            <a:ext cx="1119240" cy="909360"/>
             <a:chOff x="1637280" y="2081520"/>
-            <a:chExt cx="1119600" cy="909720"/>
+            <a:chExt cx="1119240" cy="909360"/>
           </a:xfrm>
         </p:grpSpPr>
         <p:grpSp>
@@ -5155,10 +5155,10 @@
           </p:nvGrpSpPr>
           <p:grpSpPr>
             <a:xfrm>
-              <a:off x="2021400" y="2081520"/>
-              <a:ext cx="347040" cy="648000"/>
-              <a:chOff x="2021400" y="2081520"/>
-              <a:chExt cx="347040" cy="648000"/>
+              <a:off x="2021040" y="2081520"/>
+              <a:ext cx="347400" cy="648000"/>
+              <a:chOff x="2021040" y="2081520"/>
+              <a:chExt cx="347400" cy="648000"/>
             </a:xfrm>
           </p:grpSpPr>
           <p:sp>
@@ -5170,7 +5170,7 @@
             <p:spPr>
               <a:xfrm>
                 <a:off x="2094840" y="2081520"/>
-                <a:ext cx="208080" cy="210240"/>
+                <a:ext cx="207720" cy="209880"/>
               </a:xfrm>
               <a:prstGeom prst="flowChartConnector">
                 <a:avLst/>
@@ -5200,8 +5200,8 @@
             </p:nvSpPr>
             <p:spPr>
               <a:xfrm flipH="1">
-                <a:off x="2189160" y="2297880"/>
-                <a:ext cx="360" cy="218880"/>
+                <a:off x="2188440" y="2297880"/>
+                <a:ext cx="360" cy="218520"/>
               </a:xfrm>
               <a:custGeom>
                 <a:avLst/>
@@ -5243,7 +5243,7 @@
             <p:spPr>
               <a:xfrm>
                 <a:off x="2046960" y="2395080"/>
-                <a:ext cx="304200" cy="360"/>
+                <a:ext cx="303840" cy="360"/>
               </a:xfrm>
               <a:custGeom>
                 <a:avLst/>
@@ -5285,7 +5285,7 @@
             <p:spPr>
               <a:xfrm flipH="1">
                 <a:off x="2021040" y="2521440"/>
-                <a:ext cx="163800" cy="201960"/>
+                <a:ext cx="163440" cy="201600"/>
               </a:xfrm>
               <a:custGeom>
                 <a:avLst/>
@@ -5326,8 +5326,8 @@
             </p:nvSpPr>
             <p:spPr>
               <a:xfrm rot="10800000">
-                <a:off x="2204280" y="2527560"/>
-                <a:ext cx="164160" cy="201960"/>
+                <a:off x="2204640" y="2527920"/>
+                <a:ext cx="163800" cy="201600"/>
               </a:xfrm>
               <a:custGeom>
                 <a:avLst/>
@@ -5370,7 +5370,7 @@
           <p:spPr>
             <a:xfrm>
               <a:off x="1637280" y="2619360"/>
-              <a:ext cx="1119600" cy="371880"/>
+              <a:ext cx="1119240" cy="371520"/>
             </a:xfrm>
             <a:prstGeom prst="rect">
               <a:avLst/>
@@ -5422,7 +5422,7 @@
         <p:spPr>
           <a:xfrm>
             <a:off x="143280" y="3097440"/>
-            <a:ext cx="9410760" cy="1501200"/>
+            <a:ext cx="9410400" cy="1500840"/>
           </a:xfrm>
           <a:prstGeom prst="rect">
             <a:avLst/>
@@ -5476,7 +5476,7 @@
         <p:spPr>
           <a:xfrm>
             <a:off x="3366360" y="3744720"/>
-            <a:ext cx="1599120" cy="643680"/>
+            <a:ext cx="1598760" cy="643320"/>
           </a:xfrm>
           <a:prstGeom prst="bracketPair">
             <a:avLst>
@@ -5502,7 +5502,7 @@
             <a:noAutofit/>
           </a:bodyPr>
           <a:p>
-            <a:pPr marL="457200" indent="-285840">
+            <a:pPr marL="457200" indent="-285480">
               <a:lnSpc>
                 <a:spcPct val="100000"/>
               </a:lnSpc>
@@ -5527,7 +5527,7 @@
             </a:endParaRPr>
           </a:p>
           <a:p>
-            <a:pPr marL="457200" indent="-285840">
+            <a:pPr marL="457200" indent="-285480">
               <a:lnSpc>
                 <a:spcPct val="100000"/>
               </a:lnSpc>
@@ -5562,7 +5562,7 @@
         <p:spPr>
           <a:xfrm>
             <a:off x="3929040" y="2026800"/>
-            <a:ext cx="1099080" cy="579960"/>
+            <a:ext cx="1098720" cy="579600"/>
           </a:xfrm>
           <a:prstGeom prst="roundRect">
             <a:avLst>
@@ -5630,7 +5630,7 @@
         <p:spPr>
           <a:xfrm>
             <a:off x="5298480" y="2027880"/>
-            <a:ext cx="1099080" cy="579960"/>
+            <a:ext cx="1098720" cy="579600"/>
           </a:xfrm>
           <a:prstGeom prst="roundRect">
             <a:avLst>
@@ -5698,7 +5698,7 @@
         <p:spPr>
           <a:xfrm>
             <a:off x="5256000" y="1008000"/>
-            <a:ext cx="501120" cy="1017000"/>
+            <a:ext cx="500760" cy="1016640"/>
           </a:xfrm>
           <a:custGeom>
             <a:avLst/>
@@ -5739,8 +5739,8 @@
         </p:nvSpPr>
         <p:spPr>
           <a:xfrm flipH="1">
-            <a:off x="2301120" y="936000"/>
-            <a:ext cx="2085120" cy="1149120"/>
+            <a:off x="2300400" y="936000"/>
+            <a:ext cx="2084760" cy="1148760"/>
           </a:xfrm>
           <a:custGeom>
             <a:avLst/>
@@ -5782,7 +5782,7 @@
         <p:spPr>
           <a:xfrm flipH="1">
             <a:off x="4533120" y="936000"/>
-            <a:ext cx="285480" cy="1087920"/>
+            <a:ext cx="285120" cy="1087560"/>
           </a:xfrm>
           <a:custGeom>
             <a:avLst/>
@@ -5824,7 +5824,7 @@
         <p:spPr>
           <a:xfrm>
             <a:off x="5112000" y="3888000"/>
-            <a:ext cx="1221480" cy="241560"/>
+            <a:ext cx="1221120" cy="241200"/>
           </a:xfrm>
           <a:prstGeom prst="bracketPair">
             <a:avLst>
@@ -5850,7 +5850,7 @@
             <a:noAutofit/>
           </a:bodyPr>
           <a:p>
-            <a:pPr marL="457200" indent="-285840">
+            <a:pPr marL="457200" indent="-285480">
               <a:lnSpc>
                 <a:spcPct val="100000"/>
               </a:lnSpc>
@@ -5885,7 +5885,7 @@
         <p:spPr>
           <a:xfrm>
             <a:off x="5904000" y="2612160"/>
-            <a:ext cx="360" cy="1273320"/>
+            <a:ext cx="360" cy="1272960"/>
           </a:xfrm>
           <a:custGeom>
             <a:avLst/>
@@ -5926,8 +5926,8 @@
         </p:nvSpPr>
         <p:spPr>
           <a:xfrm rot="10800000">
-            <a:off x="4487400" y="2612160"/>
-            <a:ext cx="360" cy="1130760"/>
+            <a:off x="4487400" y="2612520"/>
+            <a:ext cx="360" cy="1130400"/>
           </a:xfrm>
           <a:custGeom>
             <a:avLst/>
@@ -5969,7 +5969,7 @@
         <p:spPr>
           <a:xfrm>
             <a:off x="6492600" y="3744720"/>
-            <a:ext cx="1496880" cy="579960"/>
+            <a:ext cx="1496520" cy="579600"/>
           </a:xfrm>
           <a:prstGeom prst="bracketPair">
             <a:avLst>
@@ -5995,7 +5995,7 @@
             <a:noAutofit/>
           </a:bodyPr>
           <a:p>
-            <a:pPr marL="457200" indent="-289080">
+            <a:pPr marL="457200" indent="-288720">
               <a:lnSpc>
                 <a:spcPct val="100000"/>
               </a:lnSpc>
@@ -6020,7 +6020,7 @@
             </a:endParaRPr>
           </a:p>
           <a:p>
-            <a:pPr marL="457200" indent="-289080">
+            <a:pPr marL="457200" indent="-288720">
               <a:lnSpc>
                 <a:spcPct val="100000"/>
               </a:lnSpc>
@@ -6055,7 +6055,7 @@
         <p:spPr>
           <a:xfrm>
             <a:off x="6696000" y="2027520"/>
-            <a:ext cx="1099080" cy="579960"/>
+            <a:ext cx="1098720" cy="579600"/>
           </a:xfrm>
           <a:prstGeom prst="roundRect">
             <a:avLst>
@@ -6123,7 +6123,7 @@
         <p:spPr>
           <a:xfrm>
             <a:off x="5544000" y="1058760"/>
-            <a:ext cx="1725480" cy="966240"/>
+            <a:ext cx="1725120" cy="965880"/>
           </a:xfrm>
           <a:custGeom>
             <a:avLst/>
@@ -6165,7 +6165,7 @@
         <p:spPr>
           <a:xfrm>
             <a:off x="7344000" y="2612160"/>
-            <a:ext cx="360" cy="1130040"/>
+            <a:ext cx="360" cy="1129680"/>
           </a:xfrm>
           <a:custGeom>
             <a:avLst/>
@@ -6237,7 +6237,7 @@
         <p:spPr>
           <a:xfrm>
             <a:off x="143280" y="1593360"/>
-            <a:ext cx="9410760" cy="1501200"/>
+            <a:ext cx="9410400" cy="1500840"/>
           </a:xfrm>
           <a:prstGeom prst="rect">
             <a:avLst/>
@@ -6291,7 +6291,7 @@
         <p:spPr>
           <a:xfrm>
             <a:off x="4033800" y="204840"/>
-            <a:ext cx="1994760" cy="844560"/>
+            <a:ext cx="1994400" cy="844200"/>
           </a:xfrm>
           <a:prstGeom prst="wave">
             <a:avLst>
@@ -6320,7 +6320,7 @@
             <a:noAutofit/>
           </a:bodyPr>
           <a:p>
-            <a:pPr marL="457200" indent="-285840">
+            <a:pPr marL="457200" indent="-285480">
               <a:lnSpc>
                 <a:spcPct val="100000"/>
               </a:lnSpc>
@@ -6355,9 +6355,9 @@
         <p:grpSpPr>
           <a:xfrm>
             <a:off x="1637280" y="2081520"/>
-            <a:ext cx="1119600" cy="909720"/>
+            <a:ext cx="1119240" cy="909360"/>
             <a:chOff x="1637280" y="2081520"/>
-            <a:chExt cx="1119600" cy="909720"/>
+            <a:chExt cx="1119240" cy="909360"/>
           </a:xfrm>
         </p:grpSpPr>
         <p:grpSp>
@@ -6368,10 +6368,10 @@
           </p:nvGrpSpPr>
           <p:grpSpPr>
             <a:xfrm>
-              <a:off x="2021400" y="2081520"/>
-              <a:ext cx="347040" cy="648000"/>
-              <a:chOff x="2021400" y="2081520"/>
-              <a:chExt cx="347040" cy="648000"/>
+              <a:off x="2021040" y="2081520"/>
+              <a:ext cx="347400" cy="648000"/>
+              <a:chOff x="2021040" y="2081520"/>
+              <a:chExt cx="347400" cy="648000"/>
             </a:xfrm>
           </p:grpSpPr>
           <p:sp>
@@ -6383,7 +6383,7 @@
             <p:spPr>
               <a:xfrm>
                 <a:off x="2094840" y="2081520"/>
-                <a:ext cx="208080" cy="210240"/>
+                <a:ext cx="207720" cy="209880"/>
               </a:xfrm>
               <a:prstGeom prst="flowChartConnector">
                 <a:avLst/>
@@ -6413,8 +6413,8 @@
             </p:nvSpPr>
             <p:spPr>
               <a:xfrm flipH="1">
-                <a:off x="2189160" y="2297880"/>
-                <a:ext cx="360" cy="218880"/>
+                <a:off x="2188440" y="2297880"/>
+                <a:ext cx="360" cy="218520"/>
               </a:xfrm>
               <a:custGeom>
                 <a:avLst/>
@@ -6456,7 +6456,7 @@
             <p:spPr>
               <a:xfrm>
                 <a:off x="2046960" y="2395080"/>
-                <a:ext cx="304200" cy="360"/>
+                <a:ext cx="303840" cy="360"/>
               </a:xfrm>
               <a:custGeom>
                 <a:avLst/>
@@ -6498,7 +6498,7 @@
             <p:spPr>
               <a:xfrm flipH="1">
                 <a:off x="2021040" y="2521440"/>
-                <a:ext cx="163800" cy="201960"/>
+                <a:ext cx="163440" cy="201600"/>
               </a:xfrm>
               <a:custGeom>
                 <a:avLst/>
@@ -6539,8 +6539,8 @@
             </p:nvSpPr>
             <p:spPr>
               <a:xfrm rot="10800000">
-                <a:off x="2204280" y="2527560"/>
-                <a:ext cx="164160" cy="201960"/>
+                <a:off x="2204640" y="2527920"/>
+                <a:ext cx="163800" cy="201600"/>
               </a:xfrm>
               <a:custGeom>
                 <a:avLst/>
@@ -6583,7 +6583,7 @@
           <p:spPr>
             <a:xfrm>
               <a:off x="1637280" y="2619360"/>
-              <a:ext cx="1119600" cy="371880"/>
+              <a:ext cx="1119240" cy="371520"/>
             </a:xfrm>
             <a:prstGeom prst="rect">
               <a:avLst/>
@@ -6635,7 +6635,7 @@
         <p:spPr>
           <a:xfrm>
             <a:off x="143280" y="3100680"/>
-            <a:ext cx="9410760" cy="1501200"/>
+            <a:ext cx="9410400" cy="1500840"/>
           </a:xfrm>
           <a:prstGeom prst="rect">
             <a:avLst/>
@@ -6689,7 +6689,7 @@
         <p:spPr>
           <a:xfrm>
             <a:off x="4392000" y="2009160"/>
-            <a:ext cx="1099080" cy="579960"/>
+            <a:ext cx="1098720" cy="579600"/>
           </a:xfrm>
           <a:prstGeom prst="roundRect">
             <a:avLst>
@@ -6756,8 +6756,8 @@
         </p:nvSpPr>
         <p:spPr>
           <a:xfrm flipH="1" rot="10800000">
-            <a:off x="2229120" y="722880"/>
-            <a:ext cx="1798920" cy="1358640"/>
+            <a:off x="2229120" y="723240"/>
+            <a:ext cx="1798560" cy="1358280"/>
           </a:xfrm>
           <a:custGeom>
             <a:avLst/>
@@ -6799,7 +6799,7 @@
         <p:spPr>
           <a:xfrm>
             <a:off x="3888000" y="3773520"/>
-            <a:ext cx="2013120" cy="543600"/>
+            <a:ext cx="2012760" cy="543240"/>
           </a:xfrm>
           <a:prstGeom prst="bracketPair">
             <a:avLst>
@@ -6825,7 +6825,7 @@
             <a:noAutofit/>
           </a:bodyPr>
           <a:p>
-            <a:pPr marL="457200" indent="-285840">
+            <a:pPr marL="457200" indent="-285480">
               <a:lnSpc>
                 <a:spcPct val="100000"/>
               </a:lnSpc>
@@ -6859,8 +6859,8 @@
         </p:nvSpPr>
         <p:spPr>
           <a:xfrm rot="10800000">
-            <a:off x="4967640" y="985320"/>
-            <a:ext cx="360" cy="1023840"/>
+            <a:off x="4967640" y="985680"/>
+            <a:ext cx="360" cy="1023480"/>
           </a:xfrm>
           <a:custGeom>
             <a:avLst/>
@@ -6902,7 +6902,7 @@
         <p:spPr>
           <a:xfrm>
             <a:off x="4968000" y="2598840"/>
-            <a:ext cx="360" cy="1157040"/>
+            <a:ext cx="360" cy="1156680"/>
           </a:xfrm>
           <a:custGeom>
             <a:avLst/>
@@ -6974,7 +6974,7 @@
         <p:spPr>
           <a:xfrm>
             <a:off x="143280" y="1593360"/>
-            <a:ext cx="9410760" cy="1501200"/>
+            <a:ext cx="9410400" cy="1500840"/>
           </a:xfrm>
           <a:prstGeom prst="rect">
             <a:avLst/>
@@ -7028,7 +7028,7 @@
         <p:spPr>
           <a:xfrm>
             <a:off x="4033800" y="204840"/>
-            <a:ext cx="1994760" cy="844560"/>
+            <a:ext cx="1994400" cy="844200"/>
           </a:xfrm>
           <a:prstGeom prst="wave">
             <a:avLst>
@@ -7057,7 +7057,7 @@
             <a:noAutofit/>
           </a:bodyPr>
           <a:p>
-            <a:pPr marL="457200" indent="-285840">
+            <a:pPr marL="457200" indent="-285480">
               <a:lnSpc>
                 <a:spcPct val="100000"/>
               </a:lnSpc>
@@ -7075,7 +7075,7 @@
                 <a:latin typeface="Arial"/>
                 <a:ea typeface="Arial"/>
               </a:rPr>
-              <a:t>Vender produtos</a:t>
+              <a:t>Gerenciar produtos</a:t>
             </a:r>
             <a:endParaRPr b="0" lang="pt-BR" sz="1000" spc="-1" strike="noStrike">
               <a:latin typeface="Arial"/>
@@ -7092,7 +7092,7 @@
         <p:spPr>
           <a:xfrm>
             <a:off x="143280" y="3100680"/>
-            <a:ext cx="9410760" cy="1501200"/>
+            <a:ext cx="9410400" cy="1500840"/>
           </a:xfrm>
           <a:prstGeom prst="rect">
             <a:avLst/>
@@ -7146,7 +7146,7 @@
         <p:spPr>
           <a:xfrm>
             <a:off x="4392000" y="2009160"/>
-            <a:ext cx="1099080" cy="579960"/>
+            <a:ext cx="1098720" cy="579600"/>
           </a:xfrm>
           <a:prstGeom prst="roundRect">
             <a:avLst>
@@ -7214,7 +7214,7 @@
         <p:spPr>
           <a:xfrm>
             <a:off x="3888000" y="3773520"/>
-            <a:ext cx="2013120" cy="543600"/>
+            <a:ext cx="2012760" cy="543240"/>
           </a:xfrm>
           <a:prstGeom prst="bracketPair">
             <a:avLst>
@@ -7240,7 +7240,7 @@
             <a:noAutofit/>
           </a:bodyPr>
           <a:p>
-            <a:pPr marL="457200" indent="-285840">
+            <a:pPr marL="457200" indent="-285480">
               <a:lnSpc>
                 <a:spcPct val="100000"/>
               </a:lnSpc>
@@ -7274,8 +7274,8 @@
         </p:nvSpPr>
         <p:spPr>
           <a:xfrm rot="10800000">
-            <a:off x="4967640" y="985320"/>
-            <a:ext cx="360" cy="1023840"/>
+            <a:off x="4967640" y="985680"/>
+            <a:ext cx="360" cy="1023480"/>
           </a:xfrm>
           <a:custGeom>
             <a:avLst/>
@@ -7317,7 +7317,7 @@
         <p:spPr>
           <a:xfrm>
             <a:off x="4968000" y="2598840"/>
-            <a:ext cx="360" cy="1157040"/>
+            <a:ext cx="360" cy="1156680"/>
           </a:xfrm>
           <a:custGeom>
             <a:avLst/>
@@ -7389,7 +7389,7 @@
         <p:spPr>
           <a:xfrm>
             <a:off x="143280" y="1593360"/>
-            <a:ext cx="9410760" cy="1501200"/>
+            <a:ext cx="9410400" cy="1500840"/>
           </a:xfrm>
           <a:prstGeom prst="rect">
             <a:avLst/>
@@ -7443,7 +7443,7 @@
         <p:spPr>
           <a:xfrm>
             <a:off x="4033800" y="204840"/>
-            <a:ext cx="1994760" cy="844560"/>
+            <a:ext cx="1994400" cy="844200"/>
           </a:xfrm>
           <a:prstGeom prst="wave">
             <a:avLst>
@@ -7472,7 +7472,7 @@
             <a:noAutofit/>
           </a:bodyPr>
           <a:p>
-            <a:pPr marL="457200" indent="-285840">
+            <a:pPr marL="457200" indent="-285480">
               <a:lnSpc>
                 <a:spcPct val="100000"/>
               </a:lnSpc>
@@ -7507,9 +7507,9 @@
         <p:grpSpPr>
           <a:xfrm>
             <a:off x="1637280" y="2081520"/>
-            <a:ext cx="1119600" cy="909720"/>
+            <a:ext cx="1119240" cy="909360"/>
             <a:chOff x="1637280" y="2081520"/>
-            <a:chExt cx="1119600" cy="909720"/>
+            <a:chExt cx="1119240" cy="909360"/>
           </a:xfrm>
         </p:grpSpPr>
         <p:grpSp>
@@ -7520,10 +7520,10 @@
           </p:nvGrpSpPr>
           <p:grpSpPr>
             <a:xfrm>
-              <a:off x="2021400" y="2081520"/>
-              <a:ext cx="347040" cy="648000"/>
-              <a:chOff x="2021400" y="2081520"/>
-              <a:chExt cx="347040" cy="648000"/>
+              <a:off x="2021040" y="2081520"/>
+              <a:ext cx="347400" cy="648000"/>
+              <a:chOff x="2021040" y="2081520"/>
+              <a:chExt cx="347400" cy="648000"/>
             </a:xfrm>
           </p:grpSpPr>
           <p:sp>
@@ -7535,7 +7535,7 @@
             <p:spPr>
               <a:xfrm>
                 <a:off x="2094840" y="2081520"/>
-                <a:ext cx="208080" cy="210240"/>
+                <a:ext cx="207720" cy="209880"/>
               </a:xfrm>
               <a:prstGeom prst="flowChartConnector">
                 <a:avLst/>
@@ -7565,8 +7565,8 @@
             </p:nvSpPr>
             <p:spPr>
               <a:xfrm flipH="1">
-                <a:off x="2189160" y="2297880"/>
-                <a:ext cx="360" cy="218880"/>
+                <a:off x="2188440" y="2297880"/>
+                <a:ext cx="360" cy="218520"/>
               </a:xfrm>
               <a:custGeom>
                 <a:avLst/>
@@ -7608,7 +7608,7 @@
             <p:spPr>
               <a:xfrm>
                 <a:off x="2046960" y="2395080"/>
-                <a:ext cx="304200" cy="360"/>
+                <a:ext cx="303840" cy="360"/>
               </a:xfrm>
               <a:custGeom>
                 <a:avLst/>
@@ -7650,7 +7650,7 @@
             <p:spPr>
               <a:xfrm flipH="1">
                 <a:off x="2021040" y="2521440"/>
-                <a:ext cx="163800" cy="201960"/>
+                <a:ext cx="163440" cy="201600"/>
               </a:xfrm>
               <a:custGeom>
                 <a:avLst/>
@@ -7691,8 +7691,8 @@
             </p:nvSpPr>
             <p:spPr>
               <a:xfrm rot="10800000">
-                <a:off x="2204280" y="2527560"/>
-                <a:ext cx="164160" cy="201960"/>
+                <a:off x="2204640" y="2527920"/>
+                <a:ext cx="163800" cy="201600"/>
               </a:xfrm>
               <a:custGeom>
                 <a:avLst/>
@@ -7735,7 +7735,7 @@
           <p:spPr>
             <a:xfrm>
               <a:off x="1637280" y="2619360"/>
-              <a:ext cx="1119600" cy="371880"/>
+              <a:ext cx="1119240" cy="371520"/>
             </a:xfrm>
             <a:prstGeom prst="rect">
               <a:avLst/>
@@ -7787,7 +7787,7 @@
         <p:spPr>
           <a:xfrm>
             <a:off x="143280" y="3100680"/>
-            <a:ext cx="9410760" cy="1501200"/>
+            <a:ext cx="9410400" cy="1500840"/>
           </a:xfrm>
           <a:prstGeom prst="rect">
             <a:avLst/>
@@ -7841,7 +7841,7 @@
         <p:spPr>
           <a:xfrm>
             <a:off x="3826800" y="3456000"/>
-            <a:ext cx="2578320" cy="844920"/>
+            <a:ext cx="2577960" cy="844560"/>
           </a:xfrm>
           <a:prstGeom prst="bracketPair">
             <a:avLst>
@@ -7867,7 +7867,7 @@
             <a:noAutofit/>
           </a:bodyPr>
           <a:p>
-            <a:pPr marL="457200" indent="-289080">
+            <a:pPr marL="457200" indent="-288720">
               <a:lnSpc>
                 <a:spcPct val="100000"/>
               </a:lnSpc>
@@ -7892,7 +7892,7 @@
             </a:endParaRPr>
           </a:p>
           <a:p>
-            <a:pPr marL="457200" indent="-285840">
+            <a:pPr marL="457200" indent="-285480">
               <a:lnSpc>
                 <a:spcPct val="100000"/>
               </a:lnSpc>
@@ -7927,7 +7927,7 @@
         <p:spPr>
           <a:xfrm>
             <a:off x="4442040" y="2009160"/>
-            <a:ext cx="1099080" cy="579960"/>
+            <a:ext cx="1098720" cy="579600"/>
           </a:xfrm>
           <a:prstGeom prst="roundRect">
             <a:avLst>
@@ -7994,8 +7994,8 @@
         </p:nvSpPr>
         <p:spPr>
           <a:xfrm rot="16200000">
-            <a:off x="2369520" y="781920"/>
-            <a:ext cx="1811880" cy="1510920"/>
+            <a:off x="2369520" y="782280"/>
+            <a:ext cx="1811520" cy="1510560"/>
           </a:xfrm>
           <a:prstGeom prst="curvedConnector2">
             <a:avLst/>
@@ -8023,8 +8023,8 @@
         </p:nvSpPr>
         <p:spPr>
           <a:xfrm rot="10800000">
-            <a:off x="5033880" y="1010880"/>
-            <a:ext cx="5400" cy="1010160"/>
+            <a:off x="5034240" y="1011240"/>
+            <a:ext cx="5040" cy="1009800"/>
           </a:xfrm>
           <a:custGeom>
             <a:avLst/>
@@ -8065,8 +8065,8 @@
         </p:nvSpPr>
         <p:spPr>
           <a:xfrm flipH="1" rot="10800000">
-            <a:off x="5034240" y="2594880"/>
-            <a:ext cx="360" cy="789120"/>
+            <a:off x="5033520" y="2595240"/>
+            <a:ext cx="360" cy="788760"/>
           </a:xfrm>
           <a:custGeom>
             <a:avLst/>
@@ -8108,9 +8108,9 @@
         <p:grpSpPr>
           <a:xfrm>
             <a:off x="6840720" y="2009160"/>
-            <a:ext cx="1119600" cy="909720"/>
+            <a:ext cx="1119240" cy="909360"/>
             <a:chOff x="6840720" y="2009160"/>
-            <a:chExt cx="1119600" cy="909720"/>
+            <a:chExt cx="1119240" cy="909360"/>
           </a:xfrm>
         </p:grpSpPr>
         <p:grpSp>
@@ -8121,10 +8121,10 @@
           </p:nvGrpSpPr>
           <p:grpSpPr>
             <a:xfrm>
-              <a:off x="7224840" y="2009160"/>
-              <a:ext cx="347040" cy="648000"/>
-              <a:chOff x="7224840" y="2009160"/>
-              <a:chExt cx="347040" cy="648000"/>
+              <a:off x="7224480" y="2009160"/>
+              <a:ext cx="347400" cy="648000"/>
+              <a:chOff x="7224480" y="2009160"/>
+              <a:chExt cx="347400" cy="648000"/>
             </a:xfrm>
           </p:grpSpPr>
           <p:sp>
@@ -8136,7 +8136,7 @@
             <p:spPr>
               <a:xfrm>
                 <a:off x="7298280" y="2009160"/>
-                <a:ext cx="208080" cy="210240"/>
+                <a:ext cx="207720" cy="209880"/>
               </a:xfrm>
               <a:prstGeom prst="flowChartConnector">
                 <a:avLst/>
@@ -8166,8 +8166,8 @@
             </p:nvSpPr>
             <p:spPr>
               <a:xfrm flipH="1">
-                <a:off x="7392600" y="2225520"/>
-                <a:ext cx="360" cy="218880"/>
+                <a:off x="7391880" y="2225520"/>
+                <a:ext cx="360" cy="218520"/>
               </a:xfrm>
               <a:custGeom>
                 <a:avLst/>
@@ -8209,7 +8209,7 @@
             <p:spPr>
               <a:xfrm>
                 <a:off x="7250400" y="2322720"/>
-                <a:ext cx="304200" cy="360"/>
+                <a:ext cx="303840" cy="360"/>
               </a:xfrm>
               <a:custGeom>
                 <a:avLst/>
@@ -8251,7 +8251,7 @@
             <p:spPr>
               <a:xfrm flipH="1">
                 <a:off x="7224480" y="2449080"/>
-                <a:ext cx="163800" cy="201960"/>
+                <a:ext cx="163440" cy="201600"/>
               </a:xfrm>
               <a:custGeom>
                 <a:avLst/>
@@ -8292,8 +8292,8 @@
             </p:nvSpPr>
             <p:spPr>
               <a:xfrm rot="10800000">
-                <a:off x="7407720" y="2455200"/>
-                <a:ext cx="164160" cy="201960"/>
+                <a:off x="7408080" y="2455560"/>
+                <a:ext cx="163800" cy="201600"/>
               </a:xfrm>
               <a:custGeom>
                 <a:avLst/>
@@ -8336,7 +8336,7 @@
           <p:spPr>
             <a:xfrm>
               <a:off x="6840720" y="2547000"/>
-              <a:ext cx="1119600" cy="371880"/>
+              <a:ext cx="1119240" cy="371520"/>
             </a:xfrm>
             <a:prstGeom prst="rect">
               <a:avLst/>
@@ -8388,7 +8388,7 @@
         <p:spPr>
           <a:xfrm>
             <a:off x="6031080" y="628560"/>
-            <a:ext cx="1370160" cy="1378440"/>
+            <a:ext cx="1369800" cy="1378080"/>
           </a:xfrm>
           <a:prstGeom prst="curvedConnector2">
             <a:avLst/>

--- a/docs/ARTEFATOS(15-23)/Arquitetura_Negócio/15) Arquitetura de Negócio para cada Cenário.pptx
+++ b/docs/ARTEFATOS(15-23)/Arquitetura_Negócio/15) Arquitetura de Negócio para cada Cenário.pptx
@@ -3275,7 +3275,7 @@
         <p:spPr>
           <a:xfrm>
             <a:off x="4033800" y="204840"/>
-            <a:ext cx="1994400" cy="844200"/>
+            <a:ext cx="1994760" cy="844560"/>
           </a:xfrm>
           <a:prstGeom prst="wave">
             <a:avLst>
@@ -3333,8 +3333,8 @@
         </p:nvSpPr>
         <p:spPr>
           <a:xfrm>
-            <a:off x="2654280" y="2880000"/>
-            <a:ext cx="1373040" cy="579600"/>
+            <a:off x="3070080" y="2879640"/>
+            <a:ext cx="1373400" cy="579960"/>
           </a:xfrm>
           <a:prstGeom prst="roundRect">
             <a:avLst>
@@ -3401,10 +3401,10 @@
         </p:nvGrpSpPr>
         <p:grpSpPr>
           <a:xfrm>
-            <a:off x="27360" y="2736000"/>
-            <a:ext cx="1119240" cy="909000"/>
-            <a:chOff x="27360" y="2736000"/>
-            <a:chExt cx="1119240" cy="909000"/>
+            <a:off x="27360" y="2618280"/>
+            <a:ext cx="1119600" cy="909360"/>
+            <a:chOff x="27360" y="2618280"/>
+            <a:chExt cx="1119600" cy="909360"/>
           </a:xfrm>
         </p:grpSpPr>
         <p:grpSp>
@@ -3415,10 +3415,10 @@
           </p:nvGrpSpPr>
           <p:grpSpPr>
             <a:xfrm>
-              <a:off x="411120" y="2736000"/>
-              <a:ext cx="347400" cy="648000"/>
-              <a:chOff x="411120" y="2736000"/>
-              <a:chExt cx="347400" cy="648000"/>
+              <a:off x="411480" y="2618280"/>
+              <a:ext cx="347040" cy="648000"/>
+              <a:chOff x="411480" y="2618280"/>
+              <a:chExt cx="347040" cy="648000"/>
             </a:xfrm>
           </p:grpSpPr>
           <p:sp>
@@ -3429,8 +3429,8 @@
             </p:nvSpPr>
             <p:spPr>
               <a:xfrm>
-                <a:off x="484920" y="2736000"/>
-                <a:ext cx="207720" cy="209880"/>
+                <a:off x="484920" y="2618280"/>
+                <a:ext cx="208080" cy="210240"/>
               </a:xfrm>
               <a:prstGeom prst="flowChartConnector">
                 <a:avLst/>
@@ -3460,8 +3460,8 @@
             </p:nvSpPr>
             <p:spPr>
               <a:xfrm flipH="1">
-                <a:off x="578520" y="2952000"/>
-                <a:ext cx="360" cy="218520"/>
+                <a:off x="579240" y="2834280"/>
+                <a:ext cx="360" cy="218880"/>
               </a:xfrm>
               <a:custGeom>
                 <a:avLst/>
@@ -3502,8 +3502,8 @@
             </p:nvSpPr>
             <p:spPr>
               <a:xfrm>
-                <a:off x="437040" y="3049200"/>
-                <a:ext cx="303840" cy="360"/>
+                <a:off x="437040" y="2931480"/>
+                <a:ext cx="304200" cy="360"/>
               </a:xfrm>
               <a:custGeom>
                 <a:avLst/>
@@ -3544,8 +3544,8 @@
             </p:nvSpPr>
             <p:spPr>
               <a:xfrm flipH="1">
-                <a:off x="411120" y="3175560"/>
-                <a:ext cx="163440" cy="201600"/>
+                <a:off x="411120" y="3057840"/>
+                <a:ext cx="163800" cy="201960"/>
               </a:xfrm>
               <a:custGeom>
                 <a:avLst/>
@@ -3586,8 +3586,8 @@
             </p:nvSpPr>
             <p:spPr>
               <a:xfrm rot="10800000">
-                <a:off x="594720" y="3182400"/>
-                <a:ext cx="163800" cy="201600"/>
+                <a:off x="594360" y="3064320"/>
+                <a:ext cx="164160" cy="201960"/>
               </a:xfrm>
               <a:custGeom>
                 <a:avLst/>
@@ -3629,8 +3629,8 @@
           </p:nvSpPr>
           <p:spPr>
             <a:xfrm>
-              <a:off x="27360" y="3273480"/>
-              <a:ext cx="1119240" cy="371520"/>
+              <a:off x="27360" y="3155760"/>
+              <a:ext cx="1119600" cy="371880"/>
             </a:xfrm>
             <a:prstGeom prst="rect">
               <a:avLst/>
@@ -3682,7 +3682,7 @@
         <p:spPr>
           <a:xfrm>
             <a:off x="2417040" y="1584000"/>
-            <a:ext cx="3338280" cy="1226880"/>
+            <a:ext cx="3338640" cy="1227240"/>
           </a:xfrm>
           <a:prstGeom prst="rect">
             <a:avLst/>
@@ -3703,7 +3703,7 @@
             <a:noAutofit/>
           </a:bodyPr>
           <a:p>
-            <a:pPr marL="457200" indent="-291960">
+            <a:pPr marL="457200" indent="-292320">
               <a:lnSpc>
                 <a:spcPct val="100000"/>
               </a:lnSpc>
@@ -3757,84 +3757,8 @@
         </p:nvSpPr>
         <p:spPr>
           <a:xfrm>
-            <a:off x="2488320" y="4104000"/>
-            <a:ext cx="3338280" cy="909000"/>
-          </a:xfrm>
-          <a:prstGeom prst="rect">
-            <a:avLst/>
-          </a:prstGeom>
-          <a:noFill/>
-          <a:ln>
-            <a:noFill/>
-          </a:ln>
-        </p:spPr>
-        <p:style>
-          <a:lnRef idx="0"/>
-          <a:fillRef idx="0"/>
-          <a:effectRef idx="0"/>
-          <a:fontRef idx="minor"/>
-        </p:style>
-        <p:txBody>
-          <a:bodyPr lIns="90000" rIns="90000" tIns="91440" bIns="91440">
-            <a:noAutofit/>
-          </a:bodyPr>
-          <a:p>
-            <a:pPr marL="457200" indent="-291960">
-              <a:lnSpc>
-                <a:spcPct val="100000"/>
-              </a:lnSpc>
-              <a:buClr>
-                <a:srgbClr val="000000"/>
-              </a:buClr>
-              <a:buFont typeface="Arial"/>
-              <a:buChar char="❖"/>
-            </a:pPr>
-            <a:r>
-              <a:rPr b="0" lang="pt-BR" sz="1100" spc="-1" strike="noStrike">
-                <a:solidFill>
-                  <a:srgbClr val="000000"/>
-                </a:solidFill>
-                <a:latin typeface="Arial"/>
-                <a:ea typeface="Arial"/>
-              </a:rPr>
-              <a:t>Ser atendido.</a:t>
-            </a:r>
-            <a:endParaRPr b="0" lang="pt-BR" sz="1100" spc="-1" strike="noStrike">
-              <a:latin typeface="Arial"/>
-            </a:endParaRPr>
-          </a:p>
-          <a:p>
-            <a:pPr marL="457200">
-              <a:lnSpc>
-                <a:spcPct val="100000"/>
-              </a:lnSpc>
-            </a:pPr>
-            <a:endParaRPr b="0" lang="pt-BR" sz="1100" spc="-1" strike="noStrike">
-              <a:latin typeface="Arial"/>
-            </a:endParaRPr>
-          </a:p>
-          <a:p>
-            <a:pPr marL="457200">
-              <a:lnSpc>
-                <a:spcPct val="100000"/>
-              </a:lnSpc>
-            </a:pPr>
-            <a:endParaRPr b="0" lang="pt-BR" sz="1100" spc="-1" strike="noStrike">
-              <a:latin typeface="Arial"/>
-            </a:endParaRPr>
-          </a:p>
-        </p:txBody>
-      </p:sp>
-      <p:sp>
-        <p:nvSpPr>
-          <p:cNvPr id="88" name="CustomShape 13"/>
-          <p:cNvSpPr/>
-          <p:nvPr/>
-        </p:nvSpPr>
-        <p:spPr>
-          <a:xfrm>
             <a:off x="8735760" y="5061600"/>
-            <a:ext cx="1271520" cy="517680"/>
+            <a:ext cx="1271880" cy="518040"/>
           </a:xfrm>
           <a:prstGeom prst="rect">
             <a:avLst/>
@@ -3875,7 +3799,7 @@
             </a:endParaRPr>
           </a:p>
           <a:p>
-            <a:pPr marL="457200" indent="-285480">
+            <a:pPr marL="457200" indent="-285840">
               <a:lnSpc>
                 <a:spcPct val="100000"/>
               </a:lnSpc>
@@ -3903,42 +3827,42 @@
       </p:sp>
       <p:grpSp>
         <p:nvGrpSpPr>
-          <p:cNvPr id="89" name="Group 14"/>
+          <p:cNvPr id="88" name="Group 13"/>
           <p:cNvGrpSpPr/>
           <p:nvPr/>
         </p:nvGrpSpPr>
         <p:grpSpPr>
           <a:xfrm>
             <a:off x="466920" y="1008000"/>
-            <a:ext cx="1471680" cy="900720"/>
+            <a:ext cx="1472040" cy="901080"/>
             <a:chOff x="466920" y="1008000"/>
-            <a:chExt cx="1471680" cy="900720"/>
+            <a:chExt cx="1472040" cy="901080"/>
           </a:xfrm>
         </p:grpSpPr>
         <p:grpSp>
           <p:nvGrpSpPr>
-            <p:cNvPr id="90" name="Group 15"/>
+            <p:cNvPr id="89" name="Group 14"/>
             <p:cNvGrpSpPr/>
             <p:nvPr/>
           </p:nvGrpSpPr>
           <p:grpSpPr>
             <a:xfrm>
-              <a:off x="1012680" y="1008000"/>
-              <a:ext cx="307800" cy="642240"/>
-              <a:chOff x="1012680" y="1008000"/>
-              <a:chExt cx="307800" cy="642240"/>
+              <a:off x="1013040" y="1008000"/>
+              <a:ext cx="307440" cy="642240"/>
+              <a:chOff x="1013040" y="1008000"/>
+              <a:chExt cx="307440" cy="642240"/>
             </a:xfrm>
           </p:grpSpPr>
           <p:sp>
             <p:nvSpPr>
-              <p:cNvPr id="91" name="CustomShape 16"/>
+              <p:cNvPr id="90" name="CustomShape 15"/>
               <p:cNvSpPr/>
               <p:nvPr/>
             </p:nvSpPr>
             <p:spPr>
               <a:xfrm>
                 <a:off x="1078560" y="1008000"/>
-                <a:ext cx="183240" cy="207720"/>
+                <a:ext cx="183600" cy="208080"/>
               </a:xfrm>
               <a:prstGeom prst="flowChartConnector">
                 <a:avLst/>
@@ -3962,14 +3886,56 @@
           </p:sp>
           <p:sp>
             <p:nvSpPr>
+              <p:cNvPr id="91" name="CustomShape 16"/>
+              <p:cNvSpPr/>
+              <p:nvPr/>
+            </p:nvSpPr>
+            <p:spPr>
+              <a:xfrm flipH="1">
+                <a:off x="1160640" y="1222560"/>
+                <a:ext cx="360" cy="216720"/>
+              </a:xfrm>
+              <a:custGeom>
+                <a:avLst/>
+                <a:gdLst/>
+                <a:ahLst/>
+                <a:rect l="l" t="t" r="r" b="b"/>
+                <a:pathLst>
+                  <a:path w="21600" h="21600">
+                    <a:moveTo>
+                      <a:pt x="0" y="0"/>
+                    </a:moveTo>
+                    <a:lnTo>
+                      <a:pt x="21600" y="21600"/>
+                    </a:lnTo>
+                  </a:path>
+                </a:pathLst>
+              </a:custGeom>
+              <a:noFill/>
+              <a:ln w="9360">
+                <a:solidFill>
+                  <a:srgbClr val="595959"/>
+                </a:solidFill>
+                <a:round/>
+              </a:ln>
+            </p:spPr>
+            <p:style>
+              <a:lnRef idx="0"/>
+              <a:fillRef idx="0"/>
+              <a:effectRef idx="0"/>
+              <a:fontRef idx="minor"/>
+            </p:style>
+          </p:sp>
+          <p:sp>
+            <p:nvSpPr>
               <p:cNvPr id="92" name="CustomShape 17"/>
               <p:cNvSpPr/>
               <p:nvPr/>
             </p:nvSpPr>
             <p:spPr>
-              <a:xfrm flipH="1">
-                <a:off x="1159920" y="1222560"/>
-                <a:ext cx="360" cy="216360"/>
+              <a:xfrm>
+                <a:off x="1036080" y="1318320"/>
+                <a:ext cx="269280" cy="360"/>
               </a:xfrm>
               <a:custGeom>
                 <a:avLst/>
@@ -4009,9 +3975,9 @@
               <p:nvPr/>
             </p:nvSpPr>
             <p:spPr>
-              <a:xfrm>
-                <a:off x="1036080" y="1318320"/>
-                <a:ext cx="268920" cy="360"/>
+              <a:xfrm flipH="1">
+                <a:off x="1013040" y="1443960"/>
+                <a:ext cx="144720" cy="200160"/>
               </a:xfrm>
               <a:custGeom>
                 <a:avLst/>
@@ -4051,51 +4017,9 @@
               <p:nvPr/>
             </p:nvSpPr>
             <p:spPr>
-              <a:xfrm flipH="1">
-                <a:off x="1012320" y="1443960"/>
-                <a:ext cx="144360" cy="199800"/>
-              </a:xfrm>
-              <a:custGeom>
-                <a:avLst/>
-                <a:gdLst/>
-                <a:ahLst/>
-                <a:rect l="l" t="t" r="r" b="b"/>
-                <a:pathLst>
-                  <a:path w="21600" h="21600">
-                    <a:moveTo>
-                      <a:pt x="0" y="0"/>
-                    </a:moveTo>
-                    <a:lnTo>
-                      <a:pt x="21600" y="21600"/>
-                    </a:lnTo>
-                  </a:path>
-                </a:pathLst>
-              </a:custGeom>
-              <a:noFill/>
-              <a:ln w="9360">
-                <a:solidFill>
-                  <a:srgbClr val="595959"/>
-                </a:solidFill>
-                <a:round/>
-              </a:ln>
-            </p:spPr>
-            <p:style>
-              <a:lnRef idx="0"/>
-              <a:fillRef idx="0"/>
-              <a:effectRef idx="0"/>
-              <a:fontRef idx="minor"/>
-            </p:style>
-          </p:sp>
-          <p:sp>
-            <p:nvSpPr>
-              <p:cNvPr id="95" name="CustomShape 20"/>
-              <p:cNvSpPr/>
-              <p:nvPr/>
-            </p:nvSpPr>
-            <p:spPr>
               <a:xfrm rot="10800000">
-                <a:off x="1176480" y="1450440"/>
-                <a:ext cx="144000" cy="199800"/>
+                <a:off x="1176120" y="1450080"/>
+                <a:ext cx="144360" cy="200160"/>
               </a:xfrm>
               <a:custGeom>
                 <a:avLst/>
@@ -4131,14 +4055,14 @@
         </p:grpSp>
         <p:sp>
           <p:nvSpPr>
-            <p:cNvPr id="96" name="CustomShape 21"/>
+            <p:cNvPr id="95" name="CustomShape 20"/>
             <p:cNvSpPr/>
             <p:nvPr/>
           </p:nvSpPr>
           <p:spPr>
             <a:xfrm>
               <a:off x="466920" y="1540800"/>
-              <a:ext cx="1471680" cy="367920"/>
+              <a:ext cx="1472040" cy="368280"/>
             </a:xfrm>
             <a:prstGeom prst="rect">
               <a:avLst/>
@@ -4183,14 +4107,14 @@
       </p:grpSp>
       <p:sp>
         <p:nvSpPr>
-          <p:cNvPr id="97" name="CustomShape 22"/>
+          <p:cNvPr id="96" name="CustomShape 21"/>
           <p:cNvSpPr/>
           <p:nvPr/>
         </p:nvSpPr>
         <p:spPr>
           <a:xfrm>
-            <a:off x="675360" y="2722680"/>
-            <a:ext cx="3338280" cy="909000"/>
+            <a:off x="675360" y="3273480"/>
+            <a:ext cx="3338640" cy="909360"/>
           </a:xfrm>
           <a:prstGeom prst="rect">
             <a:avLst/>
@@ -4211,7 +4135,7 @@
             <a:noAutofit/>
           </a:bodyPr>
           <a:p>
-            <a:pPr marL="457200" indent="-291960">
+            <a:pPr marL="457200" indent="-292320">
               <a:lnSpc>
                 <a:spcPct val="100000"/>
               </a:lnSpc>
@@ -4239,7 +4163,7 @@
                 <a:latin typeface="Arial"/>
                 <a:ea typeface="Arial"/>
               </a:rPr>
-              <a:t>Realizar contabilidade.</a:t>
+              <a:t>Realizar cálculos mensais.</a:t>
             </a:r>
             <a:endParaRPr b="0" lang="pt-BR" sz="1100" spc="-1" strike="noStrike">
               <a:latin typeface="Arial"/>
@@ -4259,42 +4183,42 @@
       </p:sp>
       <p:grpSp>
         <p:nvGrpSpPr>
-          <p:cNvPr id="98" name="Group 23"/>
+          <p:cNvPr id="97" name="Group 22"/>
           <p:cNvGrpSpPr/>
           <p:nvPr/>
         </p:nvGrpSpPr>
         <p:grpSpPr>
           <a:xfrm>
             <a:off x="675360" y="4176000"/>
-            <a:ext cx="1119240" cy="909000"/>
+            <a:ext cx="1119600" cy="909360"/>
             <a:chOff x="675360" y="4176000"/>
-            <a:chExt cx="1119240" cy="909000"/>
+            <a:chExt cx="1119600" cy="909360"/>
           </a:xfrm>
         </p:grpSpPr>
         <p:grpSp>
           <p:nvGrpSpPr>
-            <p:cNvPr id="99" name="Group 24"/>
+            <p:cNvPr id="98" name="Group 23"/>
             <p:cNvGrpSpPr/>
             <p:nvPr/>
           </p:nvGrpSpPr>
           <p:grpSpPr>
             <a:xfrm>
-              <a:off x="1059120" y="4176000"/>
-              <a:ext cx="347400" cy="648000"/>
-              <a:chOff x="1059120" y="4176000"/>
-              <a:chExt cx="347400" cy="648000"/>
+              <a:off x="1059480" y="4176000"/>
+              <a:ext cx="347040" cy="648000"/>
+              <a:chOff x="1059480" y="4176000"/>
+              <a:chExt cx="347040" cy="648000"/>
             </a:xfrm>
           </p:grpSpPr>
           <p:sp>
             <p:nvSpPr>
-              <p:cNvPr id="100" name="CustomShape 25"/>
+              <p:cNvPr id="99" name="CustomShape 24"/>
               <p:cNvSpPr/>
               <p:nvPr/>
             </p:nvSpPr>
             <p:spPr>
               <a:xfrm>
                 <a:off x="1132920" y="4176000"/>
-                <a:ext cx="207720" cy="209880"/>
+                <a:ext cx="208080" cy="210240"/>
               </a:xfrm>
               <a:prstGeom prst="flowChartConnector">
                 <a:avLst/>
@@ -4318,14 +4242,56 @@
           </p:sp>
           <p:sp>
             <p:nvSpPr>
+              <p:cNvPr id="100" name="CustomShape 25"/>
+              <p:cNvSpPr/>
+              <p:nvPr/>
+            </p:nvSpPr>
+            <p:spPr>
+              <a:xfrm flipH="1">
+                <a:off x="1227240" y="4392000"/>
+                <a:ext cx="360" cy="218880"/>
+              </a:xfrm>
+              <a:custGeom>
+                <a:avLst/>
+                <a:gdLst/>
+                <a:ahLst/>
+                <a:rect l="l" t="t" r="r" b="b"/>
+                <a:pathLst>
+                  <a:path w="21600" h="21600">
+                    <a:moveTo>
+                      <a:pt x="0" y="0"/>
+                    </a:moveTo>
+                    <a:lnTo>
+                      <a:pt x="21600" y="21600"/>
+                    </a:lnTo>
+                  </a:path>
+                </a:pathLst>
+              </a:custGeom>
+              <a:noFill/>
+              <a:ln w="9360">
+                <a:solidFill>
+                  <a:srgbClr val="595959"/>
+                </a:solidFill>
+                <a:round/>
+              </a:ln>
+            </p:spPr>
+            <p:style>
+              <a:lnRef idx="0"/>
+              <a:fillRef idx="0"/>
+              <a:effectRef idx="0"/>
+              <a:fontRef idx="minor"/>
+            </p:style>
+          </p:sp>
+          <p:sp>
+            <p:nvSpPr>
               <p:cNvPr id="101" name="CustomShape 26"/>
               <p:cNvSpPr/>
               <p:nvPr/>
             </p:nvSpPr>
             <p:spPr>
-              <a:xfrm flipH="1">
-                <a:off x="1226520" y="4392000"/>
-                <a:ext cx="360" cy="218520"/>
+              <a:xfrm>
+                <a:off x="1085040" y="4489200"/>
+                <a:ext cx="304200" cy="360"/>
               </a:xfrm>
               <a:custGeom>
                 <a:avLst/>
@@ -4365,9 +4331,9 @@
               <p:nvPr/>
             </p:nvSpPr>
             <p:spPr>
-              <a:xfrm>
-                <a:off x="1085040" y="4489200"/>
-                <a:ext cx="303840" cy="360"/>
+              <a:xfrm flipH="1">
+                <a:off x="1059120" y="4615560"/>
+                <a:ext cx="163800" cy="201960"/>
               </a:xfrm>
               <a:custGeom>
                 <a:avLst/>
@@ -4407,51 +4373,9 @@
               <p:nvPr/>
             </p:nvSpPr>
             <p:spPr>
-              <a:xfrm flipH="1">
-                <a:off x="1059120" y="4615560"/>
-                <a:ext cx="163440" cy="201600"/>
-              </a:xfrm>
-              <a:custGeom>
-                <a:avLst/>
-                <a:gdLst/>
-                <a:ahLst/>
-                <a:rect l="l" t="t" r="r" b="b"/>
-                <a:pathLst>
-                  <a:path w="21600" h="21600">
-                    <a:moveTo>
-                      <a:pt x="0" y="0"/>
-                    </a:moveTo>
-                    <a:lnTo>
-                      <a:pt x="21600" y="21600"/>
-                    </a:lnTo>
-                  </a:path>
-                </a:pathLst>
-              </a:custGeom>
-              <a:noFill/>
-              <a:ln w="9360">
-                <a:solidFill>
-                  <a:srgbClr val="595959"/>
-                </a:solidFill>
-                <a:round/>
-              </a:ln>
-            </p:spPr>
-            <p:style>
-              <a:lnRef idx="0"/>
-              <a:fillRef idx="0"/>
-              <a:effectRef idx="0"/>
-              <a:fontRef idx="minor"/>
-            </p:style>
-          </p:sp>
-          <p:sp>
-            <p:nvSpPr>
-              <p:cNvPr id="104" name="CustomShape 29"/>
-              <p:cNvSpPr/>
-              <p:nvPr/>
-            </p:nvSpPr>
-            <p:spPr>
               <a:xfrm rot="10800000">
-                <a:off x="1242720" y="4622400"/>
-                <a:ext cx="163800" cy="201600"/>
+                <a:off x="1242360" y="4622040"/>
+                <a:ext cx="164160" cy="201960"/>
               </a:xfrm>
               <a:custGeom>
                 <a:avLst/>
@@ -4487,14 +4411,742 @@
         </p:grpSp>
         <p:sp>
           <p:nvSpPr>
-            <p:cNvPr id="105" name="CustomShape 30"/>
+            <p:cNvPr id="104" name="CustomShape 29"/>
             <p:cNvSpPr/>
             <p:nvPr/>
           </p:nvSpPr>
           <p:spPr>
             <a:xfrm>
               <a:off x="675360" y="4713480"/>
-              <a:ext cx="1119240" cy="371520"/>
+              <a:ext cx="1119600" cy="371880"/>
+            </a:xfrm>
+            <a:prstGeom prst="rect">
+              <a:avLst/>
+            </a:prstGeom>
+            <a:noFill/>
+            <a:ln>
+              <a:noFill/>
+            </a:ln>
+          </p:spPr>
+          <p:style>
+            <a:lnRef idx="0"/>
+            <a:fillRef idx="0"/>
+            <a:effectRef idx="0"/>
+            <a:fontRef idx="minor"/>
+          </p:style>
+          <p:txBody>
+            <a:bodyPr lIns="90000" rIns="90000" tIns="91440" bIns="91440">
+              <a:noAutofit/>
+            </a:bodyPr>
+            <a:p>
+              <a:pPr algn="ctr">
+                <a:lnSpc>
+                  <a:spcPct val="100000"/>
+                </a:lnSpc>
+              </a:pPr>
+              <a:r>
+                <a:rPr b="1" lang="pt-BR" sz="1200" spc="-1" strike="noStrike">
+                  <a:solidFill>
+                    <a:srgbClr val="000000"/>
+                  </a:solidFill>
+                  <a:latin typeface="Arial"/>
+                  <a:ea typeface="Arial"/>
+                </a:rPr>
+                <a:t>Governo</a:t>
+              </a:r>
+              <a:endParaRPr b="0" lang="pt-BR" sz="1200" spc="-1" strike="noStrike">
+                <a:latin typeface="Arial"/>
+              </a:endParaRPr>
+            </a:p>
+          </p:txBody>
+        </p:sp>
+      </p:grpSp>
+      <p:sp>
+        <p:nvSpPr>
+          <p:cNvPr id="105" name="CustomShape 30"/>
+          <p:cNvSpPr/>
+          <p:nvPr/>
+        </p:nvSpPr>
+        <p:spPr>
+          <a:xfrm>
+            <a:off x="1943280" y="1460520"/>
+            <a:ext cx="1395720" cy="1415520"/>
+          </a:xfrm>
+          <a:custGeom>
+            <a:avLst/>
+            <a:gdLst/>
+            <a:ahLst/>
+            <a:rect l="l" t="t" r="r" b="b"/>
+            <a:pathLst>
+              <a:path w="21600" h="21600">
+                <a:moveTo>
+                  <a:pt x="0" y="0"/>
+                </a:moveTo>
+                <a:lnTo>
+                  <a:pt x="21600" y="21600"/>
+                </a:lnTo>
+              </a:path>
+            </a:pathLst>
+          </a:custGeom>
+          <a:noFill/>
+          <a:ln w="9360">
+            <a:solidFill>
+              <a:srgbClr val="3465a4"/>
+            </a:solidFill>
+            <a:round/>
+          </a:ln>
+        </p:spPr>
+        <p:style>
+          <a:lnRef idx="0"/>
+          <a:fillRef idx="0"/>
+          <a:effectRef idx="0"/>
+          <a:fontRef idx="minor"/>
+        </p:style>
+      </p:sp>
+      <p:sp>
+        <p:nvSpPr>
+          <p:cNvPr id="106" name="CustomShape 31"/>
+          <p:cNvSpPr/>
+          <p:nvPr/>
+        </p:nvSpPr>
+        <p:spPr>
+          <a:xfrm flipH="1" rot="10800000">
+            <a:off x="1870560" y="3529080"/>
+            <a:ext cx="1539720" cy="1164600"/>
+          </a:xfrm>
+          <a:custGeom>
+            <a:avLst/>
+            <a:gdLst/>
+            <a:ahLst/>
+            <a:rect l="l" t="t" r="r" b="b"/>
+            <a:pathLst>
+              <a:path w="21600" h="21600">
+                <a:moveTo>
+                  <a:pt x="0" y="0"/>
+                </a:moveTo>
+                <a:lnTo>
+                  <a:pt x="21600" y="21600"/>
+                </a:lnTo>
+              </a:path>
+            </a:pathLst>
+          </a:custGeom>
+          <a:noFill/>
+          <a:ln w="9360">
+            <a:solidFill>
+              <a:srgbClr val="3465a4"/>
+            </a:solidFill>
+            <a:round/>
+          </a:ln>
+        </p:spPr>
+        <p:style>
+          <a:lnRef idx="0"/>
+          <a:fillRef idx="0"/>
+          <a:effectRef idx="0"/>
+          <a:fontRef idx="minor"/>
+        </p:style>
+      </p:sp>
+      <p:sp>
+        <p:nvSpPr>
+          <p:cNvPr id="107" name="CustomShape 32"/>
+          <p:cNvSpPr/>
+          <p:nvPr/>
+        </p:nvSpPr>
+        <p:spPr>
+          <a:xfrm flipH="1" rot="10800000">
+            <a:off x="1151280" y="3171960"/>
+            <a:ext cx="1499040" cy="16920"/>
+          </a:xfrm>
+          <a:custGeom>
+            <a:avLst/>
+            <a:gdLst/>
+            <a:ahLst/>
+            <a:rect l="l" t="t" r="r" b="b"/>
+            <a:pathLst>
+              <a:path w="21600" h="21600">
+                <a:moveTo>
+                  <a:pt x="0" y="0"/>
+                </a:moveTo>
+                <a:lnTo>
+                  <a:pt x="21600" y="21600"/>
+                </a:lnTo>
+              </a:path>
+            </a:pathLst>
+          </a:custGeom>
+          <a:noFill/>
+          <a:ln w="9360">
+            <a:solidFill>
+              <a:srgbClr val="3465a4"/>
+            </a:solidFill>
+            <a:round/>
+          </a:ln>
+        </p:spPr>
+        <p:style>
+          <a:lnRef idx="0"/>
+          <a:fillRef idx="0"/>
+          <a:effectRef idx="0"/>
+          <a:fontRef idx="minor"/>
+        </p:style>
+      </p:sp>
+      <p:grpSp>
+        <p:nvGrpSpPr>
+          <p:cNvPr id="108" name="Group 33"/>
+          <p:cNvGrpSpPr/>
+          <p:nvPr/>
+        </p:nvGrpSpPr>
+        <p:grpSpPr>
+          <a:xfrm>
+            <a:off x="5546520" y="2592000"/>
+            <a:ext cx="1856160" cy="901080"/>
+            <a:chOff x="5546520" y="2592000"/>
+            <a:chExt cx="1856160" cy="901080"/>
+          </a:xfrm>
+        </p:grpSpPr>
+        <p:grpSp>
+          <p:nvGrpSpPr>
+            <p:cNvPr id="109" name="Group 34"/>
+            <p:cNvGrpSpPr/>
+            <p:nvPr/>
+          </p:nvGrpSpPr>
+          <p:grpSpPr>
+            <a:xfrm>
+              <a:off x="6092640" y="2592000"/>
+              <a:ext cx="307440" cy="642240"/>
+              <a:chOff x="6092640" y="2592000"/>
+              <a:chExt cx="307440" cy="642240"/>
+            </a:xfrm>
+          </p:grpSpPr>
+          <p:sp>
+            <p:nvSpPr>
+              <p:cNvPr id="110" name="CustomShape 35"/>
+              <p:cNvSpPr/>
+              <p:nvPr/>
+            </p:nvSpPr>
+            <p:spPr>
+              <a:xfrm>
+                <a:off x="6158160" y="2592000"/>
+                <a:ext cx="183600" cy="208080"/>
+              </a:xfrm>
+              <a:prstGeom prst="flowChartConnector">
+                <a:avLst/>
+              </a:prstGeom>
+              <a:solidFill>
+                <a:srgbClr val="eeeeee"/>
+              </a:solidFill>
+              <a:ln w="9360">
+                <a:solidFill>
+                  <a:srgbClr val="595959"/>
+                </a:solidFill>
+                <a:round/>
+              </a:ln>
+            </p:spPr>
+            <p:style>
+              <a:lnRef idx="0"/>
+              <a:fillRef idx="0"/>
+              <a:effectRef idx="0"/>
+              <a:fontRef idx="minor"/>
+            </p:style>
+          </p:sp>
+          <p:sp>
+            <p:nvSpPr>
+              <p:cNvPr id="111" name="CustomShape 36"/>
+              <p:cNvSpPr/>
+              <p:nvPr/>
+            </p:nvSpPr>
+            <p:spPr>
+              <a:xfrm flipH="1">
+                <a:off x="6240240" y="2806560"/>
+                <a:ext cx="360" cy="216720"/>
+              </a:xfrm>
+              <a:custGeom>
+                <a:avLst/>
+                <a:gdLst/>
+                <a:ahLst/>
+                <a:rect l="l" t="t" r="r" b="b"/>
+                <a:pathLst>
+                  <a:path w="21600" h="21600">
+                    <a:moveTo>
+                      <a:pt x="0" y="0"/>
+                    </a:moveTo>
+                    <a:lnTo>
+                      <a:pt x="21600" y="21600"/>
+                    </a:lnTo>
+                  </a:path>
+                </a:pathLst>
+              </a:custGeom>
+              <a:noFill/>
+              <a:ln w="9360">
+                <a:solidFill>
+                  <a:srgbClr val="595959"/>
+                </a:solidFill>
+                <a:round/>
+              </a:ln>
+            </p:spPr>
+            <p:style>
+              <a:lnRef idx="0"/>
+              <a:fillRef idx="0"/>
+              <a:effectRef idx="0"/>
+              <a:fontRef idx="minor"/>
+            </p:style>
+          </p:sp>
+          <p:sp>
+            <p:nvSpPr>
+              <p:cNvPr id="112" name="CustomShape 37"/>
+              <p:cNvSpPr/>
+              <p:nvPr/>
+            </p:nvSpPr>
+            <p:spPr>
+              <a:xfrm>
+                <a:off x="6115680" y="2902320"/>
+                <a:ext cx="269280" cy="360"/>
+              </a:xfrm>
+              <a:custGeom>
+                <a:avLst/>
+                <a:gdLst/>
+                <a:ahLst/>
+                <a:rect l="l" t="t" r="r" b="b"/>
+                <a:pathLst>
+                  <a:path w="21600" h="21600">
+                    <a:moveTo>
+                      <a:pt x="0" y="0"/>
+                    </a:moveTo>
+                    <a:lnTo>
+                      <a:pt x="21600" y="21600"/>
+                    </a:lnTo>
+                  </a:path>
+                </a:pathLst>
+              </a:custGeom>
+              <a:noFill/>
+              <a:ln w="9360">
+                <a:solidFill>
+                  <a:srgbClr val="595959"/>
+                </a:solidFill>
+                <a:round/>
+              </a:ln>
+            </p:spPr>
+            <p:style>
+              <a:lnRef idx="0"/>
+              <a:fillRef idx="0"/>
+              <a:effectRef idx="0"/>
+              <a:fontRef idx="minor"/>
+            </p:style>
+          </p:sp>
+          <p:sp>
+            <p:nvSpPr>
+              <p:cNvPr id="113" name="CustomShape 38"/>
+              <p:cNvSpPr/>
+              <p:nvPr/>
+            </p:nvSpPr>
+            <p:spPr>
+              <a:xfrm flipH="1">
+                <a:off x="6092640" y="3027960"/>
+                <a:ext cx="144720" cy="200160"/>
+              </a:xfrm>
+              <a:custGeom>
+                <a:avLst/>
+                <a:gdLst/>
+                <a:ahLst/>
+                <a:rect l="l" t="t" r="r" b="b"/>
+                <a:pathLst>
+                  <a:path w="21600" h="21600">
+                    <a:moveTo>
+                      <a:pt x="0" y="0"/>
+                    </a:moveTo>
+                    <a:lnTo>
+                      <a:pt x="21600" y="21600"/>
+                    </a:lnTo>
+                  </a:path>
+                </a:pathLst>
+              </a:custGeom>
+              <a:noFill/>
+              <a:ln w="9360">
+                <a:solidFill>
+                  <a:srgbClr val="595959"/>
+                </a:solidFill>
+                <a:round/>
+              </a:ln>
+            </p:spPr>
+            <p:style>
+              <a:lnRef idx="0"/>
+              <a:fillRef idx="0"/>
+              <a:effectRef idx="0"/>
+              <a:fontRef idx="minor"/>
+            </p:style>
+          </p:sp>
+          <p:sp>
+            <p:nvSpPr>
+              <p:cNvPr id="114" name="CustomShape 39"/>
+              <p:cNvSpPr/>
+              <p:nvPr/>
+            </p:nvSpPr>
+            <p:spPr>
+              <a:xfrm rot="10800000">
+                <a:off x="6255720" y="3034080"/>
+                <a:ext cx="144360" cy="200160"/>
+              </a:xfrm>
+              <a:custGeom>
+                <a:avLst/>
+                <a:gdLst/>
+                <a:ahLst/>
+                <a:rect l="l" t="t" r="r" b="b"/>
+                <a:pathLst>
+                  <a:path w="21600" h="21600">
+                    <a:moveTo>
+                      <a:pt x="0" y="0"/>
+                    </a:moveTo>
+                    <a:lnTo>
+                      <a:pt x="21600" y="21600"/>
+                    </a:lnTo>
+                  </a:path>
+                </a:pathLst>
+              </a:custGeom>
+              <a:noFill/>
+              <a:ln w="9360">
+                <a:solidFill>
+                  <a:srgbClr val="595959"/>
+                </a:solidFill>
+                <a:round/>
+              </a:ln>
+            </p:spPr>
+            <p:style>
+              <a:lnRef idx="0"/>
+              <a:fillRef idx="0"/>
+              <a:effectRef idx="0"/>
+              <a:fontRef idx="minor"/>
+            </p:style>
+          </p:sp>
+        </p:grpSp>
+        <p:sp>
+          <p:nvSpPr>
+            <p:cNvPr id="115" name="CustomShape 40"/>
+            <p:cNvSpPr/>
+            <p:nvPr/>
+          </p:nvSpPr>
+          <p:spPr>
+            <a:xfrm>
+              <a:off x="5546520" y="3124800"/>
+              <a:ext cx="1856160" cy="368280"/>
+            </a:xfrm>
+            <a:prstGeom prst="rect">
+              <a:avLst/>
+            </a:prstGeom>
+            <a:noFill/>
+            <a:ln>
+              <a:noFill/>
+            </a:ln>
+          </p:spPr>
+          <p:style>
+            <a:lnRef idx="0"/>
+            <a:fillRef idx="0"/>
+            <a:effectRef idx="0"/>
+            <a:fontRef idx="minor"/>
+          </p:style>
+          <p:txBody>
+            <a:bodyPr lIns="90000" rIns="90000" tIns="91440" bIns="91440">
+              <a:noAutofit/>
+            </a:bodyPr>
+            <a:p>
+              <a:pPr algn="ctr">
+                <a:lnSpc>
+                  <a:spcPct val="100000"/>
+                </a:lnSpc>
+              </a:pPr>
+              <a:r>
+                <a:rPr b="1" lang="pt-BR" sz="1200" spc="-1" strike="noStrike">
+                  <a:solidFill>
+                    <a:srgbClr val="000000"/>
+                  </a:solidFill>
+                  <a:latin typeface="Arial"/>
+                  <a:ea typeface="Arial"/>
+                </a:rPr>
+                <a:t>Bares associados</a:t>
+              </a:r>
+              <a:endParaRPr b="0" lang="pt-BR" sz="1200" spc="-1" strike="noStrike">
+                <a:latin typeface="Arial"/>
+              </a:endParaRPr>
+            </a:p>
+          </p:txBody>
+        </p:sp>
+      </p:grpSp>
+      <p:sp>
+        <p:nvSpPr>
+          <p:cNvPr id="116" name="CustomShape 41"/>
+          <p:cNvSpPr/>
+          <p:nvPr/>
+        </p:nvSpPr>
+        <p:spPr>
+          <a:xfrm flipH="1" rot="10800000">
+            <a:off x="4444200" y="3183120"/>
+            <a:ext cx="1499040" cy="16920"/>
+          </a:xfrm>
+          <a:custGeom>
+            <a:avLst/>
+            <a:gdLst/>
+            <a:ahLst/>
+            <a:rect l="l" t="t" r="r" b="b"/>
+            <a:pathLst>
+              <a:path w="21600" h="21600">
+                <a:moveTo>
+                  <a:pt x="0" y="0"/>
+                </a:moveTo>
+                <a:lnTo>
+                  <a:pt x="21600" y="21600"/>
+                </a:lnTo>
+              </a:path>
+            </a:pathLst>
+          </a:custGeom>
+          <a:noFill/>
+          <a:ln w="9360">
+            <a:solidFill>
+              <a:srgbClr val="3465a4"/>
+            </a:solidFill>
+            <a:round/>
+          </a:ln>
+        </p:spPr>
+        <p:style>
+          <a:lnRef idx="0"/>
+          <a:fillRef idx="0"/>
+          <a:effectRef idx="0"/>
+          <a:fontRef idx="minor"/>
+        </p:style>
+      </p:sp>
+      <p:grpSp>
+        <p:nvGrpSpPr>
+          <p:cNvPr id="117" name="Group 42"/>
+          <p:cNvGrpSpPr/>
+          <p:nvPr/>
+        </p:nvGrpSpPr>
+        <p:grpSpPr>
+          <a:xfrm>
+            <a:off x="5184000" y="4130280"/>
+            <a:ext cx="1119600" cy="909360"/>
+            <a:chOff x="5184000" y="4130280"/>
+            <a:chExt cx="1119600" cy="909360"/>
+          </a:xfrm>
+        </p:grpSpPr>
+        <p:grpSp>
+          <p:nvGrpSpPr>
+            <p:cNvPr id="118" name="Group 43"/>
+            <p:cNvGrpSpPr/>
+            <p:nvPr/>
+          </p:nvGrpSpPr>
+          <p:grpSpPr>
+            <a:xfrm>
+              <a:off x="5568120" y="4130280"/>
+              <a:ext cx="347040" cy="648000"/>
+              <a:chOff x="5568120" y="4130280"/>
+              <a:chExt cx="347040" cy="648000"/>
+            </a:xfrm>
+          </p:grpSpPr>
+          <p:sp>
+            <p:nvSpPr>
+              <p:cNvPr id="119" name="CustomShape 44"/>
+              <p:cNvSpPr/>
+              <p:nvPr/>
+            </p:nvSpPr>
+            <p:spPr>
+              <a:xfrm>
+                <a:off x="5641560" y="4130280"/>
+                <a:ext cx="208080" cy="210240"/>
+              </a:xfrm>
+              <a:prstGeom prst="flowChartConnector">
+                <a:avLst/>
+              </a:prstGeom>
+              <a:solidFill>
+                <a:srgbClr val="eeeeee"/>
+              </a:solidFill>
+              <a:ln w="9360">
+                <a:solidFill>
+                  <a:srgbClr val="595959"/>
+                </a:solidFill>
+                <a:round/>
+              </a:ln>
+            </p:spPr>
+            <p:style>
+              <a:lnRef idx="0"/>
+              <a:fillRef idx="0"/>
+              <a:effectRef idx="0"/>
+              <a:fontRef idx="minor"/>
+            </p:style>
+          </p:sp>
+          <p:sp>
+            <p:nvSpPr>
+              <p:cNvPr id="120" name="CustomShape 45"/>
+              <p:cNvSpPr/>
+              <p:nvPr/>
+            </p:nvSpPr>
+            <p:spPr>
+              <a:xfrm flipH="1">
+                <a:off x="5735880" y="4346280"/>
+                <a:ext cx="360" cy="218880"/>
+              </a:xfrm>
+              <a:custGeom>
+                <a:avLst/>
+                <a:gdLst/>
+                <a:ahLst/>
+                <a:rect l="l" t="t" r="r" b="b"/>
+                <a:pathLst>
+                  <a:path w="21600" h="21600">
+                    <a:moveTo>
+                      <a:pt x="0" y="0"/>
+                    </a:moveTo>
+                    <a:lnTo>
+                      <a:pt x="21600" y="21600"/>
+                    </a:lnTo>
+                  </a:path>
+                </a:pathLst>
+              </a:custGeom>
+              <a:noFill/>
+              <a:ln w="9360">
+                <a:solidFill>
+                  <a:srgbClr val="595959"/>
+                </a:solidFill>
+                <a:round/>
+              </a:ln>
+            </p:spPr>
+            <p:style>
+              <a:lnRef idx="0"/>
+              <a:fillRef idx="0"/>
+              <a:effectRef idx="0"/>
+              <a:fontRef idx="minor"/>
+            </p:style>
+          </p:sp>
+          <p:sp>
+            <p:nvSpPr>
+              <p:cNvPr id="121" name="CustomShape 46"/>
+              <p:cNvSpPr/>
+              <p:nvPr/>
+            </p:nvSpPr>
+            <p:spPr>
+              <a:xfrm>
+                <a:off x="5593680" y="4443480"/>
+                <a:ext cx="304200" cy="360"/>
+              </a:xfrm>
+              <a:custGeom>
+                <a:avLst/>
+                <a:gdLst/>
+                <a:ahLst/>
+                <a:rect l="l" t="t" r="r" b="b"/>
+                <a:pathLst>
+                  <a:path w="21600" h="21600">
+                    <a:moveTo>
+                      <a:pt x="0" y="0"/>
+                    </a:moveTo>
+                    <a:lnTo>
+                      <a:pt x="21600" y="21600"/>
+                    </a:lnTo>
+                  </a:path>
+                </a:pathLst>
+              </a:custGeom>
+              <a:noFill/>
+              <a:ln w="9360">
+                <a:solidFill>
+                  <a:srgbClr val="595959"/>
+                </a:solidFill>
+                <a:round/>
+              </a:ln>
+            </p:spPr>
+            <p:style>
+              <a:lnRef idx="0"/>
+              <a:fillRef idx="0"/>
+              <a:effectRef idx="0"/>
+              <a:fontRef idx="minor"/>
+            </p:style>
+          </p:sp>
+          <p:sp>
+            <p:nvSpPr>
+              <p:cNvPr id="122" name="CustomShape 47"/>
+              <p:cNvSpPr/>
+              <p:nvPr/>
+            </p:nvSpPr>
+            <p:spPr>
+              <a:xfrm flipH="1">
+                <a:off x="5567760" y="4569840"/>
+                <a:ext cx="163800" cy="201960"/>
+              </a:xfrm>
+              <a:custGeom>
+                <a:avLst/>
+                <a:gdLst/>
+                <a:ahLst/>
+                <a:rect l="l" t="t" r="r" b="b"/>
+                <a:pathLst>
+                  <a:path w="21600" h="21600">
+                    <a:moveTo>
+                      <a:pt x="0" y="0"/>
+                    </a:moveTo>
+                    <a:lnTo>
+                      <a:pt x="21600" y="21600"/>
+                    </a:lnTo>
+                  </a:path>
+                </a:pathLst>
+              </a:custGeom>
+              <a:noFill/>
+              <a:ln w="9360">
+                <a:solidFill>
+                  <a:srgbClr val="595959"/>
+                </a:solidFill>
+                <a:round/>
+              </a:ln>
+            </p:spPr>
+            <p:style>
+              <a:lnRef idx="0"/>
+              <a:fillRef idx="0"/>
+              <a:effectRef idx="0"/>
+              <a:fontRef idx="minor"/>
+            </p:style>
+          </p:sp>
+          <p:sp>
+            <p:nvSpPr>
+              <p:cNvPr id="123" name="CustomShape 48"/>
+              <p:cNvSpPr/>
+              <p:nvPr/>
+            </p:nvSpPr>
+            <p:spPr>
+              <a:xfrm rot="10800000">
+                <a:off x="5751000" y="4576320"/>
+                <a:ext cx="164160" cy="201960"/>
+              </a:xfrm>
+              <a:custGeom>
+                <a:avLst/>
+                <a:gdLst/>
+                <a:ahLst/>
+                <a:rect l="l" t="t" r="r" b="b"/>
+                <a:pathLst>
+                  <a:path w="21600" h="21600">
+                    <a:moveTo>
+                      <a:pt x="0" y="0"/>
+                    </a:moveTo>
+                    <a:lnTo>
+                      <a:pt x="21600" y="21600"/>
+                    </a:lnTo>
+                  </a:path>
+                </a:pathLst>
+              </a:custGeom>
+              <a:noFill/>
+              <a:ln w="9360">
+                <a:solidFill>
+                  <a:srgbClr val="595959"/>
+                </a:solidFill>
+                <a:round/>
+              </a:ln>
+            </p:spPr>
+            <p:style>
+              <a:lnRef idx="0"/>
+              <a:fillRef idx="0"/>
+              <a:effectRef idx="0"/>
+              <a:fontRef idx="minor"/>
+            </p:style>
+          </p:sp>
+        </p:grpSp>
+        <p:sp>
+          <p:nvSpPr>
+            <p:cNvPr id="124" name="CustomShape 49"/>
+            <p:cNvSpPr/>
+            <p:nvPr/>
+          </p:nvSpPr>
+          <p:spPr>
+            <a:xfrm>
+              <a:off x="5184000" y="4667760"/>
+              <a:ext cx="1119600" cy="371880"/>
             </a:xfrm>
             <a:prstGeom prst="rect">
               <a:avLst/>
@@ -4539,14 +5191,14 @@
       </p:grpSp>
       <p:sp>
         <p:nvSpPr>
-          <p:cNvPr id="106" name="CustomShape 31"/>
+          <p:cNvPr id="125" name="CustomShape 50"/>
           <p:cNvSpPr/>
           <p:nvPr/>
         </p:nvSpPr>
         <p:spPr>
-          <a:xfrm>
-            <a:off x="1943280" y="1460520"/>
-            <a:ext cx="1395360" cy="1415160"/>
+          <a:xfrm rot="10800000">
+            <a:off x="4104360" y="3497760"/>
+            <a:ext cx="1223640" cy="1164600"/>
           </a:xfrm>
           <a:custGeom>
             <a:avLst/>
@@ -4581,37 +5233,21 @@
       </p:sp>
       <p:sp>
         <p:nvSpPr>
-          <p:cNvPr id="107" name="CustomShape 32"/>
+          <p:cNvPr id="126" name="CustomShape 51"/>
           <p:cNvSpPr/>
           <p:nvPr/>
         </p:nvSpPr>
         <p:spPr>
-          <a:xfrm flipH="1" rot="10800000">
-            <a:off x="1796400" y="3464640"/>
-            <a:ext cx="1539360" cy="1164240"/>
-          </a:xfrm>
-          <a:custGeom>
-            <a:avLst/>
-            <a:gdLst/>
-            <a:ahLst/>
-            <a:rect l="l" t="t" r="r" b="b"/>
-            <a:pathLst>
-              <a:path w="21600" h="21600">
-                <a:moveTo>
-                  <a:pt x="0" y="0"/>
-                </a:moveTo>
-                <a:lnTo>
-                  <a:pt x="21600" y="21600"/>
-                </a:lnTo>
-              </a:path>
-            </a:pathLst>
-          </a:custGeom>
+          <a:xfrm>
+            <a:off x="4673520" y="3783600"/>
+            <a:ext cx="1014120" cy="556920"/>
+          </a:xfrm>
+          <a:prstGeom prst="rect">
+            <a:avLst/>
+          </a:prstGeom>
           <a:noFill/>
-          <a:ln w="9360">
-            <a:solidFill>
-              <a:srgbClr val="3465a4"/>
-            </a:solidFill>
-            <a:round/>
+          <a:ln>
+            <a:noFill/>
           </a:ln>
         </p:spPr>
         <p:style>
@@ -4620,38 +5256,100 @@
           <a:effectRef idx="0"/>
           <a:fontRef idx="minor"/>
         </p:style>
-      </p:sp>
-      <p:sp>
-        <p:nvSpPr>
-          <p:cNvPr id="108" name="CustomShape 33"/>
+        <p:txBody>
+          <a:bodyPr lIns="90000" rIns="90000" tIns="45000" bIns="45000">
+            <a:noAutofit/>
+          </a:bodyPr>
+          <a:p>
+            <a:pPr>
+              <a:lnSpc>
+                <a:spcPct val="100000"/>
+              </a:lnSpc>
+            </a:pPr>
+            <a:r>
+              <a:rPr b="0" lang="pt-BR" sz="1100" spc="-1" strike="noStrike">
+                <a:solidFill>
+                  <a:srgbClr val="000000"/>
+                </a:solidFill>
+                <a:latin typeface="Arial"/>
+                <a:ea typeface="Arial"/>
+              </a:rPr>
+              <a:t>Ser atendido.</a:t>
+            </a:r>
+            <a:endParaRPr b="0" lang="pt-BR" sz="1100" spc="-1" strike="noStrike">
+              <a:latin typeface="Arial"/>
+            </a:endParaRPr>
+          </a:p>
+          <a:p>
+            <a:pPr>
+              <a:lnSpc>
+                <a:spcPct val="100000"/>
+              </a:lnSpc>
+            </a:pPr>
+            <a:endParaRPr b="0" lang="pt-BR" sz="1100" spc="-1" strike="noStrike">
+              <a:latin typeface="Arial"/>
+            </a:endParaRPr>
+          </a:p>
+          <a:p>
+            <a:pPr>
+              <a:lnSpc>
+                <a:spcPct val="100000"/>
+              </a:lnSpc>
+            </a:pPr>
+            <a:endParaRPr b="0" lang="pt-BR" sz="1100" spc="-1" strike="noStrike">
+              <a:latin typeface="Arial"/>
+            </a:endParaRPr>
+          </a:p>
+        </p:txBody>
+      </p:sp>
+    </p:spTree>
+  </p:cSld>
+  <mc:AlternateContent>
+    <mc:Choice Requires="p14">
+      <p:transition spd="slow" p14:dur="2000"/>
+    </mc:Choice>
+    <mc:Fallback>
+      <p:transition spd="slow"/>
+    </mc:Fallback>
+  </mc:AlternateContent>
+</p:sld>
+</file>
+
+<file path=ppt/slides/slide2.xml><?xml version="1.0" encoding="utf-8"?>
+<p:sld xmlns:a="http://schemas.openxmlformats.org/drawingml/2006/main" xmlns:p="http://schemas.openxmlformats.org/presentationml/2006/main" xmlns:r="http://schemas.openxmlformats.org/officeDocument/2006/relationships" xmlns:p14="http://schemas.microsoft.com/office/powerpoint/2010/main" xmlns:p15="http://schemas.microsoft.com/office/powerpoint/2012/main" xmlns:mc="http://schemas.openxmlformats.org/markup-compatibility/2006">
+  <p:cSld>
+    <p:spTree>
+      <p:nvGrpSpPr>
+        <p:cNvPr id="1" name=""/>
+        <p:cNvGrpSpPr/>
+        <p:nvPr/>
+      </p:nvGrpSpPr>
+      <p:grpSpPr>
+        <a:xfrm>
+          <a:off x="0" y="0"/>
+          <a:ext cx="0" cy="0"/>
+          <a:chOff x="0" y="0"/>
+          <a:chExt cx="0" cy="0"/>
+        </a:xfrm>
+      </p:grpSpPr>
+      <p:sp>
+        <p:nvSpPr>
+          <p:cNvPr id="127" name="CustomShape 1"/>
           <p:cNvSpPr/>
           <p:nvPr/>
         </p:nvSpPr>
         <p:spPr>
-          <a:xfrm flipH="1" rot="10800000">
-            <a:off x="1150920" y="3172320"/>
-            <a:ext cx="1498680" cy="16560"/>
-          </a:xfrm>
-          <a:custGeom>
-            <a:avLst/>
-            <a:gdLst/>
-            <a:ahLst/>
-            <a:rect l="l" t="t" r="r" b="b"/>
-            <a:pathLst>
-              <a:path w="21600" h="21600">
-                <a:moveTo>
-                  <a:pt x="0" y="0"/>
-                </a:moveTo>
-                <a:lnTo>
-                  <a:pt x="21600" y="21600"/>
-                </a:lnTo>
-              </a:path>
-            </a:pathLst>
-          </a:custGeom>
+          <a:xfrm>
+            <a:off x="143280" y="1593360"/>
+            <a:ext cx="9410040" cy="1500480"/>
+          </a:xfrm>
+          <a:prstGeom prst="rect">
+            <a:avLst/>
+          </a:prstGeom>
           <a:noFill/>
           <a:ln w="9360">
             <a:solidFill>
-              <a:srgbClr val="3465a4"/>
+              <a:srgbClr val="ff9900"/>
             </a:solidFill>
             <a:round/>
           </a:ln>
@@ -4662,45 +5360,134 @@
           <a:effectRef idx="0"/>
           <a:fontRef idx="minor"/>
         </p:style>
+        <p:txBody>
+          <a:bodyPr lIns="90000" rIns="90000" tIns="91440" bIns="91440">
+            <a:noAutofit/>
+          </a:bodyPr>
+          <a:p>
+            <a:pPr>
+              <a:lnSpc>
+                <a:spcPct val="100000"/>
+              </a:lnSpc>
+            </a:pPr>
+            <a:r>
+              <a:rPr b="0" lang="pt-BR" sz="1400" spc="-1" strike="noStrike">
+                <a:solidFill>
+                  <a:srgbClr val="000000"/>
+                </a:solidFill>
+                <a:latin typeface="Arial"/>
+                <a:ea typeface="Arial"/>
+              </a:rPr>
+              <a:t>Nós Operacionais</a:t>
+            </a:r>
+            <a:endParaRPr b="0" lang="pt-BR" sz="1400" spc="-1" strike="noStrike">
+              <a:latin typeface="Arial"/>
+            </a:endParaRPr>
+          </a:p>
+        </p:txBody>
+      </p:sp>
+      <p:sp>
+        <p:nvSpPr>
+          <p:cNvPr id="128" name="CustomShape 2"/>
+          <p:cNvSpPr/>
+          <p:nvPr/>
+        </p:nvSpPr>
+        <p:spPr>
+          <a:xfrm>
+            <a:off x="4033800" y="204840"/>
+            <a:ext cx="1994040" cy="843840"/>
+          </a:xfrm>
+          <a:prstGeom prst="wave">
+            <a:avLst>
+              <a:gd name="adj1" fmla="val 6999"/>
+              <a:gd name="adj2" fmla="val 0"/>
+            </a:avLst>
+          </a:prstGeom>
+          <a:solidFill>
+            <a:srgbClr val="f4cccc"/>
+          </a:solidFill>
+          <a:ln w="9360">
+            <a:solidFill>
+              <a:srgbClr val="ffffff"/>
+            </a:solidFill>
+            <a:round/>
+          </a:ln>
+        </p:spPr>
+        <p:style>
+          <a:lnRef idx="0"/>
+          <a:fillRef idx="0"/>
+          <a:effectRef idx="0"/>
+          <a:fontRef idx="minor"/>
+        </p:style>
+        <p:txBody>
+          <a:bodyPr lIns="90000" rIns="90000" tIns="91440" bIns="91440" anchor="ctr">
+            <a:noAutofit/>
+          </a:bodyPr>
+          <a:p>
+            <a:pPr marL="457200" indent="-285120">
+              <a:lnSpc>
+                <a:spcPct val="100000"/>
+              </a:lnSpc>
+              <a:buClr>
+                <a:srgbClr val="000000"/>
+              </a:buClr>
+              <a:buFont typeface="Arial"/>
+              <a:buChar char="❖"/>
+            </a:pPr>
+            <a:r>
+              <a:rPr b="0" lang="pt-BR" sz="1000" spc="-1" strike="noStrike">
+                <a:solidFill>
+                  <a:srgbClr val="000000"/>
+                </a:solidFill>
+                <a:latin typeface="Arial"/>
+                <a:ea typeface="Arial"/>
+              </a:rPr>
+              <a:t>Ser atendido</a:t>
+            </a:r>
+            <a:endParaRPr b="0" lang="pt-BR" sz="1000" spc="-1" strike="noStrike">
+              <a:latin typeface="Arial"/>
+            </a:endParaRPr>
+          </a:p>
+        </p:txBody>
       </p:sp>
       <p:grpSp>
         <p:nvGrpSpPr>
-          <p:cNvPr id="109" name="Group 34"/>
+          <p:cNvPr id="129" name="Group 3"/>
           <p:cNvGrpSpPr/>
           <p:nvPr/>
         </p:nvGrpSpPr>
         <p:grpSpPr>
           <a:xfrm>
-            <a:off x="5039640" y="2624400"/>
-            <a:ext cx="1855800" cy="900720"/>
-            <a:chOff x="5039640" y="2624400"/>
-            <a:chExt cx="1855800" cy="900720"/>
+            <a:off x="1637280" y="2081520"/>
+            <a:ext cx="1118880" cy="909000"/>
+            <a:chOff x="1637280" y="2081520"/>
+            <a:chExt cx="1118880" cy="909000"/>
           </a:xfrm>
         </p:grpSpPr>
         <p:grpSp>
           <p:nvGrpSpPr>
-            <p:cNvPr id="110" name="Group 35"/>
+            <p:cNvPr id="130" name="Group 4"/>
             <p:cNvGrpSpPr/>
             <p:nvPr/>
           </p:nvGrpSpPr>
           <p:grpSpPr>
             <a:xfrm>
-              <a:off x="5585400" y="2624400"/>
-              <a:ext cx="307800" cy="642240"/>
-              <a:chOff x="5585400" y="2624400"/>
-              <a:chExt cx="307800" cy="642240"/>
+              <a:off x="2020680" y="2081520"/>
+              <a:ext cx="347760" cy="648000"/>
+              <a:chOff x="2020680" y="2081520"/>
+              <a:chExt cx="347760" cy="648000"/>
             </a:xfrm>
           </p:grpSpPr>
           <p:sp>
             <p:nvSpPr>
-              <p:cNvPr id="111" name="CustomShape 36"/>
+              <p:cNvPr id="131" name="CustomShape 5"/>
               <p:cNvSpPr/>
               <p:nvPr/>
             </p:nvSpPr>
             <p:spPr>
               <a:xfrm>
-                <a:off x="5651280" y="2624400"/>
-                <a:ext cx="183240" cy="207720"/>
+                <a:off x="2094840" y="2081520"/>
+                <a:ext cx="207360" cy="209520"/>
               </a:xfrm>
               <a:prstGeom prst="flowChartConnector">
                 <a:avLst/>
@@ -4724,14 +5511,14 @@
           </p:sp>
           <p:sp>
             <p:nvSpPr>
-              <p:cNvPr id="112" name="CustomShape 37"/>
+              <p:cNvPr id="132" name="CustomShape 6"/>
               <p:cNvSpPr/>
               <p:nvPr/>
             </p:nvSpPr>
             <p:spPr>
               <a:xfrm flipH="1">
-                <a:off x="5732640" y="2838960"/>
-                <a:ext cx="360" cy="216360"/>
+                <a:off x="2187720" y="2297880"/>
+                <a:ext cx="360" cy="218160"/>
               </a:xfrm>
               <a:custGeom>
                 <a:avLst/>
@@ -4766,14 +5553,14 @@
           </p:sp>
           <p:sp>
             <p:nvSpPr>
-              <p:cNvPr id="113" name="CustomShape 38"/>
+              <p:cNvPr id="133" name="CustomShape 7"/>
               <p:cNvSpPr/>
               <p:nvPr/>
             </p:nvSpPr>
             <p:spPr>
               <a:xfrm>
-                <a:off x="5608800" y="2934720"/>
-                <a:ext cx="268920" cy="360"/>
+                <a:off x="2046960" y="2395080"/>
+                <a:ext cx="303480" cy="360"/>
               </a:xfrm>
               <a:custGeom>
                 <a:avLst/>
@@ -4808,14 +5595,14 @@
           </p:sp>
           <p:sp>
             <p:nvSpPr>
-              <p:cNvPr id="114" name="CustomShape 39"/>
+              <p:cNvPr id="134" name="CustomShape 8"/>
               <p:cNvSpPr/>
               <p:nvPr/>
             </p:nvSpPr>
             <p:spPr>
               <a:xfrm flipH="1">
-                <a:off x="5585040" y="3060360"/>
-                <a:ext cx="144360" cy="199800"/>
+                <a:off x="2020320" y="2521440"/>
+                <a:ext cx="163080" cy="201240"/>
               </a:xfrm>
               <a:custGeom>
                 <a:avLst/>
@@ -4850,14 +5637,14 @@
           </p:sp>
           <p:sp>
             <p:nvSpPr>
-              <p:cNvPr id="115" name="CustomShape 40"/>
+              <p:cNvPr id="135" name="CustomShape 9"/>
               <p:cNvSpPr/>
               <p:nvPr/>
             </p:nvSpPr>
             <p:spPr>
               <a:xfrm rot="10800000">
-                <a:off x="5749200" y="3066840"/>
-                <a:ext cx="144000" cy="199800"/>
+                <a:off x="2205000" y="2528280"/>
+                <a:ext cx="163440" cy="201240"/>
               </a:xfrm>
               <a:custGeom>
                 <a:avLst/>
@@ -4893,484 +5680,14 @@
         </p:grpSp>
         <p:sp>
           <p:nvSpPr>
-            <p:cNvPr id="116" name="CustomShape 41"/>
-            <p:cNvSpPr/>
-            <p:nvPr/>
-          </p:nvSpPr>
-          <p:spPr>
-            <a:xfrm>
-              <a:off x="5039640" y="3157200"/>
-              <a:ext cx="1855800" cy="367920"/>
-            </a:xfrm>
-            <a:prstGeom prst="rect">
-              <a:avLst/>
-            </a:prstGeom>
-            <a:noFill/>
-            <a:ln>
-              <a:noFill/>
-            </a:ln>
-          </p:spPr>
-          <p:style>
-            <a:lnRef idx="0"/>
-            <a:fillRef idx="0"/>
-            <a:effectRef idx="0"/>
-            <a:fontRef idx="minor"/>
-          </p:style>
-          <p:txBody>
-            <a:bodyPr lIns="90000" rIns="90000" tIns="91440" bIns="91440">
-              <a:noAutofit/>
-            </a:bodyPr>
-            <a:p>
-              <a:pPr algn="ctr">
-                <a:lnSpc>
-                  <a:spcPct val="100000"/>
-                </a:lnSpc>
-              </a:pPr>
-              <a:r>
-                <a:rPr b="1" lang="pt-BR" sz="1200" spc="-1" strike="noStrike">
-                  <a:solidFill>
-                    <a:srgbClr val="000000"/>
-                  </a:solidFill>
-                  <a:latin typeface="Arial"/>
-                  <a:ea typeface="Arial"/>
-                </a:rPr>
-                <a:t>Filiais</a:t>
-              </a:r>
-              <a:endParaRPr b="0" lang="pt-BR" sz="1200" spc="-1" strike="noStrike">
-                <a:latin typeface="Arial"/>
-              </a:endParaRPr>
-            </a:p>
-          </p:txBody>
-        </p:sp>
-      </p:grpSp>
-      <p:sp>
-        <p:nvSpPr>
-          <p:cNvPr id="117" name="CustomShape 42"/>
-          <p:cNvSpPr/>
-          <p:nvPr/>
-        </p:nvSpPr>
-        <p:spPr>
-          <a:xfrm flipH="1" rot="10800000">
-            <a:off x="4046400" y="3172320"/>
-            <a:ext cx="1498680" cy="16560"/>
-          </a:xfrm>
-          <a:custGeom>
-            <a:avLst/>
-            <a:gdLst/>
-            <a:ahLst/>
-            <a:rect l="l" t="t" r="r" b="b"/>
-            <a:pathLst>
-              <a:path w="21600" h="21600">
-                <a:moveTo>
-                  <a:pt x="0" y="0"/>
-                </a:moveTo>
-                <a:lnTo>
-                  <a:pt x="21600" y="21600"/>
-                </a:lnTo>
-              </a:path>
-            </a:pathLst>
-          </a:custGeom>
-          <a:noFill/>
-          <a:ln w="9360">
-            <a:solidFill>
-              <a:srgbClr val="3465a4"/>
-            </a:solidFill>
-            <a:round/>
-          </a:ln>
-        </p:spPr>
-        <p:style>
-          <a:lnRef idx="0"/>
-          <a:fillRef idx="0"/>
-          <a:effectRef idx="0"/>
-          <a:fontRef idx="minor"/>
-        </p:style>
-      </p:sp>
-    </p:spTree>
-  </p:cSld>
-  <mc:AlternateContent>
-    <mc:Choice Requires="p14">
-      <p:transition spd="slow" p14:dur="2000"/>
-    </mc:Choice>
-    <mc:Fallback>
-      <p:transition spd="slow"/>
-    </mc:Fallback>
-  </mc:AlternateContent>
-</p:sld>
-</file>
-
-<file path=ppt/slides/slide2.xml><?xml version="1.0" encoding="utf-8"?>
-<p:sld xmlns:a="http://schemas.openxmlformats.org/drawingml/2006/main" xmlns:p="http://schemas.openxmlformats.org/presentationml/2006/main" xmlns:r="http://schemas.openxmlformats.org/officeDocument/2006/relationships" xmlns:p14="http://schemas.microsoft.com/office/powerpoint/2010/main" xmlns:p15="http://schemas.microsoft.com/office/powerpoint/2012/main" xmlns:mc="http://schemas.openxmlformats.org/markup-compatibility/2006">
-  <p:cSld>
-    <p:spTree>
-      <p:nvGrpSpPr>
-        <p:cNvPr id="1" name=""/>
-        <p:cNvGrpSpPr/>
-        <p:nvPr/>
-      </p:nvGrpSpPr>
-      <p:grpSpPr>
-        <a:xfrm>
-          <a:off x="0" y="0"/>
-          <a:ext cx="0" cy="0"/>
-          <a:chOff x="0" y="0"/>
-          <a:chExt cx="0" cy="0"/>
-        </a:xfrm>
-      </p:grpSpPr>
-      <p:sp>
-        <p:nvSpPr>
-          <p:cNvPr id="118" name="CustomShape 1"/>
-          <p:cNvSpPr/>
-          <p:nvPr/>
-        </p:nvSpPr>
-        <p:spPr>
-          <a:xfrm>
-            <a:off x="143280" y="1593360"/>
-            <a:ext cx="9410400" cy="1500840"/>
-          </a:xfrm>
-          <a:prstGeom prst="rect">
-            <a:avLst/>
-          </a:prstGeom>
-          <a:noFill/>
-          <a:ln w="9360">
-            <a:solidFill>
-              <a:srgbClr val="ff9900"/>
-            </a:solidFill>
-            <a:round/>
-          </a:ln>
-        </p:spPr>
-        <p:style>
-          <a:lnRef idx="0"/>
-          <a:fillRef idx="0"/>
-          <a:effectRef idx="0"/>
-          <a:fontRef idx="minor"/>
-        </p:style>
-        <p:txBody>
-          <a:bodyPr lIns="90000" rIns="90000" tIns="91440" bIns="91440">
-            <a:noAutofit/>
-          </a:bodyPr>
-          <a:p>
-            <a:pPr>
-              <a:lnSpc>
-                <a:spcPct val="100000"/>
-              </a:lnSpc>
-            </a:pPr>
-            <a:r>
-              <a:rPr b="0" lang="pt-BR" sz="1400" spc="-1" strike="noStrike">
-                <a:solidFill>
-                  <a:srgbClr val="000000"/>
-                </a:solidFill>
-                <a:latin typeface="Arial"/>
-                <a:ea typeface="Arial"/>
-              </a:rPr>
-              <a:t>Nós Operacionais</a:t>
-            </a:r>
-            <a:endParaRPr b="0" lang="pt-BR" sz="1400" spc="-1" strike="noStrike">
-              <a:latin typeface="Arial"/>
-            </a:endParaRPr>
-          </a:p>
-        </p:txBody>
-      </p:sp>
-      <p:sp>
-        <p:nvSpPr>
-          <p:cNvPr id="119" name="CustomShape 2"/>
-          <p:cNvSpPr/>
-          <p:nvPr/>
-        </p:nvSpPr>
-        <p:spPr>
-          <a:xfrm>
-            <a:off x="4033800" y="204840"/>
-            <a:ext cx="1994400" cy="844200"/>
-          </a:xfrm>
-          <a:prstGeom prst="wave">
-            <a:avLst>
-              <a:gd name="adj1" fmla="val 6999"/>
-              <a:gd name="adj2" fmla="val 0"/>
-            </a:avLst>
-          </a:prstGeom>
-          <a:solidFill>
-            <a:srgbClr val="f4cccc"/>
-          </a:solidFill>
-          <a:ln w="9360">
-            <a:solidFill>
-              <a:srgbClr val="ffffff"/>
-            </a:solidFill>
-            <a:round/>
-          </a:ln>
-        </p:spPr>
-        <p:style>
-          <a:lnRef idx="0"/>
-          <a:fillRef idx="0"/>
-          <a:effectRef idx="0"/>
-          <a:fontRef idx="minor"/>
-        </p:style>
-        <p:txBody>
-          <a:bodyPr lIns="90000" rIns="90000" tIns="91440" bIns="91440" anchor="ctr">
-            <a:noAutofit/>
-          </a:bodyPr>
-          <a:p>
-            <a:pPr marL="457200" indent="-285480">
-              <a:lnSpc>
-                <a:spcPct val="100000"/>
-              </a:lnSpc>
-              <a:buClr>
-                <a:srgbClr val="000000"/>
-              </a:buClr>
-              <a:buFont typeface="Arial"/>
-              <a:buChar char="❖"/>
-            </a:pPr>
-            <a:r>
-              <a:rPr b="0" lang="pt-BR" sz="1000" spc="-1" strike="noStrike">
-                <a:solidFill>
-                  <a:srgbClr val="000000"/>
-                </a:solidFill>
-                <a:latin typeface="Arial"/>
-                <a:ea typeface="Arial"/>
-              </a:rPr>
-              <a:t>Ser atendido</a:t>
-            </a:r>
-            <a:endParaRPr b="0" lang="pt-BR" sz="1000" spc="-1" strike="noStrike">
-              <a:latin typeface="Arial"/>
-            </a:endParaRPr>
-          </a:p>
-        </p:txBody>
-      </p:sp>
-      <p:grpSp>
-        <p:nvGrpSpPr>
-          <p:cNvPr id="120" name="Group 3"/>
-          <p:cNvGrpSpPr/>
-          <p:nvPr/>
-        </p:nvGrpSpPr>
-        <p:grpSpPr>
-          <a:xfrm>
-            <a:off x="1637280" y="2081520"/>
-            <a:ext cx="1119240" cy="909360"/>
-            <a:chOff x="1637280" y="2081520"/>
-            <a:chExt cx="1119240" cy="909360"/>
-          </a:xfrm>
-        </p:grpSpPr>
-        <p:grpSp>
-          <p:nvGrpSpPr>
-            <p:cNvPr id="121" name="Group 4"/>
-            <p:cNvGrpSpPr/>
-            <p:nvPr/>
-          </p:nvGrpSpPr>
-          <p:grpSpPr>
-            <a:xfrm>
-              <a:off x="2021040" y="2081520"/>
-              <a:ext cx="347400" cy="648000"/>
-              <a:chOff x="2021040" y="2081520"/>
-              <a:chExt cx="347400" cy="648000"/>
-            </a:xfrm>
-          </p:grpSpPr>
-          <p:sp>
-            <p:nvSpPr>
-              <p:cNvPr id="122" name="CustomShape 5"/>
-              <p:cNvSpPr/>
-              <p:nvPr/>
-            </p:nvSpPr>
-            <p:spPr>
-              <a:xfrm>
-                <a:off x="2094840" y="2081520"/>
-                <a:ext cx="207720" cy="209880"/>
-              </a:xfrm>
-              <a:prstGeom prst="flowChartConnector">
-                <a:avLst/>
-              </a:prstGeom>
-              <a:solidFill>
-                <a:srgbClr val="eeeeee"/>
-              </a:solidFill>
-              <a:ln w="9360">
-                <a:solidFill>
-                  <a:srgbClr val="595959"/>
-                </a:solidFill>
-                <a:round/>
-              </a:ln>
-            </p:spPr>
-            <p:style>
-              <a:lnRef idx="0"/>
-              <a:fillRef idx="0"/>
-              <a:effectRef idx="0"/>
-              <a:fontRef idx="minor"/>
-            </p:style>
-          </p:sp>
-          <p:sp>
-            <p:nvSpPr>
-              <p:cNvPr id="123" name="CustomShape 6"/>
-              <p:cNvSpPr/>
-              <p:nvPr/>
-            </p:nvSpPr>
-            <p:spPr>
-              <a:xfrm flipH="1">
-                <a:off x="2188440" y="2297880"/>
-                <a:ext cx="360" cy="218520"/>
-              </a:xfrm>
-              <a:custGeom>
-                <a:avLst/>
-                <a:gdLst/>
-                <a:ahLst/>
-                <a:rect l="l" t="t" r="r" b="b"/>
-                <a:pathLst>
-                  <a:path w="21600" h="21600">
-                    <a:moveTo>
-                      <a:pt x="0" y="0"/>
-                    </a:moveTo>
-                    <a:lnTo>
-                      <a:pt x="21600" y="21600"/>
-                    </a:lnTo>
-                  </a:path>
-                </a:pathLst>
-              </a:custGeom>
-              <a:noFill/>
-              <a:ln w="9360">
-                <a:solidFill>
-                  <a:srgbClr val="595959"/>
-                </a:solidFill>
-                <a:round/>
-              </a:ln>
-            </p:spPr>
-            <p:style>
-              <a:lnRef idx="0"/>
-              <a:fillRef idx="0"/>
-              <a:effectRef idx="0"/>
-              <a:fontRef idx="minor"/>
-            </p:style>
-          </p:sp>
-          <p:sp>
-            <p:nvSpPr>
-              <p:cNvPr id="124" name="CustomShape 7"/>
-              <p:cNvSpPr/>
-              <p:nvPr/>
-            </p:nvSpPr>
-            <p:spPr>
-              <a:xfrm>
-                <a:off x="2046960" y="2395080"/>
-                <a:ext cx="303840" cy="360"/>
-              </a:xfrm>
-              <a:custGeom>
-                <a:avLst/>
-                <a:gdLst/>
-                <a:ahLst/>
-                <a:rect l="l" t="t" r="r" b="b"/>
-                <a:pathLst>
-                  <a:path w="21600" h="21600">
-                    <a:moveTo>
-                      <a:pt x="0" y="0"/>
-                    </a:moveTo>
-                    <a:lnTo>
-                      <a:pt x="21600" y="21600"/>
-                    </a:lnTo>
-                  </a:path>
-                </a:pathLst>
-              </a:custGeom>
-              <a:noFill/>
-              <a:ln w="9360">
-                <a:solidFill>
-                  <a:srgbClr val="595959"/>
-                </a:solidFill>
-                <a:round/>
-              </a:ln>
-            </p:spPr>
-            <p:style>
-              <a:lnRef idx="0"/>
-              <a:fillRef idx="0"/>
-              <a:effectRef idx="0"/>
-              <a:fontRef idx="minor"/>
-            </p:style>
-          </p:sp>
-          <p:sp>
-            <p:nvSpPr>
-              <p:cNvPr id="125" name="CustomShape 8"/>
-              <p:cNvSpPr/>
-              <p:nvPr/>
-            </p:nvSpPr>
-            <p:spPr>
-              <a:xfrm flipH="1">
-                <a:off x="2021040" y="2521440"/>
-                <a:ext cx="163440" cy="201600"/>
-              </a:xfrm>
-              <a:custGeom>
-                <a:avLst/>
-                <a:gdLst/>
-                <a:ahLst/>
-                <a:rect l="l" t="t" r="r" b="b"/>
-                <a:pathLst>
-                  <a:path w="21600" h="21600">
-                    <a:moveTo>
-                      <a:pt x="0" y="0"/>
-                    </a:moveTo>
-                    <a:lnTo>
-                      <a:pt x="21600" y="21600"/>
-                    </a:lnTo>
-                  </a:path>
-                </a:pathLst>
-              </a:custGeom>
-              <a:noFill/>
-              <a:ln w="9360">
-                <a:solidFill>
-                  <a:srgbClr val="595959"/>
-                </a:solidFill>
-                <a:round/>
-              </a:ln>
-            </p:spPr>
-            <p:style>
-              <a:lnRef idx="0"/>
-              <a:fillRef idx="0"/>
-              <a:effectRef idx="0"/>
-              <a:fontRef idx="minor"/>
-            </p:style>
-          </p:sp>
-          <p:sp>
-            <p:nvSpPr>
-              <p:cNvPr id="126" name="CustomShape 9"/>
-              <p:cNvSpPr/>
-              <p:nvPr/>
-            </p:nvSpPr>
-            <p:spPr>
-              <a:xfrm rot="10800000">
-                <a:off x="2204640" y="2527920"/>
-                <a:ext cx="163800" cy="201600"/>
-              </a:xfrm>
-              <a:custGeom>
-                <a:avLst/>
-                <a:gdLst/>
-                <a:ahLst/>
-                <a:rect l="l" t="t" r="r" b="b"/>
-                <a:pathLst>
-                  <a:path w="21600" h="21600">
-                    <a:moveTo>
-                      <a:pt x="0" y="0"/>
-                    </a:moveTo>
-                    <a:lnTo>
-                      <a:pt x="21600" y="21600"/>
-                    </a:lnTo>
-                  </a:path>
-                </a:pathLst>
-              </a:custGeom>
-              <a:noFill/>
-              <a:ln w="9360">
-                <a:solidFill>
-                  <a:srgbClr val="595959"/>
-                </a:solidFill>
-                <a:round/>
-              </a:ln>
-            </p:spPr>
-            <p:style>
-              <a:lnRef idx="0"/>
-              <a:fillRef idx="0"/>
-              <a:effectRef idx="0"/>
-              <a:fontRef idx="minor"/>
-            </p:style>
-          </p:sp>
-        </p:grpSp>
-        <p:sp>
-          <p:nvSpPr>
-            <p:cNvPr id="127" name="CustomShape 10"/>
+            <p:cNvPr id="136" name="CustomShape 10"/>
             <p:cNvSpPr/>
             <p:nvPr/>
           </p:nvSpPr>
           <p:spPr>
             <a:xfrm>
               <a:off x="1637280" y="2619360"/>
-              <a:ext cx="1119240" cy="371520"/>
+              <a:ext cx="1118880" cy="371160"/>
             </a:xfrm>
             <a:prstGeom prst="rect">
               <a:avLst/>
@@ -5415,14 +5732,14 @@
       </p:grpSp>
       <p:sp>
         <p:nvSpPr>
-          <p:cNvPr id="128" name="CustomShape 11"/>
+          <p:cNvPr id="137" name="CustomShape 11"/>
           <p:cNvSpPr/>
           <p:nvPr/>
         </p:nvSpPr>
         <p:spPr>
           <a:xfrm>
             <a:off x="143280" y="3097440"/>
-            <a:ext cx="9410400" cy="1500840"/>
+            <a:ext cx="9410040" cy="1500480"/>
           </a:xfrm>
           <a:prstGeom prst="rect">
             <a:avLst/>
@@ -5469,14 +5786,14 @@
       </p:sp>
       <p:sp>
         <p:nvSpPr>
-          <p:cNvPr id="129" name="CustomShape 12"/>
+          <p:cNvPr id="138" name="CustomShape 12"/>
           <p:cNvSpPr/>
           <p:nvPr/>
         </p:nvSpPr>
         <p:spPr>
           <a:xfrm>
             <a:off x="3366360" y="3744720"/>
-            <a:ext cx="1598760" cy="643320"/>
+            <a:ext cx="1598400" cy="642960"/>
           </a:xfrm>
           <a:prstGeom prst="bracketPair">
             <a:avLst>
@@ -5502,7 +5819,7 @@
             <a:noAutofit/>
           </a:bodyPr>
           <a:p>
-            <a:pPr marL="457200" indent="-285480">
+            <a:pPr marL="457200" indent="-285120">
               <a:lnSpc>
                 <a:spcPct val="100000"/>
               </a:lnSpc>
@@ -5527,7 +5844,7 @@
             </a:endParaRPr>
           </a:p>
           <a:p>
-            <a:pPr marL="457200" indent="-285480">
+            <a:pPr marL="457200" indent="-285120">
               <a:lnSpc>
                 <a:spcPct val="100000"/>
               </a:lnSpc>
@@ -5555,14 +5872,14 @@
       </p:sp>
       <p:sp>
         <p:nvSpPr>
-          <p:cNvPr id="130" name="CustomShape 13"/>
+          <p:cNvPr id="139" name="CustomShape 13"/>
           <p:cNvSpPr/>
           <p:nvPr/>
         </p:nvSpPr>
         <p:spPr>
           <a:xfrm>
             <a:off x="3929040" y="2026800"/>
-            <a:ext cx="1098720" cy="579600"/>
+            <a:ext cx="1098360" cy="579240"/>
           </a:xfrm>
           <a:prstGeom prst="roundRect">
             <a:avLst>
@@ -5623,14 +5940,14 @@
       </p:sp>
       <p:sp>
         <p:nvSpPr>
-          <p:cNvPr id="131" name="CustomShape 14"/>
+          <p:cNvPr id="140" name="CustomShape 14"/>
           <p:cNvSpPr/>
           <p:nvPr/>
         </p:nvSpPr>
         <p:spPr>
           <a:xfrm>
             <a:off x="5298480" y="2027880"/>
-            <a:ext cx="1098720" cy="579600"/>
+            <a:ext cx="1098360" cy="579240"/>
           </a:xfrm>
           <a:prstGeom prst="roundRect">
             <a:avLst>
@@ -5691,14 +6008,14 @@
       </p:sp>
       <p:sp>
         <p:nvSpPr>
-          <p:cNvPr id="132" name="CustomShape 15"/>
+          <p:cNvPr id="141" name="CustomShape 15"/>
           <p:cNvSpPr/>
           <p:nvPr/>
         </p:nvSpPr>
         <p:spPr>
           <a:xfrm>
             <a:off x="5256000" y="1008000"/>
-            <a:ext cx="500760" cy="1016640"/>
+            <a:ext cx="500400" cy="1016280"/>
           </a:xfrm>
           <a:custGeom>
             <a:avLst/>
@@ -5733,14 +6050,14 @@
       </p:sp>
       <p:sp>
         <p:nvSpPr>
-          <p:cNvPr id="133" name="CustomShape 16"/>
+          <p:cNvPr id="142" name="CustomShape 16"/>
           <p:cNvSpPr/>
           <p:nvPr/>
         </p:nvSpPr>
         <p:spPr>
           <a:xfrm flipH="1">
             <a:off x="2300400" y="936000"/>
-            <a:ext cx="2084760" cy="1148760"/>
+            <a:ext cx="2084400" cy="1148400"/>
           </a:xfrm>
           <a:custGeom>
             <a:avLst/>
@@ -5775,14 +6092,14 @@
       </p:sp>
       <p:sp>
         <p:nvSpPr>
-          <p:cNvPr id="134" name="CustomShape 17"/>
+          <p:cNvPr id="143" name="CustomShape 17"/>
           <p:cNvSpPr/>
           <p:nvPr/>
         </p:nvSpPr>
         <p:spPr>
           <a:xfrm flipH="1">
-            <a:off x="4533120" y="936000"/>
-            <a:ext cx="285120" cy="1087560"/>
+            <a:off x="4532400" y="936000"/>
+            <a:ext cx="284760" cy="1087200"/>
           </a:xfrm>
           <a:custGeom>
             <a:avLst/>
@@ -5817,14 +6134,14 @@
       </p:sp>
       <p:sp>
         <p:nvSpPr>
-          <p:cNvPr id="135" name="CustomShape 18"/>
+          <p:cNvPr id="144" name="CustomShape 18"/>
           <p:cNvSpPr/>
           <p:nvPr/>
         </p:nvSpPr>
         <p:spPr>
           <a:xfrm>
             <a:off x="5112000" y="3888000"/>
-            <a:ext cx="1221120" cy="241200"/>
+            <a:ext cx="1220760" cy="240840"/>
           </a:xfrm>
           <a:prstGeom prst="bracketPair">
             <a:avLst>
@@ -5850,7 +6167,7 @@
             <a:noAutofit/>
           </a:bodyPr>
           <a:p>
-            <a:pPr marL="457200" indent="-285480">
+            <a:pPr marL="457200" indent="-285120">
               <a:lnSpc>
                 <a:spcPct val="100000"/>
               </a:lnSpc>
@@ -5878,14 +6195,14 @@
       </p:sp>
       <p:sp>
         <p:nvSpPr>
-          <p:cNvPr id="136" name="CustomShape 19"/>
+          <p:cNvPr id="145" name="CustomShape 19"/>
           <p:cNvSpPr/>
           <p:nvPr/>
         </p:nvSpPr>
         <p:spPr>
           <a:xfrm>
             <a:off x="5904000" y="2612160"/>
-            <a:ext cx="360" cy="1272960"/>
+            <a:ext cx="360" cy="1272600"/>
           </a:xfrm>
           <a:custGeom>
             <a:avLst/>
@@ -5920,14 +6237,14 @@
       </p:sp>
       <p:sp>
         <p:nvSpPr>
-          <p:cNvPr id="137" name="CustomShape 20"/>
+          <p:cNvPr id="146" name="CustomShape 20"/>
           <p:cNvSpPr/>
           <p:nvPr/>
         </p:nvSpPr>
         <p:spPr>
           <a:xfrm rot="10800000">
-            <a:off x="4487400" y="2612520"/>
-            <a:ext cx="360" cy="1130400"/>
+            <a:off x="4487400" y="2612880"/>
+            <a:ext cx="360" cy="1130040"/>
           </a:xfrm>
           <a:custGeom>
             <a:avLst/>
@@ -5962,14 +6279,14 @@
       </p:sp>
       <p:sp>
         <p:nvSpPr>
-          <p:cNvPr id="138" name="CustomShape 21"/>
+          <p:cNvPr id="147" name="CustomShape 21"/>
           <p:cNvSpPr/>
           <p:nvPr/>
         </p:nvSpPr>
         <p:spPr>
           <a:xfrm>
             <a:off x="6492600" y="3744720"/>
-            <a:ext cx="1496520" cy="579600"/>
+            <a:ext cx="1496160" cy="579240"/>
           </a:xfrm>
           <a:prstGeom prst="bracketPair">
             <a:avLst>
@@ -5995,7 +6312,7 @@
             <a:noAutofit/>
           </a:bodyPr>
           <a:p>
-            <a:pPr marL="457200" indent="-288720">
+            <a:pPr marL="457200" indent="-288360">
               <a:lnSpc>
                 <a:spcPct val="100000"/>
               </a:lnSpc>
@@ -6020,7 +6337,7 @@
             </a:endParaRPr>
           </a:p>
           <a:p>
-            <a:pPr marL="457200" indent="-288720">
+            <a:pPr marL="457200" indent="-288360">
               <a:lnSpc>
                 <a:spcPct val="100000"/>
               </a:lnSpc>
@@ -6048,14 +6365,14 @@
       </p:sp>
       <p:sp>
         <p:nvSpPr>
-          <p:cNvPr id="139" name="CustomShape 22"/>
+          <p:cNvPr id="148" name="CustomShape 22"/>
           <p:cNvSpPr/>
           <p:nvPr/>
         </p:nvSpPr>
         <p:spPr>
           <a:xfrm>
             <a:off x="6696000" y="2027520"/>
-            <a:ext cx="1098720" cy="579600"/>
+            <a:ext cx="1098360" cy="579240"/>
           </a:xfrm>
           <a:prstGeom prst="roundRect">
             <a:avLst>
@@ -6116,14 +6433,14 @@
       </p:sp>
       <p:sp>
         <p:nvSpPr>
-          <p:cNvPr id="140" name="CustomShape 23"/>
+          <p:cNvPr id="149" name="CustomShape 23"/>
           <p:cNvSpPr/>
           <p:nvPr/>
         </p:nvSpPr>
         <p:spPr>
           <a:xfrm>
             <a:off x="5544000" y="1058760"/>
-            <a:ext cx="1725120" cy="965880"/>
+            <a:ext cx="1724760" cy="965520"/>
           </a:xfrm>
           <a:custGeom>
             <a:avLst/>
@@ -6158,14 +6475,14 @@
       </p:sp>
       <p:sp>
         <p:nvSpPr>
-          <p:cNvPr id="141" name="CustomShape 24"/>
+          <p:cNvPr id="150" name="CustomShape 24"/>
           <p:cNvSpPr/>
           <p:nvPr/>
         </p:nvSpPr>
         <p:spPr>
           <a:xfrm>
             <a:off x="7344000" y="2612160"/>
-            <a:ext cx="360" cy="1129680"/>
+            <a:ext cx="360" cy="1129320"/>
           </a:xfrm>
           <a:custGeom>
             <a:avLst/>
@@ -6230,14 +6547,14 @@
       </p:grpSpPr>
       <p:sp>
         <p:nvSpPr>
-          <p:cNvPr id="142" name="CustomShape 1"/>
+          <p:cNvPr id="151" name="CustomShape 1"/>
           <p:cNvSpPr/>
           <p:nvPr/>
         </p:nvSpPr>
         <p:spPr>
           <a:xfrm>
             <a:off x="143280" y="1593360"/>
-            <a:ext cx="9410400" cy="1500840"/>
+            <a:ext cx="9410040" cy="1500480"/>
           </a:xfrm>
           <a:prstGeom prst="rect">
             <a:avLst/>
@@ -6284,14 +6601,14 @@
       </p:sp>
       <p:sp>
         <p:nvSpPr>
-          <p:cNvPr id="143" name="CustomShape 2"/>
+          <p:cNvPr id="152" name="CustomShape 2"/>
           <p:cNvSpPr/>
           <p:nvPr/>
         </p:nvSpPr>
         <p:spPr>
           <a:xfrm>
             <a:off x="4033800" y="204840"/>
-            <a:ext cx="1994400" cy="844200"/>
+            <a:ext cx="1994040" cy="843840"/>
           </a:xfrm>
           <a:prstGeom prst="wave">
             <a:avLst>
@@ -6320,7 +6637,7 @@
             <a:noAutofit/>
           </a:bodyPr>
           <a:p>
-            <a:pPr marL="457200" indent="-285480">
+            <a:pPr marL="457200" indent="-285120">
               <a:lnSpc>
                 <a:spcPct val="100000"/>
               </a:lnSpc>
@@ -6348,42 +6665,42 @@
       </p:sp>
       <p:grpSp>
         <p:nvGrpSpPr>
-          <p:cNvPr id="144" name="Group 3"/>
+          <p:cNvPr id="153" name="Group 3"/>
           <p:cNvGrpSpPr/>
           <p:nvPr/>
         </p:nvGrpSpPr>
         <p:grpSpPr>
           <a:xfrm>
             <a:off x="1637280" y="2081520"/>
-            <a:ext cx="1119240" cy="909360"/>
+            <a:ext cx="1118880" cy="909000"/>
             <a:chOff x="1637280" y="2081520"/>
-            <a:chExt cx="1119240" cy="909360"/>
+            <a:chExt cx="1118880" cy="909000"/>
           </a:xfrm>
         </p:grpSpPr>
         <p:grpSp>
           <p:nvGrpSpPr>
-            <p:cNvPr id="145" name="Group 4"/>
+            <p:cNvPr id="154" name="Group 4"/>
             <p:cNvGrpSpPr/>
             <p:nvPr/>
           </p:nvGrpSpPr>
           <p:grpSpPr>
             <a:xfrm>
-              <a:off x="2021040" y="2081520"/>
-              <a:ext cx="347400" cy="648000"/>
-              <a:chOff x="2021040" y="2081520"/>
-              <a:chExt cx="347400" cy="648000"/>
+              <a:off x="2020680" y="2081520"/>
+              <a:ext cx="347760" cy="648000"/>
+              <a:chOff x="2020680" y="2081520"/>
+              <a:chExt cx="347760" cy="648000"/>
             </a:xfrm>
           </p:grpSpPr>
           <p:sp>
             <p:nvSpPr>
-              <p:cNvPr id="146" name="CustomShape 5"/>
+              <p:cNvPr id="155" name="CustomShape 5"/>
               <p:cNvSpPr/>
               <p:nvPr/>
             </p:nvSpPr>
             <p:spPr>
               <a:xfrm>
                 <a:off x="2094840" y="2081520"/>
-                <a:ext cx="207720" cy="209880"/>
+                <a:ext cx="207360" cy="209520"/>
               </a:xfrm>
               <a:prstGeom prst="flowChartConnector">
                 <a:avLst/>
@@ -6407,14 +6724,14 @@
           </p:sp>
           <p:sp>
             <p:nvSpPr>
-              <p:cNvPr id="147" name="CustomShape 6"/>
+              <p:cNvPr id="156" name="CustomShape 6"/>
               <p:cNvSpPr/>
               <p:nvPr/>
             </p:nvSpPr>
             <p:spPr>
               <a:xfrm flipH="1">
-                <a:off x="2188440" y="2297880"/>
-                <a:ext cx="360" cy="218520"/>
+                <a:off x="2187720" y="2297880"/>
+                <a:ext cx="360" cy="218160"/>
               </a:xfrm>
               <a:custGeom>
                 <a:avLst/>
@@ -6449,14 +6766,14 @@
           </p:sp>
           <p:sp>
             <p:nvSpPr>
-              <p:cNvPr id="148" name="CustomShape 7"/>
+              <p:cNvPr id="157" name="CustomShape 7"/>
               <p:cNvSpPr/>
               <p:nvPr/>
             </p:nvSpPr>
             <p:spPr>
               <a:xfrm>
                 <a:off x="2046960" y="2395080"/>
-                <a:ext cx="303840" cy="360"/>
+                <a:ext cx="303480" cy="360"/>
               </a:xfrm>
               <a:custGeom>
                 <a:avLst/>
@@ -6491,14 +6808,14 @@
           </p:sp>
           <p:sp>
             <p:nvSpPr>
-              <p:cNvPr id="149" name="CustomShape 8"/>
+              <p:cNvPr id="158" name="CustomShape 8"/>
               <p:cNvSpPr/>
               <p:nvPr/>
             </p:nvSpPr>
             <p:spPr>
               <a:xfrm flipH="1">
-                <a:off x="2021040" y="2521440"/>
-                <a:ext cx="163440" cy="201600"/>
+                <a:off x="2020320" y="2521440"/>
+                <a:ext cx="163080" cy="201240"/>
               </a:xfrm>
               <a:custGeom>
                 <a:avLst/>
@@ -6533,14 +6850,14 @@
           </p:sp>
           <p:sp>
             <p:nvSpPr>
-              <p:cNvPr id="150" name="CustomShape 9"/>
+              <p:cNvPr id="159" name="CustomShape 9"/>
               <p:cNvSpPr/>
               <p:nvPr/>
             </p:nvSpPr>
             <p:spPr>
               <a:xfrm rot="10800000">
-                <a:off x="2204640" y="2527920"/>
-                <a:ext cx="163800" cy="201600"/>
+                <a:off x="2205000" y="2528280"/>
+                <a:ext cx="163440" cy="201240"/>
               </a:xfrm>
               <a:custGeom>
                 <a:avLst/>
@@ -6576,14 +6893,14 @@
         </p:grpSp>
         <p:sp>
           <p:nvSpPr>
-            <p:cNvPr id="151" name="CustomShape 10"/>
+            <p:cNvPr id="160" name="CustomShape 10"/>
             <p:cNvSpPr/>
             <p:nvPr/>
           </p:nvSpPr>
           <p:spPr>
             <a:xfrm>
               <a:off x="1637280" y="2619360"/>
-              <a:ext cx="1119240" cy="371520"/>
+              <a:ext cx="1118880" cy="371160"/>
             </a:xfrm>
             <a:prstGeom prst="rect">
               <a:avLst/>
@@ -6628,14 +6945,14 @@
       </p:grpSp>
       <p:sp>
         <p:nvSpPr>
-          <p:cNvPr id="152" name="CustomShape 11"/>
+          <p:cNvPr id="161" name="CustomShape 11"/>
           <p:cNvSpPr/>
           <p:nvPr/>
         </p:nvSpPr>
         <p:spPr>
           <a:xfrm>
             <a:off x="143280" y="3100680"/>
-            <a:ext cx="9410400" cy="1500840"/>
+            <a:ext cx="9410040" cy="1500480"/>
           </a:xfrm>
           <a:prstGeom prst="rect">
             <a:avLst/>
@@ -6682,14 +6999,14 @@
       </p:sp>
       <p:sp>
         <p:nvSpPr>
-          <p:cNvPr id="153" name="CustomShape 12"/>
+          <p:cNvPr id="162" name="CustomShape 12"/>
           <p:cNvSpPr/>
           <p:nvPr/>
         </p:nvSpPr>
         <p:spPr>
           <a:xfrm>
             <a:off x="4392000" y="2009160"/>
-            <a:ext cx="1098720" cy="579600"/>
+            <a:ext cx="1098360" cy="579240"/>
           </a:xfrm>
           <a:prstGeom prst="roundRect">
             <a:avLst>
@@ -6750,14 +7067,14 @@
       </p:sp>
       <p:sp>
         <p:nvSpPr>
-          <p:cNvPr id="154" name="CustomShape 13"/>
+          <p:cNvPr id="163" name="CustomShape 13"/>
           <p:cNvSpPr/>
           <p:nvPr/>
         </p:nvSpPr>
         <p:spPr>
           <a:xfrm flipH="1" rot="10800000">
-            <a:off x="2229120" y="723240"/>
-            <a:ext cx="1798560" cy="1358280"/>
+            <a:off x="2228400" y="723600"/>
+            <a:ext cx="1798200" cy="1357920"/>
           </a:xfrm>
           <a:custGeom>
             <a:avLst/>
@@ -6792,14 +7109,14 @@
       </p:sp>
       <p:sp>
         <p:nvSpPr>
-          <p:cNvPr id="155" name="CustomShape 14"/>
+          <p:cNvPr id="164" name="CustomShape 14"/>
           <p:cNvSpPr/>
           <p:nvPr/>
         </p:nvSpPr>
         <p:spPr>
           <a:xfrm>
             <a:off x="3888000" y="3773520"/>
-            <a:ext cx="2012760" cy="543240"/>
+            <a:ext cx="2012400" cy="542880"/>
           </a:xfrm>
           <a:prstGeom prst="bracketPair">
             <a:avLst>
@@ -6825,7 +7142,7 @@
             <a:noAutofit/>
           </a:bodyPr>
           <a:p>
-            <a:pPr marL="457200" indent="-285480">
+            <a:pPr marL="457200" indent="-285120">
               <a:lnSpc>
                 <a:spcPct val="100000"/>
               </a:lnSpc>
@@ -6853,14 +7170,14 @@
       </p:sp>
       <p:sp>
         <p:nvSpPr>
-          <p:cNvPr id="156" name="CustomShape 15"/>
+          <p:cNvPr id="165" name="CustomShape 15"/>
           <p:cNvSpPr/>
           <p:nvPr/>
         </p:nvSpPr>
         <p:spPr>
           <a:xfrm rot="10800000">
-            <a:off x="4967640" y="985680"/>
-            <a:ext cx="360" cy="1023480"/>
+            <a:off x="4967640" y="986040"/>
+            <a:ext cx="360" cy="1023120"/>
           </a:xfrm>
           <a:custGeom>
             <a:avLst/>
@@ -6895,14 +7212,14 @@
       </p:sp>
       <p:sp>
         <p:nvSpPr>
-          <p:cNvPr id="157" name="CustomShape 16"/>
+          <p:cNvPr id="166" name="CustomShape 16"/>
           <p:cNvSpPr/>
           <p:nvPr/>
         </p:nvSpPr>
         <p:spPr>
           <a:xfrm>
             <a:off x="4968000" y="2598840"/>
-            <a:ext cx="360" cy="1156680"/>
+            <a:ext cx="360" cy="1156320"/>
           </a:xfrm>
           <a:custGeom>
             <a:avLst/>
@@ -6967,14 +7284,14 @@
       </p:grpSpPr>
       <p:sp>
         <p:nvSpPr>
-          <p:cNvPr id="158" name="CustomShape 1"/>
+          <p:cNvPr id="167" name="CustomShape 1"/>
           <p:cNvSpPr/>
           <p:nvPr/>
         </p:nvSpPr>
         <p:spPr>
           <a:xfrm>
             <a:off x="143280" y="1593360"/>
-            <a:ext cx="9410400" cy="1500840"/>
+            <a:ext cx="9410040" cy="1500480"/>
           </a:xfrm>
           <a:prstGeom prst="rect">
             <a:avLst/>
@@ -7021,14 +7338,14 @@
       </p:sp>
       <p:sp>
         <p:nvSpPr>
-          <p:cNvPr id="159" name="CustomShape 2"/>
+          <p:cNvPr id="168" name="CustomShape 2"/>
           <p:cNvSpPr/>
           <p:nvPr/>
         </p:nvSpPr>
         <p:spPr>
           <a:xfrm>
             <a:off x="4033800" y="204840"/>
-            <a:ext cx="1994400" cy="844200"/>
+            <a:ext cx="1994040" cy="843840"/>
           </a:xfrm>
           <a:prstGeom prst="wave">
             <a:avLst>
@@ -7057,7 +7374,7 @@
             <a:noAutofit/>
           </a:bodyPr>
           <a:p>
-            <a:pPr marL="457200" indent="-285480">
+            <a:pPr marL="457200" indent="-285120">
               <a:lnSpc>
                 <a:spcPct val="100000"/>
               </a:lnSpc>
@@ -7085,14 +7402,14 @@
       </p:sp>
       <p:sp>
         <p:nvSpPr>
-          <p:cNvPr id="160" name="CustomShape 3"/>
+          <p:cNvPr id="169" name="CustomShape 3"/>
           <p:cNvSpPr/>
           <p:nvPr/>
         </p:nvSpPr>
         <p:spPr>
           <a:xfrm>
             <a:off x="143280" y="3100680"/>
-            <a:ext cx="9410400" cy="1500840"/>
+            <a:ext cx="9410040" cy="1500480"/>
           </a:xfrm>
           <a:prstGeom prst="rect">
             <a:avLst/>
@@ -7139,14 +7456,14 @@
       </p:sp>
       <p:sp>
         <p:nvSpPr>
-          <p:cNvPr id="161" name="CustomShape 4"/>
+          <p:cNvPr id="170" name="CustomShape 4"/>
           <p:cNvSpPr/>
           <p:nvPr/>
         </p:nvSpPr>
         <p:spPr>
           <a:xfrm>
             <a:off x="4392000" y="2009160"/>
-            <a:ext cx="1098720" cy="579600"/>
+            <a:ext cx="1098360" cy="579240"/>
           </a:xfrm>
           <a:prstGeom prst="roundRect">
             <a:avLst>
@@ -7207,14 +7524,14 @@
       </p:sp>
       <p:sp>
         <p:nvSpPr>
-          <p:cNvPr id="162" name="CustomShape 5"/>
+          <p:cNvPr id="171" name="CustomShape 5"/>
           <p:cNvSpPr/>
           <p:nvPr/>
         </p:nvSpPr>
         <p:spPr>
           <a:xfrm>
             <a:off x="3888000" y="3773520"/>
-            <a:ext cx="2012760" cy="543240"/>
+            <a:ext cx="2012400" cy="542880"/>
           </a:xfrm>
           <a:prstGeom prst="bracketPair">
             <a:avLst>
@@ -7240,7 +7557,7 @@
             <a:noAutofit/>
           </a:bodyPr>
           <a:p>
-            <a:pPr marL="457200" indent="-285480">
+            <a:pPr marL="457200" indent="-285120">
               <a:lnSpc>
                 <a:spcPct val="100000"/>
               </a:lnSpc>
@@ -7268,14 +7585,14 @@
       </p:sp>
       <p:sp>
         <p:nvSpPr>
-          <p:cNvPr id="163" name="CustomShape 6"/>
+          <p:cNvPr id="172" name="CustomShape 6"/>
           <p:cNvSpPr/>
           <p:nvPr/>
         </p:nvSpPr>
         <p:spPr>
           <a:xfrm rot="10800000">
-            <a:off x="4967640" y="985680"/>
-            <a:ext cx="360" cy="1023480"/>
+            <a:off x="4967640" y="986040"/>
+            <a:ext cx="360" cy="1023120"/>
           </a:xfrm>
           <a:custGeom>
             <a:avLst/>
@@ -7310,14 +7627,14 @@
       </p:sp>
       <p:sp>
         <p:nvSpPr>
-          <p:cNvPr id="164" name="CustomShape 7"/>
+          <p:cNvPr id="173" name="CustomShape 7"/>
           <p:cNvSpPr/>
           <p:nvPr/>
         </p:nvSpPr>
         <p:spPr>
           <a:xfrm>
             <a:off x="4968000" y="2598840"/>
-            <a:ext cx="360" cy="1156680"/>
+            <a:ext cx="360" cy="1156320"/>
           </a:xfrm>
           <a:custGeom>
             <a:avLst/>
@@ -7382,14 +7699,14 @@
       </p:grpSpPr>
       <p:sp>
         <p:nvSpPr>
-          <p:cNvPr id="165" name="CustomShape 1"/>
+          <p:cNvPr id="174" name="CustomShape 1"/>
           <p:cNvSpPr/>
           <p:nvPr/>
         </p:nvSpPr>
         <p:spPr>
           <a:xfrm>
             <a:off x="143280" y="1593360"/>
-            <a:ext cx="9410400" cy="1500840"/>
+            <a:ext cx="9410760" cy="1501200"/>
           </a:xfrm>
           <a:prstGeom prst="rect">
             <a:avLst/>
@@ -7436,14 +7753,14 @@
       </p:sp>
       <p:sp>
         <p:nvSpPr>
-          <p:cNvPr id="166" name="CustomShape 2"/>
+          <p:cNvPr id="175" name="CustomShape 2"/>
           <p:cNvSpPr/>
           <p:nvPr/>
         </p:nvSpPr>
         <p:spPr>
           <a:xfrm>
             <a:off x="4033800" y="204840"/>
-            <a:ext cx="1994400" cy="844200"/>
+            <a:ext cx="1994760" cy="844560"/>
           </a:xfrm>
           <a:prstGeom prst="wave">
             <a:avLst>
@@ -7472,7 +7789,7 @@
             <a:noAutofit/>
           </a:bodyPr>
           <a:p>
-            <a:pPr marL="457200" indent="-285480">
+            <a:pPr marL="457200" indent="-285840">
               <a:lnSpc>
                 <a:spcPct val="100000"/>
               </a:lnSpc>
@@ -7490,7 +7807,7 @@
                 <a:latin typeface="Arial"/>
                 <a:ea typeface="Arial"/>
               </a:rPr>
-              <a:t>Realizar contabilidade </a:t>
+              <a:t>Realizar cálculos mensais </a:t>
             </a:r>
             <a:endParaRPr b="0" lang="pt-BR" sz="1000" spc="-1" strike="noStrike">
               <a:latin typeface="Arial"/>
@@ -7500,42 +7817,42 @@
       </p:sp>
       <p:grpSp>
         <p:nvGrpSpPr>
-          <p:cNvPr id="167" name="Group 3"/>
+          <p:cNvPr id="176" name="Group 3"/>
           <p:cNvGrpSpPr/>
           <p:nvPr/>
         </p:nvGrpSpPr>
         <p:grpSpPr>
           <a:xfrm>
-            <a:off x="1637280" y="2081520"/>
-            <a:ext cx="1119240" cy="909360"/>
-            <a:chOff x="1637280" y="2081520"/>
-            <a:chExt cx="1119240" cy="909360"/>
+            <a:off x="1944000" y="2041920"/>
+            <a:ext cx="1119600" cy="909720"/>
+            <a:chOff x="1944000" y="2041920"/>
+            <a:chExt cx="1119600" cy="909720"/>
           </a:xfrm>
         </p:grpSpPr>
         <p:grpSp>
           <p:nvGrpSpPr>
-            <p:cNvPr id="168" name="Group 4"/>
+            <p:cNvPr id="177" name="Group 4"/>
             <p:cNvGrpSpPr/>
             <p:nvPr/>
           </p:nvGrpSpPr>
           <p:grpSpPr>
             <a:xfrm>
-              <a:off x="2021040" y="2081520"/>
-              <a:ext cx="347400" cy="648000"/>
-              <a:chOff x="2021040" y="2081520"/>
-              <a:chExt cx="347400" cy="648000"/>
+              <a:off x="2328120" y="2041920"/>
+              <a:ext cx="347040" cy="648000"/>
+              <a:chOff x="2328120" y="2041920"/>
+              <a:chExt cx="347040" cy="648000"/>
             </a:xfrm>
           </p:grpSpPr>
           <p:sp>
             <p:nvSpPr>
-              <p:cNvPr id="169" name="CustomShape 5"/>
+              <p:cNvPr id="178" name="CustomShape 5"/>
               <p:cNvSpPr/>
               <p:nvPr/>
             </p:nvSpPr>
             <p:spPr>
               <a:xfrm>
-                <a:off x="2094840" y="2081520"/>
-                <a:ext cx="207720" cy="209880"/>
+                <a:off x="2401560" y="2041920"/>
+                <a:ext cx="208080" cy="210240"/>
               </a:xfrm>
               <a:prstGeom prst="flowChartConnector">
                 <a:avLst/>
@@ -7559,14 +7876,14 @@
           </p:sp>
           <p:sp>
             <p:nvSpPr>
-              <p:cNvPr id="170" name="CustomShape 6"/>
+              <p:cNvPr id="179" name="CustomShape 6"/>
               <p:cNvSpPr/>
               <p:nvPr/>
             </p:nvSpPr>
             <p:spPr>
               <a:xfrm flipH="1">
-                <a:off x="2188440" y="2297880"/>
-                <a:ext cx="360" cy="218520"/>
+                <a:off x="2495880" y="2258280"/>
+                <a:ext cx="360" cy="218880"/>
               </a:xfrm>
               <a:custGeom>
                 <a:avLst/>
@@ -7601,14 +7918,14 @@
           </p:sp>
           <p:sp>
             <p:nvSpPr>
-              <p:cNvPr id="171" name="CustomShape 7"/>
+              <p:cNvPr id="180" name="CustomShape 7"/>
               <p:cNvSpPr/>
               <p:nvPr/>
             </p:nvSpPr>
             <p:spPr>
               <a:xfrm>
-                <a:off x="2046960" y="2395080"/>
-                <a:ext cx="303840" cy="360"/>
+                <a:off x="2353680" y="2355480"/>
+                <a:ext cx="304200" cy="360"/>
               </a:xfrm>
               <a:custGeom>
                 <a:avLst/>
@@ -7643,14 +7960,14 @@
           </p:sp>
           <p:sp>
             <p:nvSpPr>
-              <p:cNvPr id="172" name="CustomShape 8"/>
+              <p:cNvPr id="181" name="CustomShape 8"/>
               <p:cNvSpPr/>
               <p:nvPr/>
             </p:nvSpPr>
             <p:spPr>
               <a:xfrm flipH="1">
-                <a:off x="2021040" y="2521440"/>
-                <a:ext cx="163440" cy="201600"/>
+                <a:off x="2327760" y="2481840"/>
+                <a:ext cx="163800" cy="201960"/>
               </a:xfrm>
               <a:custGeom>
                 <a:avLst/>
@@ -7685,14 +8002,14 @@
           </p:sp>
           <p:sp>
             <p:nvSpPr>
-              <p:cNvPr id="173" name="CustomShape 9"/>
+              <p:cNvPr id="182" name="CustomShape 9"/>
               <p:cNvSpPr/>
               <p:nvPr/>
             </p:nvSpPr>
             <p:spPr>
               <a:xfrm rot="10800000">
-                <a:off x="2204640" y="2527920"/>
-                <a:ext cx="163800" cy="201600"/>
+                <a:off x="2511000" y="2487960"/>
+                <a:ext cx="164160" cy="201960"/>
               </a:xfrm>
               <a:custGeom>
                 <a:avLst/>
@@ -7728,14 +8045,14 @@
         </p:grpSp>
         <p:sp>
           <p:nvSpPr>
-            <p:cNvPr id="174" name="CustomShape 10"/>
+            <p:cNvPr id="183" name="CustomShape 10"/>
             <p:cNvSpPr/>
             <p:nvPr/>
           </p:nvSpPr>
           <p:spPr>
             <a:xfrm>
-              <a:off x="1637280" y="2619360"/>
-              <a:ext cx="1119240" cy="371520"/>
+              <a:off x="1944000" y="2579760"/>
+              <a:ext cx="1119600" cy="371880"/>
             </a:xfrm>
             <a:prstGeom prst="rect">
               <a:avLst/>
@@ -7780,14 +8097,14 @@
       </p:grpSp>
       <p:sp>
         <p:nvSpPr>
-          <p:cNvPr id="175" name="CustomShape 11"/>
+          <p:cNvPr id="184" name="CustomShape 11"/>
           <p:cNvSpPr/>
           <p:nvPr/>
         </p:nvSpPr>
         <p:spPr>
           <a:xfrm>
             <a:off x="143280" y="3100680"/>
-            <a:ext cx="9410400" cy="1500840"/>
+            <a:ext cx="9410760" cy="1501200"/>
           </a:xfrm>
           <a:prstGeom prst="rect">
             <a:avLst/>
@@ -7834,14 +8151,14 @@
       </p:sp>
       <p:sp>
         <p:nvSpPr>
-          <p:cNvPr id="176" name="CustomShape 12"/>
+          <p:cNvPr id="185" name="CustomShape 12"/>
           <p:cNvSpPr/>
           <p:nvPr/>
         </p:nvSpPr>
         <p:spPr>
           <a:xfrm>
             <a:off x="3826800" y="3456000"/>
-            <a:ext cx="2577960" cy="844560"/>
+            <a:ext cx="2578320" cy="844920"/>
           </a:xfrm>
           <a:prstGeom prst="bracketPair">
             <a:avLst>
@@ -7867,7 +8184,7 @@
             <a:noAutofit/>
           </a:bodyPr>
           <a:p>
-            <a:pPr marL="457200" indent="-288720">
+            <a:pPr marL="457200" indent="-289080">
               <a:lnSpc>
                 <a:spcPct val="100000"/>
               </a:lnSpc>
@@ -7892,7 +8209,7 @@
             </a:endParaRPr>
           </a:p>
           <a:p>
-            <a:pPr marL="457200" indent="-285480">
+            <a:pPr marL="457200" indent="-285840">
               <a:lnSpc>
                 <a:spcPct val="100000"/>
               </a:lnSpc>
@@ -7920,14 +8237,14 @@
       </p:sp>
       <p:sp>
         <p:nvSpPr>
-          <p:cNvPr id="177" name="CustomShape 13"/>
+          <p:cNvPr id="186" name="CustomShape 13"/>
           <p:cNvSpPr/>
           <p:nvPr/>
         </p:nvSpPr>
         <p:spPr>
           <a:xfrm>
             <a:off x="4442040" y="2009160"/>
-            <a:ext cx="1098720" cy="579600"/>
+            <a:ext cx="1099080" cy="579960"/>
           </a:xfrm>
           <a:prstGeom prst="roundRect">
             <a:avLst>
@@ -7988,14 +8305,14 @@
       </p:sp>
       <p:sp>
         <p:nvSpPr>
-          <p:cNvPr id="178" name="CustomShape 14"/>
+          <p:cNvPr id="187" name="CustomShape 14"/>
           <p:cNvSpPr/>
           <p:nvPr/>
         </p:nvSpPr>
         <p:spPr>
           <a:xfrm rot="16200000">
-            <a:off x="2369520" y="782280"/>
-            <a:ext cx="1811520" cy="1510560"/>
+            <a:off x="2583000" y="568080"/>
+            <a:ext cx="1384560" cy="1510920"/>
           </a:xfrm>
           <a:prstGeom prst="curvedConnector2">
             <a:avLst/>
@@ -8017,14 +8334,14 @@
       </p:sp>
       <p:sp>
         <p:nvSpPr>
-          <p:cNvPr id="179" name="CustomShape 15"/>
+          <p:cNvPr id="188" name="CustomShape 15"/>
           <p:cNvSpPr/>
           <p:nvPr/>
         </p:nvSpPr>
         <p:spPr>
           <a:xfrm rot="10800000">
-            <a:off x="5034240" y="1011240"/>
-            <a:ext cx="5040" cy="1009800"/>
+            <a:off x="5033880" y="1010880"/>
+            <a:ext cx="5400" cy="1010160"/>
           </a:xfrm>
           <a:custGeom>
             <a:avLst/>
@@ -8059,14 +8376,14 @@
       </p:sp>
       <p:sp>
         <p:nvSpPr>
-          <p:cNvPr id="180" name="CustomShape 16"/>
+          <p:cNvPr id="189" name="CustomShape 16"/>
           <p:cNvSpPr/>
           <p:nvPr/>
         </p:nvSpPr>
         <p:spPr>
           <a:xfrm flipH="1" rot="10800000">
-            <a:off x="5033520" y="2595240"/>
-            <a:ext cx="360" cy="788760"/>
+            <a:off x="5034240" y="2594880"/>
+            <a:ext cx="360" cy="789120"/>
           </a:xfrm>
           <a:custGeom>
             <a:avLst/>
@@ -8101,42 +8418,42 @@
       </p:sp>
       <p:grpSp>
         <p:nvGrpSpPr>
-          <p:cNvPr id="181" name="Group 17"/>
+          <p:cNvPr id="190" name="Group 17"/>
           <p:cNvGrpSpPr/>
           <p:nvPr/>
         </p:nvGrpSpPr>
         <p:grpSpPr>
           <a:xfrm>
-            <a:off x="6840720" y="2009160"/>
-            <a:ext cx="1119240" cy="909360"/>
-            <a:chOff x="6840720" y="2009160"/>
-            <a:chExt cx="1119240" cy="909360"/>
+            <a:off x="6440040" y="2016000"/>
+            <a:ext cx="1119600" cy="909720"/>
+            <a:chOff x="6440040" y="2016000"/>
+            <a:chExt cx="1119600" cy="909720"/>
           </a:xfrm>
         </p:grpSpPr>
         <p:grpSp>
           <p:nvGrpSpPr>
-            <p:cNvPr id="182" name="Group 18"/>
+            <p:cNvPr id="191" name="Group 18"/>
             <p:cNvGrpSpPr/>
             <p:nvPr/>
           </p:nvGrpSpPr>
           <p:grpSpPr>
             <a:xfrm>
-              <a:off x="7224480" y="2009160"/>
-              <a:ext cx="347400" cy="648000"/>
-              <a:chOff x="7224480" y="2009160"/>
-              <a:chExt cx="347400" cy="648000"/>
+              <a:off x="6824160" y="2016000"/>
+              <a:ext cx="347040" cy="648000"/>
+              <a:chOff x="6824160" y="2016000"/>
+              <a:chExt cx="347040" cy="648000"/>
             </a:xfrm>
           </p:grpSpPr>
           <p:sp>
             <p:nvSpPr>
-              <p:cNvPr id="183" name="CustomShape 19"/>
+              <p:cNvPr id="192" name="CustomShape 19"/>
               <p:cNvSpPr/>
               <p:nvPr/>
             </p:nvSpPr>
             <p:spPr>
               <a:xfrm>
-                <a:off x="7298280" y="2009160"/>
-                <a:ext cx="207720" cy="209880"/>
+                <a:off x="6897600" y="2016000"/>
+                <a:ext cx="208080" cy="210240"/>
               </a:xfrm>
               <a:prstGeom prst="flowChartConnector">
                 <a:avLst/>
@@ -8160,14 +8477,14 @@
           </p:sp>
           <p:sp>
             <p:nvSpPr>
-              <p:cNvPr id="184" name="CustomShape 20"/>
+              <p:cNvPr id="193" name="CustomShape 20"/>
               <p:cNvSpPr/>
               <p:nvPr/>
             </p:nvSpPr>
             <p:spPr>
               <a:xfrm flipH="1">
-                <a:off x="7391880" y="2225520"/>
-                <a:ext cx="360" cy="218520"/>
+                <a:off x="6991920" y="2232360"/>
+                <a:ext cx="360" cy="218880"/>
               </a:xfrm>
               <a:custGeom>
                 <a:avLst/>
@@ -8202,14 +8519,14 @@
           </p:sp>
           <p:sp>
             <p:nvSpPr>
-              <p:cNvPr id="185" name="CustomShape 21"/>
+              <p:cNvPr id="194" name="CustomShape 21"/>
               <p:cNvSpPr/>
               <p:nvPr/>
             </p:nvSpPr>
             <p:spPr>
               <a:xfrm>
-                <a:off x="7250400" y="2322720"/>
-                <a:ext cx="303840" cy="360"/>
+                <a:off x="6849720" y="2329560"/>
+                <a:ext cx="304200" cy="360"/>
               </a:xfrm>
               <a:custGeom>
                 <a:avLst/>
@@ -8244,14 +8561,14 @@
           </p:sp>
           <p:sp>
             <p:nvSpPr>
-              <p:cNvPr id="186" name="CustomShape 22"/>
+              <p:cNvPr id="195" name="CustomShape 22"/>
               <p:cNvSpPr/>
               <p:nvPr/>
             </p:nvSpPr>
             <p:spPr>
               <a:xfrm flipH="1">
-                <a:off x="7224480" y="2449080"/>
-                <a:ext cx="163440" cy="201600"/>
+                <a:off x="6823800" y="2455920"/>
+                <a:ext cx="163800" cy="201960"/>
               </a:xfrm>
               <a:custGeom>
                 <a:avLst/>
@@ -8286,14 +8603,14 @@
           </p:sp>
           <p:sp>
             <p:nvSpPr>
-              <p:cNvPr id="187" name="CustomShape 23"/>
+              <p:cNvPr id="196" name="CustomShape 23"/>
               <p:cNvSpPr/>
               <p:nvPr/>
             </p:nvSpPr>
             <p:spPr>
               <a:xfrm rot="10800000">
-                <a:off x="7408080" y="2455560"/>
-                <a:ext cx="163800" cy="201600"/>
+                <a:off x="7007040" y="2462040"/>
+                <a:ext cx="164160" cy="201960"/>
               </a:xfrm>
               <a:custGeom>
                 <a:avLst/>
@@ -8329,14 +8646,14 @@
         </p:grpSp>
         <p:sp>
           <p:nvSpPr>
-            <p:cNvPr id="188" name="CustomShape 24"/>
+            <p:cNvPr id="197" name="CustomShape 24"/>
             <p:cNvSpPr/>
             <p:nvPr/>
           </p:nvSpPr>
           <p:spPr>
             <a:xfrm>
-              <a:off x="6840720" y="2547000"/>
-              <a:ext cx="1119240" cy="371520"/>
+              <a:off x="6440040" y="2553840"/>
+              <a:ext cx="1119600" cy="371880"/>
             </a:xfrm>
             <a:prstGeom prst="rect">
               <a:avLst/>
@@ -8370,7 +8687,7 @@
                   <a:latin typeface="Arial"/>
                   <a:ea typeface="Arial"/>
                 </a:rPr>
-                <a:t>Outros bares</a:t>
+                <a:t>Bares associados</a:t>
               </a:r>
               <a:endParaRPr b="0" lang="pt-BR" sz="1200" spc="-1" strike="noStrike">
                 <a:latin typeface="Arial"/>
@@ -8381,14 +8698,323 @@
       </p:grpSp>
       <p:sp>
         <p:nvSpPr>
-          <p:cNvPr id="189" name="CustomShape 25"/>
+          <p:cNvPr id="198" name="CustomShape 25"/>
           <p:cNvSpPr/>
           <p:nvPr/>
         </p:nvSpPr>
         <p:spPr>
           <a:xfrm>
-            <a:off x="6031080" y="628560"/>
-            <a:ext cx="1369800" cy="1378080"/>
+            <a:off x="6029280" y="720000"/>
+            <a:ext cx="954360" cy="1287000"/>
+          </a:xfrm>
+          <a:prstGeom prst="curvedConnector2">
+            <a:avLst/>
+          </a:prstGeom>
+          <a:noFill/>
+          <a:ln w="9360">
+            <a:solidFill>
+              <a:srgbClr val="3465a4"/>
+            </a:solidFill>
+            <a:round/>
+          </a:ln>
+        </p:spPr>
+        <p:style>
+          <a:lnRef idx="0"/>
+          <a:fillRef idx="0"/>
+          <a:effectRef idx="0"/>
+          <a:fontRef idx="minor"/>
+        </p:style>
+      </p:sp>
+      <p:grpSp>
+        <p:nvGrpSpPr>
+          <p:cNvPr id="199" name="Group 26"/>
+          <p:cNvGrpSpPr/>
+          <p:nvPr/>
+        </p:nvGrpSpPr>
+        <p:grpSpPr>
+          <a:xfrm>
+            <a:off x="7952040" y="2016000"/>
+            <a:ext cx="1119600" cy="909720"/>
+            <a:chOff x="7952040" y="2016000"/>
+            <a:chExt cx="1119600" cy="909720"/>
+          </a:xfrm>
+        </p:grpSpPr>
+        <p:grpSp>
+          <p:nvGrpSpPr>
+            <p:cNvPr id="200" name="Group 27"/>
+            <p:cNvGrpSpPr/>
+            <p:nvPr/>
+          </p:nvGrpSpPr>
+          <p:grpSpPr>
+            <a:xfrm>
+              <a:off x="8336160" y="2016000"/>
+              <a:ext cx="347040" cy="648000"/>
+              <a:chOff x="8336160" y="2016000"/>
+              <a:chExt cx="347040" cy="648000"/>
+            </a:xfrm>
+          </p:grpSpPr>
+          <p:sp>
+            <p:nvSpPr>
+              <p:cNvPr id="201" name="CustomShape 28"/>
+              <p:cNvSpPr/>
+              <p:nvPr/>
+            </p:nvSpPr>
+            <p:spPr>
+              <a:xfrm>
+                <a:off x="8409600" y="2016000"/>
+                <a:ext cx="208080" cy="210240"/>
+              </a:xfrm>
+              <a:prstGeom prst="flowChartConnector">
+                <a:avLst/>
+              </a:prstGeom>
+              <a:solidFill>
+                <a:srgbClr val="eeeeee"/>
+              </a:solidFill>
+              <a:ln w="9360">
+                <a:solidFill>
+                  <a:srgbClr val="595959"/>
+                </a:solidFill>
+                <a:round/>
+              </a:ln>
+            </p:spPr>
+            <p:style>
+              <a:lnRef idx="0"/>
+              <a:fillRef idx="0"/>
+              <a:effectRef idx="0"/>
+              <a:fontRef idx="minor"/>
+            </p:style>
+          </p:sp>
+          <p:sp>
+            <p:nvSpPr>
+              <p:cNvPr id="202" name="CustomShape 29"/>
+              <p:cNvSpPr/>
+              <p:nvPr/>
+            </p:nvSpPr>
+            <p:spPr>
+              <a:xfrm flipH="1">
+                <a:off x="8503920" y="2232360"/>
+                <a:ext cx="360" cy="218880"/>
+              </a:xfrm>
+              <a:custGeom>
+                <a:avLst/>
+                <a:gdLst/>
+                <a:ahLst/>
+                <a:rect l="l" t="t" r="r" b="b"/>
+                <a:pathLst>
+                  <a:path w="21600" h="21600">
+                    <a:moveTo>
+                      <a:pt x="0" y="0"/>
+                    </a:moveTo>
+                    <a:lnTo>
+                      <a:pt x="21600" y="21600"/>
+                    </a:lnTo>
+                  </a:path>
+                </a:pathLst>
+              </a:custGeom>
+              <a:noFill/>
+              <a:ln w="9360">
+                <a:solidFill>
+                  <a:srgbClr val="595959"/>
+                </a:solidFill>
+                <a:round/>
+              </a:ln>
+            </p:spPr>
+            <p:style>
+              <a:lnRef idx="0"/>
+              <a:fillRef idx="0"/>
+              <a:effectRef idx="0"/>
+              <a:fontRef idx="minor"/>
+            </p:style>
+          </p:sp>
+          <p:sp>
+            <p:nvSpPr>
+              <p:cNvPr id="203" name="CustomShape 30"/>
+              <p:cNvSpPr/>
+              <p:nvPr/>
+            </p:nvSpPr>
+            <p:spPr>
+              <a:xfrm>
+                <a:off x="8361720" y="2329560"/>
+                <a:ext cx="304200" cy="360"/>
+              </a:xfrm>
+              <a:custGeom>
+                <a:avLst/>
+                <a:gdLst/>
+                <a:ahLst/>
+                <a:rect l="l" t="t" r="r" b="b"/>
+                <a:pathLst>
+                  <a:path w="21600" h="21600">
+                    <a:moveTo>
+                      <a:pt x="0" y="0"/>
+                    </a:moveTo>
+                    <a:lnTo>
+                      <a:pt x="21600" y="21600"/>
+                    </a:lnTo>
+                  </a:path>
+                </a:pathLst>
+              </a:custGeom>
+              <a:noFill/>
+              <a:ln w="9360">
+                <a:solidFill>
+                  <a:srgbClr val="595959"/>
+                </a:solidFill>
+                <a:round/>
+              </a:ln>
+            </p:spPr>
+            <p:style>
+              <a:lnRef idx="0"/>
+              <a:fillRef idx="0"/>
+              <a:effectRef idx="0"/>
+              <a:fontRef idx="minor"/>
+            </p:style>
+          </p:sp>
+          <p:sp>
+            <p:nvSpPr>
+              <p:cNvPr id="204" name="CustomShape 31"/>
+              <p:cNvSpPr/>
+              <p:nvPr/>
+            </p:nvSpPr>
+            <p:spPr>
+              <a:xfrm flipH="1">
+                <a:off x="8335800" y="2455920"/>
+                <a:ext cx="163800" cy="201960"/>
+              </a:xfrm>
+              <a:custGeom>
+                <a:avLst/>
+                <a:gdLst/>
+                <a:ahLst/>
+                <a:rect l="l" t="t" r="r" b="b"/>
+                <a:pathLst>
+                  <a:path w="21600" h="21600">
+                    <a:moveTo>
+                      <a:pt x="0" y="0"/>
+                    </a:moveTo>
+                    <a:lnTo>
+                      <a:pt x="21600" y="21600"/>
+                    </a:lnTo>
+                  </a:path>
+                </a:pathLst>
+              </a:custGeom>
+              <a:noFill/>
+              <a:ln w="9360">
+                <a:solidFill>
+                  <a:srgbClr val="595959"/>
+                </a:solidFill>
+                <a:round/>
+              </a:ln>
+            </p:spPr>
+            <p:style>
+              <a:lnRef idx="0"/>
+              <a:fillRef idx="0"/>
+              <a:effectRef idx="0"/>
+              <a:fontRef idx="minor"/>
+            </p:style>
+          </p:sp>
+          <p:sp>
+            <p:nvSpPr>
+              <p:cNvPr id="205" name="CustomShape 32"/>
+              <p:cNvSpPr/>
+              <p:nvPr/>
+            </p:nvSpPr>
+            <p:spPr>
+              <a:xfrm rot="10800000">
+                <a:off x="8519040" y="2462040"/>
+                <a:ext cx="164160" cy="201960"/>
+              </a:xfrm>
+              <a:custGeom>
+                <a:avLst/>
+                <a:gdLst/>
+                <a:ahLst/>
+                <a:rect l="l" t="t" r="r" b="b"/>
+                <a:pathLst>
+                  <a:path w="21600" h="21600">
+                    <a:moveTo>
+                      <a:pt x="0" y="0"/>
+                    </a:moveTo>
+                    <a:lnTo>
+                      <a:pt x="21600" y="21600"/>
+                    </a:lnTo>
+                  </a:path>
+                </a:pathLst>
+              </a:custGeom>
+              <a:noFill/>
+              <a:ln w="9360">
+                <a:solidFill>
+                  <a:srgbClr val="595959"/>
+                </a:solidFill>
+                <a:round/>
+              </a:ln>
+            </p:spPr>
+            <p:style>
+              <a:lnRef idx="0"/>
+              <a:fillRef idx="0"/>
+              <a:effectRef idx="0"/>
+              <a:fontRef idx="minor"/>
+            </p:style>
+          </p:sp>
+        </p:grpSp>
+        <p:sp>
+          <p:nvSpPr>
+            <p:cNvPr id="206" name="CustomShape 33"/>
+            <p:cNvSpPr/>
+            <p:nvPr/>
+          </p:nvSpPr>
+          <p:spPr>
+            <a:xfrm>
+              <a:off x="7952040" y="2553840"/>
+              <a:ext cx="1119600" cy="371880"/>
+            </a:xfrm>
+            <a:prstGeom prst="rect">
+              <a:avLst/>
+            </a:prstGeom>
+            <a:noFill/>
+            <a:ln>
+              <a:noFill/>
+            </a:ln>
+          </p:spPr>
+          <p:style>
+            <a:lnRef idx="0"/>
+            <a:fillRef idx="0"/>
+            <a:effectRef idx="0"/>
+            <a:fontRef idx="minor"/>
+          </p:style>
+          <p:txBody>
+            <a:bodyPr lIns="90000" rIns="90000" tIns="91440" bIns="91440">
+              <a:noAutofit/>
+            </a:bodyPr>
+            <a:p>
+              <a:pPr algn="ctr">
+                <a:lnSpc>
+                  <a:spcPct val="100000"/>
+                </a:lnSpc>
+              </a:pPr>
+              <a:r>
+                <a:rPr b="1" lang="pt-BR" sz="1200" spc="-1" strike="noStrike">
+                  <a:solidFill>
+                    <a:srgbClr val="000000"/>
+                  </a:solidFill>
+                  <a:latin typeface="Arial"/>
+                  <a:ea typeface="Arial"/>
+                </a:rPr>
+                <a:t>Governo</a:t>
+              </a:r>
+              <a:endParaRPr b="0" lang="pt-BR" sz="1200" spc="-1" strike="noStrike">
+                <a:latin typeface="Arial"/>
+              </a:endParaRPr>
+            </a:p>
+          </p:txBody>
+        </p:sp>
+      </p:grpSp>
+      <p:sp>
+        <p:nvSpPr>
+          <p:cNvPr id="207" name="CustomShape 34"/>
+          <p:cNvSpPr/>
+          <p:nvPr/>
+        </p:nvSpPr>
+        <p:spPr>
+          <a:xfrm>
+            <a:off x="6029280" y="636120"/>
+            <a:ext cx="2466360" cy="1379520"/>
           </a:xfrm>
           <a:prstGeom prst="curvedConnector2">
             <a:avLst/>
